--- a/Documents/Báo cáo/Bao cao KLTN.pptx
+++ b/Documents/Báo cáo/Bao cao KLTN.pptx
@@ -307,7 +307,6 @@
               <a:rPr lang="en-US"/>
               <a:t>Fifth level</a:t>
             </a:r>
-            <a:endParaRPr lang="en-US"/>
           </a:p>
         </p:txBody>
       </p:sp>
@@ -9676,6 +9675,48 @@
               </a:rPr>
               <a:t>nghị</a:t>
             </a:r>
+            <a:r>
+              <a:rPr lang="en-US" sz="2800" dirty="0">
+                <a:latin typeface="Times New Roman" panose="02020603050405020304" pitchFamily="18" charset="0"/>
+                <a:cs typeface="Times New Roman" panose="02020603050405020304" pitchFamily="18" charset="0"/>
+              </a:rPr>
+              <a:t> &amp; </a:t>
+            </a:r>
+            <a:r>
+              <a:rPr lang="en-US" sz="2800" dirty="0" err="1">
+                <a:latin typeface="Times New Roman" panose="02020603050405020304" pitchFamily="18" charset="0"/>
+                <a:cs typeface="Times New Roman" panose="02020603050405020304" pitchFamily="18" charset="0"/>
+              </a:rPr>
+              <a:t>các</a:t>
+            </a:r>
+            <a:r>
+              <a:rPr lang="en-US" sz="2800" dirty="0">
+                <a:latin typeface="Times New Roman" panose="02020603050405020304" pitchFamily="18" charset="0"/>
+                <a:cs typeface="Times New Roman" panose="02020603050405020304" pitchFamily="18" charset="0"/>
+              </a:rPr>
+              <a:t> </a:t>
+            </a:r>
+            <a:r>
+              <a:rPr lang="en-US" sz="2800" dirty="0" err="1">
+                <a:latin typeface="Times New Roman" panose="02020603050405020304" pitchFamily="18" charset="0"/>
+                <a:cs typeface="Times New Roman" panose="02020603050405020304" pitchFamily="18" charset="0"/>
+              </a:rPr>
+              <a:t>độ</a:t>
+            </a:r>
+            <a:r>
+              <a:rPr lang="en-US" sz="2800" dirty="0">
+                <a:latin typeface="Times New Roman" panose="02020603050405020304" pitchFamily="18" charset="0"/>
+                <a:cs typeface="Times New Roman" panose="02020603050405020304" pitchFamily="18" charset="0"/>
+              </a:rPr>
+              <a:t> </a:t>
+            </a:r>
+            <a:r>
+              <a:rPr lang="en-US" sz="2800" dirty="0" err="1">
+                <a:latin typeface="Times New Roman" panose="02020603050405020304" pitchFamily="18" charset="0"/>
+                <a:cs typeface="Times New Roman" panose="02020603050405020304" pitchFamily="18" charset="0"/>
+              </a:rPr>
+              <a:t>đo</a:t>
+            </a:r>
             <a:endParaRPr lang="en-US" sz="2800" dirty="0">
               <a:latin typeface="Times New Roman" panose="02020603050405020304" pitchFamily="18" charset="0"/>
               <a:cs typeface="Times New Roman" panose="02020603050405020304" pitchFamily="18" charset="0"/>
@@ -10694,9 +10735,8 @@
             </a:r>
           </a:p>
           <a:p>
-            <a:pPr lvl="1">
-              <a:buFontTx/>
-              <a:buChar char="-"/>
+            <a:pPr marL="457200" lvl="1" indent="0">
+              <a:buNone/>
             </a:pPr>
             <a:r>
               <a:rPr lang="en-US" sz="2600" dirty="0">
@@ -10975,7 +11015,7 @@
                 <a:cs typeface="Times New Roman" panose="02020603050405020304" pitchFamily="18" charset="0"/>
                 <a:sym typeface="Wingdings" panose="05000000000000000000" pitchFamily="2" charset="2"/>
               </a:rPr>
-              <a:t>    </a:t>
+              <a:t> </a:t>
             </a:r>
             <a:r>
               <a:rPr lang="en-US" sz="2600" dirty="0" err="1">
@@ -11145,7 +11185,7 @@
                 <a:cs typeface="Times New Roman" panose="02020603050405020304" pitchFamily="18" charset="0"/>
                 <a:sym typeface="Wingdings" panose="05000000000000000000" pitchFamily="2" charset="2"/>
               </a:rPr>
-              <a:t>    </a:t>
+              <a:t> </a:t>
             </a:r>
             <a:r>
               <a:rPr lang="en-US" sz="2600" dirty="0" err="1">

--- a/Documents/Báo cáo/Bao cao KLTN.pptx
+++ b/Documents/Báo cáo/Bao cao KLTN.pptx
@@ -12349,6 +12349,89 @@
   <p:clrMapOvr>
     <a:masterClrMapping/>
   </p:clrMapOvr>
+  <p:timing>
+    <p:tnLst>
+      <p:par>
+        <p:cTn id="1" dur="indefinite" restart="never" nodeType="tmRoot">
+          <p:childTnLst>
+            <p:seq concurrent="1" nextAc="seek">
+              <p:cTn id="2" dur="indefinite" nodeType="mainSeq">
+                <p:childTnLst>
+                  <p:par>
+                    <p:cTn id="3" fill="hold">
+                      <p:stCondLst>
+                        <p:cond delay="indefinite"/>
+                      </p:stCondLst>
+                      <p:childTnLst>
+                        <p:par>
+                          <p:cTn id="4" fill="hold">
+                            <p:stCondLst>
+                              <p:cond delay="0"/>
+                            </p:stCondLst>
+                            <p:childTnLst>
+                              <p:par>
+                                <p:cTn id="5" presetID="6" presetClass="entr" presetSubtype="16" fill="hold" nodeType="clickEffect">
+                                  <p:stCondLst>
+                                    <p:cond delay="0"/>
+                                  </p:stCondLst>
+                                  <p:childTnLst>
+                                    <p:set>
+                                      <p:cBhvr>
+                                        <p:cTn id="6" dur="1" fill="hold">
+                                          <p:stCondLst>
+                                            <p:cond delay="0"/>
+                                          </p:stCondLst>
+                                        </p:cTn>
+                                        <p:tgtEl>
+                                          <p:spTgt spid="3"/>
+                                        </p:tgtEl>
+                                        <p:attrNameLst>
+                                          <p:attrName>style.visibility</p:attrName>
+                                        </p:attrNameLst>
+                                      </p:cBhvr>
+                                      <p:to>
+                                        <p:strVal val="visible"/>
+                                      </p:to>
+                                    </p:set>
+                                    <p:animEffect transition="in" filter="circle(in)">
+                                      <p:cBhvr>
+                                        <p:cTn id="7" dur="2000"/>
+                                        <p:tgtEl>
+                                          <p:spTgt spid="3"/>
+                                        </p:tgtEl>
+                                      </p:cBhvr>
+                                    </p:animEffect>
+                                  </p:childTnLst>
+                                </p:cTn>
+                              </p:par>
+                            </p:childTnLst>
+                          </p:cTn>
+                        </p:par>
+                      </p:childTnLst>
+                    </p:cTn>
+                  </p:par>
+                </p:childTnLst>
+              </p:cTn>
+              <p:prevCondLst>
+                <p:cond evt="onPrev" delay="0">
+                  <p:tgtEl>
+                    <p:sldTgt/>
+                  </p:tgtEl>
+                </p:cond>
+              </p:prevCondLst>
+              <p:nextCondLst>
+                <p:cond evt="onNext" delay="0">
+                  <p:tgtEl>
+                    <p:sldTgt/>
+                  </p:tgtEl>
+                </p:cond>
+              </p:nextCondLst>
+            </p:seq>
+          </p:childTnLst>
+        </p:cTn>
+      </p:par>
+    </p:tnLst>
+  </p:timing>
 </p:sld>
 </file>
 
@@ -12617,6 +12700,397 @@
   <p:clrMapOvr>
     <a:masterClrMapping/>
   </p:clrMapOvr>
+  <p:timing>
+    <p:tnLst>
+      <p:par>
+        <p:cTn id="1" dur="indefinite" restart="never" nodeType="tmRoot">
+          <p:childTnLst>
+            <p:seq concurrent="1" nextAc="seek">
+              <p:cTn id="2" dur="indefinite" nodeType="mainSeq">
+                <p:childTnLst>
+                  <p:par>
+                    <p:cTn id="3" fill="hold">
+                      <p:stCondLst>
+                        <p:cond delay="indefinite"/>
+                      </p:stCondLst>
+                      <p:childTnLst>
+                        <p:par>
+                          <p:cTn id="4" fill="hold">
+                            <p:stCondLst>
+                              <p:cond delay="0"/>
+                            </p:stCondLst>
+                            <p:childTnLst>
+                              <p:par>
+                                <p:cTn id="5" presetID="42" presetClass="entr" presetSubtype="0" fill="hold" nodeType="clickEffect">
+                                  <p:stCondLst>
+                                    <p:cond delay="0"/>
+                                  </p:stCondLst>
+                                  <p:childTnLst>
+                                    <p:set>
+                                      <p:cBhvr>
+                                        <p:cTn id="6" dur="1" fill="hold">
+                                          <p:stCondLst>
+                                            <p:cond delay="0"/>
+                                          </p:stCondLst>
+                                        </p:cTn>
+                                        <p:tgtEl>
+                                          <p:spTgt spid="6"/>
+                                        </p:tgtEl>
+                                        <p:attrNameLst>
+                                          <p:attrName>style.visibility</p:attrName>
+                                        </p:attrNameLst>
+                                      </p:cBhvr>
+                                      <p:to>
+                                        <p:strVal val="visible"/>
+                                      </p:to>
+                                    </p:set>
+                                    <p:animEffect transition="in" filter="fade">
+                                      <p:cBhvr>
+                                        <p:cTn id="7" dur="1000"/>
+                                        <p:tgtEl>
+                                          <p:spTgt spid="6"/>
+                                        </p:tgtEl>
+                                      </p:cBhvr>
+                                    </p:animEffect>
+                                    <p:anim calcmode="lin" valueType="num">
+                                      <p:cBhvr>
+                                        <p:cTn id="8" dur="1000" fill="hold"/>
+                                        <p:tgtEl>
+                                          <p:spTgt spid="6"/>
+                                        </p:tgtEl>
+                                        <p:attrNameLst>
+                                          <p:attrName>ppt_x</p:attrName>
+                                        </p:attrNameLst>
+                                      </p:cBhvr>
+                                      <p:tavLst>
+                                        <p:tav tm="0">
+                                          <p:val>
+                                            <p:strVal val="#ppt_x"/>
+                                          </p:val>
+                                        </p:tav>
+                                        <p:tav tm="100000">
+                                          <p:val>
+                                            <p:strVal val="#ppt_x"/>
+                                          </p:val>
+                                        </p:tav>
+                                      </p:tavLst>
+                                    </p:anim>
+                                    <p:anim calcmode="lin" valueType="num">
+                                      <p:cBhvr>
+                                        <p:cTn id="9" dur="1000" fill="hold"/>
+                                        <p:tgtEl>
+                                          <p:spTgt spid="6"/>
+                                        </p:tgtEl>
+                                        <p:attrNameLst>
+                                          <p:attrName>ppt_y</p:attrName>
+                                        </p:attrNameLst>
+                                      </p:cBhvr>
+                                      <p:tavLst>
+                                        <p:tav tm="0">
+                                          <p:val>
+                                            <p:strVal val="#ppt_y+.1"/>
+                                          </p:val>
+                                        </p:tav>
+                                        <p:tav tm="100000">
+                                          <p:val>
+                                            <p:strVal val="#ppt_y"/>
+                                          </p:val>
+                                        </p:tav>
+                                      </p:tavLst>
+                                    </p:anim>
+                                  </p:childTnLst>
+                                </p:cTn>
+                              </p:par>
+                              <p:par>
+                                <p:cTn id="10" presetID="42" presetClass="entr" presetSubtype="0" fill="hold" grpId="0" nodeType="withEffect">
+                                  <p:stCondLst>
+                                    <p:cond delay="0"/>
+                                  </p:stCondLst>
+                                  <p:childTnLst>
+                                    <p:set>
+                                      <p:cBhvr>
+                                        <p:cTn id="11" dur="1" fill="hold">
+                                          <p:stCondLst>
+                                            <p:cond delay="0"/>
+                                          </p:stCondLst>
+                                        </p:cTn>
+                                        <p:tgtEl>
+                                          <p:spTgt spid="3"/>
+                                        </p:tgtEl>
+                                        <p:attrNameLst>
+                                          <p:attrName>style.visibility</p:attrName>
+                                        </p:attrNameLst>
+                                      </p:cBhvr>
+                                      <p:to>
+                                        <p:strVal val="visible"/>
+                                      </p:to>
+                                    </p:set>
+                                    <p:animEffect transition="in" filter="fade">
+                                      <p:cBhvr>
+                                        <p:cTn id="12" dur="1000"/>
+                                        <p:tgtEl>
+                                          <p:spTgt spid="3"/>
+                                        </p:tgtEl>
+                                      </p:cBhvr>
+                                    </p:animEffect>
+                                    <p:anim calcmode="lin" valueType="num">
+                                      <p:cBhvr>
+                                        <p:cTn id="13" dur="1000" fill="hold"/>
+                                        <p:tgtEl>
+                                          <p:spTgt spid="3"/>
+                                        </p:tgtEl>
+                                        <p:attrNameLst>
+                                          <p:attrName>ppt_x</p:attrName>
+                                        </p:attrNameLst>
+                                      </p:cBhvr>
+                                      <p:tavLst>
+                                        <p:tav tm="0">
+                                          <p:val>
+                                            <p:strVal val="#ppt_x"/>
+                                          </p:val>
+                                        </p:tav>
+                                        <p:tav tm="100000">
+                                          <p:val>
+                                            <p:strVal val="#ppt_x"/>
+                                          </p:val>
+                                        </p:tav>
+                                      </p:tavLst>
+                                    </p:anim>
+                                    <p:anim calcmode="lin" valueType="num">
+                                      <p:cBhvr>
+                                        <p:cTn id="14" dur="1000" fill="hold"/>
+                                        <p:tgtEl>
+                                          <p:spTgt spid="3"/>
+                                        </p:tgtEl>
+                                        <p:attrNameLst>
+                                          <p:attrName>ppt_y</p:attrName>
+                                        </p:attrNameLst>
+                                      </p:cBhvr>
+                                      <p:tavLst>
+                                        <p:tav tm="0">
+                                          <p:val>
+                                            <p:strVal val="#ppt_y+.1"/>
+                                          </p:val>
+                                        </p:tav>
+                                        <p:tav tm="100000">
+                                          <p:val>
+                                            <p:strVal val="#ppt_y"/>
+                                          </p:val>
+                                        </p:tav>
+                                      </p:tavLst>
+                                    </p:anim>
+                                  </p:childTnLst>
+                                </p:cTn>
+                              </p:par>
+                            </p:childTnLst>
+                          </p:cTn>
+                        </p:par>
+                      </p:childTnLst>
+                    </p:cTn>
+                  </p:par>
+                  <p:par>
+                    <p:cTn id="15" fill="hold">
+                      <p:stCondLst>
+                        <p:cond delay="indefinite"/>
+                      </p:stCondLst>
+                      <p:childTnLst>
+                        <p:par>
+                          <p:cTn id="16" fill="hold">
+                            <p:stCondLst>
+                              <p:cond delay="0"/>
+                            </p:stCondLst>
+                            <p:childTnLst>
+                              <p:par>
+                                <p:cTn id="17" presetID="10" presetClass="entr" presetSubtype="0" fill="hold" grpId="0" nodeType="clickEffect">
+                                  <p:stCondLst>
+                                    <p:cond delay="0"/>
+                                  </p:stCondLst>
+                                  <p:childTnLst>
+                                    <p:set>
+                                      <p:cBhvr>
+                                        <p:cTn id="18" dur="1" fill="hold">
+                                          <p:stCondLst>
+                                            <p:cond delay="0"/>
+                                          </p:stCondLst>
+                                        </p:cTn>
+                                        <p:tgtEl>
+                                          <p:spTgt spid="4"/>
+                                        </p:tgtEl>
+                                        <p:attrNameLst>
+                                          <p:attrName>style.visibility</p:attrName>
+                                        </p:attrNameLst>
+                                      </p:cBhvr>
+                                      <p:to>
+                                        <p:strVal val="visible"/>
+                                      </p:to>
+                                    </p:set>
+                                    <p:animEffect transition="in" filter="fade">
+                                      <p:cBhvr>
+                                        <p:cTn id="19" dur="500"/>
+                                        <p:tgtEl>
+                                          <p:spTgt spid="4"/>
+                                        </p:tgtEl>
+                                      </p:cBhvr>
+                                    </p:animEffect>
+                                  </p:childTnLst>
+                                </p:cTn>
+                              </p:par>
+                              <p:par>
+                                <p:cTn id="20" presetID="10" presetClass="entr" presetSubtype="0" fill="hold" nodeType="withEffect">
+                                  <p:stCondLst>
+                                    <p:cond delay="0"/>
+                                  </p:stCondLst>
+                                  <p:childTnLst>
+                                    <p:set>
+                                      <p:cBhvr>
+                                        <p:cTn id="21" dur="1" fill="hold">
+                                          <p:stCondLst>
+                                            <p:cond delay="0"/>
+                                          </p:stCondLst>
+                                        </p:cTn>
+                                        <p:tgtEl>
+                                          <p:spTgt spid="7"/>
+                                        </p:tgtEl>
+                                        <p:attrNameLst>
+                                          <p:attrName>style.visibility</p:attrName>
+                                        </p:attrNameLst>
+                                      </p:cBhvr>
+                                      <p:to>
+                                        <p:strVal val="visible"/>
+                                      </p:to>
+                                    </p:set>
+                                    <p:animEffect transition="in" filter="fade">
+                                      <p:cBhvr>
+                                        <p:cTn id="22" dur="500"/>
+                                        <p:tgtEl>
+                                          <p:spTgt spid="7"/>
+                                        </p:tgtEl>
+                                      </p:cBhvr>
+                                    </p:animEffect>
+                                  </p:childTnLst>
+                                </p:cTn>
+                              </p:par>
+                            </p:childTnLst>
+                          </p:cTn>
+                        </p:par>
+                      </p:childTnLst>
+                    </p:cTn>
+                  </p:par>
+                  <p:par>
+                    <p:cTn id="23" fill="hold">
+                      <p:stCondLst>
+                        <p:cond delay="indefinite"/>
+                      </p:stCondLst>
+                      <p:childTnLst>
+                        <p:par>
+                          <p:cTn id="24" fill="hold">
+                            <p:stCondLst>
+                              <p:cond delay="0"/>
+                            </p:stCondLst>
+                            <p:childTnLst>
+                              <p:par>
+                                <p:cTn id="25" presetID="6" presetClass="entr" presetSubtype="16" fill="hold" grpId="0" nodeType="clickEffect">
+                                  <p:stCondLst>
+                                    <p:cond delay="0"/>
+                                  </p:stCondLst>
+                                  <p:childTnLst>
+                                    <p:set>
+                                      <p:cBhvr>
+                                        <p:cTn id="26" dur="1" fill="hold">
+                                          <p:stCondLst>
+                                            <p:cond delay="0"/>
+                                          </p:stCondLst>
+                                        </p:cTn>
+                                        <p:tgtEl>
+                                          <p:spTgt spid="5"/>
+                                        </p:tgtEl>
+                                        <p:attrNameLst>
+                                          <p:attrName>style.visibility</p:attrName>
+                                        </p:attrNameLst>
+                                      </p:cBhvr>
+                                      <p:to>
+                                        <p:strVal val="visible"/>
+                                      </p:to>
+                                    </p:set>
+                                    <p:animEffect transition="in" filter="circle(in)">
+                                      <p:cBhvr>
+                                        <p:cTn id="27" dur="2000"/>
+                                        <p:tgtEl>
+                                          <p:spTgt spid="5"/>
+                                        </p:tgtEl>
+                                      </p:cBhvr>
+                                    </p:animEffect>
+                                  </p:childTnLst>
+                                </p:cTn>
+                              </p:par>
+                              <p:par>
+                                <p:cTn id="28" presetID="6" presetClass="entr" presetSubtype="16" fill="hold" nodeType="withEffect">
+                                  <p:stCondLst>
+                                    <p:cond delay="0"/>
+                                  </p:stCondLst>
+                                  <p:childTnLst>
+                                    <p:set>
+                                      <p:cBhvr>
+                                        <p:cTn id="29" dur="1" fill="hold">
+                                          <p:stCondLst>
+                                            <p:cond delay="0"/>
+                                          </p:stCondLst>
+                                        </p:cTn>
+                                        <p:tgtEl>
+                                          <p:spTgt spid="8"/>
+                                        </p:tgtEl>
+                                        <p:attrNameLst>
+                                          <p:attrName>style.visibility</p:attrName>
+                                        </p:attrNameLst>
+                                      </p:cBhvr>
+                                      <p:to>
+                                        <p:strVal val="visible"/>
+                                      </p:to>
+                                    </p:set>
+                                    <p:animEffect transition="in" filter="circle(in)">
+                                      <p:cBhvr>
+                                        <p:cTn id="30" dur="2000"/>
+                                        <p:tgtEl>
+                                          <p:spTgt spid="8"/>
+                                        </p:tgtEl>
+                                      </p:cBhvr>
+                                    </p:animEffect>
+                                  </p:childTnLst>
+                                </p:cTn>
+                              </p:par>
+                            </p:childTnLst>
+                          </p:cTn>
+                        </p:par>
+                      </p:childTnLst>
+                    </p:cTn>
+                  </p:par>
+                </p:childTnLst>
+              </p:cTn>
+              <p:prevCondLst>
+                <p:cond evt="onPrev" delay="0">
+                  <p:tgtEl>
+                    <p:sldTgt/>
+                  </p:tgtEl>
+                </p:cond>
+              </p:prevCondLst>
+              <p:nextCondLst>
+                <p:cond evt="onNext" delay="0">
+                  <p:tgtEl>
+                    <p:sldTgt/>
+                  </p:tgtEl>
+                </p:cond>
+              </p:nextCondLst>
+            </p:seq>
+          </p:childTnLst>
+        </p:cTn>
+      </p:par>
+    </p:tnLst>
+    <p:bldLst>
+      <p:bldP spid="3" grpId="0"/>
+      <p:bldP spid="4" grpId="0"/>
+      <p:bldP spid="5" grpId="0"/>
+    </p:bldLst>
+  </p:timing>
 </p:sld>
 </file>
 

--- a/Documents/Báo cáo/Bao cao KLTN.pptx
+++ b/Documents/Báo cáo/Bao cao KLTN.pptx
@@ -215,7 +215,7 @@
           <a:p>
             <a:fld id="{99796605-A074-4ACE-A4BF-45D150F71694}" type="datetimeFigureOut">
               <a:rPr lang="en-US" smtClean="0"/>
-              <a:t>11/24/2016</a:t>
+              <a:t>11/25/2016</a:t>
             </a:fld>
             <a:endParaRPr lang="en-US"/>
           </a:p>
@@ -1020,6 +1020,467 @@
           <a:bodyPr/>
           <a:lstStyle/>
           <a:p>
+            <a:pPr marL="0" indent="0">
+              <a:buNone/>
+            </a:pPr>
+            <a:r>
+              <a:rPr lang="en-US" baseline="0" dirty="0" err="1"/>
+              <a:t>Độ</a:t>
+            </a:r>
+            <a:r>
+              <a:rPr lang="en-US" baseline="0" dirty="0"/>
+              <a:t> </a:t>
+            </a:r>
+            <a:r>
+              <a:rPr lang="en-US" baseline="0" dirty="0" err="1"/>
+              <a:t>đo</a:t>
+            </a:r>
+            <a:r>
+              <a:rPr lang="en-US" baseline="0" dirty="0"/>
+              <a:t> </a:t>
+            </a:r>
+            <a:r>
+              <a:rPr lang="en-US" baseline="0" dirty="0" err="1"/>
+              <a:t>chuẩn</a:t>
+            </a:r>
+            <a:r>
+              <a:rPr lang="en-US" baseline="0" dirty="0"/>
+              <a:t> </a:t>
+            </a:r>
+            <a:r>
+              <a:rPr lang="en-US" baseline="0" dirty="0" err="1"/>
+              <a:t>là</a:t>
+            </a:r>
+            <a:r>
+              <a:rPr lang="en-US" baseline="0" dirty="0"/>
+              <a:t> </a:t>
+            </a:r>
+            <a:r>
+              <a:rPr lang="en-US" baseline="0" dirty="0" err="1"/>
+              <a:t>các</a:t>
+            </a:r>
+            <a:r>
+              <a:rPr lang="en-US" baseline="0" dirty="0"/>
+              <a:t> </a:t>
+            </a:r>
+            <a:r>
+              <a:rPr lang="en-US" baseline="0" dirty="0" err="1"/>
+              <a:t>độ</a:t>
+            </a:r>
+            <a:r>
+              <a:rPr lang="en-US" baseline="0" dirty="0"/>
+              <a:t> </a:t>
+            </a:r>
+            <a:r>
+              <a:rPr lang="en-US" baseline="0" dirty="0" err="1"/>
+              <a:t>đo</a:t>
+            </a:r>
+            <a:r>
+              <a:rPr lang="en-US" baseline="0" dirty="0"/>
+              <a:t> </a:t>
+            </a:r>
+            <a:r>
+              <a:rPr lang="en-US" baseline="0" dirty="0" err="1"/>
+              <a:t>phổ</a:t>
+            </a:r>
+            <a:r>
+              <a:rPr lang="en-US" baseline="0" dirty="0"/>
+              <a:t> </a:t>
+            </a:r>
+            <a:r>
+              <a:rPr lang="en-US" baseline="0" dirty="0" err="1"/>
+              <a:t>biến</a:t>
+            </a:r>
+            <a:r>
+              <a:rPr lang="en-US" baseline="0" dirty="0"/>
+              <a:t> </a:t>
+            </a:r>
+            <a:r>
+              <a:rPr lang="en-US" baseline="0" dirty="0" err="1"/>
+              <a:t>được</a:t>
+            </a:r>
+            <a:r>
+              <a:rPr lang="en-US" baseline="0" dirty="0"/>
+              <a:t> </a:t>
+            </a:r>
+            <a:r>
+              <a:rPr lang="en-US" baseline="0" dirty="0" err="1"/>
+              <a:t>sử</a:t>
+            </a:r>
+            <a:r>
+              <a:rPr lang="en-US" baseline="0" dirty="0"/>
+              <a:t> </a:t>
+            </a:r>
+            <a:r>
+              <a:rPr lang="en-US" baseline="0" dirty="0" err="1"/>
+              <a:t>dụng</a:t>
+            </a:r>
+            <a:r>
+              <a:rPr lang="en-US" baseline="0" dirty="0"/>
+              <a:t> </a:t>
+            </a:r>
+            <a:r>
+              <a:rPr lang="en-US" baseline="0" dirty="0" err="1"/>
+              <a:t>rộng</a:t>
+            </a:r>
+            <a:r>
+              <a:rPr lang="en-US" baseline="0" dirty="0"/>
+              <a:t> </a:t>
+            </a:r>
+            <a:r>
+              <a:rPr lang="en-US" baseline="0" dirty="0" err="1"/>
+              <a:t>rãi</a:t>
+            </a:r>
+            <a:r>
+              <a:rPr lang="en-US" baseline="0" dirty="0"/>
+              <a:t> </a:t>
+            </a:r>
+            <a:r>
+              <a:rPr lang="en-US" baseline="0" dirty="0" err="1"/>
+              <a:t>trong</a:t>
+            </a:r>
+            <a:r>
+              <a:rPr lang="en-US" baseline="0" dirty="0"/>
+              <a:t> </a:t>
+            </a:r>
+            <a:r>
+              <a:rPr lang="en-US" baseline="0" dirty="0" err="1"/>
+              <a:t>các</a:t>
+            </a:r>
+            <a:r>
+              <a:rPr lang="en-US" baseline="0" dirty="0"/>
+              <a:t> </a:t>
+            </a:r>
+            <a:r>
+              <a:rPr lang="en-US" baseline="0" dirty="0" err="1"/>
+              <a:t>nghiên</a:t>
+            </a:r>
+            <a:r>
+              <a:rPr lang="en-US" baseline="0" dirty="0"/>
+              <a:t> </a:t>
+            </a:r>
+            <a:r>
+              <a:rPr lang="en-US" baseline="0" dirty="0" err="1"/>
+              <a:t>cứu</a:t>
+            </a:r>
+            <a:r>
+              <a:rPr lang="en-US" baseline="0" dirty="0"/>
+              <a:t> </a:t>
+            </a:r>
+            <a:r>
+              <a:rPr lang="en-US" baseline="0" dirty="0" err="1"/>
+              <a:t>thực</a:t>
+            </a:r>
+            <a:r>
+              <a:rPr lang="en-US" baseline="0" dirty="0"/>
+              <a:t> </a:t>
+            </a:r>
+            <a:r>
+              <a:rPr lang="en-US" baseline="0" dirty="0" err="1"/>
+              <a:t>nghiệm</a:t>
+            </a:r>
+            <a:r>
+              <a:rPr lang="en-US" baseline="0" dirty="0"/>
+              <a:t> </a:t>
+            </a:r>
+            <a:r>
+              <a:rPr lang="en-US" baseline="0" dirty="0" err="1"/>
+              <a:t>trên</a:t>
+            </a:r>
+            <a:r>
+              <a:rPr lang="en-US" baseline="0" dirty="0"/>
+              <a:t> </a:t>
+            </a:r>
+            <a:r>
+              <a:rPr lang="en-US" baseline="0" dirty="0" err="1"/>
+              <a:t>thế</a:t>
+            </a:r>
+            <a:r>
+              <a:rPr lang="en-US" baseline="0" dirty="0"/>
+              <a:t> </a:t>
+            </a:r>
+            <a:r>
+              <a:rPr lang="en-US" baseline="0" dirty="0" err="1"/>
+              <a:t>giới</a:t>
+            </a:r>
+            <a:endParaRPr lang="en-US" baseline="0" dirty="0"/>
+          </a:p>
+          <a:p>
+            <a:pPr marL="228600" indent="-228600">
+              <a:buAutoNum type="arabicPeriod"/>
+            </a:pPr>
+            <a:r>
+              <a:rPr lang="en-US" baseline="0" dirty="0" err="1"/>
+              <a:t>Nhóm</a:t>
+            </a:r>
+            <a:r>
+              <a:rPr lang="en-US" baseline="0" dirty="0"/>
+              <a:t> </a:t>
+            </a:r>
+            <a:r>
+              <a:rPr lang="en-US" baseline="0" dirty="0" err="1"/>
+              <a:t>các</a:t>
+            </a:r>
+            <a:r>
+              <a:rPr lang="en-US" baseline="0" dirty="0"/>
+              <a:t> </a:t>
+            </a:r>
+            <a:r>
+              <a:rPr lang="en-US" baseline="0" dirty="0" err="1"/>
+              <a:t>độ</a:t>
+            </a:r>
+            <a:r>
+              <a:rPr lang="en-US" baseline="0" dirty="0"/>
+              <a:t> </a:t>
+            </a:r>
+            <a:r>
+              <a:rPr lang="en-US" baseline="0" dirty="0" err="1"/>
+              <a:t>đo</a:t>
+            </a:r>
+            <a:r>
+              <a:rPr lang="en-US" baseline="0" dirty="0"/>
+              <a:t> </a:t>
+            </a:r>
+            <a:r>
+              <a:rPr lang="en-US" baseline="0" dirty="0" err="1"/>
+              <a:t>về</a:t>
+            </a:r>
+            <a:r>
+              <a:rPr lang="en-US" baseline="0" dirty="0"/>
+              <a:t> </a:t>
+            </a:r>
+            <a:r>
+              <a:rPr lang="en-US" baseline="0" dirty="0" err="1"/>
+              <a:t>danh</a:t>
+            </a:r>
+            <a:r>
+              <a:rPr lang="en-US" baseline="0" dirty="0"/>
+              <a:t> </a:t>
+            </a:r>
+            <a:r>
+              <a:rPr lang="en-US" baseline="0" dirty="0" err="1"/>
+              <a:t>sách</a:t>
+            </a:r>
+            <a:r>
+              <a:rPr lang="en-US" baseline="0" dirty="0"/>
+              <a:t> </a:t>
+            </a:r>
+            <a:r>
+              <a:rPr lang="en-US" baseline="0" dirty="0" err="1"/>
+              <a:t>khuyến</a:t>
+            </a:r>
+            <a:r>
+              <a:rPr lang="en-US" baseline="0" dirty="0"/>
+              <a:t> </a:t>
+            </a:r>
+            <a:r>
+              <a:rPr lang="en-US" baseline="0" dirty="0" err="1"/>
+              <a:t>nghị</a:t>
+            </a:r>
+            <a:endParaRPr lang="en-US" baseline="0" dirty="0"/>
+          </a:p>
+          <a:p>
+            <a:pPr marL="228600" indent="-228600">
+              <a:buAutoNum type="arabicPeriod"/>
+            </a:pPr>
+            <a:r>
+              <a:rPr lang="en-US" baseline="0" dirty="0" err="1"/>
+              <a:t>Nhóm</a:t>
+            </a:r>
+            <a:r>
+              <a:rPr lang="en-US" baseline="0" dirty="0"/>
+              <a:t> </a:t>
+            </a:r>
+            <a:r>
+              <a:rPr lang="en-US" baseline="0" dirty="0" err="1"/>
+              <a:t>các</a:t>
+            </a:r>
+            <a:r>
+              <a:rPr lang="en-US" baseline="0" dirty="0"/>
+              <a:t> </a:t>
+            </a:r>
+            <a:r>
+              <a:rPr lang="en-US" baseline="0" dirty="0" err="1"/>
+              <a:t>độ</a:t>
+            </a:r>
+            <a:r>
+              <a:rPr lang="en-US" baseline="0" dirty="0"/>
+              <a:t> </a:t>
+            </a:r>
+            <a:r>
+              <a:rPr lang="en-US" baseline="0" dirty="0" err="1"/>
+              <a:t>đo</a:t>
+            </a:r>
+            <a:r>
+              <a:rPr lang="en-US" baseline="0" dirty="0"/>
+              <a:t> </a:t>
+            </a:r>
+            <a:r>
+              <a:rPr lang="en-US" baseline="0" dirty="0" err="1"/>
+              <a:t>về</a:t>
+            </a:r>
+            <a:r>
+              <a:rPr lang="en-US" baseline="0" dirty="0"/>
+              <a:t> </a:t>
+            </a:r>
+            <a:r>
+              <a:rPr lang="en-US" baseline="0" dirty="0" err="1"/>
+              <a:t>độ</a:t>
+            </a:r>
+            <a:r>
+              <a:rPr lang="en-US" baseline="0" dirty="0"/>
+              <a:t> </a:t>
+            </a:r>
+            <a:r>
+              <a:rPr lang="en-US" baseline="0" dirty="0" err="1"/>
+              <a:t>chính</a:t>
+            </a:r>
+            <a:r>
+              <a:rPr lang="en-US" baseline="0" dirty="0"/>
+              <a:t> </a:t>
+            </a:r>
+            <a:r>
+              <a:rPr lang="en-US" baseline="0" dirty="0" err="1"/>
+              <a:t>xác</a:t>
+            </a:r>
+            <a:r>
+              <a:rPr lang="en-US" baseline="0" dirty="0"/>
+              <a:t> </a:t>
+            </a:r>
+            <a:r>
+              <a:rPr lang="en-US" baseline="0" dirty="0" err="1"/>
+              <a:t>của</a:t>
+            </a:r>
+            <a:r>
+              <a:rPr lang="en-US" baseline="0" dirty="0"/>
+              <a:t> </a:t>
+            </a:r>
+            <a:r>
+              <a:rPr lang="en-US" baseline="0" dirty="0" err="1"/>
+              <a:t>tiên</a:t>
+            </a:r>
+            <a:r>
+              <a:rPr lang="en-US" baseline="0" dirty="0"/>
+              <a:t> </a:t>
+            </a:r>
+            <a:r>
+              <a:rPr lang="en-US" baseline="0" dirty="0" err="1"/>
+              <a:t>đoán</a:t>
+            </a:r>
+            <a:endParaRPr lang="en-US" baseline="0" dirty="0"/>
+          </a:p>
+          <a:p>
+            <a:pPr marL="228600" indent="-228600">
+              <a:buAutoNum type="arabicPeriod"/>
+            </a:pPr>
+            <a:r>
+              <a:rPr lang="en-US" baseline="0" dirty="0" err="1"/>
+              <a:t>Nhóm</a:t>
+            </a:r>
+            <a:r>
+              <a:rPr lang="en-US" baseline="0" dirty="0"/>
+              <a:t> </a:t>
+            </a:r>
+            <a:r>
+              <a:rPr lang="en-US" baseline="0" dirty="0" err="1"/>
+              <a:t>các</a:t>
+            </a:r>
+            <a:r>
+              <a:rPr lang="en-US" baseline="0" dirty="0"/>
+              <a:t> </a:t>
+            </a:r>
+            <a:r>
+              <a:rPr lang="en-US" baseline="0" dirty="0" err="1"/>
+              <a:t>độ</a:t>
+            </a:r>
+            <a:r>
+              <a:rPr lang="en-US" baseline="0" dirty="0"/>
+              <a:t> </a:t>
+            </a:r>
+            <a:r>
+              <a:rPr lang="en-US" baseline="0" dirty="0" err="1"/>
+              <a:t>đo</a:t>
+            </a:r>
+            <a:r>
+              <a:rPr lang="en-US" baseline="0" dirty="0"/>
+              <a:t> </a:t>
+            </a:r>
+            <a:r>
+              <a:rPr lang="en-US" baseline="0" dirty="0" err="1"/>
+              <a:t>về</a:t>
+            </a:r>
+            <a:r>
+              <a:rPr lang="en-US" baseline="0" dirty="0"/>
+              <a:t> </a:t>
+            </a:r>
+            <a:r>
+              <a:rPr lang="en-US" baseline="0" dirty="0" err="1"/>
+              <a:t>chất</a:t>
+            </a:r>
+            <a:r>
+              <a:rPr lang="en-US" baseline="0" dirty="0"/>
+              <a:t> </a:t>
+            </a:r>
+            <a:r>
+              <a:rPr lang="en-US" baseline="0" dirty="0" err="1"/>
+              <a:t>lượng</a:t>
+            </a:r>
+            <a:r>
+              <a:rPr lang="en-US" baseline="0" dirty="0"/>
+              <a:t> </a:t>
+            </a:r>
+            <a:r>
+              <a:rPr lang="en-US" baseline="0" dirty="0" err="1"/>
+              <a:t>danh</a:t>
+            </a:r>
+            <a:r>
+              <a:rPr lang="en-US" baseline="0" dirty="0"/>
+              <a:t> </a:t>
+            </a:r>
+            <a:r>
+              <a:rPr lang="en-US" baseline="0" dirty="0" err="1"/>
+              <a:t>sách</a:t>
+            </a:r>
+            <a:r>
+              <a:rPr lang="en-US" baseline="0" dirty="0"/>
+              <a:t> </a:t>
+            </a:r>
+            <a:r>
+              <a:rPr lang="en-US" baseline="0" dirty="0" err="1"/>
+              <a:t>xếp</a:t>
+            </a:r>
+            <a:r>
+              <a:rPr lang="en-US" baseline="0" dirty="0"/>
+              <a:t> </a:t>
+            </a:r>
+            <a:r>
+              <a:rPr lang="en-US" baseline="0" dirty="0" err="1"/>
+              <a:t>hạng</a:t>
+            </a:r>
+            <a:r>
+              <a:rPr lang="en-US" baseline="0" dirty="0"/>
+              <a:t> </a:t>
+            </a:r>
+            <a:r>
+              <a:rPr lang="en-US" baseline="0" dirty="0" err="1"/>
+              <a:t>các</a:t>
+            </a:r>
+            <a:r>
+              <a:rPr lang="en-US" baseline="0" dirty="0"/>
+              <a:t> </a:t>
+            </a:r>
+            <a:r>
+              <a:rPr lang="en-US" baseline="0" dirty="0" err="1"/>
+              <a:t>tiên</a:t>
+            </a:r>
+            <a:r>
+              <a:rPr lang="en-US" baseline="0" dirty="0"/>
+              <a:t> </a:t>
+            </a:r>
+            <a:r>
+              <a:rPr lang="en-US" baseline="0" dirty="0" err="1"/>
+              <a:t>đoán</a:t>
+            </a:r>
             <a:endParaRPr lang="en-US" baseline="0" dirty="0"/>
           </a:p>
         </p:txBody>
@@ -4250,7 +4711,7 @@
           <a:p>
             <a:fld id="{48A87A34-81AB-432B-8DAE-1953F412C126}" type="datetimeFigureOut">
               <a:rPr lang="en-US" smtClean="0"/>
-              <a:t>11/24/2016</a:t>
+              <a:t>11/25/2016</a:t>
             </a:fld>
             <a:endParaRPr lang="en-US" dirty="0"/>
           </a:p>
@@ -4502,7 +4963,7 @@
             <a:fld id="{48A87A34-81AB-432B-8DAE-1953F412C126}" type="datetimeFigureOut">
               <a:rPr lang="en-US" smtClean="0"/>
               <a:pPr/>
-              <a:t>11/24/2016</a:t>
+              <a:t>11/25/2016</a:t>
             </a:fld>
             <a:endParaRPr lang="en-US" dirty="0"/>
           </a:p>
@@ -4818,7 +5279,7 @@
             <a:fld id="{48A87A34-81AB-432B-8DAE-1953F412C126}" type="datetimeFigureOut">
               <a:rPr lang="en-US" smtClean="0"/>
               <a:pPr/>
-              <a:t>11/24/2016</a:t>
+              <a:t>11/25/2016</a:t>
             </a:fld>
             <a:endParaRPr lang="en-US" dirty="0"/>
           </a:p>
@@ -5153,7 +5614,7 @@
             <a:fld id="{48A87A34-81AB-432B-8DAE-1953F412C126}" type="datetimeFigureOut">
               <a:rPr lang="en-US" smtClean="0"/>
               <a:pPr/>
-              <a:t>11/24/2016</a:t>
+              <a:t>11/25/2016</a:t>
             </a:fld>
             <a:endParaRPr lang="en-US" dirty="0"/>
           </a:p>
@@ -5469,7 +5930,7 @@
             <a:fld id="{48A87A34-81AB-432B-8DAE-1953F412C126}" type="datetimeFigureOut">
               <a:rPr lang="en-US" smtClean="0"/>
               <a:pPr/>
-              <a:t>11/24/2016</a:t>
+              <a:t>11/25/2016</a:t>
             </a:fld>
             <a:endParaRPr lang="en-US" dirty="0"/>
           </a:p>
@@ -5864,7 +6325,7 @@
             <a:fld id="{48A87A34-81AB-432B-8DAE-1953F412C126}" type="datetimeFigureOut">
               <a:rPr lang="en-US" smtClean="0"/>
               <a:pPr/>
-              <a:t>11/24/2016</a:t>
+              <a:t>11/25/2016</a:t>
             </a:fld>
             <a:endParaRPr lang="en-US" dirty="0"/>
           </a:p>
@@ -6035,7 +6496,7 @@
           <a:p>
             <a:fld id="{48A87A34-81AB-432B-8DAE-1953F412C126}" type="datetimeFigureOut">
               <a:rPr lang="en-US" smtClean="0"/>
-              <a:t>11/24/2016</a:t>
+              <a:t>11/25/2016</a:t>
             </a:fld>
             <a:endParaRPr lang="en-US" dirty="0"/>
           </a:p>
@@ -6215,7 +6676,7 @@
           <a:p>
             <a:fld id="{48A87A34-81AB-432B-8DAE-1953F412C126}" type="datetimeFigureOut">
               <a:rPr lang="en-US" smtClean="0"/>
-              <a:t>11/24/2016</a:t>
+              <a:t>11/25/2016</a:t>
             </a:fld>
             <a:endParaRPr lang="en-US" dirty="0"/>
           </a:p>
@@ -6385,7 +6846,7 @@
           <a:p>
             <a:fld id="{48A87A34-81AB-432B-8DAE-1953F412C126}" type="datetimeFigureOut">
               <a:rPr lang="en-US" smtClean="0"/>
-              <a:t>11/24/2016</a:t>
+              <a:t>11/25/2016</a:t>
             </a:fld>
             <a:endParaRPr lang="en-US" dirty="0"/>
           </a:p>
@@ -6632,7 +7093,7 @@
           <a:p>
             <a:fld id="{48A87A34-81AB-432B-8DAE-1953F412C126}" type="datetimeFigureOut">
               <a:rPr lang="en-US" smtClean="0"/>
-              <a:t>11/24/2016</a:t>
+              <a:t>11/25/2016</a:t>
             </a:fld>
             <a:endParaRPr lang="en-US" dirty="0"/>
           </a:p>
@@ -6864,7 +7325,7 @@
           <a:p>
             <a:fld id="{48A87A34-81AB-432B-8DAE-1953F412C126}" type="datetimeFigureOut">
               <a:rPr lang="en-US" smtClean="0"/>
-              <a:t>11/24/2016</a:t>
+              <a:t>11/25/2016</a:t>
             </a:fld>
             <a:endParaRPr lang="en-US" dirty="0"/>
           </a:p>
@@ -7238,7 +7699,7 @@
           <a:p>
             <a:fld id="{48A87A34-81AB-432B-8DAE-1953F412C126}" type="datetimeFigureOut">
               <a:rPr lang="en-US" smtClean="0"/>
-              <a:t>11/24/2016</a:t>
+              <a:t>11/25/2016</a:t>
             </a:fld>
             <a:endParaRPr lang="en-US" dirty="0"/>
           </a:p>
@@ -7361,7 +7822,7 @@
           <a:p>
             <a:fld id="{48A87A34-81AB-432B-8DAE-1953F412C126}" type="datetimeFigureOut">
               <a:rPr lang="en-US" smtClean="0"/>
-              <a:t>11/24/2016</a:t>
+              <a:t>11/25/2016</a:t>
             </a:fld>
             <a:endParaRPr lang="en-US" dirty="0"/>
           </a:p>
@@ -7456,7 +7917,7 @@
           <a:p>
             <a:fld id="{48A87A34-81AB-432B-8DAE-1953F412C126}" type="datetimeFigureOut">
               <a:rPr lang="en-US" smtClean="0"/>
-              <a:t>11/24/2016</a:t>
+              <a:t>11/25/2016</a:t>
             </a:fld>
             <a:endParaRPr lang="en-US" dirty="0"/>
           </a:p>
@@ -7711,7 +8172,7 @@
           <a:p>
             <a:fld id="{48A87A34-81AB-432B-8DAE-1953F412C126}" type="datetimeFigureOut">
               <a:rPr lang="en-US" smtClean="0"/>
-              <a:t>11/24/2016</a:t>
+              <a:t>11/25/2016</a:t>
             </a:fld>
             <a:endParaRPr lang="en-US" dirty="0"/>
           </a:p>
@@ -8016,7 +8477,7 @@
           <a:p>
             <a:fld id="{48A87A34-81AB-432B-8DAE-1953F412C126}" type="datetimeFigureOut">
               <a:rPr lang="en-US" smtClean="0"/>
-              <a:t>11/24/2016</a:t>
+              <a:t>11/25/2016</a:t>
             </a:fld>
             <a:endParaRPr lang="en-US" dirty="0"/>
           </a:p>
@@ -8719,7 +9180,7 @@
             <a:fld id="{48A87A34-81AB-432B-8DAE-1953F412C126}" type="datetimeFigureOut">
               <a:rPr lang="en-US" smtClean="0"/>
               <a:pPr/>
-              <a:t>11/24/2016</a:t>
+              <a:t>11/25/2016</a:t>
             </a:fld>
             <a:endParaRPr lang="en-US" dirty="0"/>
           </a:p>
@@ -10534,6 +10995,167 @@
           </a:p>
         </p:txBody>
       </p:sp>
+      <p:pic>
+        <p:nvPicPr>
+          <p:cNvPr id="3" name="Picture 2"/>
+          <p:cNvPicPr>
+            <a:picLocks noChangeAspect="1"/>
+          </p:cNvPicPr>
+          <p:nvPr/>
+        </p:nvPicPr>
+        <p:blipFill>
+          <a:blip r:embed="rId3"/>
+          <a:stretch>
+            <a:fillRect/>
+          </a:stretch>
+        </p:blipFill>
+        <p:spPr>
+          <a:xfrm>
+            <a:off x="5147430" y="4026147"/>
+            <a:ext cx="2775393" cy="2675788"/>
+          </a:xfrm>
+          <a:prstGeom prst="rect">
+            <a:avLst/>
+          </a:prstGeom>
+        </p:spPr>
+      </p:pic>
+      <p:pic>
+        <p:nvPicPr>
+          <p:cNvPr id="4" name="Picture 3"/>
+          <p:cNvPicPr>
+            <a:picLocks noChangeAspect="1"/>
+          </p:cNvPicPr>
+          <p:nvPr/>
+        </p:nvPicPr>
+        <p:blipFill>
+          <a:blip r:embed="rId4"/>
+          <a:stretch>
+            <a:fillRect/>
+          </a:stretch>
+        </p:blipFill>
+        <p:spPr>
+          <a:xfrm>
+            <a:off x="812163" y="1958838"/>
+            <a:ext cx="2792776" cy="2792776"/>
+          </a:xfrm>
+          <a:prstGeom prst="rect">
+            <a:avLst/>
+          </a:prstGeom>
+        </p:spPr>
+      </p:pic>
+      <p:pic>
+        <p:nvPicPr>
+          <p:cNvPr id="5" name="Picture 4"/>
+          <p:cNvPicPr>
+            <a:picLocks noChangeAspect="1"/>
+          </p:cNvPicPr>
+          <p:nvPr/>
+        </p:nvPicPr>
+        <p:blipFill>
+          <a:blip r:embed="rId5"/>
+          <a:stretch>
+            <a:fillRect/>
+          </a:stretch>
+        </p:blipFill>
+        <p:spPr>
+          <a:xfrm>
+            <a:off x="7324148" y="1306286"/>
+            <a:ext cx="2875114" cy="2719861"/>
+          </a:xfrm>
+          <a:prstGeom prst="rect">
+            <a:avLst/>
+          </a:prstGeom>
+        </p:spPr>
+      </p:pic>
+      <p:sp>
+        <p:nvSpPr>
+          <p:cNvPr id="21" name="Arrow: Bent 20"/>
+          <p:cNvSpPr/>
+          <p:nvPr/>
+        </p:nvSpPr>
+        <p:spPr>
+          <a:xfrm flipV="1">
+            <a:off x="1782632" y="4865914"/>
+            <a:ext cx="2789368" cy="1053591"/>
+          </a:xfrm>
+          <a:prstGeom prst="bentArrow">
+            <a:avLst>
+              <a:gd name="adj1" fmla="val 25000"/>
+              <a:gd name="adj2" fmla="val 27484"/>
+              <a:gd name="adj3" fmla="val 50000"/>
+              <a:gd name="adj4" fmla="val 60798"/>
+            </a:avLst>
+          </a:prstGeom>
+        </p:spPr>
+        <p:style>
+          <a:lnRef idx="2">
+            <a:schemeClr val="accent1">
+              <a:shade val="50000"/>
+            </a:schemeClr>
+          </a:lnRef>
+          <a:fillRef idx="1">
+            <a:schemeClr val="accent1"/>
+          </a:fillRef>
+          <a:effectRef idx="0">
+            <a:schemeClr val="accent1"/>
+          </a:effectRef>
+          <a:fontRef idx="minor">
+            <a:schemeClr val="lt1"/>
+          </a:fontRef>
+        </p:style>
+        <p:txBody>
+          <a:bodyPr rtlCol="0" anchor="ctr"/>
+          <a:lstStyle/>
+          <a:p>
+            <a:pPr algn="ctr"/>
+            <a:endParaRPr lang="vi-VN">
+              <a:solidFill>
+                <a:schemeClr val="tx1"/>
+              </a:solidFill>
+            </a:endParaRPr>
+          </a:p>
+        </p:txBody>
+      </p:sp>
+      <p:sp>
+        <p:nvSpPr>
+          <p:cNvPr id="22" name="Arrow: Right 21"/>
+          <p:cNvSpPr/>
+          <p:nvPr/>
+        </p:nvSpPr>
+        <p:spPr>
+          <a:xfrm>
+            <a:off x="3967843" y="2547257"/>
+            <a:ext cx="3086100" cy="538843"/>
+          </a:xfrm>
+          <a:prstGeom prst="rightArrow">
+            <a:avLst/>
+          </a:prstGeom>
+        </p:spPr>
+        <p:style>
+          <a:lnRef idx="2">
+            <a:schemeClr val="accent1">
+              <a:shade val="50000"/>
+            </a:schemeClr>
+          </a:lnRef>
+          <a:fillRef idx="1">
+            <a:schemeClr val="accent1"/>
+          </a:fillRef>
+          <a:effectRef idx="0">
+            <a:schemeClr val="accent1"/>
+          </a:effectRef>
+          <a:fontRef idx="minor">
+            <a:schemeClr val="lt1"/>
+          </a:fontRef>
+        </p:style>
+        <p:txBody>
+          <a:bodyPr rtlCol="0" anchor="ctr"/>
+          <a:lstStyle/>
+          <a:p>
+            <a:pPr algn="ctr"/>
+            <a:endParaRPr lang="vi-VN"/>
+          </a:p>
+        </p:txBody>
+      </p:sp>
     </p:spTree>
     <p:extLst>
       <p:ext uri="{BB962C8B-B14F-4D97-AF65-F5344CB8AC3E}">
@@ -10544,6 +11166,327 @@
   <p:clrMapOvr>
     <a:masterClrMapping/>
   </p:clrMapOvr>
+  <p:timing>
+    <p:tnLst>
+      <p:par>
+        <p:cTn id="1" dur="indefinite" restart="never" nodeType="tmRoot">
+          <p:childTnLst>
+            <p:seq concurrent="1" nextAc="seek">
+              <p:cTn id="2" dur="indefinite" nodeType="mainSeq">
+                <p:childTnLst>
+                  <p:par>
+                    <p:cTn id="3" fill="hold">
+                      <p:stCondLst>
+                        <p:cond delay="indefinite"/>
+                      </p:stCondLst>
+                      <p:childTnLst>
+                        <p:par>
+                          <p:cTn id="4" fill="hold">
+                            <p:stCondLst>
+                              <p:cond delay="0"/>
+                            </p:stCondLst>
+                            <p:childTnLst>
+                              <p:par>
+                                <p:cTn id="5" presetID="6" presetClass="entr" presetSubtype="16" fill="hold" nodeType="clickEffect">
+                                  <p:stCondLst>
+                                    <p:cond delay="0"/>
+                                  </p:stCondLst>
+                                  <p:childTnLst>
+                                    <p:set>
+                                      <p:cBhvr>
+                                        <p:cTn id="6" dur="1" fill="hold">
+                                          <p:stCondLst>
+                                            <p:cond delay="0"/>
+                                          </p:stCondLst>
+                                        </p:cTn>
+                                        <p:tgtEl>
+                                          <p:spTgt spid="4"/>
+                                        </p:tgtEl>
+                                        <p:attrNameLst>
+                                          <p:attrName>style.visibility</p:attrName>
+                                        </p:attrNameLst>
+                                      </p:cBhvr>
+                                      <p:to>
+                                        <p:strVal val="visible"/>
+                                      </p:to>
+                                    </p:set>
+                                    <p:animEffect transition="in" filter="circle(in)">
+                                      <p:cBhvr>
+                                        <p:cTn id="7" dur="2000"/>
+                                        <p:tgtEl>
+                                          <p:spTgt spid="4"/>
+                                        </p:tgtEl>
+                                      </p:cBhvr>
+                                    </p:animEffect>
+                                  </p:childTnLst>
+                                </p:cTn>
+                              </p:par>
+                            </p:childTnLst>
+                          </p:cTn>
+                        </p:par>
+                      </p:childTnLst>
+                    </p:cTn>
+                  </p:par>
+                  <p:par>
+                    <p:cTn id="8" fill="hold">
+                      <p:stCondLst>
+                        <p:cond delay="indefinite"/>
+                      </p:stCondLst>
+                      <p:childTnLst>
+                        <p:par>
+                          <p:cTn id="9" fill="hold">
+                            <p:stCondLst>
+                              <p:cond delay="0"/>
+                            </p:stCondLst>
+                            <p:childTnLst>
+                              <p:par>
+                                <p:cTn id="10" presetID="1" presetClass="entr" presetSubtype="0" fill="hold" grpId="0" nodeType="clickEffect">
+                                  <p:stCondLst>
+                                    <p:cond delay="0"/>
+                                  </p:stCondLst>
+                                  <p:childTnLst>
+                                    <p:set>
+                                      <p:cBhvr>
+                                        <p:cTn id="11" dur="1" fill="hold">
+                                          <p:stCondLst>
+                                            <p:cond delay="0"/>
+                                          </p:stCondLst>
+                                        </p:cTn>
+                                        <p:tgtEl>
+                                          <p:spTgt spid="22"/>
+                                        </p:tgtEl>
+                                        <p:attrNameLst>
+                                          <p:attrName>style.visibility</p:attrName>
+                                        </p:attrNameLst>
+                                      </p:cBhvr>
+                                      <p:to>
+                                        <p:strVal val="visible"/>
+                                      </p:to>
+                                    </p:set>
+                                  </p:childTnLst>
+                                </p:cTn>
+                              </p:par>
+                            </p:childTnLst>
+                          </p:cTn>
+                        </p:par>
+                      </p:childTnLst>
+                    </p:cTn>
+                  </p:par>
+                  <p:par>
+                    <p:cTn id="12" fill="hold">
+                      <p:stCondLst>
+                        <p:cond delay="indefinite"/>
+                      </p:stCondLst>
+                      <p:childTnLst>
+                        <p:par>
+                          <p:cTn id="13" fill="hold">
+                            <p:stCondLst>
+                              <p:cond delay="0"/>
+                            </p:stCondLst>
+                            <p:childTnLst>
+                              <p:par>
+                                <p:cTn id="14" presetID="16" presetClass="entr" presetSubtype="21" fill="hold" nodeType="clickEffect">
+                                  <p:stCondLst>
+                                    <p:cond delay="0"/>
+                                  </p:stCondLst>
+                                  <p:childTnLst>
+                                    <p:set>
+                                      <p:cBhvr>
+                                        <p:cTn id="15" dur="1" fill="hold">
+                                          <p:stCondLst>
+                                            <p:cond delay="0"/>
+                                          </p:stCondLst>
+                                        </p:cTn>
+                                        <p:tgtEl>
+                                          <p:spTgt spid="5"/>
+                                        </p:tgtEl>
+                                        <p:attrNameLst>
+                                          <p:attrName>style.visibility</p:attrName>
+                                        </p:attrNameLst>
+                                      </p:cBhvr>
+                                      <p:to>
+                                        <p:strVal val="visible"/>
+                                      </p:to>
+                                    </p:set>
+                                    <p:animEffect transition="in" filter="barn(inVertical)">
+                                      <p:cBhvr>
+                                        <p:cTn id="16" dur="500"/>
+                                        <p:tgtEl>
+                                          <p:spTgt spid="5"/>
+                                        </p:tgtEl>
+                                      </p:cBhvr>
+                                    </p:animEffect>
+                                  </p:childTnLst>
+                                </p:cTn>
+                              </p:par>
+                            </p:childTnLst>
+                          </p:cTn>
+                        </p:par>
+                      </p:childTnLst>
+                    </p:cTn>
+                  </p:par>
+                  <p:par>
+                    <p:cTn id="17" fill="hold">
+                      <p:stCondLst>
+                        <p:cond delay="indefinite"/>
+                      </p:stCondLst>
+                      <p:childTnLst>
+                        <p:par>
+                          <p:cTn id="18" fill="hold">
+                            <p:stCondLst>
+                              <p:cond delay="0"/>
+                            </p:stCondLst>
+                            <p:childTnLst>
+                              <p:par>
+                                <p:cTn id="19" presetID="1" presetClass="entr" presetSubtype="0" fill="hold" grpId="0" nodeType="clickEffect">
+                                  <p:stCondLst>
+                                    <p:cond delay="0"/>
+                                  </p:stCondLst>
+                                  <p:childTnLst>
+                                    <p:set>
+                                      <p:cBhvr>
+                                        <p:cTn id="20" dur="1" fill="hold">
+                                          <p:stCondLst>
+                                            <p:cond delay="0"/>
+                                          </p:stCondLst>
+                                        </p:cTn>
+                                        <p:tgtEl>
+                                          <p:spTgt spid="21"/>
+                                        </p:tgtEl>
+                                        <p:attrNameLst>
+                                          <p:attrName>style.visibility</p:attrName>
+                                        </p:attrNameLst>
+                                      </p:cBhvr>
+                                      <p:to>
+                                        <p:strVal val="visible"/>
+                                      </p:to>
+                                    </p:set>
+                                  </p:childTnLst>
+                                </p:cTn>
+                              </p:par>
+                            </p:childTnLst>
+                          </p:cTn>
+                        </p:par>
+                      </p:childTnLst>
+                    </p:cTn>
+                  </p:par>
+                  <p:par>
+                    <p:cTn id="21" fill="hold">
+                      <p:stCondLst>
+                        <p:cond delay="indefinite"/>
+                      </p:stCondLst>
+                      <p:childTnLst>
+                        <p:par>
+                          <p:cTn id="22" fill="hold">
+                            <p:stCondLst>
+                              <p:cond delay="0"/>
+                            </p:stCondLst>
+                            <p:childTnLst>
+                              <p:par>
+                                <p:cTn id="23" presetID="2" presetClass="entr" presetSubtype="4" fill="hold" nodeType="clickEffect">
+                                  <p:stCondLst>
+                                    <p:cond delay="0"/>
+                                  </p:stCondLst>
+                                  <p:childTnLst>
+                                    <p:set>
+                                      <p:cBhvr>
+                                        <p:cTn id="24" dur="1" fill="hold">
+                                          <p:stCondLst>
+                                            <p:cond delay="0"/>
+                                          </p:stCondLst>
+                                        </p:cTn>
+                                        <p:tgtEl>
+                                          <p:spTgt spid="3"/>
+                                        </p:tgtEl>
+                                        <p:attrNameLst>
+                                          <p:attrName>style.visibility</p:attrName>
+                                        </p:attrNameLst>
+                                      </p:cBhvr>
+                                      <p:to>
+                                        <p:strVal val="visible"/>
+                                      </p:to>
+                                    </p:set>
+                                    <p:anim calcmode="lin" valueType="num">
+                                      <p:cBhvr additive="base">
+                                        <p:cTn id="25" dur="500" fill="hold"/>
+                                        <p:tgtEl>
+                                          <p:spTgt spid="3"/>
+                                        </p:tgtEl>
+                                        <p:attrNameLst>
+                                          <p:attrName>ppt_x</p:attrName>
+                                        </p:attrNameLst>
+                                      </p:cBhvr>
+                                      <p:tavLst>
+                                        <p:tav tm="0">
+                                          <p:val>
+                                            <p:strVal val="#ppt_x"/>
+                                          </p:val>
+                                        </p:tav>
+                                        <p:tav tm="100000">
+                                          <p:val>
+                                            <p:strVal val="#ppt_x"/>
+                                          </p:val>
+                                        </p:tav>
+                                      </p:tavLst>
+                                    </p:anim>
+                                    <p:anim calcmode="lin" valueType="num">
+                                      <p:cBhvr additive="base">
+                                        <p:cTn id="26" dur="500" fill="hold"/>
+                                        <p:tgtEl>
+                                          <p:spTgt spid="3"/>
+                                        </p:tgtEl>
+                                        <p:attrNameLst>
+                                          <p:attrName>ppt_y</p:attrName>
+                                        </p:attrNameLst>
+                                      </p:cBhvr>
+                                      <p:tavLst>
+                                        <p:tav tm="0">
+                                          <p:val>
+                                            <p:strVal val="1+#ppt_h/2"/>
+                                          </p:val>
+                                        </p:tav>
+                                        <p:tav tm="100000">
+                                          <p:val>
+                                            <p:strVal val="#ppt_y"/>
+                                          </p:val>
+                                        </p:tav>
+                                      </p:tavLst>
+                                    </p:anim>
+                                  </p:childTnLst>
+                                </p:cTn>
+                              </p:par>
+                            </p:childTnLst>
+                          </p:cTn>
+                        </p:par>
+                      </p:childTnLst>
+                    </p:cTn>
+                  </p:par>
+                </p:childTnLst>
+              </p:cTn>
+              <p:prevCondLst>
+                <p:cond evt="onPrev" delay="0">
+                  <p:tgtEl>
+                    <p:sldTgt/>
+                  </p:tgtEl>
+                </p:cond>
+              </p:prevCondLst>
+              <p:nextCondLst>
+                <p:cond evt="onNext" delay="0">
+                  <p:tgtEl>
+                    <p:sldTgt/>
+                  </p:tgtEl>
+                </p:cond>
+              </p:nextCondLst>
+            </p:seq>
+          </p:childTnLst>
+        </p:cTn>
+      </p:par>
+    </p:tnLst>
+    <p:bldLst>
+      <p:bldP spid="21" grpId="0" animBg="1"/>
+      <p:bldP spid="22" grpId="0" animBg="1"/>
+    </p:bldLst>
+  </p:timing>
 </p:sld>
 </file>
 
@@ -10669,12 +11612,7 @@
             <p:ph type="title"/>
           </p:nvPr>
         </p:nvSpPr>
-        <p:spPr>
-          <a:xfrm>
-            <a:off x="775305" y="527957"/>
-            <a:ext cx="8940195" cy="1055914"/>
-          </a:xfrm>
-        </p:spPr>
+        <p:spPr/>
         <p:txBody>
           <a:bodyPr>
             <a:normAutofit/>
@@ -10752,79 +11690,538 @@
           </a:p>
         </p:txBody>
       </p:sp>
+      <p:pic>
+        <p:nvPicPr>
+          <p:cNvPr id="5" name="Picture 4"/>
+          <p:cNvPicPr>
+            <a:picLocks noChangeAspect="1"/>
+          </p:cNvPicPr>
+          <p:nvPr/>
+        </p:nvPicPr>
+        <p:blipFill>
+          <a:blip r:embed="rId3"/>
+          <a:stretch>
+            <a:fillRect/>
+          </a:stretch>
+        </p:blipFill>
+        <p:spPr>
+          <a:xfrm>
+            <a:off x="1621507" y="3748183"/>
+            <a:ext cx="1644206" cy="2538318"/>
+          </a:xfrm>
+          <a:prstGeom prst="rect">
+            <a:avLst/>
+          </a:prstGeom>
+        </p:spPr>
+      </p:pic>
       <p:sp>
         <p:nvSpPr>
-          <p:cNvPr id="3" name="TextBox 2"/>
-          <p:cNvSpPr txBox="1"/>
+          <p:cNvPr id="6" name="Thought Bubble: Cloud 5"/>
+          <p:cNvSpPr/>
+          <p:nvPr/>
+        </p:nvSpPr>
+        <p:spPr>
+          <a:xfrm flipH="1">
+            <a:off x="435195" y="1420587"/>
+            <a:ext cx="2830518" cy="1763486"/>
+          </a:xfrm>
+          <a:prstGeom prst="cloudCallout">
+            <a:avLst>
+              <a:gd name="adj1" fmla="val -13088"/>
+              <a:gd name="adj2" fmla="val 79840"/>
+            </a:avLst>
+          </a:prstGeom>
+        </p:spPr>
+        <p:style>
+          <a:lnRef idx="2">
+            <a:schemeClr val="accent1">
+              <a:shade val="50000"/>
+            </a:schemeClr>
+          </a:lnRef>
+          <a:fillRef idx="1">
+            <a:schemeClr val="accent1"/>
+          </a:fillRef>
+          <a:effectRef idx="0">
+            <a:schemeClr val="accent1"/>
+          </a:effectRef>
+          <a:fontRef idx="minor">
+            <a:schemeClr val="lt1"/>
+          </a:fontRef>
+        </p:style>
+        <p:txBody>
+          <a:bodyPr rtlCol="0" anchor="ctr"/>
+          <a:lstStyle/>
+          <a:p>
+            <a:pPr algn="ctr"/>
+            <a:r>
+              <a:rPr lang="en-US" sz="2400" dirty="0" err="1"/>
+              <a:t>Thế</a:t>
+            </a:r>
+            <a:r>
+              <a:rPr lang="en-US" sz="2400" dirty="0"/>
+              <a:t> </a:t>
+            </a:r>
+            <a:r>
+              <a:rPr lang="en-US" sz="2400" dirty="0" err="1"/>
+              <a:t>nào</a:t>
+            </a:r>
+            <a:r>
+              <a:rPr lang="en-US" sz="2400" dirty="0"/>
+              <a:t> </a:t>
+            </a:r>
+            <a:r>
+              <a:rPr lang="en-US" sz="2400" dirty="0" err="1"/>
+              <a:t>là</a:t>
+            </a:r>
+            <a:r>
+              <a:rPr lang="en-US" sz="2400" dirty="0"/>
+              <a:t> </a:t>
+            </a:r>
+            <a:r>
+              <a:rPr lang="en-US" sz="2400" dirty="0" err="1"/>
+              <a:t>độ</a:t>
+            </a:r>
+            <a:r>
+              <a:rPr lang="en-US" sz="2400" dirty="0"/>
+              <a:t> </a:t>
+            </a:r>
+            <a:r>
+              <a:rPr lang="en-US" sz="2400" dirty="0" err="1"/>
+              <a:t>đo</a:t>
+            </a:r>
+            <a:r>
+              <a:rPr lang="en-US" sz="2400" dirty="0"/>
+              <a:t> </a:t>
+            </a:r>
+            <a:r>
+              <a:rPr lang="en-US" sz="2400" dirty="0" err="1"/>
+              <a:t>chuẩn</a:t>
+            </a:r>
+            <a:r>
+              <a:rPr lang="en-US" sz="2400" dirty="0"/>
+              <a:t>?</a:t>
+            </a:r>
+            <a:endParaRPr lang="vi-VN" sz="2400" dirty="0"/>
+          </a:p>
+        </p:txBody>
+      </p:sp>
+      <p:sp>
+        <p:nvSpPr>
+          <p:cNvPr id="7" name="Thought Bubble: Cloud 6"/>
+          <p:cNvSpPr/>
           <p:nvPr/>
         </p:nvSpPr>
         <p:spPr>
           <a:xfrm>
-            <a:off x="1665514" y="2857499"/>
-            <a:ext cx="8294915" cy="769441"/>
+            <a:off x="786260" y="1404259"/>
+            <a:ext cx="3314700" cy="1796141"/>
           </a:xfrm>
-          <a:prstGeom prst="rect">
-            <a:avLst/>
+          <a:prstGeom prst="cloudCallout">
+            <a:avLst>
+              <a:gd name="adj1" fmla="val -636"/>
+              <a:gd name="adj2" fmla="val 85228"/>
+            </a:avLst>
           </a:prstGeom>
-          <a:noFill/>
         </p:spPr>
+        <p:style>
+          <a:lnRef idx="2">
+            <a:schemeClr val="accent1">
+              <a:shade val="50000"/>
+            </a:schemeClr>
+          </a:lnRef>
+          <a:fillRef idx="1">
+            <a:schemeClr val="accent1"/>
+          </a:fillRef>
+          <a:effectRef idx="0">
+            <a:schemeClr val="accent1"/>
+          </a:effectRef>
+          <a:fontRef idx="minor">
+            <a:schemeClr val="lt1"/>
+          </a:fontRef>
+        </p:style>
         <p:txBody>
-          <a:bodyPr wrap="square" rtlCol="0">
-            <a:spAutoFit/>
-          </a:bodyPr>
+          <a:bodyPr rtlCol="0" anchor="ctr"/>
           <a:lstStyle/>
           <a:p>
-            <a:r>
-              <a:rPr lang="en-US" sz="4400" dirty="0" err="1"/>
-              <a:t>Thế</a:t>
-            </a:r>
-            <a:r>
-              <a:rPr lang="en-US" sz="4400" dirty="0"/>
-              <a:t> </a:t>
-            </a:r>
-            <a:r>
-              <a:rPr lang="en-US" sz="4400" dirty="0" err="1"/>
+            <a:pPr algn="ctr"/>
+            <a:r>
+              <a:rPr lang="en-US" sz="2400" dirty="0" err="1"/>
+              <a:t>Gồm</a:t>
+            </a:r>
+            <a:r>
+              <a:rPr lang="en-US" sz="2400" dirty="0"/>
+              <a:t> </a:t>
+            </a:r>
+            <a:r>
+              <a:rPr lang="en-US" sz="2400" dirty="0" err="1"/>
+              <a:t>có</a:t>
+            </a:r>
+            <a:r>
+              <a:rPr lang="en-US" sz="2400" dirty="0"/>
+              <a:t> </a:t>
+            </a:r>
+            <a:r>
+              <a:rPr lang="en-US" sz="2400" dirty="0" err="1"/>
+              <a:t>những</a:t>
+            </a:r>
+            <a:r>
+              <a:rPr lang="en-US" sz="2400" dirty="0"/>
+              <a:t> </a:t>
+            </a:r>
+            <a:r>
+              <a:rPr lang="en-US" sz="2400" dirty="0" err="1"/>
+              <a:t>độ</a:t>
+            </a:r>
+            <a:r>
+              <a:rPr lang="en-US" sz="2400" dirty="0"/>
+              <a:t> </a:t>
+            </a:r>
+            <a:r>
+              <a:rPr lang="en-US" sz="2400" dirty="0" err="1"/>
+              <a:t>đo</a:t>
+            </a:r>
+            <a:r>
+              <a:rPr lang="en-US" sz="2400" dirty="0"/>
+              <a:t> </a:t>
+            </a:r>
+            <a:r>
+              <a:rPr lang="en-US" sz="2400" dirty="0" err="1"/>
               <a:t>nào</a:t>
             </a:r>
             <a:r>
-              <a:rPr lang="en-US" sz="4400" dirty="0"/>
-              <a:t> </a:t>
-            </a:r>
-            <a:r>
-              <a:rPr lang="en-US" sz="4400" dirty="0" err="1"/>
-              <a:t>là</a:t>
-            </a:r>
-            <a:r>
-              <a:rPr lang="en-US" sz="4400" dirty="0"/>
-              <a:t> </a:t>
-            </a:r>
-            <a:r>
-              <a:rPr lang="en-US" sz="4400" dirty="0" err="1"/>
-              <a:t>độ</a:t>
-            </a:r>
-            <a:r>
-              <a:rPr lang="en-US" sz="4400" dirty="0"/>
-              <a:t> </a:t>
-            </a:r>
-            <a:r>
-              <a:rPr lang="en-US" sz="4400" dirty="0" err="1"/>
-              <a:t>đo</a:t>
-            </a:r>
-            <a:r>
-              <a:rPr lang="en-US" sz="4400" dirty="0"/>
-              <a:t> </a:t>
-            </a:r>
-            <a:r>
-              <a:rPr lang="en-US" sz="4400" dirty="0" err="1"/>
-              <a:t>chuẩn</a:t>
-            </a:r>
-            <a:r>
-              <a:rPr lang="en-US" sz="4400" dirty="0"/>
-              <a:t>???</a:t>
-            </a:r>
+              <a:rPr lang="en-US" sz="2400" dirty="0"/>
+              <a:t>?</a:t>
+            </a:r>
+            <a:endParaRPr lang="vi-VN" sz="2400" dirty="0"/>
           </a:p>
         </p:txBody>
       </p:sp>
+      <p:grpSp>
+        <p:nvGrpSpPr>
+          <p:cNvPr id="14" name="Group 13"/>
+          <p:cNvGrpSpPr/>
+          <p:nvPr/>
+        </p:nvGrpSpPr>
+        <p:grpSpPr>
+          <a:xfrm>
+            <a:off x="4494903" y="4474029"/>
+            <a:ext cx="2297783" cy="1812472"/>
+            <a:chOff x="4494903" y="4474029"/>
+            <a:chExt cx="2297783" cy="1812472"/>
+          </a:xfrm>
+        </p:grpSpPr>
+        <p:sp>
+          <p:nvSpPr>
+            <p:cNvPr id="10" name="Oval 9"/>
+            <p:cNvSpPr/>
+            <p:nvPr/>
+          </p:nvSpPr>
+          <p:spPr>
+            <a:xfrm>
+              <a:off x="4494903" y="4474029"/>
+              <a:ext cx="2297783" cy="1812472"/>
+            </a:xfrm>
+            <a:prstGeom prst="ellipse">
+              <a:avLst/>
+            </a:prstGeom>
+          </p:spPr>
+          <p:style>
+            <a:lnRef idx="2">
+              <a:schemeClr val="accent1">
+                <a:shade val="50000"/>
+              </a:schemeClr>
+            </a:lnRef>
+            <a:fillRef idx="1">
+              <a:schemeClr val="accent1"/>
+            </a:fillRef>
+            <a:effectRef idx="0">
+              <a:schemeClr val="accent1"/>
+            </a:effectRef>
+            <a:fontRef idx="minor">
+              <a:schemeClr val="lt1"/>
+            </a:fontRef>
+          </p:style>
+          <p:txBody>
+            <a:bodyPr rtlCol="0" anchor="ctr"/>
+            <a:lstStyle/>
+            <a:p>
+              <a:pPr algn="ctr"/>
+              <a:r>
+                <a:rPr lang="en-US" sz="2400" dirty="0"/>
+                <a:t>Precision,</a:t>
+              </a:r>
+            </a:p>
+            <a:p>
+              <a:pPr algn="ctr"/>
+              <a:r>
+                <a:rPr lang="en-US" sz="2400" dirty="0"/>
+                <a:t>Recall,</a:t>
+              </a:r>
+            </a:p>
+            <a:p>
+              <a:pPr algn="ctr"/>
+              <a:r>
+                <a:rPr lang="en-US" sz="2400" dirty="0"/>
+                <a:t>F-Measure</a:t>
+              </a:r>
+              <a:endParaRPr lang="vi-VN" sz="2400" dirty="0"/>
+            </a:p>
+          </p:txBody>
+        </p:sp>
+        <p:sp>
+          <p:nvSpPr>
+            <p:cNvPr id="13" name="TextBox 12"/>
+            <p:cNvSpPr txBox="1"/>
+            <p:nvPr/>
+          </p:nvSpPr>
+          <p:spPr>
+            <a:xfrm>
+              <a:off x="5311763" y="4482647"/>
+              <a:ext cx="391454" cy="369332"/>
+            </a:xfrm>
+            <a:prstGeom prst="rect">
+              <a:avLst/>
+            </a:prstGeom>
+            <a:noFill/>
+          </p:spPr>
+          <p:txBody>
+            <a:bodyPr wrap="none" rtlCol="0">
+              <a:spAutoFit/>
+            </a:bodyPr>
+            <a:lstStyle/>
+            <a:p>
+              <a:r>
+                <a:rPr lang="en-US" dirty="0">
+                  <a:solidFill>
+                    <a:srgbClr val="FF0000"/>
+                  </a:solidFill>
+                </a:rPr>
+                <a:t>1.</a:t>
+              </a:r>
+              <a:endParaRPr lang="vi-VN" dirty="0">
+                <a:solidFill>
+                  <a:srgbClr val="FF0000"/>
+                </a:solidFill>
+              </a:endParaRPr>
+            </a:p>
+          </p:txBody>
+        </p:sp>
+      </p:grpSp>
+      <p:grpSp>
+        <p:nvGrpSpPr>
+          <p:cNvPr id="16" name="Group 15"/>
+          <p:cNvGrpSpPr/>
+          <p:nvPr/>
+        </p:nvGrpSpPr>
+        <p:grpSpPr>
+          <a:xfrm>
+            <a:off x="7388981" y="3937001"/>
+            <a:ext cx="1885021" cy="1443264"/>
+            <a:chOff x="7388981" y="3937001"/>
+            <a:chExt cx="1885021" cy="1443264"/>
+          </a:xfrm>
+        </p:grpSpPr>
+        <p:sp>
+          <p:nvSpPr>
+            <p:cNvPr id="12" name="Oval 11"/>
+            <p:cNvSpPr/>
+            <p:nvPr/>
+          </p:nvSpPr>
+          <p:spPr>
+            <a:xfrm>
+              <a:off x="7388981" y="3976914"/>
+              <a:ext cx="1885021" cy="1403351"/>
+            </a:xfrm>
+            <a:prstGeom prst="ellipse">
+              <a:avLst/>
+            </a:prstGeom>
+          </p:spPr>
+          <p:style>
+            <a:lnRef idx="2">
+              <a:schemeClr val="accent1">
+                <a:shade val="50000"/>
+              </a:schemeClr>
+            </a:lnRef>
+            <a:fillRef idx="1">
+              <a:schemeClr val="accent1"/>
+            </a:fillRef>
+            <a:effectRef idx="0">
+              <a:schemeClr val="accent1"/>
+            </a:effectRef>
+            <a:fontRef idx="minor">
+              <a:schemeClr val="lt1"/>
+            </a:fontRef>
+          </p:style>
+          <p:txBody>
+            <a:bodyPr rtlCol="0" anchor="ctr"/>
+            <a:lstStyle/>
+            <a:p>
+              <a:pPr algn="ctr"/>
+              <a:r>
+                <a:rPr lang="en-US" sz="2400" dirty="0"/>
+                <a:t>MAE,</a:t>
+              </a:r>
+            </a:p>
+            <a:p>
+              <a:pPr algn="ctr"/>
+              <a:r>
+                <a:rPr lang="en-US" sz="2400" dirty="0"/>
+                <a:t>RMSE</a:t>
+              </a:r>
+              <a:endParaRPr lang="vi-VN" sz="2400" dirty="0"/>
+            </a:p>
+          </p:txBody>
+        </p:sp>
+        <p:sp>
+          <p:nvSpPr>
+            <p:cNvPr id="15" name="TextBox 14"/>
+            <p:cNvSpPr txBox="1"/>
+            <p:nvPr/>
+          </p:nvSpPr>
+          <p:spPr>
+            <a:xfrm>
+              <a:off x="8135764" y="3937001"/>
+              <a:ext cx="391454" cy="369332"/>
+            </a:xfrm>
+            <a:prstGeom prst="rect">
+              <a:avLst/>
+            </a:prstGeom>
+            <a:noFill/>
+          </p:spPr>
+          <p:txBody>
+            <a:bodyPr wrap="none" rtlCol="0">
+              <a:spAutoFit/>
+            </a:bodyPr>
+            <a:lstStyle/>
+            <a:p>
+              <a:r>
+                <a:rPr lang="en-US" dirty="0">
+                  <a:solidFill>
+                    <a:srgbClr val="FF0000"/>
+                  </a:solidFill>
+                </a:rPr>
+                <a:t>2.</a:t>
+              </a:r>
+              <a:endParaRPr lang="vi-VN" dirty="0">
+                <a:solidFill>
+                  <a:srgbClr val="FF0000"/>
+                </a:solidFill>
+              </a:endParaRPr>
+            </a:p>
+          </p:txBody>
+        </p:sp>
+      </p:grpSp>
+      <p:grpSp>
+        <p:nvGrpSpPr>
+          <p:cNvPr id="18" name="Group 17"/>
+          <p:cNvGrpSpPr/>
+          <p:nvPr/>
+        </p:nvGrpSpPr>
+        <p:grpSpPr>
+          <a:xfrm>
+            <a:off x="5404755" y="2282762"/>
+            <a:ext cx="2318660" cy="1654239"/>
+            <a:chOff x="5404755" y="2282762"/>
+            <a:chExt cx="2318660" cy="1654239"/>
+          </a:xfrm>
+        </p:grpSpPr>
+        <p:sp>
+          <p:nvSpPr>
+            <p:cNvPr id="11" name="Oval 10"/>
+            <p:cNvSpPr/>
+            <p:nvPr/>
+          </p:nvSpPr>
+          <p:spPr>
+            <a:xfrm>
+              <a:off x="5404755" y="2351316"/>
+              <a:ext cx="2318660" cy="1585685"/>
+            </a:xfrm>
+            <a:prstGeom prst="ellipse">
+              <a:avLst/>
+            </a:prstGeom>
+          </p:spPr>
+          <p:style>
+            <a:lnRef idx="2">
+              <a:schemeClr val="accent1">
+                <a:shade val="50000"/>
+              </a:schemeClr>
+            </a:lnRef>
+            <a:fillRef idx="1">
+              <a:schemeClr val="accent1"/>
+            </a:fillRef>
+            <a:effectRef idx="0">
+              <a:schemeClr val="accent1"/>
+            </a:effectRef>
+            <a:fontRef idx="minor">
+              <a:schemeClr val="lt1"/>
+            </a:fontRef>
+          </p:style>
+          <p:txBody>
+            <a:bodyPr rtlCol="0" anchor="ctr"/>
+            <a:lstStyle/>
+            <a:p>
+              <a:pPr algn="ctr"/>
+              <a:r>
+                <a:rPr lang="en-US" sz="2400" dirty="0"/>
+                <a:t>NDCG,</a:t>
+              </a:r>
+            </a:p>
+            <a:p>
+              <a:pPr algn="ctr"/>
+              <a:r>
+                <a:rPr lang="en-US" sz="2400" dirty="0"/>
+                <a:t>MAP,</a:t>
+              </a:r>
+            </a:p>
+            <a:p>
+              <a:pPr algn="ctr"/>
+              <a:r>
+                <a:rPr lang="en-US" sz="2400" dirty="0"/>
+                <a:t>MRR</a:t>
+              </a:r>
+              <a:endParaRPr lang="vi-VN" sz="2400" dirty="0"/>
+            </a:p>
+          </p:txBody>
+        </p:sp>
+        <p:sp>
+          <p:nvSpPr>
+            <p:cNvPr id="17" name="TextBox 16"/>
+            <p:cNvSpPr txBox="1"/>
+            <p:nvPr/>
+          </p:nvSpPr>
+          <p:spPr>
+            <a:xfrm>
+              <a:off x="6296027" y="2282762"/>
+              <a:ext cx="391454" cy="369332"/>
+            </a:xfrm>
+            <a:prstGeom prst="rect">
+              <a:avLst/>
+            </a:prstGeom>
+            <a:noFill/>
+          </p:spPr>
+          <p:txBody>
+            <a:bodyPr wrap="none" rtlCol="0">
+              <a:spAutoFit/>
+            </a:bodyPr>
+            <a:lstStyle/>
+            <a:p>
+              <a:r>
+                <a:rPr lang="en-US" dirty="0">
+                  <a:solidFill>
+                    <a:srgbClr val="FF0000"/>
+                  </a:solidFill>
+                </a:rPr>
+                <a:t>3.</a:t>
+              </a:r>
+              <a:endParaRPr lang="vi-VN" dirty="0">
+                <a:solidFill>
+                  <a:srgbClr val="FF0000"/>
+                </a:solidFill>
+              </a:endParaRPr>
+            </a:p>
+          </p:txBody>
+        </p:sp>
+      </p:grpSp>
     </p:spTree>
     <p:extLst>
       <p:ext uri="{BB962C8B-B14F-4D97-AF65-F5344CB8AC3E}">
@@ -10835,6 +12232,556 @@
   <p:clrMapOvr>
     <a:masterClrMapping/>
   </p:clrMapOvr>
+  <p:timing>
+    <p:tnLst>
+      <p:par>
+        <p:cTn id="1" dur="indefinite" restart="never" nodeType="tmRoot">
+          <p:childTnLst>
+            <p:seq concurrent="1" nextAc="seek">
+              <p:cTn id="2" dur="indefinite" nodeType="mainSeq">
+                <p:childTnLst>
+                  <p:par>
+                    <p:cTn id="3" fill="hold">
+                      <p:stCondLst>
+                        <p:cond delay="indefinite"/>
+                      </p:stCondLst>
+                      <p:childTnLst>
+                        <p:par>
+                          <p:cTn id="4" fill="hold">
+                            <p:stCondLst>
+                              <p:cond delay="0"/>
+                            </p:stCondLst>
+                            <p:childTnLst>
+                              <p:par>
+                                <p:cTn id="5" presetID="2" presetClass="entr" presetSubtype="4" fill="hold" nodeType="clickEffect">
+                                  <p:stCondLst>
+                                    <p:cond delay="0"/>
+                                  </p:stCondLst>
+                                  <p:childTnLst>
+                                    <p:set>
+                                      <p:cBhvr>
+                                        <p:cTn id="6" dur="1" fill="hold">
+                                          <p:stCondLst>
+                                            <p:cond delay="0"/>
+                                          </p:stCondLst>
+                                        </p:cTn>
+                                        <p:tgtEl>
+                                          <p:spTgt spid="5"/>
+                                        </p:tgtEl>
+                                        <p:attrNameLst>
+                                          <p:attrName>style.visibility</p:attrName>
+                                        </p:attrNameLst>
+                                      </p:cBhvr>
+                                      <p:to>
+                                        <p:strVal val="visible"/>
+                                      </p:to>
+                                    </p:set>
+                                    <p:anim calcmode="lin" valueType="num">
+                                      <p:cBhvr additive="base">
+                                        <p:cTn id="7" dur="500" fill="hold"/>
+                                        <p:tgtEl>
+                                          <p:spTgt spid="5"/>
+                                        </p:tgtEl>
+                                        <p:attrNameLst>
+                                          <p:attrName>ppt_x</p:attrName>
+                                        </p:attrNameLst>
+                                      </p:cBhvr>
+                                      <p:tavLst>
+                                        <p:tav tm="0">
+                                          <p:val>
+                                            <p:strVal val="#ppt_x"/>
+                                          </p:val>
+                                        </p:tav>
+                                        <p:tav tm="100000">
+                                          <p:val>
+                                            <p:strVal val="#ppt_x"/>
+                                          </p:val>
+                                        </p:tav>
+                                      </p:tavLst>
+                                    </p:anim>
+                                    <p:anim calcmode="lin" valueType="num">
+                                      <p:cBhvr additive="base">
+                                        <p:cTn id="8" dur="500" fill="hold"/>
+                                        <p:tgtEl>
+                                          <p:spTgt spid="5"/>
+                                        </p:tgtEl>
+                                        <p:attrNameLst>
+                                          <p:attrName>ppt_y</p:attrName>
+                                        </p:attrNameLst>
+                                      </p:cBhvr>
+                                      <p:tavLst>
+                                        <p:tav tm="0">
+                                          <p:val>
+                                            <p:strVal val="1+#ppt_h/2"/>
+                                          </p:val>
+                                        </p:tav>
+                                        <p:tav tm="100000">
+                                          <p:val>
+                                            <p:strVal val="#ppt_y"/>
+                                          </p:val>
+                                        </p:tav>
+                                      </p:tavLst>
+                                    </p:anim>
+                                  </p:childTnLst>
+                                </p:cTn>
+                              </p:par>
+                            </p:childTnLst>
+                          </p:cTn>
+                        </p:par>
+                      </p:childTnLst>
+                    </p:cTn>
+                  </p:par>
+                  <p:par>
+                    <p:cTn id="9" fill="hold">
+                      <p:stCondLst>
+                        <p:cond delay="indefinite"/>
+                      </p:stCondLst>
+                      <p:childTnLst>
+                        <p:par>
+                          <p:cTn id="10" fill="hold">
+                            <p:stCondLst>
+                              <p:cond delay="0"/>
+                            </p:stCondLst>
+                            <p:childTnLst>
+                              <p:par>
+                                <p:cTn id="11" presetID="10" presetClass="entr" presetSubtype="0" fill="hold" grpId="0" nodeType="clickEffect">
+                                  <p:stCondLst>
+                                    <p:cond delay="0"/>
+                                  </p:stCondLst>
+                                  <p:childTnLst>
+                                    <p:set>
+                                      <p:cBhvr>
+                                        <p:cTn id="12" dur="1" fill="hold">
+                                          <p:stCondLst>
+                                            <p:cond delay="0"/>
+                                          </p:stCondLst>
+                                        </p:cTn>
+                                        <p:tgtEl>
+                                          <p:spTgt spid="6"/>
+                                        </p:tgtEl>
+                                        <p:attrNameLst>
+                                          <p:attrName>style.visibility</p:attrName>
+                                        </p:attrNameLst>
+                                      </p:cBhvr>
+                                      <p:to>
+                                        <p:strVal val="visible"/>
+                                      </p:to>
+                                    </p:set>
+                                    <p:animEffect transition="in" filter="fade">
+                                      <p:cBhvr>
+                                        <p:cTn id="13" dur="500"/>
+                                        <p:tgtEl>
+                                          <p:spTgt spid="6"/>
+                                        </p:tgtEl>
+                                      </p:cBhvr>
+                                    </p:animEffect>
+                                  </p:childTnLst>
+                                </p:cTn>
+                              </p:par>
+                            </p:childTnLst>
+                          </p:cTn>
+                        </p:par>
+                      </p:childTnLst>
+                    </p:cTn>
+                  </p:par>
+                  <p:par>
+                    <p:cTn id="14" fill="hold">
+                      <p:stCondLst>
+                        <p:cond delay="indefinite"/>
+                      </p:stCondLst>
+                      <p:childTnLst>
+                        <p:par>
+                          <p:cTn id="15" fill="hold">
+                            <p:stCondLst>
+                              <p:cond delay="0"/>
+                            </p:stCondLst>
+                            <p:childTnLst>
+                              <p:par>
+                                <p:cTn id="16" presetID="1" presetClass="exit" presetSubtype="0" fill="hold" grpId="1" nodeType="clickEffect">
+                                  <p:stCondLst>
+                                    <p:cond delay="0"/>
+                                  </p:stCondLst>
+                                  <p:childTnLst>
+                                    <p:set>
+                                      <p:cBhvr>
+                                        <p:cTn id="17" dur="1" fill="hold">
+                                          <p:stCondLst>
+                                            <p:cond delay="0"/>
+                                          </p:stCondLst>
+                                        </p:cTn>
+                                        <p:tgtEl>
+                                          <p:spTgt spid="6"/>
+                                        </p:tgtEl>
+                                        <p:attrNameLst>
+                                          <p:attrName>style.visibility</p:attrName>
+                                        </p:attrNameLst>
+                                      </p:cBhvr>
+                                      <p:to>
+                                        <p:strVal val="hidden"/>
+                                      </p:to>
+                                    </p:set>
+                                  </p:childTnLst>
+                                </p:cTn>
+                              </p:par>
+                            </p:childTnLst>
+                          </p:cTn>
+                        </p:par>
+                      </p:childTnLst>
+                    </p:cTn>
+                  </p:par>
+                  <p:par>
+                    <p:cTn id="18" fill="hold">
+                      <p:stCondLst>
+                        <p:cond delay="indefinite"/>
+                      </p:stCondLst>
+                      <p:childTnLst>
+                        <p:par>
+                          <p:cTn id="19" fill="hold">
+                            <p:stCondLst>
+                              <p:cond delay="0"/>
+                            </p:stCondLst>
+                            <p:childTnLst>
+                              <p:par>
+                                <p:cTn id="20" presetID="22" presetClass="entr" presetSubtype="4" fill="hold" grpId="0" nodeType="clickEffect">
+                                  <p:stCondLst>
+                                    <p:cond delay="0"/>
+                                  </p:stCondLst>
+                                  <p:childTnLst>
+                                    <p:set>
+                                      <p:cBhvr>
+                                        <p:cTn id="21" dur="1" fill="hold">
+                                          <p:stCondLst>
+                                            <p:cond delay="0"/>
+                                          </p:stCondLst>
+                                        </p:cTn>
+                                        <p:tgtEl>
+                                          <p:spTgt spid="7"/>
+                                        </p:tgtEl>
+                                        <p:attrNameLst>
+                                          <p:attrName>style.visibility</p:attrName>
+                                        </p:attrNameLst>
+                                      </p:cBhvr>
+                                      <p:to>
+                                        <p:strVal val="visible"/>
+                                      </p:to>
+                                    </p:set>
+                                    <p:animEffect transition="in" filter="wipe(down)">
+                                      <p:cBhvr>
+                                        <p:cTn id="22" dur="500"/>
+                                        <p:tgtEl>
+                                          <p:spTgt spid="7"/>
+                                        </p:tgtEl>
+                                      </p:cBhvr>
+                                    </p:animEffect>
+                                  </p:childTnLst>
+                                </p:cTn>
+                              </p:par>
+                            </p:childTnLst>
+                          </p:cTn>
+                        </p:par>
+                      </p:childTnLst>
+                    </p:cTn>
+                  </p:par>
+                  <p:par>
+                    <p:cTn id="23" fill="hold">
+                      <p:stCondLst>
+                        <p:cond delay="indefinite"/>
+                      </p:stCondLst>
+                      <p:childTnLst>
+                        <p:par>
+                          <p:cTn id="24" fill="hold">
+                            <p:stCondLst>
+                              <p:cond delay="0"/>
+                            </p:stCondLst>
+                            <p:childTnLst>
+                              <p:par>
+                                <p:cTn id="25" presetID="2" presetClass="entr" presetSubtype="4" fill="hold" nodeType="clickEffect">
+                                  <p:stCondLst>
+                                    <p:cond delay="0"/>
+                                  </p:stCondLst>
+                                  <p:childTnLst>
+                                    <p:set>
+                                      <p:cBhvr>
+                                        <p:cTn id="26" dur="1" fill="hold">
+                                          <p:stCondLst>
+                                            <p:cond delay="0"/>
+                                          </p:stCondLst>
+                                        </p:cTn>
+                                        <p:tgtEl>
+                                          <p:spTgt spid="14"/>
+                                        </p:tgtEl>
+                                        <p:attrNameLst>
+                                          <p:attrName>style.visibility</p:attrName>
+                                        </p:attrNameLst>
+                                      </p:cBhvr>
+                                      <p:to>
+                                        <p:strVal val="visible"/>
+                                      </p:to>
+                                    </p:set>
+                                    <p:anim calcmode="lin" valueType="num">
+                                      <p:cBhvr additive="base">
+                                        <p:cTn id="27" dur="500" fill="hold"/>
+                                        <p:tgtEl>
+                                          <p:spTgt spid="14"/>
+                                        </p:tgtEl>
+                                        <p:attrNameLst>
+                                          <p:attrName>ppt_x</p:attrName>
+                                        </p:attrNameLst>
+                                      </p:cBhvr>
+                                      <p:tavLst>
+                                        <p:tav tm="0">
+                                          <p:val>
+                                            <p:strVal val="#ppt_x"/>
+                                          </p:val>
+                                        </p:tav>
+                                        <p:tav tm="100000">
+                                          <p:val>
+                                            <p:strVal val="#ppt_x"/>
+                                          </p:val>
+                                        </p:tav>
+                                      </p:tavLst>
+                                    </p:anim>
+                                    <p:anim calcmode="lin" valueType="num">
+                                      <p:cBhvr additive="base">
+                                        <p:cTn id="28" dur="500" fill="hold"/>
+                                        <p:tgtEl>
+                                          <p:spTgt spid="14"/>
+                                        </p:tgtEl>
+                                        <p:attrNameLst>
+                                          <p:attrName>ppt_y</p:attrName>
+                                        </p:attrNameLst>
+                                      </p:cBhvr>
+                                      <p:tavLst>
+                                        <p:tav tm="0">
+                                          <p:val>
+                                            <p:strVal val="1+#ppt_h/2"/>
+                                          </p:val>
+                                        </p:tav>
+                                        <p:tav tm="100000">
+                                          <p:val>
+                                            <p:strVal val="#ppt_y"/>
+                                          </p:val>
+                                        </p:tav>
+                                      </p:tavLst>
+                                    </p:anim>
+                                  </p:childTnLst>
+                                </p:cTn>
+                              </p:par>
+                            </p:childTnLst>
+                          </p:cTn>
+                        </p:par>
+                      </p:childTnLst>
+                    </p:cTn>
+                  </p:par>
+                  <p:par>
+                    <p:cTn id="29" fill="hold">
+                      <p:stCondLst>
+                        <p:cond delay="indefinite"/>
+                      </p:stCondLst>
+                      <p:childTnLst>
+                        <p:par>
+                          <p:cTn id="30" fill="hold">
+                            <p:stCondLst>
+                              <p:cond delay="0"/>
+                            </p:stCondLst>
+                            <p:childTnLst>
+                              <p:par>
+                                <p:cTn id="31" presetID="2" presetClass="entr" presetSubtype="3" fill="hold" nodeType="clickEffect">
+                                  <p:stCondLst>
+                                    <p:cond delay="0"/>
+                                  </p:stCondLst>
+                                  <p:childTnLst>
+                                    <p:set>
+                                      <p:cBhvr>
+                                        <p:cTn id="32" dur="1" fill="hold">
+                                          <p:stCondLst>
+                                            <p:cond delay="0"/>
+                                          </p:stCondLst>
+                                        </p:cTn>
+                                        <p:tgtEl>
+                                          <p:spTgt spid="16"/>
+                                        </p:tgtEl>
+                                        <p:attrNameLst>
+                                          <p:attrName>style.visibility</p:attrName>
+                                        </p:attrNameLst>
+                                      </p:cBhvr>
+                                      <p:to>
+                                        <p:strVal val="visible"/>
+                                      </p:to>
+                                    </p:set>
+                                    <p:anim calcmode="lin" valueType="num">
+                                      <p:cBhvr additive="base">
+                                        <p:cTn id="33" dur="500" fill="hold"/>
+                                        <p:tgtEl>
+                                          <p:spTgt spid="16"/>
+                                        </p:tgtEl>
+                                        <p:attrNameLst>
+                                          <p:attrName>ppt_x</p:attrName>
+                                        </p:attrNameLst>
+                                      </p:cBhvr>
+                                      <p:tavLst>
+                                        <p:tav tm="0">
+                                          <p:val>
+                                            <p:strVal val="1+#ppt_w/2"/>
+                                          </p:val>
+                                        </p:tav>
+                                        <p:tav tm="100000">
+                                          <p:val>
+                                            <p:strVal val="#ppt_x"/>
+                                          </p:val>
+                                        </p:tav>
+                                      </p:tavLst>
+                                    </p:anim>
+                                    <p:anim calcmode="lin" valueType="num">
+                                      <p:cBhvr additive="base">
+                                        <p:cTn id="34" dur="500" fill="hold"/>
+                                        <p:tgtEl>
+                                          <p:spTgt spid="16"/>
+                                        </p:tgtEl>
+                                        <p:attrNameLst>
+                                          <p:attrName>ppt_y</p:attrName>
+                                        </p:attrNameLst>
+                                      </p:cBhvr>
+                                      <p:tavLst>
+                                        <p:tav tm="0">
+                                          <p:val>
+                                            <p:strVal val="0-#ppt_h/2"/>
+                                          </p:val>
+                                        </p:tav>
+                                        <p:tav tm="100000">
+                                          <p:val>
+                                            <p:strVal val="#ppt_y"/>
+                                          </p:val>
+                                        </p:tav>
+                                      </p:tavLst>
+                                    </p:anim>
+                                  </p:childTnLst>
+                                </p:cTn>
+                              </p:par>
+                            </p:childTnLst>
+                          </p:cTn>
+                        </p:par>
+                      </p:childTnLst>
+                    </p:cTn>
+                  </p:par>
+                  <p:par>
+                    <p:cTn id="35" fill="hold">
+                      <p:stCondLst>
+                        <p:cond delay="indefinite"/>
+                      </p:stCondLst>
+                      <p:childTnLst>
+                        <p:par>
+                          <p:cTn id="36" fill="hold">
+                            <p:stCondLst>
+                              <p:cond delay="0"/>
+                            </p:stCondLst>
+                            <p:childTnLst>
+                              <p:par>
+                                <p:cTn id="37" presetID="2" presetClass="entr" presetSubtype="1" fill="hold" nodeType="clickEffect">
+                                  <p:stCondLst>
+                                    <p:cond delay="0"/>
+                                  </p:stCondLst>
+                                  <p:childTnLst>
+                                    <p:set>
+                                      <p:cBhvr>
+                                        <p:cTn id="38" dur="1" fill="hold">
+                                          <p:stCondLst>
+                                            <p:cond delay="0"/>
+                                          </p:stCondLst>
+                                        </p:cTn>
+                                        <p:tgtEl>
+                                          <p:spTgt spid="18"/>
+                                        </p:tgtEl>
+                                        <p:attrNameLst>
+                                          <p:attrName>style.visibility</p:attrName>
+                                        </p:attrNameLst>
+                                      </p:cBhvr>
+                                      <p:to>
+                                        <p:strVal val="visible"/>
+                                      </p:to>
+                                    </p:set>
+                                    <p:anim calcmode="lin" valueType="num">
+                                      <p:cBhvr additive="base">
+                                        <p:cTn id="39" dur="500" fill="hold"/>
+                                        <p:tgtEl>
+                                          <p:spTgt spid="18"/>
+                                        </p:tgtEl>
+                                        <p:attrNameLst>
+                                          <p:attrName>ppt_x</p:attrName>
+                                        </p:attrNameLst>
+                                      </p:cBhvr>
+                                      <p:tavLst>
+                                        <p:tav tm="0">
+                                          <p:val>
+                                            <p:strVal val="#ppt_x"/>
+                                          </p:val>
+                                        </p:tav>
+                                        <p:tav tm="100000">
+                                          <p:val>
+                                            <p:strVal val="#ppt_x"/>
+                                          </p:val>
+                                        </p:tav>
+                                      </p:tavLst>
+                                    </p:anim>
+                                    <p:anim calcmode="lin" valueType="num">
+                                      <p:cBhvr additive="base">
+                                        <p:cTn id="40" dur="500" fill="hold"/>
+                                        <p:tgtEl>
+                                          <p:spTgt spid="18"/>
+                                        </p:tgtEl>
+                                        <p:attrNameLst>
+                                          <p:attrName>ppt_y</p:attrName>
+                                        </p:attrNameLst>
+                                      </p:cBhvr>
+                                      <p:tavLst>
+                                        <p:tav tm="0">
+                                          <p:val>
+                                            <p:strVal val="0-#ppt_h/2"/>
+                                          </p:val>
+                                        </p:tav>
+                                        <p:tav tm="100000">
+                                          <p:val>
+                                            <p:strVal val="#ppt_y"/>
+                                          </p:val>
+                                        </p:tav>
+                                      </p:tavLst>
+                                    </p:anim>
+                                  </p:childTnLst>
+                                </p:cTn>
+                              </p:par>
+                            </p:childTnLst>
+                          </p:cTn>
+                        </p:par>
+                      </p:childTnLst>
+                    </p:cTn>
+                  </p:par>
+                </p:childTnLst>
+              </p:cTn>
+              <p:prevCondLst>
+                <p:cond evt="onPrev" delay="0">
+                  <p:tgtEl>
+                    <p:sldTgt/>
+                  </p:tgtEl>
+                </p:cond>
+              </p:prevCondLst>
+              <p:nextCondLst>
+                <p:cond evt="onNext" delay="0">
+                  <p:tgtEl>
+                    <p:sldTgt/>
+                  </p:tgtEl>
+                </p:cond>
+              </p:nextCondLst>
+            </p:seq>
+          </p:childTnLst>
+        </p:cTn>
+      </p:par>
+    </p:tnLst>
+    <p:bldLst>
+      <p:bldP spid="6" grpId="0" animBg="1"/>
+      <p:bldP spid="6" grpId="1" animBg="1"/>
+      <p:bldP spid="7" grpId="0" animBg="1"/>
+    </p:bldLst>
+  </p:timing>
 </p:sld>
 </file>
 
@@ -13218,6 +15165,1248 @@
           </a:p>
         </p:txBody>
       </p:sp>
+      <p:graphicFrame>
+        <p:nvGraphicFramePr>
+          <p:cNvPr id="3" name="Table 2"/>
+          <p:cNvGraphicFramePr>
+            <a:graphicFrameLocks noGrp="1"/>
+          </p:cNvGraphicFramePr>
+          <p:nvPr>
+            <p:extLst>
+              <p:ext uri="{D42A27DB-BD31-4B8C-83A1-F6EECF244321}">
+                <p14:modId xmlns:p14="http://schemas.microsoft.com/office/powerpoint/2010/main" val="3660255053"/>
+              </p:ext>
+            </p:extLst>
+          </p:nvPr>
+        </p:nvGraphicFramePr>
+        <p:xfrm>
+          <a:off x="550938" y="1424465"/>
+          <a:ext cx="9388927" cy="4754696"/>
+        </p:xfrm>
+        <a:graphic>
+          <a:graphicData uri="http://schemas.openxmlformats.org/drawingml/2006/table">
+            <a:tbl>
+              <a:tblPr firstRow="1" firstCol="1" bandRow="1">
+                <a:tableStyleId>{5C22544A-7EE6-4342-B048-85BDC9FD1C3A}</a:tableStyleId>
+              </a:tblPr>
+              <a:tblGrid>
+                <a:gridCol w="1380744">
+                  <a:extLst>
+                    <a:ext uri="{9D8B030D-6E8A-4147-A177-3AD203B41FA5}">
+                      <a16:colId xmlns:a16="http://schemas.microsoft.com/office/drawing/2014/main" val="4256393521"/>
+                    </a:ext>
+                  </a:extLst>
+                </a:gridCol>
+                <a:gridCol w="1422795">
+                  <a:extLst>
+                    <a:ext uri="{9D8B030D-6E8A-4147-A177-3AD203B41FA5}">
+                      <a16:colId xmlns:a16="http://schemas.microsoft.com/office/drawing/2014/main" val="2581601006"/>
+                    </a:ext>
+                  </a:extLst>
+                </a:gridCol>
+                <a:gridCol w="1044540">
+                  <a:extLst>
+                    <a:ext uri="{9D8B030D-6E8A-4147-A177-3AD203B41FA5}">
+                      <a16:colId xmlns:a16="http://schemas.microsoft.com/office/drawing/2014/main" val="1919377409"/>
+                    </a:ext>
+                  </a:extLst>
+                </a:gridCol>
+                <a:gridCol w="1539666">
+                  <a:extLst>
+                    <a:ext uri="{9D8B030D-6E8A-4147-A177-3AD203B41FA5}">
+                      <a16:colId xmlns:a16="http://schemas.microsoft.com/office/drawing/2014/main" val="210497292"/>
+                    </a:ext>
+                  </a:extLst>
+                </a:gridCol>
+                <a:gridCol w="1077116">
+                  <a:extLst>
+                    <a:ext uri="{9D8B030D-6E8A-4147-A177-3AD203B41FA5}">
+                      <a16:colId xmlns:a16="http://schemas.microsoft.com/office/drawing/2014/main" val="369413516"/>
+                    </a:ext>
+                  </a:extLst>
+                </a:gridCol>
+                <a:gridCol w="1077116">
+                  <a:extLst>
+                    <a:ext uri="{9D8B030D-6E8A-4147-A177-3AD203B41FA5}">
+                      <a16:colId xmlns:a16="http://schemas.microsoft.com/office/drawing/2014/main" val="1087716548"/>
+                    </a:ext>
+                  </a:extLst>
+                </a:gridCol>
+                <a:gridCol w="924019">
+                  <a:extLst>
+                    <a:ext uri="{9D8B030D-6E8A-4147-A177-3AD203B41FA5}">
+                      <a16:colId xmlns:a16="http://schemas.microsoft.com/office/drawing/2014/main" val="4058516146"/>
+                    </a:ext>
+                  </a:extLst>
+                </a:gridCol>
+                <a:gridCol w="922931">
+                  <a:extLst>
+                    <a:ext uri="{9D8B030D-6E8A-4147-A177-3AD203B41FA5}">
+                      <a16:colId xmlns:a16="http://schemas.microsoft.com/office/drawing/2014/main" val="512656412"/>
+                    </a:ext>
+                  </a:extLst>
+                </a:gridCol>
+              </a:tblGrid>
+              <a:tr h="1774000">
+                <a:tc>
+                  <a:txBody>
+                    <a:bodyPr/>
+                    <a:lstStyle/>
+                    <a:p>
+                      <a:pPr algn="r">
+                        <a:lnSpc>
+                          <a:spcPct val="150000"/>
+                        </a:lnSpc>
+                        <a:spcAft>
+                          <a:spcPts val="0"/>
+                        </a:spcAft>
+                      </a:pPr>
+                      <a:r>
+                        <a:rPr lang="en-US" sz="2000" dirty="0" err="1">
+                          <a:effectLst/>
+                          <a:latin typeface="Times New Roman" panose="02020603050405020304" pitchFamily="18" charset="0"/>
+                          <a:cs typeface="Times New Roman" panose="02020603050405020304" pitchFamily="18" charset="0"/>
+                        </a:rPr>
+                        <a:t>Độ</a:t>
+                      </a:r>
+                      <a:r>
+                        <a:rPr lang="en-US" sz="2000" dirty="0">
+                          <a:effectLst/>
+                          <a:latin typeface="Times New Roman" panose="02020603050405020304" pitchFamily="18" charset="0"/>
+                          <a:cs typeface="Times New Roman" panose="02020603050405020304" pitchFamily="18" charset="0"/>
+                        </a:rPr>
+                        <a:t> </a:t>
+                      </a:r>
+                      <a:endParaRPr lang="vi-VN" sz="2000" dirty="0">
+                        <a:effectLst/>
+                        <a:latin typeface="Times New Roman" panose="02020603050405020304" pitchFamily="18" charset="0"/>
+                        <a:cs typeface="Times New Roman" panose="02020603050405020304" pitchFamily="18" charset="0"/>
+                      </a:endParaRPr>
+                    </a:p>
+                    <a:p>
+                      <a:pPr algn="r">
+                        <a:lnSpc>
+                          <a:spcPct val="150000"/>
+                        </a:lnSpc>
+                        <a:spcAft>
+                          <a:spcPts val="0"/>
+                        </a:spcAft>
+                      </a:pPr>
+                      <a:r>
+                        <a:rPr lang="en-US" sz="2000" dirty="0" err="1">
+                          <a:effectLst/>
+                          <a:latin typeface="Times New Roman" panose="02020603050405020304" pitchFamily="18" charset="0"/>
+                          <a:cs typeface="Times New Roman" panose="02020603050405020304" pitchFamily="18" charset="0"/>
+                        </a:rPr>
+                        <a:t>Đo</a:t>
+                      </a:r>
+                      <a:endParaRPr lang="vi-VN" sz="2000" dirty="0">
+                        <a:effectLst/>
+                        <a:latin typeface="Times New Roman" panose="02020603050405020304" pitchFamily="18" charset="0"/>
+                        <a:cs typeface="Times New Roman" panose="02020603050405020304" pitchFamily="18" charset="0"/>
+                      </a:endParaRPr>
+                    </a:p>
+                    <a:p>
+                      <a:pPr>
+                        <a:lnSpc>
+                          <a:spcPct val="150000"/>
+                        </a:lnSpc>
+                        <a:spcAft>
+                          <a:spcPts val="0"/>
+                        </a:spcAft>
+                      </a:pPr>
+                      <a:r>
+                        <a:rPr lang="en-US" sz="2000" dirty="0" err="1">
+                          <a:effectLst/>
+                          <a:latin typeface="Times New Roman" panose="02020603050405020304" pitchFamily="18" charset="0"/>
+                          <a:cs typeface="Times New Roman" panose="02020603050405020304" pitchFamily="18" charset="0"/>
+                        </a:rPr>
+                        <a:t>Thuật</a:t>
+                      </a:r>
+                      <a:r>
+                        <a:rPr lang="en-US" sz="2000" dirty="0">
+                          <a:effectLst/>
+                          <a:latin typeface="Times New Roman" panose="02020603050405020304" pitchFamily="18" charset="0"/>
+                          <a:cs typeface="Times New Roman" panose="02020603050405020304" pitchFamily="18" charset="0"/>
+                        </a:rPr>
+                        <a:t> </a:t>
+                      </a:r>
+                      <a:endParaRPr lang="vi-VN" sz="2000" dirty="0">
+                        <a:effectLst/>
+                        <a:latin typeface="Times New Roman" panose="02020603050405020304" pitchFamily="18" charset="0"/>
+                        <a:cs typeface="Times New Roman" panose="02020603050405020304" pitchFamily="18" charset="0"/>
+                      </a:endParaRPr>
+                    </a:p>
+                    <a:p>
+                      <a:pPr>
+                        <a:lnSpc>
+                          <a:spcPct val="150000"/>
+                        </a:lnSpc>
+                        <a:spcAft>
+                          <a:spcPts val="0"/>
+                        </a:spcAft>
+                      </a:pPr>
+                      <a:r>
+                        <a:rPr lang="en-US" sz="2000" dirty="0" err="1">
+                          <a:effectLst/>
+                          <a:latin typeface="Times New Roman" panose="02020603050405020304" pitchFamily="18" charset="0"/>
+                          <a:cs typeface="Times New Roman" panose="02020603050405020304" pitchFamily="18" charset="0"/>
+                        </a:rPr>
+                        <a:t>toán</a:t>
+                      </a:r>
+                      <a:endParaRPr lang="vi-VN" sz="2000" dirty="0">
+                        <a:effectLst/>
+                        <a:latin typeface="Times New Roman" panose="02020603050405020304" pitchFamily="18" charset="0"/>
+                        <a:ea typeface="Calibri" panose="020F0502020204030204" pitchFamily="34" charset="0"/>
+                        <a:cs typeface="Times New Roman" panose="02020603050405020304" pitchFamily="18" charset="0"/>
+                      </a:endParaRPr>
+                    </a:p>
+                  </a:txBody>
+                  <a:tcPr marL="68580" marR="68580" marT="0" marB="0" anchor="ctr"/>
+                </a:tc>
+                <a:tc>
+                  <a:txBody>
+                    <a:bodyPr/>
+                    <a:lstStyle/>
+                    <a:p>
+                      <a:pPr algn="ctr">
+                        <a:lnSpc>
+                          <a:spcPct val="150000"/>
+                        </a:lnSpc>
+                        <a:spcAft>
+                          <a:spcPts val="0"/>
+                        </a:spcAft>
+                      </a:pPr>
+                      <a:r>
+                        <a:rPr lang="vi-VN" sz="2000" dirty="0">
+                          <a:effectLst/>
+                          <a:latin typeface="Times New Roman" panose="02020603050405020304" pitchFamily="18" charset="0"/>
+                          <a:cs typeface="Times New Roman" panose="02020603050405020304" pitchFamily="18" charset="0"/>
+                        </a:rPr>
+                        <a:t>Precision</a:t>
+                      </a:r>
+                      <a:endParaRPr lang="vi-VN" sz="2000" dirty="0">
+                        <a:effectLst/>
+                        <a:latin typeface="Times New Roman" panose="02020603050405020304" pitchFamily="18" charset="0"/>
+                        <a:ea typeface="Calibri" panose="020F0502020204030204" pitchFamily="34" charset="0"/>
+                        <a:cs typeface="Times New Roman" panose="02020603050405020304" pitchFamily="18" charset="0"/>
+                      </a:endParaRPr>
+                    </a:p>
+                  </a:txBody>
+                  <a:tcPr marL="68580" marR="68580" marT="0" marB="0"/>
+                </a:tc>
+                <a:tc>
+                  <a:txBody>
+                    <a:bodyPr/>
+                    <a:lstStyle/>
+                    <a:p>
+                      <a:pPr algn="ctr">
+                        <a:lnSpc>
+                          <a:spcPct val="150000"/>
+                        </a:lnSpc>
+                        <a:spcAft>
+                          <a:spcPts val="0"/>
+                        </a:spcAft>
+                      </a:pPr>
+                      <a:r>
+                        <a:rPr lang="vi-VN" sz="2000">
+                          <a:effectLst/>
+                          <a:latin typeface="Times New Roman" panose="02020603050405020304" pitchFamily="18" charset="0"/>
+                          <a:cs typeface="Times New Roman" panose="02020603050405020304" pitchFamily="18" charset="0"/>
+                        </a:rPr>
+                        <a:t>Recall</a:t>
+                      </a:r>
+                      <a:endParaRPr lang="vi-VN" sz="2000">
+                        <a:effectLst/>
+                        <a:latin typeface="Times New Roman" panose="02020603050405020304" pitchFamily="18" charset="0"/>
+                        <a:ea typeface="Calibri" panose="020F0502020204030204" pitchFamily="34" charset="0"/>
+                        <a:cs typeface="Times New Roman" panose="02020603050405020304" pitchFamily="18" charset="0"/>
+                      </a:endParaRPr>
+                    </a:p>
+                  </a:txBody>
+                  <a:tcPr marL="68580" marR="68580" marT="0" marB="0"/>
+                </a:tc>
+                <a:tc>
+                  <a:txBody>
+                    <a:bodyPr/>
+                    <a:lstStyle/>
+                    <a:p>
+                      <a:pPr algn="ctr">
+                        <a:lnSpc>
+                          <a:spcPct val="150000"/>
+                        </a:lnSpc>
+                        <a:spcAft>
+                          <a:spcPts val="0"/>
+                        </a:spcAft>
+                      </a:pPr>
+                      <a:r>
+                        <a:rPr lang="vi-VN" sz="2000">
+                          <a:effectLst/>
+                          <a:latin typeface="Times New Roman" panose="02020603050405020304" pitchFamily="18" charset="0"/>
+                          <a:cs typeface="Times New Roman" panose="02020603050405020304" pitchFamily="18" charset="0"/>
+                        </a:rPr>
+                        <a:t>F-Measure</a:t>
+                      </a:r>
+                      <a:endParaRPr lang="vi-VN" sz="2000">
+                        <a:effectLst/>
+                        <a:latin typeface="Times New Roman" panose="02020603050405020304" pitchFamily="18" charset="0"/>
+                        <a:ea typeface="Calibri" panose="020F0502020204030204" pitchFamily="34" charset="0"/>
+                        <a:cs typeface="Times New Roman" panose="02020603050405020304" pitchFamily="18" charset="0"/>
+                      </a:endParaRPr>
+                    </a:p>
+                  </a:txBody>
+                  <a:tcPr marL="68580" marR="68580" marT="0" marB="0"/>
+                </a:tc>
+                <a:tc>
+                  <a:txBody>
+                    <a:bodyPr/>
+                    <a:lstStyle/>
+                    <a:p>
+                      <a:pPr algn="ctr">
+                        <a:lnSpc>
+                          <a:spcPct val="150000"/>
+                        </a:lnSpc>
+                        <a:spcAft>
+                          <a:spcPts val="0"/>
+                        </a:spcAft>
+                      </a:pPr>
+                      <a:r>
+                        <a:rPr lang="en-US" sz="2000">
+                          <a:effectLst/>
+                          <a:latin typeface="Times New Roman" panose="02020603050405020304" pitchFamily="18" charset="0"/>
+                          <a:cs typeface="Times New Roman" panose="02020603050405020304" pitchFamily="18" charset="0"/>
+                        </a:rPr>
+                        <a:t>NDCG</a:t>
+                      </a:r>
+                      <a:endParaRPr lang="vi-VN" sz="2000">
+                        <a:effectLst/>
+                        <a:latin typeface="Times New Roman" panose="02020603050405020304" pitchFamily="18" charset="0"/>
+                        <a:ea typeface="Calibri" panose="020F0502020204030204" pitchFamily="34" charset="0"/>
+                        <a:cs typeface="Times New Roman" panose="02020603050405020304" pitchFamily="18" charset="0"/>
+                      </a:endParaRPr>
+                    </a:p>
+                  </a:txBody>
+                  <a:tcPr marL="68580" marR="68580" marT="0" marB="0"/>
+                </a:tc>
+                <a:tc>
+                  <a:txBody>
+                    <a:bodyPr/>
+                    <a:lstStyle/>
+                    <a:p>
+                      <a:pPr algn="ctr">
+                        <a:lnSpc>
+                          <a:spcPct val="150000"/>
+                        </a:lnSpc>
+                        <a:spcAft>
+                          <a:spcPts val="0"/>
+                        </a:spcAft>
+                      </a:pPr>
+                      <a:r>
+                        <a:rPr lang="en-US" sz="2000">
+                          <a:effectLst/>
+                          <a:latin typeface="Times New Roman" panose="02020603050405020304" pitchFamily="18" charset="0"/>
+                          <a:cs typeface="Times New Roman" panose="02020603050405020304" pitchFamily="18" charset="0"/>
+                        </a:rPr>
+                        <a:t>RMSE</a:t>
+                      </a:r>
+                      <a:endParaRPr lang="vi-VN" sz="2000">
+                        <a:effectLst/>
+                        <a:latin typeface="Times New Roman" panose="02020603050405020304" pitchFamily="18" charset="0"/>
+                        <a:ea typeface="Calibri" panose="020F0502020204030204" pitchFamily="34" charset="0"/>
+                        <a:cs typeface="Times New Roman" panose="02020603050405020304" pitchFamily="18" charset="0"/>
+                      </a:endParaRPr>
+                    </a:p>
+                  </a:txBody>
+                  <a:tcPr marL="68580" marR="68580" marT="0" marB="0"/>
+                </a:tc>
+                <a:tc>
+                  <a:txBody>
+                    <a:bodyPr/>
+                    <a:lstStyle/>
+                    <a:p>
+                      <a:pPr algn="ctr">
+                        <a:lnSpc>
+                          <a:spcPct val="150000"/>
+                        </a:lnSpc>
+                        <a:spcAft>
+                          <a:spcPts val="0"/>
+                        </a:spcAft>
+                      </a:pPr>
+                      <a:r>
+                        <a:rPr lang="en-US" sz="2000">
+                          <a:effectLst/>
+                          <a:latin typeface="Times New Roman" panose="02020603050405020304" pitchFamily="18" charset="0"/>
+                          <a:cs typeface="Times New Roman" panose="02020603050405020304" pitchFamily="18" charset="0"/>
+                        </a:rPr>
+                        <a:t>MRR</a:t>
+                      </a:r>
+                      <a:endParaRPr lang="vi-VN" sz="2000">
+                        <a:effectLst/>
+                        <a:latin typeface="Times New Roman" panose="02020603050405020304" pitchFamily="18" charset="0"/>
+                        <a:ea typeface="Calibri" panose="020F0502020204030204" pitchFamily="34" charset="0"/>
+                        <a:cs typeface="Times New Roman" panose="02020603050405020304" pitchFamily="18" charset="0"/>
+                      </a:endParaRPr>
+                    </a:p>
+                  </a:txBody>
+                  <a:tcPr marL="68580" marR="68580" marT="0" marB="0"/>
+                </a:tc>
+                <a:tc>
+                  <a:txBody>
+                    <a:bodyPr/>
+                    <a:lstStyle/>
+                    <a:p>
+                      <a:pPr algn="ctr">
+                        <a:lnSpc>
+                          <a:spcPct val="150000"/>
+                        </a:lnSpc>
+                        <a:spcAft>
+                          <a:spcPts val="0"/>
+                        </a:spcAft>
+                      </a:pPr>
+                      <a:r>
+                        <a:rPr lang="en-US" sz="2000">
+                          <a:effectLst/>
+                          <a:latin typeface="Times New Roman" panose="02020603050405020304" pitchFamily="18" charset="0"/>
+                          <a:cs typeface="Times New Roman" panose="02020603050405020304" pitchFamily="18" charset="0"/>
+                        </a:rPr>
+                        <a:t>MAP</a:t>
+                      </a:r>
+                      <a:endParaRPr lang="vi-VN" sz="2000">
+                        <a:effectLst/>
+                        <a:latin typeface="Times New Roman" panose="02020603050405020304" pitchFamily="18" charset="0"/>
+                        <a:ea typeface="Calibri" panose="020F0502020204030204" pitchFamily="34" charset="0"/>
+                        <a:cs typeface="Times New Roman" panose="02020603050405020304" pitchFamily="18" charset="0"/>
+                      </a:endParaRPr>
+                    </a:p>
+                  </a:txBody>
+                  <a:tcPr marL="68580" marR="68580" marT="0" marB="0"/>
+                </a:tc>
+                <a:extLst>
+                  <a:ext uri="{0D108BD9-81ED-4DB2-BD59-A6C34878D82A}">
+                    <a16:rowId xmlns:a16="http://schemas.microsoft.com/office/drawing/2014/main" val="4042824535"/>
+                  </a:ext>
+                </a:extLst>
+              </a:tr>
+              <a:tr h="2043516">
+                <a:tc>
+                  <a:txBody>
+                    <a:bodyPr/>
+                    <a:lstStyle/>
+                    <a:p>
+                      <a:pPr>
+                        <a:lnSpc>
+                          <a:spcPct val="150000"/>
+                        </a:lnSpc>
+                        <a:spcAft>
+                          <a:spcPts val="0"/>
+                        </a:spcAft>
+                      </a:pPr>
+                      <a:r>
+                        <a:rPr lang="vi-VN" sz="2000">
+                          <a:effectLst/>
+                          <a:latin typeface="Times New Roman" panose="02020603050405020304" pitchFamily="18" charset="0"/>
+                          <a:cs typeface="Times New Roman" panose="02020603050405020304" pitchFamily="18" charset="0"/>
+                        </a:rPr>
+                        <a:t>CF -</a:t>
+                      </a:r>
+                      <a:r>
+                        <a:rPr lang="en-US" sz="2000">
+                          <a:effectLst/>
+                          <a:latin typeface="Times New Roman" panose="02020603050405020304" pitchFamily="18" charset="0"/>
+                          <a:cs typeface="Times New Roman" panose="02020603050405020304" pitchFamily="18" charset="0"/>
+                        </a:rPr>
+                        <a:t> User based - </a:t>
+                      </a:r>
+                      <a:r>
+                        <a:rPr lang="vi-VN" sz="2000">
+                          <a:effectLst/>
+                          <a:latin typeface="Times New Roman" panose="02020603050405020304" pitchFamily="18" charset="0"/>
+                          <a:cs typeface="Times New Roman" panose="02020603050405020304" pitchFamily="18" charset="0"/>
+                        </a:rPr>
+                        <a:t>Euclidean Distance</a:t>
+                      </a:r>
+                      <a:endParaRPr lang="vi-VN" sz="2000">
+                        <a:effectLst/>
+                        <a:latin typeface="Times New Roman" panose="02020603050405020304" pitchFamily="18" charset="0"/>
+                        <a:ea typeface="Calibri" panose="020F0502020204030204" pitchFamily="34" charset="0"/>
+                        <a:cs typeface="Times New Roman" panose="02020603050405020304" pitchFamily="18" charset="0"/>
+                      </a:endParaRPr>
+                    </a:p>
+                  </a:txBody>
+                  <a:tcPr marL="68580" marR="68580" marT="0" marB="0" anchor="b"/>
+                </a:tc>
+                <a:tc>
+                  <a:txBody>
+                    <a:bodyPr/>
+                    <a:lstStyle/>
+                    <a:p>
+                      <a:pPr algn="r">
+                        <a:lnSpc>
+                          <a:spcPct val="150000"/>
+                        </a:lnSpc>
+                        <a:spcAft>
+                          <a:spcPts val="0"/>
+                        </a:spcAft>
+                      </a:pPr>
+                      <a:r>
+                        <a:rPr lang="vi-VN" sz="2000" dirty="0">
+                          <a:effectLst/>
+                          <a:latin typeface="Times New Roman" panose="02020603050405020304" pitchFamily="18" charset="0"/>
+                          <a:cs typeface="Times New Roman" panose="02020603050405020304" pitchFamily="18" charset="0"/>
+                        </a:rPr>
+                        <a:t>0.081</a:t>
+                      </a:r>
+                      <a:endParaRPr lang="vi-VN" sz="2000" dirty="0">
+                        <a:effectLst/>
+                        <a:latin typeface="Times New Roman" panose="02020603050405020304" pitchFamily="18" charset="0"/>
+                        <a:ea typeface="Calibri" panose="020F0502020204030204" pitchFamily="34" charset="0"/>
+                        <a:cs typeface="Times New Roman" panose="02020603050405020304" pitchFamily="18" charset="0"/>
+                      </a:endParaRPr>
+                    </a:p>
+                  </a:txBody>
+                  <a:tcPr marL="68580" marR="68580" marT="0" marB="0" anchor="b"/>
+                </a:tc>
+                <a:tc>
+                  <a:txBody>
+                    <a:bodyPr/>
+                    <a:lstStyle/>
+                    <a:p>
+                      <a:pPr algn="r">
+                        <a:lnSpc>
+                          <a:spcPct val="150000"/>
+                        </a:lnSpc>
+                        <a:spcAft>
+                          <a:spcPts val="0"/>
+                        </a:spcAft>
+                      </a:pPr>
+                      <a:r>
+                        <a:rPr lang="vi-VN" sz="2000">
+                          <a:effectLst/>
+                          <a:latin typeface="Times New Roman" panose="02020603050405020304" pitchFamily="18" charset="0"/>
+                          <a:cs typeface="Times New Roman" panose="02020603050405020304" pitchFamily="18" charset="0"/>
+                        </a:rPr>
+                        <a:t>0.764</a:t>
+                      </a:r>
+                      <a:endParaRPr lang="vi-VN" sz="2000">
+                        <a:effectLst/>
+                        <a:latin typeface="Times New Roman" panose="02020603050405020304" pitchFamily="18" charset="0"/>
+                        <a:ea typeface="Calibri" panose="020F0502020204030204" pitchFamily="34" charset="0"/>
+                        <a:cs typeface="Times New Roman" panose="02020603050405020304" pitchFamily="18" charset="0"/>
+                      </a:endParaRPr>
+                    </a:p>
+                  </a:txBody>
+                  <a:tcPr marL="68580" marR="68580" marT="0" marB="0" anchor="b"/>
+                </a:tc>
+                <a:tc>
+                  <a:txBody>
+                    <a:bodyPr/>
+                    <a:lstStyle/>
+                    <a:p>
+                      <a:pPr algn="r">
+                        <a:lnSpc>
+                          <a:spcPct val="150000"/>
+                        </a:lnSpc>
+                        <a:spcAft>
+                          <a:spcPts val="0"/>
+                        </a:spcAft>
+                      </a:pPr>
+                      <a:r>
+                        <a:rPr lang="vi-VN" sz="2000">
+                          <a:effectLst/>
+                          <a:latin typeface="Times New Roman" panose="02020603050405020304" pitchFamily="18" charset="0"/>
+                          <a:cs typeface="Times New Roman" panose="02020603050405020304" pitchFamily="18" charset="0"/>
+                        </a:rPr>
+                        <a:t>0.149</a:t>
+                      </a:r>
+                      <a:endParaRPr lang="vi-VN" sz="2000">
+                        <a:effectLst/>
+                        <a:latin typeface="Times New Roman" panose="02020603050405020304" pitchFamily="18" charset="0"/>
+                        <a:ea typeface="Calibri" panose="020F0502020204030204" pitchFamily="34" charset="0"/>
+                        <a:cs typeface="Times New Roman" panose="02020603050405020304" pitchFamily="18" charset="0"/>
+                      </a:endParaRPr>
+                    </a:p>
+                  </a:txBody>
+                  <a:tcPr marL="68580" marR="68580" marT="0" marB="0" anchor="b"/>
+                </a:tc>
+                <a:tc>
+                  <a:txBody>
+                    <a:bodyPr/>
+                    <a:lstStyle/>
+                    <a:p>
+                      <a:pPr algn="r">
+                        <a:lnSpc>
+                          <a:spcPct val="150000"/>
+                        </a:lnSpc>
+                        <a:spcAft>
+                          <a:spcPts val="0"/>
+                        </a:spcAft>
+                      </a:pPr>
+                      <a:r>
+                        <a:rPr lang="vi-VN" sz="2000">
+                          <a:effectLst/>
+                          <a:latin typeface="Times New Roman" panose="02020603050405020304" pitchFamily="18" charset="0"/>
+                          <a:cs typeface="Times New Roman" panose="02020603050405020304" pitchFamily="18" charset="0"/>
+                        </a:rPr>
+                        <a:t>0.148</a:t>
+                      </a:r>
+                      <a:endParaRPr lang="vi-VN" sz="2000">
+                        <a:effectLst/>
+                        <a:latin typeface="Times New Roman" panose="02020603050405020304" pitchFamily="18" charset="0"/>
+                        <a:ea typeface="Calibri" panose="020F0502020204030204" pitchFamily="34" charset="0"/>
+                        <a:cs typeface="Times New Roman" panose="02020603050405020304" pitchFamily="18" charset="0"/>
+                      </a:endParaRPr>
+                    </a:p>
+                  </a:txBody>
+                  <a:tcPr marL="68580" marR="68580" marT="0" marB="0" anchor="b"/>
+                </a:tc>
+                <a:tc>
+                  <a:txBody>
+                    <a:bodyPr/>
+                    <a:lstStyle/>
+                    <a:p>
+                      <a:pPr algn="r">
+                        <a:lnSpc>
+                          <a:spcPct val="150000"/>
+                        </a:lnSpc>
+                        <a:spcAft>
+                          <a:spcPts val="0"/>
+                        </a:spcAft>
+                      </a:pPr>
+                      <a:r>
+                        <a:rPr lang="vi-VN" sz="2000">
+                          <a:effectLst/>
+                          <a:latin typeface="Times New Roman" panose="02020603050405020304" pitchFamily="18" charset="0"/>
+                          <a:cs typeface="Times New Roman" panose="02020603050405020304" pitchFamily="18" charset="0"/>
+                        </a:rPr>
+                        <a:t>0.687</a:t>
+                      </a:r>
+                      <a:endParaRPr lang="vi-VN" sz="2000">
+                        <a:effectLst/>
+                        <a:latin typeface="Times New Roman" panose="02020603050405020304" pitchFamily="18" charset="0"/>
+                        <a:ea typeface="Calibri" panose="020F0502020204030204" pitchFamily="34" charset="0"/>
+                        <a:cs typeface="Times New Roman" panose="02020603050405020304" pitchFamily="18" charset="0"/>
+                      </a:endParaRPr>
+                    </a:p>
+                  </a:txBody>
+                  <a:tcPr marL="68580" marR="68580" marT="0" marB="0" anchor="b"/>
+                </a:tc>
+                <a:tc>
+                  <a:txBody>
+                    <a:bodyPr/>
+                    <a:lstStyle/>
+                    <a:p>
+                      <a:pPr algn="r">
+                        <a:lnSpc>
+                          <a:spcPct val="150000"/>
+                        </a:lnSpc>
+                        <a:spcAft>
+                          <a:spcPts val="0"/>
+                        </a:spcAft>
+                      </a:pPr>
+                      <a:r>
+                        <a:rPr lang="vi-VN" sz="2000">
+                          <a:effectLst/>
+                          <a:latin typeface="Times New Roman" panose="02020603050405020304" pitchFamily="18" charset="0"/>
+                          <a:cs typeface="Times New Roman" panose="02020603050405020304" pitchFamily="18" charset="0"/>
+                        </a:rPr>
+                        <a:t>0.593</a:t>
+                      </a:r>
+                      <a:endParaRPr lang="vi-VN" sz="2000">
+                        <a:effectLst/>
+                        <a:latin typeface="Times New Roman" panose="02020603050405020304" pitchFamily="18" charset="0"/>
+                        <a:ea typeface="Calibri" panose="020F0502020204030204" pitchFamily="34" charset="0"/>
+                        <a:cs typeface="Times New Roman" panose="02020603050405020304" pitchFamily="18" charset="0"/>
+                      </a:endParaRPr>
+                    </a:p>
+                  </a:txBody>
+                  <a:tcPr marL="68580" marR="68580" marT="0" marB="0" anchor="b"/>
+                </a:tc>
+                <a:tc>
+                  <a:txBody>
+                    <a:bodyPr/>
+                    <a:lstStyle/>
+                    <a:p>
+                      <a:pPr algn="r">
+                        <a:lnSpc>
+                          <a:spcPct val="150000"/>
+                        </a:lnSpc>
+                        <a:spcAft>
+                          <a:spcPts val="0"/>
+                        </a:spcAft>
+                      </a:pPr>
+                      <a:r>
+                        <a:rPr lang="vi-VN" sz="2000">
+                          <a:effectLst/>
+                          <a:latin typeface="Times New Roman" panose="02020603050405020304" pitchFamily="18" charset="0"/>
+                          <a:cs typeface="Times New Roman" panose="02020603050405020304" pitchFamily="18" charset="0"/>
+                        </a:rPr>
+                        <a:t>0.589</a:t>
+                      </a:r>
+                      <a:endParaRPr lang="vi-VN" sz="2000">
+                        <a:effectLst/>
+                        <a:latin typeface="Times New Roman" panose="02020603050405020304" pitchFamily="18" charset="0"/>
+                        <a:ea typeface="Calibri" panose="020F0502020204030204" pitchFamily="34" charset="0"/>
+                        <a:cs typeface="Times New Roman" panose="02020603050405020304" pitchFamily="18" charset="0"/>
+                      </a:endParaRPr>
+                    </a:p>
+                  </a:txBody>
+                  <a:tcPr marL="68580" marR="68580" marT="0" marB="0" anchor="b"/>
+                </a:tc>
+                <a:extLst>
+                  <a:ext uri="{0D108BD9-81ED-4DB2-BD59-A6C34878D82A}">
+                    <a16:rowId xmlns:a16="http://schemas.microsoft.com/office/drawing/2014/main" val="1415161162"/>
+                  </a:ext>
+                </a:extLst>
+              </a:tr>
+              <a:tr h="468590">
+                <a:tc>
+                  <a:txBody>
+                    <a:bodyPr/>
+                    <a:lstStyle/>
+                    <a:p>
+                      <a:pPr>
+                        <a:lnSpc>
+                          <a:spcPct val="150000"/>
+                        </a:lnSpc>
+                        <a:spcAft>
+                          <a:spcPts val="0"/>
+                        </a:spcAft>
+                      </a:pPr>
+                      <a:r>
+                        <a:rPr lang="en-US" sz="2000">
+                          <a:effectLst/>
+                          <a:latin typeface="Times New Roman" panose="02020603050405020304" pitchFamily="18" charset="0"/>
+                          <a:cs typeface="Times New Roman" panose="02020603050405020304" pitchFamily="18" charset="0"/>
+                        </a:rPr>
+                        <a:t>Hybrid</a:t>
+                      </a:r>
+                      <a:endParaRPr lang="vi-VN" sz="2000">
+                        <a:effectLst/>
+                        <a:latin typeface="Times New Roman" panose="02020603050405020304" pitchFamily="18" charset="0"/>
+                        <a:ea typeface="Calibri" panose="020F0502020204030204" pitchFamily="34" charset="0"/>
+                        <a:cs typeface="Times New Roman" panose="02020603050405020304" pitchFamily="18" charset="0"/>
+                      </a:endParaRPr>
+                    </a:p>
+                  </a:txBody>
+                  <a:tcPr marL="68580" marR="68580" marT="0" marB="0" anchor="b"/>
+                </a:tc>
+                <a:tc>
+                  <a:txBody>
+                    <a:bodyPr/>
+                    <a:lstStyle/>
+                    <a:p>
+                      <a:pPr algn="r">
+                        <a:lnSpc>
+                          <a:spcPct val="150000"/>
+                        </a:lnSpc>
+                        <a:spcAft>
+                          <a:spcPts val="0"/>
+                        </a:spcAft>
+                      </a:pPr>
+                      <a:r>
+                        <a:rPr lang="vi-VN" sz="2000">
+                          <a:effectLst/>
+                          <a:latin typeface="Times New Roman" panose="02020603050405020304" pitchFamily="18" charset="0"/>
+                          <a:cs typeface="Times New Roman" panose="02020603050405020304" pitchFamily="18" charset="0"/>
+                        </a:rPr>
+                        <a:t>0.261</a:t>
+                      </a:r>
+                      <a:endParaRPr lang="vi-VN" sz="2000">
+                        <a:effectLst/>
+                        <a:latin typeface="Times New Roman" panose="02020603050405020304" pitchFamily="18" charset="0"/>
+                        <a:ea typeface="Calibri" panose="020F0502020204030204" pitchFamily="34" charset="0"/>
+                        <a:cs typeface="Times New Roman" panose="02020603050405020304" pitchFamily="18" charset="0"/>
+                      </a:endParaRPr>
+                    </a:p>
+                  </a:txBody>
+                  <a:tcPr marL="68580" marR="68580" marT="0" marB="0" anchor="b"/>
+                </a:tc>
+                <a:tc>
+                  <a:txBody>
+                    <a:bodyPr/>
+                    <a:lstStyle/>
+                    <a:p>
+                      <a:pPr algn="r">
+                        <a:lnSpc>
+                          <a:spcPct val="150000"/>
+                        </a:lnSpc>
+                        <a:spcAft>
+                          <a:spcPts val="0"/>
+                        </a:spcAft>
+                      </a:pPr>
+                      <a:r>
+                        <a:rPr lang="vi-VN" sz="2000">
+                          <a:effectLst/>
+                          <a:latin typeface="Times New Roman" panose="02020603050405020304" pitchFamily="18" charset="0"/>
+                          <a:cs typeface="Times New Roman" panose="02020603050405020304" pitchFamily="18" charset="0"/>
+                        </a:rPr>
+                        <a:t>1.0</a:t>
+                      </a:r>
+                      <a:endParaRPr lang="vi-VN" sz="2000">
+                        <a:effectLst/>
+                        <a:latin typeface="Times New Roman" panose="02020603050405020304" pitchFamily="18" charset="0"/>
+                        <a:ea typeface="Calibri" panose="020F0502020204030204" pitchFamily="34" charset="0"/>
+                        <a:cs typeface="Times New Roman" panose="02020603050405020304" pitchFamily="18" charset="0"/>
+                      </a:endParaRPr>
+                    </a:p>
+                  </a:txBody>
+                  <a:tcPr marL="68580" marR="68580" marT="0" marB="0" anchor="b"/>
+                </a:tc>
+                <a:tc>
+                  <a:txBody>
+                    <a:bodyPr/>
+                    <a:lstStyle/>
+                    <a:p>
+                      <a:pPr algn="r">
+                        <a:lnSpc>
+                          <a:spcPct val="150000"/>
+                        </a:lnSpc>
+                        <a:spcAft>
+                          <a:spcPts val="0"/>
+                        </a:spcAft>
+                      </a:pPr>
+                      <a:r>
+                        <a:rPr lang="vi-VN" sz="2000">
+                          <a:effectLst/>
+                          <a:latin typeface="Times New Roman" panose="02020603050405020304" pitchFamily="18" charset="0"/>
+                          <a:cs typeface="Times New Roman" panose="02020603050405020304" pitchFamily="18" charset="0"/>
+                        </a:rPr>
+                        <a:t>0.271</a:t>
+                      </a:r>
+                      <a:endParaRPr lang="vi-VN" sz="2000">
+                        <a:effectLst/>
+                        <a:latin typeface="Times New Roman" panose="02020603050405020304" pitchFamily="18" charset="0"/>
+                        <a:ea typeface="Calibri" panose="020F0502020204030204" pitchFamily="34" charset="0"/>
+                        <a:cs typeface="Times New Roman" panose="02020603050405020304" pitchFamily="18" charset="0"/>
+                      </a:endParaRPr>
+                    </a:p>
+                  </a:txBody>
+                  <a:tcPr marL="68580" marR="68580" marT="0" marB="0" anchor="b"/>
+                </a:tc>
+                <a:tc>
+                  <a:txBody>
+                    <a:bodyPr/>
+                    <a:lstStyle/>
+                    <a:p>
+                      <a:pPr algn="r">
+                        <a:lnSpc>
+                          <a:spcPct val="150000"/>
+                        </a:lnSpc>
+                        <a:spcAft>
+                          <a:spcPts val="0"/>
+                        </a:spcAft>
+                      </a:pPr>
+                      <a:r>
+                        <a:rPr lang="vi-VN" sz="2000">
+                          <a:effectLst/>
+                          <a:latin typeface="Times New Roman" panose="02020603050405020304" pitchFamily="18" charset="0"/>
+                          <a:cs typeface="Times New Roman" panose="02020603050405020304" pitchFamily="18" charset="0"/>
+                        </a:rPr>
+                        <a:t>0.421</a:t>
+                      </a:r>
+                      <a:endParaRPr lang="vi-VN" sz="2000">
+                        <a:effectLst/>
+                        <a:latin typeface="Times New Roman" panose="02020603050405020304" pitchFamily="18" charset="0"/>
+                        <a:ea typeface="Calibri" panose="020F0502020204030204" pitchFamily="34" charset="0"/>
+                        <a:cs typeface="Times New Roman" panose="02020603050405020304" pitchFamily="18" charset="0"/>
+                      </a:endParaRPr>
+                    </a:p>
+                  </a:txBody>
+                  <a:tcPr marL="68580" marR="68580" marT="0" marB="0" anchor="b"/>
+                </a:tc>
+                <a:tc>
+                  <a:txBody>
+                    <a:bodyPr/>
+                    <a:lstStyle/>
+                    <a:p>
+                      <a:pPr algn="r">
+                        <a:lnSpc>
+                          <a:spcPct val="150000"/>
+                        </a:lnSpc>
+                        <a:spcAft>
+                          <a:spcPts val="0"/>
+                        </a:spcAft>
+                      </a:pPr>
+                      <a:r>
+                        <a:rPr lang="vi-VN" sz="2000">
+                          <a:effectLst/>
+                          <a:latin typeface="Times New Roman" panose="02020603050405020304" pitchFamily="18" charset="0"/>
+                          <a:cs typeface="Times New Roman" panose="02020603050405020304" pitchFamily="18" charset="0"/>
+                        </a:rPr>
+                        <a:t>2.445</a:t>
+                      </a:r>
+                      <a:endParaRPr lang="vi-VN" sz="2000">
+                        <a:effectLst/>
+                        <a:latin typeface="Times New Roman" panose="02020603050405020304" pitchFamily="18" charset="0"/>
+                        <a:ea typeface="Calibri" panose="020F0502020204030204" pitchFamily="34" charset="0"/>
+                        <a:cs typeface="Times New Roman" panose="02020603050405020304" pitchFamily="18" charset="0"/>
+                      </a:endParaRPr>
+                    </a:p>
+                  </a:txBody>
+                  <a:tcPr marL="68580" marR="68580" marT="0" marB="0" anchor="b"/>
+                </a:tc>
+                <a:tc>
+                  <a:txBody>
+                    <a:bodyPr/>
+                    <a:lstStyle/>
+                    <a:p>
+                      <a:pPr algn="r">
+                        <a:lnSpc>
+                          <a:spcPct val="150000"/>
+                        </a:lnSpc>
+                        <a:spcAft>
+                          <a:spcPts val="0"/>
+                        </a:spcAft>
+                      </a:pPr>
+                      <a:r>
+                        <a:rPr lang="vi-VN" sz="2000">
+                          <a:effectLst/>
+                          <a:latin typeface="Times New Roman" panose="02020603050405020304" pitchFamily="18" charset="0"/>
+                          <a:cs typeface="Times New Roman" panose="02020603050405020304" pitchFamily="18" charset="0"/>
+                        </a:rPr>
+                        <a:t>0.508</a:t>
+                      </a:r>
+                      <a:endParaRPr lang="vi-VN" sz="2000">
+                        <a:effectLst/>
+                        <a:latin typeface="Times New Roman" panose="02020603050405020304" pitchFamily="18" charset="0"/>
+                        <a:ea typeface="Calibri" panose="020F0502020204030204" pitchFamily="34" charset="0"/>
+                        <a:cs typeface="Times New Roman" panose="02020603050405020304" pitchFamily="18" charset="0"/>
+                      </a:endParaRPr>
+                    </a:p>
+                  </a:txBody>
+                  <a:tcPr marL="68580" marR="68580" marT="0" marB="0" anchor="b"/>
+                </a:tc>
+                <a:tc>
+                  <a:txBody>
+                    <a:bodyPr/>
+                    <a:lstStyle/>
+                    <a:p>
+                      <a:pPr algn="r">
+                        <a:lnSpc>
+                          <a:spcPct val="150000"/>
+                        </a:lnSpc>
+                        <a:spcAft>
+                          <a:spcPts val="0"/>
+                        </a:spcAft>
+                      </a:pPr>
+                      <a:r>
+                        <a:rPr lang="vi-VN" sz="2000">
+                          <a:effectLst/>
+                          <a:latin typeface="Times New Roman" panose="02020603050405020304" pitchFamily="18" charset="0"/>
+                          <a:cs typeface="Times New Roman" panose="02020603050405020304" pitchFamily="18" charset="0"/>
+                        </a:rPr>
+                        <a:t>0.411</a:t>
+                      </a:r>
+                      <a:endParaRPr lang="vi-VN" sz="2000">
+                        <a:effectLst/>
+                        <a:latin typeface="Times New Roman" panose="02020603050405020304" pitchFamily="18" charset="0"/>
+                        <a:ea typeface="Calibri" panose="020F0502020204030204" pitchFamily="34" charset="0"/>
+                        <a:cs typeface="Times New Roman" panose="02020603050405020304" pitchFamily="18" charset="0"/>
+                      </a:endParaRPr>
+                    </a:p>
+                  </a:txBody>
+                  <a:tcPr marL="68580" marR="68580" marT="0" marB="0" anchor="b"/>
+                </a:tc>
+                <a:extLst>
+                  <a:ext uri="{0D108BD9-81ED-4DB2-BD59-A6C34878D82A}">
+                    <a16:rowId xmlns:a16="http://schemas.microsoft.com/office/drawing/2014/main" val="664469686"/>
+                  </a:ext>
+                </a:extLst>
+              </a:tr>
+              <a:tr h="468590">
+                <a:tc>
+                  <a:txBody>
+                    <a:bodyPr/>
+                    <a:lstStyle/>
+                    <a:p>
+                      <a:pPr>
+                        <a:lnSpc>
+                          <a:spcPct val="150000"/>
+                        </a:lnSpc>
+                        <a:spcAft>
+                          <a:spcPts val="0"/>
+                        </a:spcAft>
+                      </a:pPr>
+                      <a:r>
+                        <a:rPr lang="vi-VN" sz="2000">
+                          <a:effectLst/>
+                          <a:latin typeface="Times New Roman" panose="02020603050405020304" pitchFamily="18" charset="0"/>
+                          <a:cs typeface="Times New Roman" panose="02020603050405020304" pitchFamily="18" charset="0"/>
+                        </a:rPr>
+                        <a:t>CB</a:t>
+                      </a:r>
+                      <a:endParaRPr lang="vi-VN" sz="2000">
+                        <a:effectLst/>
+                        <a:latin typeface="Times New Roman" panose="02020603050405020304" pitchFamily="18" charset="0"/>
+                        <a:ea typeface="Calibri" panose="020F0502020204030204" pitchFamily="34" charset="0"/>
+                        <a:cs typeface="Times New Roman" panose="02020603050405020304" pitchFamily="18" charset="0"/>
+                      </a:endParaRPr>
+                    </a:p>
+                  </a:txBody>
+                  <a:tcPr marL="68580" marR="68580" marT="0" marB="0" anchor="ctr"/>
+                </a:tc>
+                <a:tc>
+                  <a:txBody>
+                    <a:bodyPr/>
+                    <a:lstStyle/>
+                    <a:p>
+                      <a:pPr algn="r">
+                        <a:lnSpc>
+                          <a:spcPct val="150000"/>
+                        </a:lnSpc>
+                        <a:spcAft>
+                          <a:spcPts val="0"/>
+                        </a:spcAft>
+                      </a:pPr>
+                      <a:r>
+                        <a:rPr lang="vi-VN" sz="2000">
+                          <a:effectLst/>
+                          <a:latin typeface="Times New Roman" panose="02020603050405020304" pitchFamily="18" charset="0"/>
+                          <a:cs typeface="Times New Roman" panose="02020603050405020304" pitchFamily="18" charset="0"/>
+                        </a:rPr>
+                        <a:t>0.372</a:t>
+                      </a:r>
+                      <a:endParaRPr lang="vi-VN" sz="2000">
+                        <a:effectLst/>
+                        <a:latin typeface="Times New Roman" panose="02020603050405020304" pitchFamily="18" charset="0"/>
+                        <a:ea typeface="Calibri" panose="020F0502020204030204" pitchFamily="34" charset="0"/>
+                        <a:cs typeface="Times New Roman" panose="02020603050405020304" pitchFamily="18" charset="0"/>
+                      </a:endParaRPr>
+                    </a:p>
+                  </a:txBody>
+                  <a:tcPr marL="68580" marR="68580" marT="0" marB="0" anchor="b"/>
+                </a:tc>
+                <a:tc>
+                  <a:txBody>
+                    <a:bodyPr/>
+                    <a:lstStyle/>
+                    <a:p>
+                      <a:pPr algn="r">
+                        <a:lnSpc>
+                          <a:spcPct val="150000"/>
+                        </a:lnSpc>
+                        <a:spcAft>
+                          <a:spcPts val="0"/>
+                        </a:spcAft>
+                      </a:pPr>
+                      <a:r>
+                        <a:rPr lang="vi-VN" sz="2000">
+                          <a:effectLst/>
+                          <a:latin typeface="Times New Roman" panose="02020603050405020304" pitchFamily="18" charset="0"/>
+                          <a:cs typeface="Times New Roman" panose="02020603050405020304" pitchFamily="18" charset="0"/>
+                        </a:rPr>
+                        <a:t>1.0</a:t>
+                      </a:r>
+                      <a:endParaRPr lang="vi-VN" sz="2000">
+                        <a:effectLst/>
+                        <a:latin typeface="Times New Roman" panose="02020603050405020304" pitchFamily="18" charset="0"/>
+                        <a:ea typeface="Calibri" panose="020F0502020204030204" pitchFamily="34" charset="0"/>
+                        <a:cs typeface="Times New Roman" panose="02020603050405020304" pitchFamily="18" charset="0"/>
+                      </a:endParaRPr>
+                    </a:p>
+                  </a:txBody>
+                  <a:tcPr marL="68580" marR="68580" marT="0" marB="0" anchor="b"/>
+                </a:tc>
+                <a:tc>
+                  <a:txBody>
+                    <a:bodyPr/>
+                    <a:lstStyle/>
+                    <a:p>
+                      <a:pPr algn="r">
+                        <a:lnSpc>
+                          <a:spcPct val="150000"/>
+                        </a:lnSpc>
+                        <a:spcAft>
+                          <a:spcPts val="0"/>
+                        </a:spcAft>
+                      </a:pPr>
+                      <a:r>
+                        <a:rPr lang="vi-VN" sz="2000">
+                          <a:effectLst/>
+                          <a:latin typeface="Times New Roman" panose="02020603050405020304" pitchFamily="18" charset="0"/>
+                          <a:cs typeface="Times New Roman" panose="02020603050405020304" pitchFamily="18" charset="0"/>
+                        </a:rPr>
+                        <a:t>0.379</a:t>
+                      </a:r>
+                      <a:endParaRPr lang="vi-VN" sz="2000">
+                        <a:effectLst/>
+                        <a:latin typeface="Times New Roman" panose="02020603050405020304" pitchFamily="18" charset="0"/>
+                        <a:ea typeface="Calibri" panose="020F0502020204030204" pitchFamily="34" charset="0"/>
+                        <a:cs typeface="Times New Roman" panose="02020603050405020304" pitchFamily="18" charset="0"/>
+                      </a:endParaRPr>
+                    </a:p>
+                  </a:txBody>
+                  <a:tcPr marL="68580" marR="68580" marT="0" marB="0" anchor="b"/>
+                </a:tc>
+                <a:tc>
+                  <a:txBody>
+                    <a:bodyPr/>
+                    <a:lstStyle/>
+                    <a:p>
+                      <a:pPr algn="r">
+                        <a:lnSpc>
+                          <a:spcPct val="150000"/>
+                        </a:lnSpc>
+                        <a:spcAft>
+                          <a:spcPts val="0"/>
+                        </a:spcAft>
+                      </a:pPr>
+                      <a:r>
+                        <a:rPr lang="vi-VN" sz="2000">
+                          <a:effectLst/>
+                          <a:latin typeface="Times New Roman" panose="02020603050405020304" pitchFamily="18" charset="0"/>
+                          <a:cs typeface="Times New Roman" panose="02020603050405020304" pitchFamily="18" charset="0"/>
+                        </a:rPr>
+                        <a:t>0.556</a:t>
+                      </a:r>
+                      <a:endParaRPr lang="vi-VN" sz="2000">
+                        <a:effectLst/>
+                        <a:latin typeface="Times New Roman" panose="02020603050405020304" pitchFamily="18" charset="0"/>
+                        <a:ea typeface="Calibri" panose="020F0502020204030204" pitchFamily="34" charset="0"/>
+                        <a:cs typeface="Times New Roman" panose="02020603050405020304" pitchFamily="18" charset="0"/>
+                      </a:endParaRPr>
+                    </a:p>
+                  </a:txBody>
+                  <a:tcPr marL="68580" marR="68580" marT="0" marB="0" anchor="b"/>
+                </a:tc>
+                <a:tc>
+                  <a:txBody>
+                    <a:bodyPr/>
+                    <a:lstStyle/>
+                    <a:p>
+                      <a:pPr algn="r">
+                        <a:lnSpc>
+                          <a:spcPct val="150000"/>
+                        </a:lnSpc>
+                        <a:spcAft>
+                          <a:spcPts val="0"/>
+                        </a:spcAft>
+                      </a:pPr>
+                      <a:r>
+                        <a:rPr lang="vi-VN" sz="2000">
+                          <a:effectLst/>
+                          <a:latin typeface="Times New Roman" panose="02020603050405020304" pitchFamily="18" charset="0"/>
+                          <a:cs typeface="Times New Roman" panose="02020603050405020304" pitchFamily="18" charset="0"/>
+                        </a:rPr>
+                        <a:t>1.39</a:t>
+                      </a:r>
+                      <a:endParaRPr lang="vi-VN" sz="2000">
+                        <a:effectLst/>
+                        <a:latin typeface="Times New Roman" panose="02020603050405020304" pitchFamily="18" charset="0"/>
+                        <a:ea typeface="Calibri" panose="020F0502020204030204" pitchFamily="34" charset="0"/>
+                        <a:cs typeface="Times New Roman" panose="02020603050405020304" pitchFamily="18" charset="0"/>
+                      </a:endParaRPr>
+                    </a:p>
+                  </a:txBody>
+                  <a:tcPr marL="68580" marR="68580" marT="0" marB="0" anchor="b"/>
+                </a:tc>
+                <a:tc>
+                  <a:txBody>
+                    <a:bodyPr/>
+                    <a:lstStyle/>
+                    <a:p>
+                      <a:pPr algn="r">
+                        <a:lnSpc>
+                          <a:spcPct val="150000"/>
+                        </a:lnSpc>
+                        <a:spcAft>
+                          <a:spcPts val="0"/>
+                        </a:spcAft>
+                      </a:pPr>
+                      <a:r>
+                        <a:rPr lang="vi-VN" sz="2000">
+                          <a:effectLst/>
+                          <a:latin typeface="Times New Roman" panose="02020603050405020304" pitchFamily="18" charset="0"/>
+                          <a:cs typeface="Times New Roman" panose="02020603050405020304" pitchFamily="18" charset="0"/>
+                        </a:rPr>
+                        <a:t>0.604</a:t>
+                      </a:r>
+                      <a:endParaRPr lang="vi-VN" sz="2000">
+                        <a:effectLst/>
+                        <a:latin typeface="Times New Roman" panose="02020603050405020304" pitchFamily="18" charset="0"/>
+                        <a:ea typeface="Calibri" panose="020F0502020204030204" pitchFamily="34" charset="0"/>
+                        <a:cs typeface="Times New Roman" panose="02020603050405020304" pitchFamily="18" charset="0"/>
+                      </a:endParaRPr>
+                    </a:p>
+                  </a:txBody>
+                  <a:tcPr marL="68580" marR="68580" marT="0" marB="0" anchor="b"/>
+                </a:tc>
+                <a:tc>
+                  <a:txBody>
+                    <a:bodyPr/>
+                    <a:lstStyle/>
+                    <a:p>
+                      <a:pPr algn="r">
+                        <a:lnSpc>
+                          <a:spcPct val="150000"/>
+                        </a:lnSpc>
+                        <a:spcAft>
+                          <a:spcPts val="0"/>
+                        </a:spcAft>
+                      </a:pPr>
+                      <a:r>
+                        <a:rPr lang="vi-VN" sz="2000" dirty="0">
+                          <a:effectLst/>
+                          <a:latin typeface="Times New Roman" panose="02020603050405020304" pitchFamily="18" charset="0"/>
+                          <a:cs typeface="Times New Roman" panose="02020603050405020304" pitchFamily="18" charset="0"/>
+                        </a:rPr>
+                        <a:t>0.498</a:t>
+                      </a:r>
+                      <a:endParaRPr lang="vi-VN" sz="2000" dirty="0">
+                        <a:effectLst/>
+                        <a:latin typeface="Times New Roman" panose="02020603050405020304" pitchFamily="18" charset="0"/>
+                        <a:ea typeface="Calibri" panose="020F0502020204030204" pitchFamily="34" charset="0"/>
+                        <a:cs typeface="Times New Roman" panose="02020603050405020304" pitchFamily="18" charset="0"/>
+                      </a:endParaRPr>
+                    </a:p>
+                  </a:txBody>
+                  <a:tcPr marL="68580" marR="68580" marT="0" marB="0" anchor="b"/>
+                </a:tc>
+                <a:extLst>
+                  <a:ext uri="{0D108BD9-81ED-4DB2-BD59-A6C34878D82A}">
+                    <a16:rowId xmlns:a16="http://schemas.microsoft.com/office/drawing/2014/main" val="1214410395"/>
+                  </a:ext>
+                </a:extLst>
+              </a:tr>
+            </a:tbl>
+          </a:graphicData>
+        </a:graphic>
+      </p:graphicFrame>
+      <p:cxnSp>
+        <p:nvCxnSpPr>
+          <p:cNvPr id="6" name="Straight Connector 5"/>
+          <p:cNvCxnSpPr/>
+          <p:nvPr/>
+        </p:nvCxnSpPr>
+        <p:spPr>
+          <a:xfrm>
+            <a:off x="538843" y="1420586"/>
+            <a:ext cx="1387928" cy="1779814"/>
+          </a:xfrm>
+          <a:prstGeom prst="line">
+            <a:avLst/>
+          </a:prstGeom>
+          <a:ln>
+            <a:solidFill>
+              <a:schemeClr val="bg1"/>
+            </a:solidFill>
+          </a:ln>
+        </p:spPr>
+        <p:style>
+          <a:lnRef idx="1">
+            <a:schemeClr val="accent1"/>
+          </a:lnRef>
+          <a:fillRef idx="0">
+            <a:schemeClr val="accent1"/>
+          </a:fillRef>
+          <a:effectRef idx="0">
+            <a:schemeClr val="accent1"/>
+          </a:effectRef>
+          <a:fontRef idx="minor">
+            <a:schemeClr val="tx1"/>
+          </a:fontRef>
+        </p:style>
+      </p:cxnSp>
     </p:spTree>
     <p:extLst>
       <p:ext uri="{BB962C8B-B14F-4D97-AF65-F5344CB8AC3E}">
@@ -13258,12 +16447,7 @@
             <p:ph type="title"/>
           </p:nvPr>
         </p:nvSpPr>
-        <p:spPr>
-          <a:xfrm>
-            <a:off x="775305" y="527957"/>
-            <a:ext cx="8940195" cy="1055914"/>
-          </a:xfrm>
-        </p:spPr>
+        <p:spPr/>
         <p:txBody>
           <a:bodyPr>
             <a:normAutofit/>
@@ -13307,6 +16491,238 @@
               <a:t>triển</a:t>
             </a:r>
             <a:endParaRPr lang="en-US" sz="4000" dirty="0">
+              <a:latin typeface="Times New Roman" panose="02020603050405020304" pitchFamily="18" charset="0"/>
+              <a:cs typeface="Times New Roman" panose="02020603050405020304" pitchFamily="18" charset="0"/>
+            </a:endParaRPr>
+          </a:p>
+        </p:txBody>
+      </p:sp>
+      <p:sp>
+        <p:nvSpPr>
+          <p:cNvPr id="3" name="Content Placeholder 2"/>
+          <p:cNvSpPr>
+            <a:spLocks noGrp="1"/>
+          </p:cNvSpPr>
+          <p:nvPr>
+            <p:ph idx="1"/>
+          </p:nvPr>
+        </p:nvSpPr>
+        <p:spPr/>
+        <p:txBody>
+          <a:bodyPr>
+            <a:normAutofit/>
+          </a:bodyPr>
+          <a:lstStyle/>
+          <a:p>
+            <a:r>
+              <a:rPr lang="en-US" sz="2400" dirty="0" err="1">
+                <a:latin typeface="Times New Roman" panose="02020603050405020304" pitchFamily="18" charset="0"/>
+                <a:cs typeface="Times New Roman" panose="02020603050405020304" pitchFamily="18" charset="0"/>
+              </a:rPr>
+              <a:t>Cài</a:t>
+            </a:r>
+            <a:r>
+              <a:rPr lang="en-US" sz="2400" dirty="0">
+                <a:latin typeface="Times New Roman" panose="02020603050405020304" pitchFamily="18" charset="0"/>
+                <a:cs typeface="Times New Roman" panose="02020603050405020304" pitchFamily="18" charset="0"/>
+              </a:rPr>
+              <a:t> </a:t>
+            </a:r>
+            <a:r>
+              <a:rPr lang="en-US" sz="2400" dirty="0" err="1">
+                <a:latin typeface="Times New Roman" panose="02020603050405020304" pitchFamily="18" charset="0"/>
+                <a:cs typeface="Times New Roman" panose="02020603050405020304" pitchFamily="18" charset="0"/>
+              </a:rPr>
+              <a:t>đặt</a:t>
+            </a:r>
+            <a:r>
+              <a:rPr lang="en-US" sz="2400" dirty="0">
+                <a:latin typeface="Times New Roman" panose="02020603050405020304" pitchFamily="18" charset="0"/>
+                <a:cs typeface="Times New Roman" panose="02020603050405020304" pitchFamily="18" charset="0"/>
+              </a:rPr>
+              <a:t> </a:t>
+            </a:r>
+            <a:r>
+              <a:rPr lang="en-US" sz="2400" dirty="0" err="1">
+                <a:latin typeface="Times New Roman" panose="02020603050405020304" pitchFamily="18" charset="0"/>
+                <a:cs typeface="Times New Roman" panose="02020603050405020304" pitchFamily="18" charset="0"/>
+              </a:rPr>
+              <a:t>các</a:t>
+            </a:r>
+            <a:r>
+              <a:rPr lang="en-US" sz="2400" dirty="0">
+                <a:latin typeface="Times New Roman" panose="02020603050405020304" pitchFamily="18" charset="0"/>
+                <a:cs typeface="Times New Roman" panose="02020603050405020304" pitchFamily="18" charset="0"/>
+              </a:rPr>
+              <a:t> </a:t>
+            </a:r>
+            <a:r>
+              <a:rPr lang="en-US" sz="2400" dirty="0" err="1">
+                <a:latin typeface="Times New Roman" panose="02020603050405020304" pitchFamily="18" charset="0"/>
+                <a:cs typeface="Times New Roman" panose="02020603050405020304" pitchFamily="18" charset="0"/>
+              </a:rPr>
+              <a:t>thuật</a:t>
+            </a:r>
+            <a:r>
+              <a:rPr lang="en-US" sz="2400" dirty="0">
+                <a:latin typeface="Times New Roman" panose="02020603050405020304" pitchFamily="18" charset="0"/>
+                <a:cs typeface="Times New Roman" panose="02020603050405020304" pitchFamily="18" charset="0"/>
+              </a:rPr>
+              <a:t> </a:t>
+            </a:r>
+            <a:r>
+              <a:rPr lang="en-US" sz="2400" dirty="0" err="1">
+                <a:latin typeface="Times New Roman" panose="02020603050405020304" pitchFamily="18" charset="0"/>
+                <a:cs typeface="Times New Roman" panose="02020603050405020304" pitchFamily="18" charset="0"/>
+              </a:rPr>
+              <a:t>toán</a:t>
+            </a:r>
+            <a:r>
+              <a:rPr lang="en-US" sz="2400" dirty="0">
+                <a:latin typeface="Times New Roman" panose="02020603050405020304" pitchFamily="18" charset="0"/>
+                <a:cs typeface="Times New Roman" panose="02020603050405020304" pitchFamily="18" charset="0"/>
+              </a:rPr>
+              <a:t> </a:t>
+            </a:r>
+            <a:r>
+              <a:rPr lang="en-US" sz="2400" dirty="0" err="1">
+                <a:latin typeface="Times New Roman" panose="02020603050405020304" pitchFamily="18" charset="0"/>
+                <a:cs typeface="Times New Roman" panose="02020603050405020304" pitchFamily="18" charset="0"/>
+              </a:rPr>
+              <a:t>khuyến</a:t>
+            </a:r>
+            <a:r>
+              <a:rPr lang="en-US" sz="2400" dirty="0">
+                <a:latin typeface="Times New Roman" panose="02020603050405020304" pitchFamily="18" charset="0"/>
+                <a:cs typeface="Times New Roman" panose="02020603050405020304" pitchFamily="18" charset="0"/>
+              </a:rPr>
+              <a:t> </a:t>
+            </a:r>
+            <a:r>
+              <a:rPr lang="en-US" sz="2400" dirty="0" err="1">
+                <a:latin typeface="Times New Roman" panose="02020603050405020304" pitchFamily="18" charset="0"/>
+                <a:cs typeface="Times New Roman" panose="02020603050405020304" pitchFamily="18" charset="0"/>
+              </a:rPr>
+              <a:t>nghị</a:t>
+            </a:r>
+            <a:r>
+              <a:rPr lang="en-US" sz="2400" dirty="0">
+                <a:latin typeface="Times New Roman" panose="02020603050405020304" pitchFamily="18" charset="0"/>
+                <a:cs typeface="Times New Roman" panose="02020603050405020304" pitchFamily="18" charset="0"/>
+              </a:rPr>
+              <a:t> </a:t>
+            </a:r>
+            <a:r>
+              <a:rPr lang="en-US" sz="2400" dirty="0" err="1">
+                <a:latin typeface="Times New Roman" panose="02020603050405020304" pitchFamily="18" charset="0"/>
+                <a:cs typeface="Times New Roman" panose="02020603050405020304" pitchFamily="18" charset="0"/>
+              </a:rPr>
+              <a:t>mới</a:t>
+            </a:r>
+            <a:endParaRPr lang="en-US" sz="2400" dirty="0">
+              <a:latin typeface="Times New Roman" panose="02020603050405020304" pitchFamily="18" charset="0"/>
+              <a:cs typeface="Times New Roman" panose="02020603050405020304" pitchFamily="18" charset="0"/>
+            </a:endParaRPr>
+          </a:p>
+          <a:p>
+            <a:r>
+              <a:rPr lang="en-US" sz="2400" dirty="0" err="1">
+                <a:latin typeface="Times New Roman" panose="02020603050405020304" pitchFamily="18" charset="0"/>
+                <a:cs typeface="Times New Roman" panose="02020603050405020304" pitchFamily="18" charset="0"/>
+              </a:rPr>
+              <a:t>Xây</a:t>
+            </a:r>
+            <a:r>
+              <a:rPr lang="en-US" sz="2400" dirty="0">
+                <a:latin typeface="Times New Roman" panose="02020603050405020304" pitchFamily="18" charset="0"/>
+                <a:cs typeface="Times New Roman" panose="02020603050405020304" pitchFamily="18" charset="0"/>
+              </a:rPr>
+              <a:t> </a:t>
+            </a:r>
+            <a:r>
+              <a:rPr lang="en-US" sz="2400" dirty="0" err="1">
+                <a:latin typeface="Times New Roman" panose="02020603050405020304" pitchFamily="18" charset="0"/>
+                <a:cs typeface="Times New Roman" panose="02020603050405020304" pitchFamily="18" charset="0"/>
+              </a:rPr>
+              <a:t>dựng</a:t>
+            </a:r>
+            <a:r>
+              <a:rPr lang="en-US" sz="2400" dirty="0">
+                <a:latin typeface="Times New Roman" panose="02020603050405020304" pitchFamily="18" charset="0"/>
+                <a:cs typeface="Times New Roman" panose="02020603050405020304" pitchFamily="18" charset="0"/>
+              </a:rPr>
+              <a:t> dataset </a:t>
+            </a:r>
+            <a:r>
+              <a:rPr lang="en-US" sz="2400" dirty="0" err="1">
+                <a:latin typeface="Times New Roman" panose="02020603050405020304" pitchFamily="18" charset="0"/>
+                <a:cs typeface="Times New Roman" panose="02020603050405020304" pitchFamily="18" charset="0"/>
+              </a:rPr>
+              <a:t>thực</a:t>
+            </a:r>
+            <a:r>
+              <a:rPr lang="en-US" sz="2400" dirty="0">
+                <a:latin typeface="Times New Roman" panose="02020603050405020304" pitchFamily="18" charset="0"/>
+                <a:cs typeface="Times New Roman" panose="02020603050405020304" pitchFamily="18" charset="0"/>
+              </a:rPr>
+              <a:t> </a:t>
+            </a:r>
+            <a:r>
+              <a:rPr lang="en-US" sz="2400" dirty="0" err="1">
+                <a:latin typeface="Times New Roman" panose="02020603050405020304" pitchFamily="18" charset="0"/>
+                <a:cs typeface="Times New Roman" panose="02020603050405020304" pitchFamily="18" charset="0"/>
+              </a:rPr>
+              <a:t>nghiệm</a:t>
+            </a:r>
+            <a:r>
+              <a:rPr lang="en-US" sz="2400" dirty="0">
+                <a:latin typeface="Times New Roman" panose="02020603050405020304" pitchFamily="18" charset="0"/>
+                <a:cs typeface="Times New Roman" panose="02020603050405020304" pitchFamily="18" charset="0"/>
+              </a:rPr>
+              <a:t> </a:t>
+            </a:r>
+            <a:r>
+              <a:rPr lang="en-US" sz="2400" dirty="0" err="1">
+                <a:latin typeface="Times New Roman" panose="02020603050405020304" pitchFamily="18" charset="0"/>
+                <a:cs typeface="Times New Roman" panose="02020603050405020304" pitchFamily="18" charset="0"/>
+              </a:rPr>
+              <a:t>hoàn</a:t>
+            </a:r>
+            <a:r>
+              <a:rPr lang="en-US" sz="2400" dirty="0">
+                <a:latin typeface="Times New Roman" panose="02020603050405020304" pitchFamily="18" charset="0"/>
+                <a:cs typeface="Times New Roman" panose="02020603050405020304" pitchFamily="18" charset="0"/>
+              </a:rPr>
+              <a:t> </a:t>
+            </a:r>
+            <a:r>
+              <a:rPr lang="en-US" sz="2400" dirty="0" err="1">
+                <a:latin typeface="Times New Roman" panose="02020603050405020304" pitchFamily="18" charset="0"/>
+                <a:cs typeface="Times New Roman" panose="02020603050405020304" pitchFamily="18" charset="0"/>
+              </a:rPr>
+              <a:t>chỉnh</a:t>
+            </a:r>
+            <a:r>
+              <a:rPr lang="en-US" sz="2400" dirty="0">
+                <a:latin typeface="Times New Roman" panose="02020603050405020304" pitchFamily="18" charset="0"/>
+                <a:cs typeface="Times New Roman" panose="02020603050405020304" pitchFamily="18" charset="0"/>
+              </a:rPr>
+              <a:t> </a:t>
+            </a:r>
+            <a:r>
+              <a:rPr lang="en-US" sz="2400" dirty="0" err="1">
+                <a:latin typeface="Times New Roman" panose="02020603050405020304" pitchFamily="18" charset="0"/>
+                <a:cs typeface="Times New Roman" panose="02020603050405020304" pitchFamily="18" charset="0"/>
+              </a:rPr>
+              <a:t>hơn</a:t>
+            </a:r>
+            <a:endParaRPr lang="en-US" sz="2400" dirty="0">
+              <a:latin typeface="Times New Roman" panose="02020603050405020304" pitchFamily="18" charset="0"/>
+              <a:cs typeface="Times New Roman" panose="02020603050405020304" pitchFamily="18" charset="0"/>
+            </a:endParaRPr>
+          </a:p>
+          <a:p>
+            <a:endParaRPr lang="vi-VN" sz="2400" dirty="0">
               <a:latin typeface="Times New Roman" panose="02020603050405020304" pitchFamily="18" charset="0"/>
               <a:cs typeface="Times New Roman" panose="02020603050405020304" pitchFamily="18" charset="0"/>
             </a:endParaRPr>
@@ -14334,13 +17750,8 @@
             </a:r>
             <a:r>
               <a:rPr lang="en-US" b="1" dirty="0"/>
-              <a:t> first or to G</a:t>
-            </a:r>
-            <a:r>
-              <a:rPr lang="en-US" b="1" dirty="0"/>
-              <a:t>ucci first?</a:t>
-            </a:r>
-            <a:endParaRPr lang="en-US" b="1" dirty="0"/>
+              <a:t> first or to Gucci first?</a:t>
+            </a:r>
           </a:p>
         </p:txBody>
       </p:sp>

--- a/Documents/Báo cáo/Bao cao KLTN.pptx
+++ b/Documents/Báo cáo/Bao cao KLTN.pptx
@@ -5,7 +5,7 @@
     <p:sldMasterId id="2147483733" r:id="rId1"/>
   </p:sldMasterIdLst>
   <p:notesMasterIdLst>
-    <p:notesMasterId r:id="rId21"/>
+    <p:notesMasterId r:id="rId22"/>
   </p:notesMasterIdLst>
   <p:sldIdLst>
     <p:sldId id="256" r:id="rId2"/>
@@ -14,19 +14,20 @@
     <p:sldId id="258" r:id="rId5"/>
     <p:sldId id="274" r:id="rId6"/>
     <p:sldId id="273" r:id="rId7"/>
-    <p:sldId id="259" r:id="rId8"/>
-    <p:sldId id="260" r:id="rId9"/>
-    <p:sldId id="261" r:id="rId10"/>
-    <p:sldId id="262" r:id="rId11"/>
-    <p:sldId id="264" r:id="rId12"/>
-    <p:sldId id="265" r:id="rId13"/>
-    <p:sldId id="266" r:id="rId14"/>
-    <p:sldId id="267" r:id="rId15"/>
-    <p:sldId id="268" r:id="rId16"/>
-    <p:sldId id="269" r:id="rId17"/>
-    <p:sldId id="270" r:id="rId18"/>
-    <p:sldId id="271" r:id="rId19"/>
-    <p:sldId id="272" r:id="rId20"/>
+    <p:sldId id="277" r:id="rId8"/>
+    <p:sldId id="259" r:id="rId9"/>
+    <p:sldId id="276" r:id="rId10"/>
+    <p:sldId id="261" r:id="rId11"/>
+    <p:sldId id="262" r:id="rId12"/>
+    <p:sldId id="264" r:id="rId13"/>
+    <p:sldId id="265" r:id="rId14"/>
+    <p:sldId id="266" r:id="rId15"/>
+    <p:sldId id="267" r:id="rId16"/>
+    <p:sldId id="268" r:id="rId17"/>
+    <p:sldId id="269" r:id="rId18"/>
+    <p:sldId id="270" r:id="rId19"/>
+    <p:sldId id="271" r:id="rId20"/>
+    <p:sldId id="272" r:id="rId21"/>
   </p:sldIdLst>
   <p:sldSz cx="12192000" cy="6858000"/>
   <p:notesSz cx="6858000" cy="9144000"/>
@@ -215,7 +216,7 @@
           <a:p>
             <a:fld id="{99796605-A074-4ACE-A4BF-45D150F71694}" type="datetimeFigureOut">
               <a:rPr lang="en-US" smtClean="0"/>
-              <a:t>11/25/2016</a:t>
+              <a:t>11/26/2016</a:t>
             </a:fld>
             <a:endParaRPr lang="en-US"/>
           </a:p>
@@ -1020,467 +1021,6 @@
           <a:bodyPr/>
           <a:lstStyle/>
           <a:p>
-            <a:pPr marL="0" indent="0">
-              <a:buNone/>
-            </a:pPr>
-            <a:r>
-              <a:rPr lang="en-US" baseline="0" dirty="0" err="1"/>
-              <a:t>Độ</a:t>
-            </a:r>
-            <a:r>
-              <a:rPr lang="en-US" baseline="0" dirty="0"/>
-              <a:t> </a:t>
-            </a:r>
-            <a:r>
-              <a:rPr lang="en-US" baseline="0" dirty="0" err="1"/>
-              <a:t>đo</a:t>
-            </a:r>
-            <a:r>
-              <a:rPr lang="en-US" baseline="0" dirty="0"/>
-              <a:t> </a:t>
-            </a:r>
-            <a:r>
-              <a:rPr lang="en-US" baseline="0" dirty="0" err="1"/>
-              <a:t>chuẩn</a:t>
-            </a:r>
-            <a:r>
-              <a:rPr lang="en-US" baseline="0" dirty="0"/>
-              <a:t> </a:t>
-            </a:r>
-            <a:r>
-              <a:rPr lang="en-US" baseline="0" dirty="0" err="1"/>
-              <a:t>là</a:t>
-            </a:r>
-            <a:r>
-              <a:rPr lang="en-US" baseline="0" dirty="0"/>
-              <a:t> </a:t>
-            </a:r>
-            <a:r>
-              <a:rPr lang="en-US" baseline="0" dirty="0" err="1"/>
-              <a:t>các</a:t>
-            </a:r>
-            <a:r>
-              <a:rPr lang="en-US" baseline="0" dirty="0"/>
-              <a:t> </a:t>
-            </a:r>
-            <a:r>
-              <a:rPr lang="en-US" baseline="0" dirty="0" err="1"/>
-              <a:t>độ</a:t>
-            </a:r>
-            <a:r>
-              <a:rPr lang="en-US" baseline="0" dirty="0"/>
-              <a:t> </a:t>
-            </a:r>
-            <a:r>
-              <a:rPr lang="en-US" baseline="0" dirty="0" err="1"/>
-              <a:t>đo</a:t>
-            </a:r>
-            <a:r>
-              <a:rPr lang="en-US" baseline="0" dirty="0"/>
-              <a:t> </a:t>
-            </a:r>
-            <a:r>
-              <a:rPr lang="en-US" baseline="0" dirty="0" err="1"/>
-              <a:t>phổ</a:t>
-            </a:r>
-            <a:r>
-              <a:rPr lang="en-US" baseline="0" dirty="0"/>
-              <a:t> </a:t>
-            </a:r>
-            <a:r>
-              <a:rPr lang="en-US" baseline="0" dirty="0" err="1"/>
-              <a:t>biến</a:t>
-            </a:r>
-            <a:r>
-              <a:rPr lang="en-US" baseline="0" dirty="0"/>
-              <a:t> </a:t>
-            </a:r>
-            <a:r>
-              <a:rPr lang="en-US" baseline="0" dirty="0" err="1"/>
-              <a:t>được</a:t>
-            </a:r>
-            <a:r>
-              <a:rPr lang="en-US" baseline="0" dirty="0"/>
-              <a:t> </a:t>
-            </a:r>
-            <a:r>
-              <a:rPr lang="en-US" baseline="0" dirty="0" err="1"/>
-              <a:t>sử</a:t>
-            </a:r>
-            <a:r>
-              <a:rPr lang="en-US" baseline="0" dirty="0"/>
-              <a:t> </a:t>
-            </a:r>
-            <a:r>
-              <a:rPr lang="en-US" baseline="0" dirty="0" err="1"/>
-              <a:t>dụng</a:t>
-            </a:r>
-            <a:r>
-              <a:rPr lang="en-US" baseline="0" dirty="0"/>
-              <a:t> </a:t>
-            </a:r>
-            <a:r>
-              <a:rPr lang="en-US" baseline="0" dirty="0" err="1"/>
-              <a:t>rộng</a:t>
-            </a:r>
-            <a:r>
-              <a:rPr lang="en-US" baseline="0" dirty="0"/>
-              <a:t> </a:t>
-            </a:r>
-            <a:r>
-              <a:rPr lang="en-US" baseline="0" dirty="0" err="1"/>
-              <a:t>rãi</a:t>
-            </a:r>
-            <a:r>
-              <a:rPr lang="en-US" baseline="0" dirty="0"/>
-              <a:t> </a:t>
-            </a:r>
-            <a:r>
-              <a:rPr lang="en-US" baseline="0" dirty="0" err="1"/>
-              <a:t>trong</a:t>
-            </a:r>
-            <a:r>
-              <a:rPr lang="en-US" baseline="0" dirty="0"/>
-              <a:t> </a:t>
-            </a:r>
-            <a:r>
-              <a:rPr lang="en-US" baseline="0" dirty="0" err="1"/>
-              <a:t>các</a:t>
-            </a:r>
-            <a:r>
-              <a:rPr lang="en-US" baseline="0" dirty="0"/>
-              <a:t> </a:t>
-            </a:r>
-            <a:r>
-              <a:rPr lang="en-US" baseline="0" dirty="0" err="1"/>
-              <a:t>nghiên</a:t>
-            </a:r>
-            <a:r>
-              <a:rPr lang="en-US" baseline="0" dirty="0"/>
-              <a:t> </a:t>
-            </a:r>
-            <a:r>
-              <a:rPr lang="en-US" baseline="0" dirty="0" err="1"/>
-              <a:t>cứu</a:t>
-            </a:r>
-            <a:r>
-              <a:rPr lang="en-US" baseline="0" dirty="0"/>
-              <a:t> </a:t>
-            </a:r>
-            <a:r>
-              <a:rPr lang="en-US" baseline="0" dirty="0" err="1"/>
-              <a:t>thực</a:t>
-            </a:r>
-            <a:r>
-              <a:rPr lang="en-US" baseline="0" dirty="0"/>
-              <a:t> </a:t>
-            </a:r>
-            <a:r>
-              <a:rPr lang="en-US" baseline="0" dirty="0" err="1"/>
-              <a:t>nghiệm</a:t>
-            </a:r>
-            <a:r>
-              <a:rPr lang="en-US" baseline="0" dirty="0"/>
-              <a:t> </a:t>
-            </a:r>
-            <a:r>
-              <a:rPr lang="en-US" baseline="0" dirty="0" err="1"/>
-              <a:t>trên</a:t>
-            </a:r>
-            <a:r>
-              <a:rPr lang="en-US" baseline="0" dirty="0"/>
-              <a:t> </a:t>
-            </a:r>
-            <a:r>
-              <a:rPr lang="en-US" baseline="0" dirty="0" err="1"/>
-              <a:t>thế</a:t>
-            </a:r>
-            <a:r>
-              <a:rPr lang="en-US" baseline="0" dirty="0"/>
-              <a:t> </a:t>
-            </a:r>
-            <a:r>
-              <a:rPr lang="en-US" baseline="0" dirty="0" err="1"/>
-              <a:t>giới</a:t>
-            </a:r>
-            <a:endParaRPr lang="en-US" baseline="0" dirty="0"/>
-          </a:p>
-          <a:p>
-            <a:pPr marL="228600" indent="-228600">
-              <a:buAutoNum type="arabicPeriod"/>
-            </a:pPr>
-            <a:r>
-              <a:rPr lang="en-US" baseline="0" dirty="0" err="1"/>
-              <a:t>Nhóm</a:t>
-            </a:r>
-            <a:r>
-              <a:rPr lang="en-US" baseline="0" dirty="0"/>
-              <a:t> </a:t>
-            </a:r>
-            <a:r>
-              <a:rPr lang="en-US" baseline="0" dirty="0" err="1"/>
-              <a:t>các</a:t>
-            </a:r>
-            <a:r>
-              <a:rPr lang="en-US" baseline="0" dirty="0"/>
-              <a:t> </a:t>
-            </a:r>
-            <a:r>
-              <a:rPr lang="en-US" baseline="0" dirty="0" err="1"/>
-              <a:t>độ</a:t>
-            </a:r>
-            <a:r>
-              <a:rPr lang="en-US" baseline="0" dirty="0"/>
-              <a:t> </a:t>
-            </a:r>
-            <a:r>
-              <a:rPr lang="en-US" baseline="0" dirty="0" err="1"/>
-              <a:t>đo</a:t>
-            </a:r>
-            <a:r>
-              <a:rPr lang="en-US" baseline="0" dirty="0"/>
-              <a:t> </a:t>
-            </a:r>
-            <a:r>
-              <a:rPr lang="en-US" baseline="0" dirty="0" err="1"/>
-              <a:t>về</a:t>
-            </a:r>
-            <a:r>
-              <a:rPr lang="en-US" baseline="0" dirty="0"/>
-              <a:t> </a:t>
-            </a:r>
-            <a:r>
-              <a:rPr lang="en-US" baseline="0" dirty="0" err="1"/>
-              <a:t>danh</a:t>
-            </a:r>
-            <a:r>
-              <a:rPr lang="en-US" baseline="0" dirty="0"/>
-              <a:t> </a:t>
-            </a:r>
-            <a:r>
-              <a:rPr lang="en-US" baseline="0" dirty="0" err="1"/>
-              <a:t>sách</a:t>
-            </a:r>
-            <a:r>
-              <a:rPr lang="en-US" baseline="0" dirty="0"/>
-              <a:t> </a:t>
-            </a:r>
-            <a:r>
-              <a:rPr lang="en-US" baseline="0" dirty="0" err="1"/>
-              <a:t>khuyến</a:t>
-            </a:r>
-            <a:r>
-              <a:rPr lang="en-US" baseline="0" dirty="0"/>
-              <a:t> </a:t>
-            </a:r>
-            <a:r>
-              <a:rPr lang="en-US" baseline="0" dirty="0" err="1"/>
-              <a:t>nghị</a:t>
-            </a:r>
-            <a:endParaRPr lang="en-US" baseline="0" dirty="0"/>
-          </a:p>
-          <a:p>
-            <a:pPr marL="228600" indent="-228600">
-              <a:buAutoNum type="arabicPeriod"/>
-            </a:pPr>
-            <a:r>
-              <a:rPr lang="en-US" baseline="0" dirty="0" err="1"/>
-              <a:t>Nhóm</a:t>
-            </a:r>
-            <a:r>
-              <a:rPr lang="en-US" baseline="0" dirty="0"/>
-              <a:t> </a:t>
-            </a:r>
-            <a:r>
-              <a:rPr lang="en-US" baseline="0" dirty="0" err="1"/>
-              <a:t>các</a:t>
-            </a:r>
-            <a:r>
-              <a:rPr lang="en-US" baseline="0" dirty="0"/>
-              <a:t> </a:t>
-            </a:r>
-            <a:r>
-              <a:rPr lang="en-US" baseline="0" dirty="0" err="1"/>
-              <a:t>độ</a:t>
-            </a:r>
-            <a:r>
-              <a:rPr lang="en-US" baseline="0" dirty="0"/>
-              <a:t> </a:t>
-            </a:r>
-            <a:r>
-              <a:rPr lang="en-US" baseline="0" dirty="0" err="1"/>
-              <a:t>đo</a:t>
-            </a:r>
-            <a:r>
-              <a:rPr lang="en-US" baseline="0" dirty="0"/>
-              <a:t> </a:t>
-            </a:r>
-            <a:r>
-              <a:rPr lang="en-US" baseline="0" dirty="0" err="1"/>
-              <a:t>về</a:t>
-            </a:r>
-            <a:r>
-              <a:rPr lang="en-US" baseline="0" dirty="0"/>
-              <a:t> </a:t>
-            </a:r>
-            <a:r>
-              <a:rPr lang="en-US" baseline="0" dirty="0" err="1"/>
-              <a:t>độ</a:t>
-            </a:r>
-            <a:r>
-              <a:rPr lang="en-US" baseline="0" dirty="0"/>
-              <a:t> </a:t>
-            </a:r>
-            <a:r>
-              <a:rPr lang="en-US" baseline="0" dirty="0" err="1"/>
-              <a:t>chính</a:t>
-            </a:r>
-            <a:r>
-              <a:rPr lang="en-US" baseline="0" dirty="0"/>
-              <a:t> </a:t>
-            </a:r>
-            <a:r>
-              <a:rPr lang="en-US" baseline="0" dirty="0" err="1"/>
-              <a:t>xác</a:t>
-            </a:r>
-            <a:r>
-              <a:rPr lang="en-US" baseline="0" dirty="0"/>
-              <a:t> </a:t>
-            </a:r>
-            <a:r>
-              <a:rPr lang="en-US" baseline="0" dirty="0" err="1"/>
-              <a:t>của</a:t>
-            </a:r>
-            <a:r>
-              <a:rPr lang="en-US" baseline="0" dirty="0"/>
-              <a:t> </a:t>
-            </a:r>
-            <a:r>
-              <a:rPr lang="en-US" baseline="0" dirty="0" err="1"/>
-              <a:t>tiên</a:t>
-            </a:r>
-            <a:r>
-              <a:rPr lang="en-US" baseline="0" dirty="0"/>
-              <a:t> </a:t>
-            </a:r>
-            <a:r>
-              <a:rPr lang="en-US" baseline="0" dirty="0" err="1"/>
-              <a:t>đoán</a:t>
-            </a:r>
-            <a:endParaRPr lang="en-US" baseline="0" dirty="0"/>
-          </a:p>
-          <a:p>
-            <a:pPr marL="228600" indent="-228600">
-              <a:buAutoNum type="arabicPeriod"/>
-            </a:pPr>
-            <a:r>
-              <a:rPr lang="en-US" baseline="0" dirty="0" err="1"/>
-              <a:t>Nhóm</a:t>
-            </a:r>
-            <a:r>
-              <a:rPr lang="en-US" baseline="0" dirty="0"/>
-              <a:t> </a:t>
-            </a:r>
-            <a:r>
-              <a:rPr lang="en-US" baseline="0" dirty="0" err="1"/>
-              <a:t>các</a:t>
-            </a:r>
-            <a:r>
-              <a:rPr lang="en-US" baseline="0" dirty="0"/>
-              <a:t> </a:t>
-            </a:r>
-            <a:r>
-              <a:rPr lang="en-US" baseline="0" dirty="0" err="1"/>
-              <a:t>độ</a:t>
-            </a:r>
-            <a:r>
-              <a:rPr lang="en-US" baseline="0" dirty="0"/>
-              <a:t> </a:t>
-            </a:r>
-            <a:r>
-              <a:rPr lang="en-US" baseline="0" dirty="0" err="1"/>
-              <a:t>đo</a:t>
-            </a:r>
-            <a:r>
-              <a:rPr lang="en-US" baseline="0" dirty="0"/>
-              <a:t> </a:t>
-            </a:r>
-            <a:r>
-              <a:rPr lang="en-US" baseline="0" dirty="0" err="1"/>
-              <a:t>về</a:t>
-            </a:r>
-            <a:r>
-              <a:rPr lang="en-US" baseline="0" dirty="0"/>
-              <a:t> </a:t>
-            </a:r>
-            <a:r>
-              <a:rPr lang="en-US" baseline="0" dirty="0" err="1"/>
-              <a:t>chất</a:t>
-            </a:r>
-            <a:r>
-              <a:rPr lang="en-US" baseline="0" dirty="0"/>
-              <a:t> </a:t>
-            </a:r>
-            <a:r>
-              <a:rPr lang="en-US" baseline="0" dirty="0" err="1"/>
-              <a:t>lượng</a:t>
-            </a:r>
-            <a:r>
-              <a:rPr lang="en-US" baseline="0" dirty="0"/>
-              <a:t> </a:t>
-            </a:r>
-            <a:r>
-              <a:rPr lang="en-US" baseline="0" dirty="0" err="1"/>
-              <a:t>danh</a:t>
-            </a:r>
-            <a:r>
-              <a:rPr lang="en-US" baseline="0" dirty="0"/>
-              <a:t> </a:t>
-            </a:r>
-            <a:r>
-              <a:rPr lang="en-US" baseline="0" dirty="0" err="1"/>
-              <a:t>sách</a:t>
-            </a:r>
-            <a:r>
-              <a:rPr lang="en-US" baseline="0" dirty="0"/>
-              <a:t> </a:t>
-            </a:r>
-            <a:r>
-              <a:rPr lang="en-US" baseline="0" dirty="0" err="1"/>
-              <a:t>xếp</a:t>
-            </a:r>
-            <a:r>
-              <a:rPr lang="en-US" baseline="0" dirty="0"/>
-              <a:t> </a:t>
-            </a:r>
-            <a:r>
-              <a:rPr lang="en-US" baseline="0" dirty="0" err="1"/>
-              <a:t>hạng</a:t>
-            </a:r>
-            <a:r>
-              <a:rPr lang="en-US" baseline="0" dirty="0"/>
-              <a:t> </a:t>
-            </a:r>
-            <a:r>
-              <a:rPr lang="en-US" baseline="0" dirty="0" err="1"/>
-              <a:t>các</a:t>
-            </a:r>
-            <a:r>
-              <a:rPr lang="en-US" baseline="0" dirty="0"/>
-              <a:t> </a:t>
-            </a:r>
-            <a:r>
-              <a:rPr lang="en-US" baseline="0" dirty="0" err="1"/>
-              <a:t>tiên</a:t>
-            </a:r>
-            <a:r>
-              <a:rPr lang="en-US" baseline="0" dirty="0"/>
-              <a:t> </a:t>
-            </a:r>
-            <a:r>
-              <a:rPr lang="en-US" baseline="0" dirty="0" err="1"/>
-              <a:t>đoán</a:t>
-            </a:r>
             <a:endParaRPr lang="en-US" baseline="0" dirty="0"/>
           </a:p>
         </p:txBody>
@@ -1511,7 +1051,7 @@
     </p:spTree>
     <p:extLst>
       <p:ext uri="{BB962C8B-B14F-4D97-AF65-F5344CB8AC3E}">
-        <p14:creationId xmlns:p14="http://schemas.microsoft.com/office/powerpoint/2010/main" val="4017424491"/>
+        <p14:creationId xmlns:p14="http://schemas.microsoft.com/office/powerpoint/2010/main" val="1864651599"/>
       </p:ext>
     </p:extLst>
   </p:cSld>
@@ -1565,6 +1105,467 @@
           <a:bodyPr/>
           <a:lstStyle/>
           <a:p>
+            <a:pPr marL="0" indent="0">
+              <a:buNone/>
+            </a:pPr>
+            <a:r>
+              <a:rPr lang="en-US" baseline="0" dirty="0" err="1"/>
+              <a:t>Độ</a:t>
+            </a:r>
+            <a:r>
+              <a:rPr lang="en-US" baseline="0" dirty="0"/>
+              <a:t> </a:t>
+            </a:r>
+            <a:r>
+              <a:rPr lang="en-US" baseline="0" dirty="0" err="1"/>
+              <a:t>đo</a:t>
+            </a:r>
+            <a:r>
+              <a:rPr lang="en-US" baseline="0" dirty="0"/>
+              <a:t> </a:t>
+            </a:r>
+            <a:r>
+              <a:rPr lang="en-US" baseline="0" dirty="0" err="1"/>
+              <a:t>chuẩn</a:t>
+            </a:r>
+            <a:r>
+              <a:rPr lang="en-US" baseline="0" dirty="0"/>
+              <a:t> </a:t>
+            </a:r>
+            <a:r>
+              <a:rPr lang="en-US" baseline="0" dirty="0" err="1"/>
+              <a:t>là</a:t>
+            </a:r>
+            <a:r>
+              <a:rPr lang="en-US" baseline="0" dirty="0"/>
+              <a:t> </a:t>
+            </a:r>
+            <a:r>
+              <a:rPr lang="en-US" baseline="0" dirty="0" err="1"/>
+              <a:t>các</a:t>
+            </a:r>
+            <a:r>
+              <a:rPr lang="en-US" baseline="0" dirty="0"/>
+              <a:t> </a:t>
+            </a:r>
+            <a:r>
+              <a:rPr lang="en-US" baseline="0" dirty="0" err="1"/>
+              <a:t>độ</a:t>
+            </a:r>
+            <a:r>
+              <a:rPr lang="en-US" baseline="0" dirty="0"/>
+              <a:t> </a:t>
+            </a:r>
+            <a:r>
+              <a:rPr lang="en-US" baseline="0" dirty="0" err="1"/>
+              <a:t>đo</a:t>
+            </a:r>
+            <a:r>
+              <a:rPr lang="en-US" baseline="0" dirty="0"/>
+              <a:t> </a:t>
+            </a:r>
+            <a:r>
+              <a:rPr lang="en-US" baseline="0" dirty="0" err="1"/>
+              <a:t>phổ</a:t>
+            </a:r>
+            <a:r>
+              <a:rPr lang="en-US" baseline="0" dirty="0"/>
+              <a:t> </a:t>
+            </a:r>
+            <a:r>
+              <a:rPr lang="en-US" baseline="0" dirty="0" err="1"/>
+              <a:t>biến</a:t>
+            </a:r>
+            <a:r>
+              <a:rPr lang="en-US" baseline="0" dirty="0"/>
+              <a:t> </a:t>
+            </a:r>
+            <a:r>
+              <a:rPr lang="en-US" baseline="0" dirty="0" err="1"/>
+              <a:t>được</a:t>
+            </a:r>
+            <a:r>
+              <a:rPr lang="en-US" baseline="0" dirty="0"/>
+              <a:t> </a:t>
+            </a:r>
+            <a:r>
+              <a:rPr lang="en-US" baseline="0" dirty="0" err="1"/>
+              <a:t>sử</a:t>
+            </a:r>
+            <a:r>
+              <a:rPr lang="en-US" baseline="0" dirty="0"/>
+              <a:t> </a:t>
+            </a:r>
+            <a:r>
+              <a:rPr lang="en-US" baseline="0" dirty="0" err="1"/>
+              <a:t>dụng</a:t>
+            </a:r>
+            <a:r>
+              <a:rPr lang="en-US" baseline="0" dirty="0"/>
+              <a:t> </a:t>
+            </a:r>
+            <a:r>
+              <a:rPr lang="en-US" baseline="0" dirty="0" err="1"/>
+              <a:t>rộng</a:t>
+            </a:r>
+            <a:r>
+              <a:rPr lang="en-US" baseline="0" dirty="0"/>
+              <a:t> </a:t>
+            </a:r>
+            <a:r>
+              <a:rPr lang="en-US" baseline="0" dirty="0" err="1"/>
+              <a:t>rãi</a:t>
+            </a:r>
+            <a:r>
+              <a:rPr lang="en-US" baseline="0" dirty="0"/>
+              <a:t> </a:t>
+            </a:r>
+            <a:r>
+              <a:rPr lang="en-US" baseline="0" dirty="0" err="1"/>
+              <a:t>trong</a:t>
+            </a:r>
+            <a:r>
+              <a:rPr lang="en-US" baseline="0" dirty="0"/>
+              <a:t> </a:t>
+            </a:r>
+            <a:r>
+              <a:rPr lang="en-US" baseline="0" dirty="0" err="1"/>
+              <a:t>các</a:t>
+            </a:r>
+            <a:r>
+              <a:rPr lang="en-US" baseline="0" dirty="0"/>
+              <a:t> </a:t>
+            </a:r>
+            <a:r>
+              <a:rPr lang="en-US" baseline="0" dirty="0" err="1"/>
+              <a:t>nghiên</a:t>
+            </a:r>
+            <a:r>
+              <a:rPr lang="en-US" baseline="0" dirty="0"/>
+              <a:t> </a:t>
+            </a:r>
+            <a:r>
+              <a:rPr lang="en-US" baseline="0" dirty="0" err="1"/>
+              <a:t>cứu</a:t>
+            </a:r>
+            <a:r>
+              <a:rPr lang="en-US" baseline="0" dirty="0"/>
+              <a:t> </a:t>
+            </a:r>
+            <a:r>
+              <a:rPr lang="en-US" baseline="0" dirty="0" err="1"/>
+              <a:t>thực</a:t>
+            </a:r>
+            <a:r>
+              <a:rPr lang="en-US" baseline="0" dirty="0"/>
+              <a:t> </a:t>
+            </a:r>
+            <a:r>
+              <a:rPr lang="en-US" baseline="0" dirty="0" err="1"/>
+              <a:t>nghiệm</a:t>
+            </a:r>
+            <a:r>
+              <a:rPr lang="en-US" baseline="0" dirty="0"/>
+              <a:t> </a:t>
+            </a:r>
+            <a:r>
+              <a:rPr lang="en-US" baseline="0" dirty="0" err="1"/>
+              <a:t>trên</a:t>
+            </a:r>
+            <a:r>
+              <a:rPr lang="en-US" baseline="0" dirty="0"/>
+              <a:t> </a:t>
+            </a:r>
+            <a:r>
+              <a:rPr lang="en-US" baseline="0" dirty="0" err="1"/>
+              <a:t>thế</a:t>
+            </a:r>
+            <a:r>
+              <a:rPr lang="en-US" baseline="0" dirty="0"/>
+              <a:t> </a:t>
+            </a:r>
+            <a:r>
+              <a:rPr lang="en-US" baseline="0" dirty="0" err="1"/>
+              <a:t>giới</a:t>
+            </a:r>
+            <a:endParaRPr lang="en-US" baseline="0" dirty="0"/>
+          </a:p>
+          <a:p>
+            <a:pPr marL="228600" indent="-228600">
+              <a:buAutoNum type="arabicPeriod"/>
+            </a:pPr>
+            <a:r>
+              <a:rPr lang="en-US" baseline="0" dirty="0" err="1"/>
+              <a:t>Nhóm</a:t>
+            </a:r>
+            <a:r>
+              <a:rPr lang="en-US" baseline="0" dirty="0"/>
+              <a:t> </a:t>
+            </a:r>
+            <a:r>
+              <a:rPr lang="en-US" baseline="0" dirty="0" err="1"/>
+              <a:t>các</a:t>
+            </a:r>
+            <a:r>
+              <a:rPr lang="en-US" baseline="0" dirty="0"/>
+              <a:t> </a:t>
+            </a:r>
+            <a:r>
+              <a:rPr lang="en-US" baseline="0" dirty="0" err="1"/>
+              <a:t>độ</a:t>
+            </a:r>
+            <a:r>
+              <a:rPr lang="en-US" baseline="0" dirty="0"/>
+              <a:t> </a:t>
+            </a:r>
+            <a:r>
+              <a:rPr lang="en-US" baseline="0" dirty="0" err="1"/>
+              <a:t>đo</a:t>
+            </a:r>
+            <a:r>
+              <a:rPr lang="en-US" baseline="0" dirty="0"/>
+              <a:t> </a:t>
+            </a:r>
+            <a:r>
+              <a:rPr lang="en-US" baseline="0" dirty="0" err="1"/>
+              <a:t>về</a:t>
+            </a:r>
+            <a:r>
+              <a:rPr lang="en-US" baseline="0" dirty="0"/>
+              <a:t> </a:t>
+            </a:r>
+            <a:r>
+              <a:rPr lang="en-US" baseline="0" dirty="0" err="1"/>
+              <a:t>danh</a:t>
+            </a:r>
+            <a:r>
+              <a:rPr lang="en-US" baseline="0" dirty="0"/>
+              <a:t> </a:t>
+            </a:r>
+            <a:r>
+              <a:rPr lang="en-US" baseline="0" dirty="0" err="1"/>
+              <a:t>sách</a:t>
+            </a:r>
+            <a:r>
+              <a:rPr lang="en-US" baseline="0" dirty="0"/>
+              <a:t> </a:t>
+            </a:r>
+            <a:r>
+              <a:rPr lang="en-US" baseline="0" dirty="0" err="1"/>
+              <a:t>khuyến</a:t>
+            </a:r>
+            <a:r>
+              <a:rPr lang="en-US" baseline="0" dirty="0"/>
+              <a:t> </a:t>
+            </a:r>
+            <a:r>
+              <a:rPr lang="en-US" baseline="0" dirty="0" err="1"/>
+              <a:t>nghị</a:t>
+            </a:r>
+            <a:endParaRPr lang="en-US" baseline="0" dirty="0"/>
+          </a:p>
+          <a:p>
+            <a:pPr marL="228600" indent="-228600">
+              <a:buAutoNum type="arabicPeriod"/>
+            </a:pPr>
+            <a:r>
+              <a:rPr lang="en-US" baseline="0" dirty="0" err="1"/>
+              <a:t>Nhóm</a:t>
+            </a:r>
+            <a:r>
+              <a:rPr lang="en-US" baseline="0" dirty="0"/>
+              <a:t> </a:t>
+            </a:r>
+            <a:r>
+              <a:rPr lang="en-US" baseline="0" dirty="0" err="1"/>
+              <a:t>các</a:t>
+            </a:r>
+            <a:r>
+              <a:rPr lang="en-US" baseline="0" dirty="0"/>
+              <a:t> </a:t>
+            </a:r>
+            <a:r>
+              <a:rPr lang="en-US" baseline="0" dirty="0" err="1"/>
+              <a:t>độ</a:t>
+            </a:r>
+            <a:r>
+              <a:rPr lang="en-US" baseline="0" dirty="0"/>
+              <a:t> </a:t>
+            </a:r>
+            <a:r>
+              <a:rPr lang="en-US" baseline="0" dirty="0" err="1"/>
+              <a:t>đo</a:t>
+            </a:r>
+            <a:r>
+              <a:rPr lang="en-US" baseline="0" dirty="0"/>
+              <a:t> </a:t>
+            </a:r>
+            <a:r>
+              <a:rPr lang="en-US" baseline="0" dirty="0" err="1"/>
+              <a:t>về</a:t>
+            </a:r>
+            <a:r>
+              <a:rPr lang="en-US" baseline="0" dirty="0"/>
+              <a:t> </a:t>
+            </a:r>
+            <a:r>
+              <a:rPr lang="en-US" baseline="0" dirty="0" err="1"/>
+              <a:t>độ</a:t>
+            </a:r>
+            <a:r>
+              <a:rPr lang="en-US" baseline="0" dirty="0"/>
+              <a:t> </a:t>
+            </a:r>
+            <a:r>
+              <a:rPr lang="en-US" baseline="0" dirty="0" err="1"/>
+              <a:t>chính</a:t>
+            </a:r>
+            <a:r>
+              <a:rPr lang="en-US" baseline="0" dirty="0"/>
+              <a:t> </a:t>
+            </a:r>
+            <a:r>
+              <a:rPr lang="en-US" baseline="0" dirty="0" err="1"/>
+              <a:t>xác</a:t>
+            </a:r>
+            <a:r>
+              <a:rPr lang="en-US" baseline="0" dirty="0"/>
+              <a:t> </a:t>
+            </a:r>
+            <a:r>
+              <a:rPr lang="en-US" baseline="0" dirty="0" err="1"/>
+              <a:t>của</a:t>
+            </a:r>
+            <a:r>
+              <a:rPr lang="en-US" baseline="0" dirty="0"/>
+              <a:t> </a:t>
+            </a:r>
+            <a:r>
+              <a:rPr lang="en-US" baseline="0" dirty="0" err="1"/>
+              <a:t>tiên</a:t>
+            </a:r>
+            <a:r>
+              <a:rPr lang="en-US" baseline="0" dirty="0"/>
+              <a:t> </a:t>
+            </a:r>
+            <a:r>
+              <a:rPr lang="en-US" baseline="0" dirty="0" err="1"/>
+              <a:t>đoán</a:t>
+            </a:r>
+            <a:endParaRPr lang="en-US" baseline="0" dirty="0"/>
+          </a:p>
+          <a:p>
+            <a:pPr marL="228600" indent="-228600">
+              <a:buAutoNum type="arabicPeriod"/>
+            </a:pPr>
+            <a:r>
+              <a:rPr lang="en-US" baseline="0" dirty="0" err="1"/>
+              <a:t>Nhóm</a:t>
+            </a:r>
+            <a:r>
+              <a:rPr lang="en-US" baseline="0" dirty="0"/>
+              <a:t> </a:t>
+            </a:r>
+            <a:r>
+              <a:rPr lang="en-US" baseline="0" dirty="0" err="1"/>
+              <a:t>các</a:t>
+            </a:r>
+            <a:r>
+              <a:rPr lang="en-US" baseline="0" dirty="0"/>
+              <a:t> </a:t>
+            </a:r>
+            <a:r>
+              <a:rPr lang="en-US" baseline="0" dirty="0" err="1"/>
+              <a:t>độ</a:t>
+            </a:r>
+            <a:r>
+              <a:rPr lang="en-US" baseline="0" dirty="0"/>
+              <a:t> </a:t>
+            </a:r>
+            <a:r>
+              <a:rPr lang="en-US" baseline="0" dirty="0" err="1"/>
+              <a:t>đo</a:t>
+            </a:r>
+            <a:r>
+              <a:rPr lang="en-US" baseline="0" dirty="0"/>
+              <a:t> </a:t>
+            </a:r>
+            <a:r>
+              <a:rPr lang="en-US" baseline="0" dirty="0" err="1"/>
+              <a:t>về</a:t>
+            </a:r>
+            <a:r>
+              <a:rPr lang="en-US" baseline="0" dirty="0"/>
+              <a:t> </a:t>
+            </a:r>
+            <a:r>
+              <a:rPr lang="en-US" baseline="0" dirty="0" err="1"/>
+              <a:t>chất</a:t>
+            </a:r>
+            <a:r>
+              <a:rPr lang="en-US" baseline="0" dirty="0"/>
+              <a:t> </a:t>
+            </a:r>
+            <a:r>
+              <a:rPr lang="en-US" baseline="0" dirty="0" err="1"/>
+              <a:t>lượng</a:t>
+            </a:r>
+            <a:r>
+              <a:rPr lang="en-US" baseline="0" dirty="0"/>
+              <a:t> </a:t>
+            </a:r>
+            <a:r>
+              <a:rPr lang="en-US" baseline="0" dirty="0" err="1"/>
+              <a:t>danh</a:t>
+            </a:r>
+            <a:r>
+              <a:rPr lang="en-US" baseline="0" dirty="0"/>
+              <a:t> </a:t>
+            </a:r>
+            <a:r>
+              <a:rPr lang="en-US" baseline="0" dirty="0" err="1"/>
+              <a:t>sách</a:t>
+            </a:r>
+            <a:r>
+              <a:rPr lang="en-US" baseline="0" dirty="0"/>
+              <a:t> </a:t>
+            </a:r>
+            <a:r>
+              <a:rPr lang="en-US" baseline="0" dirty="0" err="1"/>
+              <a:t>xếp</a:t>
+            </a:r>
+            <a:r>
+              <a:rPr lang="en-US" baseline="0" dirty="0"/>
+              <a:t> </a:t>
+            </a:r>
+            <a:r>
+              <a:rPr lang="en-US" baseline="0" dirty="0" err="1"/>
+              <a:t>hạng</a:t>
+            </a:r>
+            <a:r>
+              <a:rPr lang="en-US" baseline="0" dirty="0"/>
+              <a:t> </a:t>
+            </a:r>
+            <a:r>
+              <a:rPr lang="en-US" baseline="0" dirty="0" err="1"/>
+              <a:t>các</a:t>
+            </a:r>
+            <a:r>
+              <a:rPr lang="en-US" baseline="0" dirty="0"/>
+              <a:t> </a:t>
+            </a:r>
+            <a:r>
+              <a:rPr lang="en-US" baseline="0" dirty="0" err="1"/>
+              <a:t>tiên</a:t>
+            </a:r>
+            <a:r>
+              <a:rPr lang="en-US" baseline="0" dirty="0"/>
+              <a:t> </a:t>
+            </a:r>
+            <a:r>
+              <a:rPr lang="en-US" baseline="0" dirty="0" err="1"/>
+              <a:t>đoán</a:t>
+            </a:r>
             <a:endParaRPr lang="en-US" baseline="0" dirty="0"/>
           </a:p>
         </p:txBody>
@@ -1595,7 +1596,7 @@
     </p:spTree>
     <p:extLst>
       <p:ext uri="{BB962C8B-B14F-4D97-AF65-F5344CB8AC3E}">
-        <p14:creationId xmlns:p14="http://schemas.microsoft.com/office/powerpoint/2010/main" val="842432550"/>
+        <p14:creationId xmlns:p14="http://schemas.microsoft.com/office/powerpoint/2010/main" val="4017424491"/>
       </p:ext>
     </p:extLst>
   </p:cSld>
@@ -1679,7 +1680,7 @@
     </p:spTree>
     <p:extLst>
       <p:ext uri="{BB962C8B-B14F-4D97-AF65-F5344CB8AC3E}">
-        <p14:creationId xmlns:p14="http://schemas.microsoft.com/office/powerpoint/2010/main" val="1457493225"/>
+        <p14:creationId xmlns:p14="http://schemas.microsoft.com/office/powerpoint/2010/main" val="842432550"/>
       </p:ext>
     </p:extLst>
   </p:cSld>
@@ -1763,7 +1764,7 @@
     </p:spTree>
     <p:extLst>
       <p:ext uri="{BB962C8B-B14F-4D97-AF65-F5344CB8AC3E}">
-        <p14:creationId xmlns:p14="http://schemas.microsoft.com/office/powerpoint/2010/main" val="829782025"/>
+        <p14:creationId xmlns:p14="http://schemas.microsoft.com/office/powerpoint/2010/main" val="1457493225"/>
       </p:ext>
     </p:extLst>
   </p:cSld>
@@ -1847,7 +1848,7 @@
     </p:spTree>
     <p:extLst>
       <p:ext uri="{BB962C8B-B14F-4D97-AF65-F5344CB8AC3E}">
-        <p14:creationId xmlns:p14="http://schemas.microsoft.com/office/powerpoint/2010/main" val="1227716121"/>
+        <p14:creationId xmlns:p14="http://schemas.microsoft.com/office/powerpoint/2010/main" val="829782025"/>
       </p:ext>
     </p:extLst>
   </p:cSld>
@@ -1931,7 +1932,7 @@
     </p:spTree>
     <p:extLst>
       <p:ext uri="{BB962C8B-B14F-4D97-AF65-F5344CB8AC3E}">
-        <p14:creationId xmlns:p14="http://schemas.microsoft.com/office/powerpoint/2010/main" val="3187795464"/>
+        <p14:creationId xmlns:p14="http://schemas.microsoft.com/office/powerpoint/2010/main" val="1227716121"/>
       </p:ext>
     </p:extLst>
   </p:cSld>
@@ -2007,6 +2008,90 @@
             <a:fld id="{32C44278-3EA4-4776-B648-FB7C724AA307}" type="slidenum">
               <a:rPr lang="en-US" smtClean="0"/>
               <a:t>19</a:t>
+            </a:fld>
+            <a:endParaRPr lang="en-US"/>
+          </a:p>
+        </p:txBody>
+      </p:sp>
+    </p:spTree>
+    <p:extLst>
+      <p:ext uri="{BB962C8B-B14F-4D97-AF65-F5344CB8AC3E}">
+        <p14:creationId xmlns:p14="http://schemas.microsoft.com/office/powerpoint/2010/main" val="3187795464"/>
+      </p:ext>
+    </p:extLst>
+  </p:cSld>
+  <p:clrMapOvr>
+    <a:masterClrMapping/>
+  </p:clrMapOvr>
+</p:notes>
+</file>
+
+<file path=ppt/notesSlides/notesSlide17.xml><?xml version="1.0" encoding="utf-8"?>
+<p:notes xmlns:a="http://schemas.openxmlformats.org/drawingml/2006/main" xmlns:r="http://schemas.openxmlformats.org/officeDocument/2006/relationships" xmlns:p="http://schemas.openxmlformats.org/presentationml/2006/main">
+  <p:cSld>
+    <p:spTree>
+      <p:nvGrpSpPr>
+        <p:cNvPr id="1" name=""/>
+        <p:cNvGrpSpPr/>
+        <p:nvPr/>
+      </p:nvGrpSpPr>
+      <p:grpSpPr>
+        <a:xfrm>
+          <a:off x="0" y="0"/>
+          <a:ext cx="0" cy="0"/>
+          <a:chOff x="0" y="0"/>
+          <a:chExt cx="0" cy="0"/>
+        </a:xfrm>
+      </p:grpSpPr>
+      <p:sp>
+        <p:nvSpPr>
+          <p:cNvPr id="2" name="Slide Image Placeholder 1"/>
+          <p:cNvSpPr>
+            <a:spLocks noGrp="1" noRot="1" noChangeAspect="1"/>
+          </p:cNvSpPr>
+          <p:nvPr>
+            <p:ph type="sldImg"/>
+          </p:nvPr>
+        </p:nvSpPr>
+        <p:spPr/>
+      </p:sp>
+      <p:sp>
+        <p:nvSpPr>
+          <p:cNvPr id="3" name="Notes Placeholder 2"/>
+          <p:cNvSpPr>
+            <a:spLocks noGrp="1"/>
+          </p:cNvSpPr>
+          <p:nvPr>
+            <p:ph type="body" idx="1"/>
+          </p:nvPr>
+        </p:nvSpPr>
+        <p:spPr/>
+        <p:txBody>
+          <a:bodyPr/>
+          <a:lstStyle/>
+          <a:p>
+            <a:endParaRPr lang="en-US" baseline="0" dirty="0"/>
+          </a:p>
+        </p:txBody>
+      </p:sp>
+      <p:sp>
+        <p:nvSpPr>
+          <p:cNvPr id="4" name="Slide Number Placeholder 3"/>
+          <p:cNvSpPr>
+            <a:spLocks noGrp="1"/>
+          </p:cNvSpPr>
+          <p:nvPr>
+            <p:ph type="sldNum" sz="quarter" idx="10"/>
+          </p:nvPr>
+        </p:nvSpPr>
+        <p:spPr/>
+        <p:txBody>
+          <a:bodyPr/>
+          <a:lstStyle/>
+          <a:p>
+            <a:fld id="{32C44278-3EA4-4776-B648-FB7C724AA307}" type="slidenum">
+              <a:rPr lang="en-US" smtClean="0"/>
+              <a:t>20</a:t>
             </a:fld>
             <a:endParaRPr lang="en-US"/>
           </a:p>
@@ -3057,7 +3142,417 @@
           <a:bodyPr/>
           <a:lstStyle/>
           <a:p>
+            <a:r>
+              <a:rPr lang="en-US" dirty="0" err="1"/>
+              <a:t>Hệ</a:t>
+            </a:r>
+            <a:r>
+              <a:rPr lang="en-US" baseline="0" dirty="0"/>
+              <a:t> </a:t>
+            </a:r>
+            <a:r>
+              <a:rPr lang="en-US" baseline="0" dirty="0" err="1"/>
+              <a:t>khuyến</a:t>
+            </a:r>
+            <a:r>
+              <a:rPr lang="en-US" baseline="0" dirty="0"/>
+              <a:t> </a:t>
+            </a:r>
+            <a:r>
+              <a:rPr lang="en-US" baseline="0" dirty="0" err="1"/>
+              <a:t>nghị</a:t>
+            </a:r>
+            <a:r>
+              <a:rPr lang="en-US" baseline="0" dirty="0"/>
+              <a:t> </a:t>
+            </a:r>
+            <a:r>
+              <a:rPr lang="en-US" baseline="0" dirty="0" err="1"/>
+              <a:t>là</a:t>
+            </a:r>
+            <a:r>
+              <a:rPr lang="en-US" baseline="0" dirty="0"/>
+              <a:t> </a:t>
+            </a:r>
+            <a:r>
+              <a:rPr lang="en-US" baseline="0" dirty="0" err="1"/>
+              <a:t>hệ</a:t>
+            </a:r>
+            <a:r>
+              <a:rPr lang="en-US" baseline="0" dirty="0"/>
+              <a:t> </a:t>
+            </a:r>
+            <a:r>
+              <a:rPr lang="en-US" baseline="0" dirty="0" err="1"/>
+              <a:t>thống</a:t>
+            </a:r>
+            <a:r>
+              <a:rPr lang="en-US" baseline="0" dirty="0"/>
+              <a:t> </a:t>
+            </a:r>
+            <a:r>
+              <a:rPr lang="en-US" baseline="0" dirty="0" err="1"/>
+              <a:t>dự</a:t>
+            </a:r>
+            <a:r>
+              <a:rPr lang="en-US" baseline="0" dirty="0"/>
+              <a:t> </a:t>
+            </a:r>
+            <a:r>
+              <a:rPr lang="en-US" baseline="0" dirty="0" err="1"/>
+              <a:t>đoán</a:t>
+            </a:r>
+            <a:r>
+              <a:rPr lang="en-US" baseline="0" dirty="0"/>
+              <a:t> </a:t>
+            </a:r>
+            <a:r>
+              <a:rPr lang="en-US" baseline="0" dirty="0" err="1"/>
+              <a:t>mức</a:t>
+            </a:r>
+            <a:r>
+              <a:rPr lang="en-US" baseline="0" dirty="0"/>
+              <a:t> </a:t>
+            </a:r>
+            <a:r>
+              <a:rPr lang="en-US" baseline="0" dirty="0" err="1"/>
+              <a:t>độ</a:t>
+            </a:r>
+            <a:r>
+              <a:rPr lang="en-US" baseline="0" dirty="0"/>
+              <a:t> </a:t>
+            </a:r>
+            <a:r>
+              <a:rPr lang="en-US" baseline="0" dirty="0" err="1"/>
+              <a:t>ưa</a:t>
+            </a:r>
+            <a:r>
+              <a:rPr lang="en-US" baseline="0" dirty="0"/>
+              <a:t> </a:t>
+            </a:r>
+            <a:r>
+              <a:rPr lang="en-US" baseline="0" dirty="0" err="1"/>
+              <a:t>thích</a:t>
+            </a:r>
+            <a:r>
+              <a:rPr lang="en-US" baseline="0" dirty="0"/>
+              <a:t> </a:t>
+            </a:r>
+            <a:r>
+              <a:rPr lang="en-US" baseline="0" dirty="0" err="1"/>
+              <a:t>của</a:t>
+            </a:r>
+            <a:r>
+              <a:rPr lang="en-US" baseline="0" dirty="0"/>
+              <a:t> </a:t>
+            </a:r>
+            <a:r>
+              <a:rPr lang="en-US" baseline="0" dirty="0" err="1"/>
+              <a:t>một</a:t>
+            </a:r>
+            <a:r>
+              <a:rPr lang="en-US" baseline="0" dirty="0"/>
+              <a:t> </a:t>
+            </a:r>
+            <a:r>
+              <a:rPr lang="en-US" baseline="0" dirty="0" err="1"/>
+              <a:t>người</a:t>
+            </a:r>
+            <a:r>
+              <a:rPr lang="en-US" baseline="0" dirty="0"/>
+              <a:t> </a:t>
+            </a:r>
+            <a:r>
+              <a:rPr lang="en-US" baseline="0" dirty="0" err="1"/>
+              <a:t>đùng</a:t>
+            </a:r>
+            <a:r>
+              <a:rPr lang="en-US" baseline="0" dirty="0"/>
+              <a:t> </a:t>
+            </a:r>
+            <a:r>
+              <a:rPr lang="en-US" baseline="0" dirty="0" err="1"/>
+              <a:t>dành</a:t>
+            </a:r>
+            <a:r>
+              <a:rPr lang="en-US" baseline="0" dirty="0"/>
+              <a:t> </a:t>
+            </a:r>
+            <a:r>
+              <a:rPr lang="en-US" baseline="0" dirty="0" err="1"/>
+              <a:t>cho</a:t>
+            </a:r>
+            <a:r>
+              <a:rPr lang="en-US" baseline="0" dirty="0"/>
+              <a:t> </a:t>
+            </a:r>
+            <a:r>
+              <a:rPr lang="en-US" baseline="0" dirty="0" err="1"/>
+              <a:t>một</a:t>
+            </a:r>
+            <a:r>
+              <a:rPr lang="en-US" baseline="0" dirty="0"/>
+              <a:t> </a:t>
+            </a:r>
+            <a:r>
+              <a:rPr lang="en-US" baseline="0" dirty="0" err="1"/>
+              <a:t>sản</a:t>
+            </a:r>
+            <a:r>
+              <a:rPr lang="en-US" baseline="0" dirty="0"/>
+              <a:t> </a:t>
+            </a:r>
+            <a:r>
+              <a:rPr lang="en-US" baseline="0" dirty="0" err="1"/>
+              <a:t>phẩm</a:t>
+            </a:r>
+            <a:r>
+              <a:rPr lang="en-US" baseline="0" dirty="0"/>
+              <a:t>, </a:t>
+            </a:r>
+            <a:r>
+              <a:rPr lang="en-US" baseline="0" dirty="0" err="1"/>
+              <a:t>món</a:t>
+            </a:r>
+            <a:r>
+              <a:rPr lang="en-US" baseline="0" dirty="0"/>
+              <a:t> </a:t>
+            </a:r>
+            <a:r>
+              <a:rPr lang="en-US" baseline="0" dirty="0" err="1"/>
+              <a:t>đồ</a:t>
+            </a:r>
+            <a:r>
+              <a:rPr lang="en-US" baseline="0" dirty="0"/>
+              <a:t> </a:t>
+            </a:r>
+            <a:r>
+              <a:rPr lang="en-US" baseline="0" dirty="0" err="1"/>
+              <a:t>nào</a:t>
+            </a:r>
+            <a:r>
+              <a:rPr lang="en-US" baseline="0" dirty="0"/>
+              <a:t> </a:t>
+            </a:r>
+            <a:r>
+              <a:rPr lang="en-US" baseline="0" dirty="0" err="1"/>
+              <a:t>đó</a:t>
+            </a:r>
             <a:endParaRPr lang="en-US" baseline="0" dirty="0"/>
+          </a:p>
+          <a:p>
+            <a:endParaRPr lang="en-US" baseline="0" dirty="0"/>
+          </a:p>
+          <a:p>
+            <a:r>
+              <a:rPr lang="en-US" baseline="0" dirty="0" err="1"/>
+              <a:t>Hệ</a:t>
+            </a:r>
+            <a:r>
+              <a:rPr lang="en-US" baseline="0" dirty="0"/>
+              <a:t> </a:t>
+            </a:r>
+            <a:r>
+              <a:rPr lang="en-US" baseline="0" dirty="0" err="1"/>
+              <a:t>Khuyến</a:t>
+            </a:r>
+            <a:r>
+              <a:rPr lang="en-US" baseline="0" dirty="0"/>
+              <a:t> </a:t>
+            </a:r>
+            <a:r>
+              <a:rPr lang="en-US" baseline="0" dirty="0" err="1"/>
+              <a:t>nghị</a:t>
+            </a:r>
+            <a:r>
+              <a:rPr lang="en-US" baseline="0" dirty="0"/>
+              <a:t> </a:t>
+            </a:r>
+            <a:r>
+              <a:rPr lang="en-US" baseline="0" dirty="0" err="1"/>
+              <a:t>việc</a:t>
+            </a:r>
+            <a:r>
+              <a:rPr lang="en-US" baseline="0" dirty="0"/>
+              <a:t> </a:t>
+            </a:r>
+            <a:r>
+              <a:rPr lang="en-US" baseline="0" dirty="0" err="1"/>
+              <a:t>làm</a:t>
+            </a:r>
+            <a:r>
+              <a:rPr lang="en-US" baseline="0" dirty="0"/>
+              <a:t> </a:t>
+            </a:r>
+            <a:r>
+              <a:rPr lang="en-US" baseline="0" dirty="0" err="1"/>
+              <a:t>là</a:t>
+            </a:r>
+            <a:r>
+              <a:rPr lang="en-US" baseline="0" dirty="0"/>
+              <a:t> </a:t>
+            </a:r>
+            <a:r>
+              <a:rPr lang="en-US" baseline="0" dirty="0" err="1"/>
+              <a:t>hệ</a:t>
+            </a:r>
+            <a:r>
+              <a:rPr lang="en-US" baseline="0" dirty="0"/>
+              <a:t> </a:t>
+            </a:r>
+            <a:r>
+              <a:rPr lang="en-US" baseline="0" dirty="0" err="1"/>
+              <a:t>thống</a:t>
+            </a:r>
+            <a:r>
+              <a:rPr lang="en-US" baseline="0" dirty="0"/>
+              <a:t> </a:t>
+            </a:r>
+            <a:r>
+              <a:rPr lang="en-US" baseline="0" dirty="0" err="1"/>
+              <a:t>dự</a:t>
+            </a:r>
+            <a:r>
+              <a:rPr lang="en-US" baseline="0" dirty="0"/>
+              <a:t> </a:t>
+            </a:r>
+            <a:r>
+              <a:rPr lang="en-US" baseline="0" dirty="0" err="1"/>
+              <a:t>đoán</a:t>
+            </a:r>
+            <a:r>
+              <a:rPr lang="en-US" baseline="0" dirty="0"/>
+              <a:t> </a:t>
+            </a:r>
+            <a:r>
+              <a:rPr lang="en-US" baseline="0" dirty="0" err="1"/>
+              <a:t>mức</a:t>
+            </a:r>
+            <a:r>
+              <a:rPr lang="en-US" baseline="0" dirty="0"/>
+              <a:t> </a:t>
+            </a:r>
+            <a:r>
+              <a:rPr lang="en-US" baseline="0" dirty="0" err="1"/>
+              <a:t>độ</a:t>
+            </a:r>
+            <a:r>
+              <a:rPr lang="en-US" baseline="0" dirty="0"/>
+              <a:t> </a:t>
+            </a:r>
+            <a:r>
+              <a:rPr lang="en-US" baseline="0" dirty="0" err="1"/>
+              <a:t>phù</a:t>
+            </a:r>
+            <a:r>
+              <a:rPr lang="en-US" baseline="0" dirty="0"/>
+              <a:t> </a:t>
+            </a:r>
+            <a:r>
+              <a:rPr lang="en-US" baseline="0" dirty="0" err="1"/>
+              <a:t>hợp</a:t>
+            </a:r>
+            <a:r>
+              <a:rPr lang="en-US" baseline="0" dirty="0"/>
+              <a:t> </a:t>
+            </a:r>
+            <a:r>
+              <a:rPr lang="en-US" baseline="0" dirty="0" err="1"/>
+              <a:t>của</a:t>
+            </a:r>
+            <a:r>
+              <a:rPr lang="en-US" baseline="0" dirty="0"/>
+              <a:t> </a:t>
+            </a:r>
+            <a:r>
+              <a:rPr lang="en-US" baseline="0" dirty="0" err="1"/>
+              <a:t>một</a:t>
+            </a:r>
+            <a:r>
+              <a:rPr lang="en-US" baseline="0" dirty="0"/>
+              <a:t> </a:t>
+            </a:r>
+            <a:r>
+              <a:rPr lang="en-US" baseline="0" dirty="0" err="1"/>
+              <a:t>người</a:t>
+            </a:r>
+            <a:r>
+              <a:rPr lang="en-US" baseline="0" dirty="0"/>
+              <a:t> dung </a:t>
+            </a:r>
+            <a:r>
+              <a:rPr lang="en-US" baseline="0" dirty="0" err="1"/>
+              <a:t>đối</a:t>
+            </a:r>
+            <a:r>
+              <a:rPr lang="en-US" baseline="0" dirty="0"/>
+              <a:t> </a:t>
+            </a:r>
+            <a:r>
+              <a:rPr lang="en-US" baseline="0" dirty="0" err="1"/>
+              <a:t>với</a:t>
+            </a:r>
+            <a:r>
+              <a:rPr lang="en-US" baseline="0" dirty="0"/>
+              <a:t> </a:t>
+            </a:r>
+            <a:r>
+              <a:rPr lang="en-US" baseline="0" dirty="0" err="1"/>
+              <a:t>đăng</a:t>
+            </a:r>
+            <a:r>
+              <a:rPr lang="en-US" baseline="0" dirty="0"/>
+              <a:t> </a:t>
+            </a:r>
+            <a:r>
+              <a:rPr lang="en-US" baseline="0" dirty="0" err="1"/>
+              <a:t>tuyển</a:t>
+            </a:r>
+            <a:r>
+              <a:rPr lang="en-US" baseline="0" dirty="0"/>
+              <a:t> </a:t>
+            </a:r>
+            <a:r>
+              <a:rPr lang="en-US" baseline="0" dirty="0" err="1"/>
+              <a:t>mà</a:t>
+            </a:r>
+            <a:r>
+              <a:rPr lang="en-US" baseline="0" dirty="0"/>
+              <a:t> </a:t>
+            </a:r>
+            <a:r>
+              <a:rPr lang="en-US" baseline="0" dirty="0" err="1"/>
+              <a:t>người</a:t>
+            </a:r>
+            <a:r>
+              <a:rPr lang="en-US" baseline="0" dirty="0"/>
+              <a:t> </a:t>
+            </a:r>
+            <a:r>
+              <a:rPr lang="en-US" baseline="0" dirty="0" err="1"/>
+              <a:t>đó</a:t>
+            </a:r>
+            <a:r>
+              <a:rPr lang="en-US" baseline="0" dirty="0"/>
+              <a:t> </a:t>
+            </a:r>
+            <a:r>
+              <a:rPr lang="en-US" baseline="0" dirty="0" err="1"/>
+              <a:t>chưa</a:t>
+            </a:r>
+            <a:r>
+              <a:rPr lang="en-US" baseline="0" dirty="0"/>
+              <a:t> </a:t>
+            </a:r>
+            <a:r>
+              <a:rPr lang="en-US" baseline="0" dirty="0" err="1"/>
+              <a:t>biết</a:t>
+            </a:r>
+            <a:r>
+              <a:rPr lang="en-US" baseline="0" dirty="0"/>
+              <a:t>. </a:t>
+            </a:r>
+            <a:endParaRPr lang="en-US" dirty="0"/>
           </a:p>
         </p:txBody>
       </p:sp>
@@ -3087,7 +3582,7 @@
     </p:spTree>
     <p:extLst>
       <p:ext uri="{BB962C8B-B14F-4D97-AF65-F5344CB8AC3E}">
-        <p14:creationId xmlns:p14="http://schemas.microsoft.com/office/powerpoint/2010/main" val="19468389"/>
+        <p14:creationId xmlns:p14="http://schemas.microsoft.com/office/powerpoint/2010/main" val="1837604232"/>
       </p:ext>
     </p:extLst>
   </p:cSld>
@@ -3171,7 +3666,7 @@
     </p:spTree>
     <p:extLst>
       <p:ext uri="{BB962C8B-B14F-4D97-AF65-F5344CB8AC3E}">
-        <p14:creationId xmlns:p14="http://schemas.microsoft.com/office/powerpoint/2010/main" val="1497516441"/>
+        <p14:creationId xmlns:p14="http://schemas.microsoft.com/office/powerpoint/2010/main" val="19468389"/>
       </p:ext>
     </p:extLst>
   </p:cSld>
@@ -3255,7 +3750,7 @@
     </p:spTree>
     <p:extLst>
       <p:ext uri="{BB962C8B-B14F-4D97-AF65-F5344CB8AC3E}">
-        <p14:creationId xmlns:p14="http://schemas.microsoft.com/office/powerpoint/2010/main" val="309393564"/>
+        <p14:creationId xmlns:p14="http://schemas.microsoft.com/office/powerpoint/2010/main" val="2365116302"/>
       </p:ext>
     </p:extLst>
   </p:cSld>
@@ -3309,455 +3804,6 @@
           <a:bodyPr/>
           <a:lstStyle/>
           <a:p>
-            <a:pPr>
-              <a:buFontTx/>
-              <a:buChar char="-"/>
-            </a:pPr>
-            <a:r>
-              <a:rPr lang="en-US" sz="1200" dirty="0" err="1">
-                <a:latin typeface="Times New Roman" panose="02020603050405020304" pitchFamily="18" charset="0"/>
-                <a:cs typeface="Times New Roman" panose="02020603050405020304" pitchFamily="18" charset="0"/>
-                <a:sym typeface="Wingdings" panose="05000000000000000000" pitchFamily="2" charset="2"/>
-              </a:rPr>
-              <a:t>Nội</a:t>
-            </a:r>
-            <a:r>
-              <a:rPr lang="en-US" sz="1200" dirty="0">
-                <a:latin typeface="Times New Roman" panose="02020603050405020304" pitchFamily="18" charset="0"/>
-                <a:cs typeface="Times New Roman" panose="02020603050405020304" pitchFamily="18" charset="0"/>
-                <a:sym typeface="Wingdings" panose="05000000000000000000" pitchFamily="2" charset="2"/>
-              </a:rPr>
-              <a:t> dung </a:t>
-            </a:r>
-            <a:r>
-              <a:rPr lang="en-US" sz="1200" dirty="0" err="1">
-                <a:latin typeface="Times New Roman" panose="02020603050405020304" pitchFamily="18" charset="0"/>
-                <a:cs typeface="Times New Roman" panose="02020603050405020304" pitchFamily="18" charset="0"/>
-                <a:sym typeface="Wingdings" panose="05000000000000000000" pitchFamily="2" charset="2"/>
-              </a:rPr>
-              <a:t>của</a:t>
-            </a:r>
-            <a:r>
-              <a:rPr lang="en-US" sz="1200" dirty="0">
-                <a:latin typeface="Times New Roman" panose="02020603050405020304" pitchFamily="18" charset="0"/>
-                <a:cs typeface="Times New Roman" panose="02020603050405020304" pitchFamily="18" charset="0"/>
-                <a:sym typeface="Wingdings" panose="05000000000000000000" pitchFamily="2" charset="2"/>
-              </a:rPr>
-              <a:t> </a:t>
-            </a:r>
-            <a:r>
-              <a:rPr lang="en-US" sz="1200" dirty="0" err="1">
-                <a:latin typeface="Times New Roman" panose="02020603050405020304" pitchFamily="18" charset="0"/>
-                <a:cs typeface="Times New Roman" panose="02020603050405020304" pitchFamily="18" charset="0"/>
-                <a:sym typeface="Wingdings" panose="05000000000000000000" pitchFamily="2" charset="2"/>
-              </a:rPr>
-              <a:t>các</a:t>
-            </a:r>
-            <a:r>
-              <a:rPr lang="en-US" sz="1200" dirty="0">
-                <a:latin typeface="Times New Roman" panose="02020603050405020304" pitchFamily="18" charset="0"/>
-                <a:cs typeface="Times New Roman" panose="02020603050405020304" pitchFamily="18" charset="0"/>
-                <a:sym typeface="Wingdings" panose="05000000000000000000" pitchFamily="2" charset="2"/>
-              </a:rPr>
-              <a:t> </a:t>
-            </a:r>
-            <a:r>
-              <a:rPr lang="en-US" sz="1200" dirty="0" err="1">
-                <a:latin typeface="Times New Roman" panose="02020603050405020304" pitchFamily="18" charset="0"/>
-                <a:cs typeface="Times New Roman" panose="02020603050405020304" pitchFamily="18" charset="0"/>
-                <a:sym typeface="Wingdings" panose="05000000000000000000" pitchFamily="2" charset="2"/>
-              </a:rPr>
-              <a:t>đăng</a:t>
-            </a:r>
-            <a:r>
-              <a:rPr lang="en-US" sz="1200" dirty="0">
-                <a:latin typeface="Times New Roman" panose="02020603050405020304" pitchFamily="18" charset="0"/>
-                <a:cs typeface="Times New Roman" panose="02020603050405020304" pitchFamily="18" charset="0"/>
-                <a:sym typeface="Wingdings" panose="05000000000000000000" pitchFamily="2" charset="2"/>
-              </a:rPr>
-              <a:t> </a:t>
-            </a:r>
-            <a:r>
-              <a:rPr lang="en-US" sz="1200" dirty="0" err="1">
-                <a:latin typeface="Times New Roman" panose="02020603050405020304" pitchFamily="18" charset="0"/>
-                <a:cs typeface="Times New Roman" panose="02020603050405020304" pitchFamily="18" charset="0"/>
-                <a:sym typeface="Wingdings" panose="05000000000000000000" pitchFamily="2" charset="2"/>
-              </a:rPr>
-              <a:t>tuyển</a:t>
-            </a:r>
-            <a:endParaRPr lang="en-US" sz="1200" dirty="0">
-              <a:latin typeface="Times New Roman" panose="02020603050405020304" pitchFamily="18" charset="0"/>
-              <a:cs typeface="Times New Roman" panose="02020603050405020304" pitchFamily="18" charset="0"/>
-              <a:sym typeface="Wingdings" panose="05000000000000000000" pitchFamily="2" charset="2"/>
-            </a:endParaRPr>
-          </a:p>
-          <a:p>
-            <a:pPr>
-              <a:buFontTx/>
-              <a:buChar char="-"/>
-            </a:pPr>
-            <a:r>
-              <a:rPr lang="en-US" sz="1200" dirty="0" err="1">
-                <a:latin typeface="Times New Roman" panose="02020603050405020304" pitchFamily="18" charset="0"/>
-                <a:cs typeface="Times New Roman" panose="02020603050405020304" pitchFamily="18" charset="0"/>
-                <a:sym typeface="Wingdings" panose="05000000000000000000" pitchFamily="2" charset="2"/>
-              </a:rPr>
-              <a:t>Hồ</a:t>
-            </a:r>
-            <a:r>
-              <a:rPr lang="en-US" sz="1200" dirty="0">
-                <a:latin typeface="Times New Roman" panose="02020603050405020304" pitchFamily="18" charset="0"/>
-                <a:cs typeface="Times New Roman" panose="02020603050405020304" pitchFamily="18" charset="0"/>
-                <a:sym typeface="Wingdings" panose="05000000000000000000" pitchFamily="2" charset="2"/>
-              </a:rPr>
-              <a:t> </a:t>
-            </a:r>
-            <a:r>
-              <a:rPr lang="en-US" sz="1200" dirty="0" err="1">
-                <a:latin typeface="Times New Roman" panose="02020603050405020304" pitchFamily="18" charset="0"/>
-                <a:cs typeface="Times New Roman" panose="02020603050405020304" pitchFamily="18" charset="0"/>
-                <a:sym typeface="Wingdings" panose="05000000000000000000" pitchFamily="2" charset="2"/>
-              </a:rPr>
-              <a:t>sơ</a:t>
-            </a:r>
-            <a:r>
-              <a:rPr lang="en-US" sz="1200" dirty="0">
-                <a:latin typeface="Times New Roman" panose="02020603050405020304" pitchFamily="18" charset="0"/>
-                <a:cs typeface="Times New Roman" panose="02020603050405020304" pitchFamily="18" charset="0"/>
-                <a:sym typeface="Wingdings" panose="05000000000000000000" pitchFamily="2" charset="2"/>
-              </a:rPr>
-              <a:t> </a:t>
-            </a:r>
-            <a:r>
-              <a:rPr lang="en-US" sz="1200" dirty="0" err="1">
-                <a:latin typeface="Times New Roman" panose="02020603050405020304" pitchFamily="18" charset="0"/>
-                <a:cs typeface="Times New Roman" panose="02020603050405020304" pitchFamily="18" charset="0"/>
-                <a:sym typeface="Wingdings" panose="05000000000000000000" pitchFamily="2" charset="2"/>
-              </a:rPr>
-              <a:t>người</a:t>
-            </a:r>
-            <a:r>
-              <a:rPr lang="en-US" sz="1200" dirty="0">
-                <a:latin typeface="Times New Roman" panose="02020603050405020304" pitchFamily="18" charset="0"/>
-                <a:cs typeface="Times New Roman" panose="02020603050405020304" pitchFamily="18" charset="0"/>
-                <a:sym typeface="Wingdings" panose="05000000000000000000" pitchFamily="2" charset="2"/>
-              </a:rPr>
-              <a:t> </a:t>
-            </a:r>
-            <a:r>
-              <a:rPr lang="en-US" sz="1200" dirty="0" err="1">
-                <a:latin typeface="Times New Roman" panose="02020603050405020304" pitchFamily="18" charset="0"/>
-                <a:cs typeface="Times New Roman" panose="02020603050405020304" pitchFamily="18" charset="0"/>
-                <a:sym typeface="Wingdings" panose="05000000000000000000" pitchFamily="2" charset="2"/>
-              </a:rPr>
-              <a:t>dùng</a:t>
-            </a:r>
-            <a:r>
-              <a:rPr lang="en-US" sz="1200" dirty="0">
-                <a:latin typeface="Times New Roman" panose="02020603050405020304" pitchFamily="18" charset="0"/>
-                <a:cs typeface="Times New Roman" panose="02020603050405020304" pitchFamily="18" charset="0"/>
-                <a:sym typeface="Wingdings" panose="05000000000000000000" pitchFamily="2" charset="2"/>
-              </a:rPr>
-              <a:t> </a:t>
-            </a:r>
-            <a:r>
-              <a:rPr lang="en-US" sz="1200" dirty="0" err="1">
-                <a:latin typeface="Times New Roman" panose="02020603050405020304" pitchFamily="18" charset="0"/>
-                <a:cs typeface="Times New Roman" panose="02020603050405020304" pitchFamily="18" charset="0"/>
-                <a:sym typeface="Wingdings" panose="05000000000000000000" pitchFamily="2" charset="2"/>
-              </a:rPr>
-              <a:t>và</a:t>
-            </a:r>
-            <a:r>
-              <a:rPr lang="en-US" sz="1200" dirty="0">
-                <a:latin typeface="Times New Roman" panose="02020603050405020304" pitchFamily="18" charset="0"/>
-                <a:cs typeface="Times New Roman" panose="02020603050405020304" pitchFamily="18" charset="0"/>
-                <a:sym typeface="Wingdings" panose="05000000000000000000" pitchFamily="2" charset="2"/>
-              </a:rPr>
-              <a:t> </a:t>
-            </a:r>
-            <a:r>
-              <a:rPr lang="en-US" sz="1200" dirty="0" err="1">
-                <a:latin typeface="Times New Roman" panose="02020603050405020304" pitchFamily="18" charset="0"/>
-                <a:cs typeface="Times New Roman" panose="02020603050405020304" pitchFamily="18" charset="0"/>
-                <a:sym typeface="Wingdings" panose="05000000000000000000" pitchFamily="2" charset="2"/>
-              </a:rPr>
-              <a:t>các</a:t>
-            </a:r>
-            <a:r>
-              <a:rPr lang="en-US" sz="1200" dirty="0">
-                <a:latin typeface="Times New Roman" panose="02020603050405020304" pitchFamily="18" charset="0"/>
-                <a:cs typeface="Times New Roman" panose="02020603050405020304" pitchFamily="18" charset="0"/>
-                <a:sym typeface="Wingdings" panose="05000000000000000000" pitchFamily="2" charset="2"/>
-              </a:rPr>
-              <a:t> </a:t>
-            </a:r>
-            <a:r>
-              <a:rPr lang="en-US" sz="1200" dirty="0" err="1">
-                <a:latin typeface="Times New Roman" panose="02020603050405020304" pitchFamily="18" charset="0"/>
-                <a:cs typeface="Times New Roman" panose="02020603050405020304" pitchFamily="18" charset="0"/>
-                <a:sym typeface="Wingdings" panose="05000000000000000000" pitchFamily="2" charset="2"/>
-              </a:rPr>
-              <a:t>đăng</a:t>
-            </a:r>
-            <a:r>
-              <a:rPr lang="en-US" sz="1200" dirty="0">
-                <a:latin typeface="Times New Roman" panose="02020603050405020304" pitchFamily="18" charset="0"/>
-                <a:cs typeface="Times New Roman" panose="02020603050405020304" pitchFamily="18" charset="0"/>
-                <a:sym typeface="Wingdings" panose="05000000000000000000" pitchFamily="2" charset="2"/>
-              </a:rPr>
-              <a:t> </a:t>
-            </a:r>
-            <a:r>
-              <a:rPr lang="en-US" sz="1200" dirty="0" err="1">
-                <a:latin typeface="Times New Roman" panose="02020603050405020304" pitchFamily="18" charset="0"/>
-                <a:cs typeface="Times New Roman" panose="02020603050405020304" pitchFamily="18" charset="0"/>
-                <a:sym typeface="Wingdings" panose="05000000000000000000" pitchFamily="2" charset="2"/>
-              </a:rPr>
-              <a:t>tuyển</a:t>
-            </a:r>
-            <a:r>
-              <a:rPr lang="en-US" sz="1200" dirty="0">
-                <a:latin typeface="Times New Roman" panose="02020603050405020304" pitchFamily="18" charset="0"/>
-                <a:cs typeface="Times New Roman" panose="02020603050405020304" pitchFamily="18" charset="0"/>
-                <a:sym typeface="Wingdings" panose="05000000000000000000" pitchFamily="2" charset="2"/>
-              </a:rPr>
-              <a:t> </a:t>
-            </a:r>
-            <a:r>
-              <a:rPr lang="en-US" sz="1200" dirty="0" err="1">
-                <a:latin typeface="Times New Roman" panose="02020603050405020304" pitchFamily="18" charset="0"/>
-                <a:cs typeface="Times New Roman" panose="02020603050405020304" pitchFamily="18" charset="0"/>
-                <a:sym typeface="Wingdings" panose="05000000000000000000" pitchFamily="2" charset="2"/>
-              </a:rPr>
-              <a:t>mà</a:t>
-            </a:r>
-            <a:r>
-              <a:rPr lang="en-US" sz="1200" dirty="0">
-                <a:latin typeface="Times New Roman" panose="02020603050405020304" pitchFamily="18" charset="0"/>
-                <a:cs typeface="Times New Roman" panose="02020603050405020304" pitchFamily="18" charset="0"/>
-                <a:sym typeface="Wingdings" panose="05000000000000000000" pitchFamily="2" charset="2"/>
-              </a:rPr>
-              <a:t> </a:t>
-            </a:r>
-            <a:r>
-              <a:rPr lang="en-US" sz="1200" dirty="0" err="1">
-                <a:latin typeface="Times New Roman" panose="02020603050405020304" pitchFamily="18" charset="0"/>
-                <a:cs typeface="Times New Roman" panose="02020603050405020304" pitchFamily="18" charset="0"/>
-                <a:sym typeface="Wingdings" panose="05000000000000000000" pitchFamily="2" charset="2"/>
-              </a:rPr>
-              <a:t>người</a:t>
-            </a:r>
-            <a:r>
-              <a:rPr lang="en-US" sz="1200" dirty="0">
-                <a:latin typeface="Times New Roman" panose="02020603050405020304" pitchFamily="18" charset="0"/>
-                <a:cs typeface="Times New Roman" panose="02020603050405020304" pitchFamily="18" charset="0"/>
-                <a:sym typeface="Wingdings" panose="05000000000000000000" pitchFamily="2" charset="2"/>
-              </a:rPr>
-              <a:t> dung </a:t>
-            </a:r>
-            <a:r>
-              <a:rPr lang="en-US" sz="1200" dirty="0" err="1">
-                <a:latin typeface="Times New Roman" panose="02020603050405020304" pitchFamily="18" charset="0"/>
-                <a:cs typeface="Times New Roman" panose="02020603050405020304" pitchFamily="18" charset="0"/>
-                <a:sym typeface="Wingdings" panose="05000000000000000000" pitchFamily="2" charset="2"/>
-              </a:rPr>
-              <a:t>thích</a:t>
-            </a:r>
-            <a:endParaRPr lang="en-US" sz="1200" dirty="0">
-              <a:latin typeface="Times New Roman" panose="02020603050405020304" pitchFamily="18" charset="0"/>
-              <a:cs typeface="Times New Roman" panose="02020603050405020304" pitchFamily="18" charset="0"/>
-              <a:sym typeface="Wingdings" panose="05000000000000000000" pitchFamily="2" charset="2"/>
-            </a:endParaRPr>
-          </a:p>
-          <a:p>
-            <a:pPr>
-              <a:buFontTx/>
-              <a:buChar char="-"/>
-            </a:pPr>
-            <a:r>
-              <a:rPr lang="en-US" sz="1200" dirty="0">
-                <a:latin typeface="Times New Roman" panose="02020603050405020304" pitchFamily="18" charset="0"/>
-                <a:cs typeface="Times New Roman" panose="02020603050405020304" pitchFamily="18" charset="0"/>
-                <a:sym typeface="Wingdings" panose="05000000000000000000" pitchFamily="2" charset="2"/>
-              </a:rPr>
-              <a:t> </a:t>
-            </a:r>
-            <a:r>
-              <a:rPr lang="en-US" sz="1200" dirty="0" err="1">
-                <a:latin typeface="Times New Roman" panose="02020603050405020304" pitchFamily="18" charset="0"/>
-                <a:cs typeface="Times New Roman" panose="02020603050405020304" pitchFamily="18" charset="0"/>
-                <a:sym typeface="Wingdings" panose="05000000000000000000" pitchFamily="2" charset="2"/>
-              </a:rPr>
-              <a:t>Những</a:t>
-            </a:r>
-            <a:r>
-              <a:rPr lang="en-US" sz="1200" dirty="0">
-                <a:latin typeface="Times New Roman" panose="02020603050405020304" pitchFamily="18" charset="0"/>
-                <a:cs typeface="Times New Roman" panose="02020603050405020304" pitchFamily="18" charset="0"/>
-                <a:sym typeface="Wingdings" panose="05000000000000000000" pitchFamily="2" charset="2"/>
-              </a:rPr>
-              <a:t> </a:t>
-            </a:r>
-            <a:r>
-              <a:rPr lang="en-US" sz="1200" dirty="0" err="1">
-                <a:latin typeface="Times New Roman" panose="02020603050405020304" pitchFamily="18" charset="0"/>
-                <a:cs typeface="Times New Roman" panose="02020603050405020304" pitchFamily="18" charset="0"/>
-                <a:sym typeface="Wingdings" panose="05000000000000000000" pitchFamily="2" charset="2"/>
-              </a:rPr>
-              <a:t>đăng</a:t>
-            </a:r>
-            <a:r>
-              <a:rPr lang="en-US" sz="1200" dirty="0">
-                <a:latin typeface="Times New Roman" panose="02020603050405020304" pitchFamily="18" charset="0"/>
-                <a:cs typeface="Times New Roman" panose="02020603050405020304" pitchFamily="18" charset="0"/>
-                <a:sym typeface="Wingdings" panose="05000000000000000000" pitchFamily="2" charset="2"/>
-              </a:rPr>
-              <a:t> </a:t>
-            </a:r>
-            <a:r>
-              <a:rPr lang="en-US" sz="1200" dirty="0" err="1">
-                <a:latin typeface="Times New Roman" panose="02020603050405020304" pitchFamily="18" charset="0"/>
-                <a:cs typeface="Times New Roman" panose="02020603050405020304" pitchFamily="18" charset="0"/>
-                <a:sym typeface="Wingdings" panose="05000000000000000000" pitchFamily="2" charset="2"/>
-              </a:rPr>
-              <a:t>tuyển</a:t>
-            </a:r>
-            <a:r>
-              <a:rPr lang="en-US" sz="1200" dirty="0">
-                <a:latin typeface="Times New Roman" panose="02020603050405020304" pitchFamily="18" charset="0"/>
-                <a:cs typeface="Times New Roman" panose="02020603050405020304" pitchFamily="18" charset="0"/>
-                <a:sym typeface="Wingdings" panose="05000000000000000000" pitchFamily="2" charset="2"/>
-              </a:rPr>
-              <a:t> </a:t>
-            </a:r>
-            <a:r>
-              <a:rPr lang="en-US" sz="1200" dirty="0" err="1">
-                <a:latin typeface="Times New Roman" panose="02020603050405020304" pitchFamily="18" charset="0"/>
-                <a:cs typeface="Times New Roman" panose="02020603050405020304" pitchFamily="18" charset="0"/>
-                <a:sym typeface="Wingdings" panose="05000000000000000000" pitchFamily="2" charset="2"/>
-              </a:rPr>
-              <a:t>tương</a:t>
-            </a:r>
-            <a:r>
-              <a:rPr lang="en-US" sz="1200" dirty="0">
-                <a:latin typeface="Times New Roman" panose="02020603050405020304" pitchFamily="18" charset="0"/>
-                <a:cs typeface="Times New Roman" panose="02020603050405020304" pitchFamily="18" charset="0"/>
-                <a:sym typeface="Wingdings" panose="05000000000000000000" pitchFamily="2" charset="2"/>
-              </a:rPr>
-              <a:t> </a:t>
-            </a:r>
-            <a:r>
-              <a:rPr lang="en-US" sz="1200" dirty="0" err="1">
-                <a:latin typeface="Times New Roman" panose="02020603050405020304" pitchFamily="18" charset="0"/>
-                <a:cs typeface="Times New Roman" panose="02020603050405020304" pitchFamily="18" charset="0"/>
-                <a:sym typeface="Wingdings" panose="05000000000000000000" pitchFamily="2" charset="2"/>
-              </a:rPr>
-              <a:t>tự</a:t>
-            </a:r>
-            <a:r>
-              <a:rPr lang="en-US" sz="1200" dirty="0">
-                <a:latin typeface="Times New Roman" panose="02020603050405020304" pitchFamily="18" charset="0"/>
-                <a:cs typeface="Times New Roman" panose="02020603050405020304" pitchFamily="18" charset="0"/>
-                <a:sym typeface="Wingdings" panose="05000000000000000000" pitchFamily="2" charset="2"/>
-              </a:rPr>
-              <a:t> </a:t>
-            </a:r>
-            <a:r>
-              <a:rPr lang="en-US" sz="1200" dirty="0" err="1">
-                <a:latin typeface="Times New Roman" panose="02020603050405020304" pitchFamily="18" charset="0"/>
-                <a:cs typeface="Times New Roman" panose="02020603050405020304" pitchFamily="18" charset="0"/>
-                <a:sym typeface="Wingdings" panose="05000000000000000000" pitchFamily="2" charset="2"/>
-              </a:rPr>
-              <a:t>với</a:t>
-            </a:r>
-            <a:r>
-              <a:rPr lang="en-US" sz="1200" dirty="0">
-                <a:latin typeface="Times New Roman" panose="02020603050405020304" pitchFamily="18" charset="0"/>
-                <a:cs typeface="Times New Roman" panose="02020603050405020304" pitchFamily="18" charset="0"/>
-                <a:sym typeface="Wingdings" panose="05000000000000000000" pitchFamily="2" charset="2"/>
-              </a:rPr>
-              <a:t> </a:t>
-            </a:r>
-            <a:r>
-              <a:rPr lang="en-US" sz="1200" dirty="0" err="1">
-                <a:latin typeface="Times New Roman" panose="02020603050405020304" pitchFamily="18" charset="0"/>
-                <a:cs typeface="Times New Roman" panose="02020603050405020304" pitchFamily="18" charset="0"/>
-                <a:sym typeface="Wingdings" panose="05000000000000000000" pitchFamily="2" charset="2"/>
-              </a:rPr>
-              <a:t>sở</a:t>
-            </a:r>
-            <a:r>
-              <a:rPr lang="en-US" sz="1200" dirty="0">
-                <a:latin typeface="Times New Roman" panose="02020603050405020304" pitchFamily="18" charset="0"/>
-                <a:cs typeface="Times New Roman" panose="02020603050405020304" pitchFamily="18" charset="0"/>
-                <a:sym typeface="Wingdings" panose="05000000000000000000" pitchFamily="2" charset="2"/>
-              </a:rPr>
-              <a:t> </a:t>
-            </a:r>
-            <a:r>
-              <a:rPr lang="en-US" sz="1200" dirty="0" err="1">
-                <a:latin typeface="Times New Roman" panose="02020603050405020304" pitchFamily="18" charset="0"/>
-                <a:cs typeface="Times New Roman" panose="02020603050405020304" pitchFamily="18" charset="0"/>
-                <a:sym typeface="Wingdings" panose="05000000000000000000" pitchFamily="2" charset="2"/>
-              </a:rPr>
-              <a:t>thích</a:t>
-            </a:r>
-            <a:r>
-              <a:rPr lang="en-US" sz="1200" dirty="0">
-                <a:latin typeface="Times New Roman" panose="02020603050405020304" pitchFamily="18" charset="0"/>
-                <a:cs typeface="Times New Roman" panose="02020603050405020304" pitchFamily="18" charset="0"/>
-                <a:sym typeface="Wingdings" panose="05000000000000000000" pitchFamily="2" charset="2"/>
-              </a:rPr>
-              <a:t> </a:t>
-            </a:r>
-            <a:r>
-              <a:rPr lang="en-US" sz="1200" dirty="0" err="1">
-                <a:latin typeface="Times New Roman" panose="02020603050405020304" pitchFamily="18" charset="0"/>
-                <a:cs typeface="Times New Roman" panose="02020603050405020304" pitchFamily="18" charset="0"/>
-                <a:sym typeface="Wingdings" panose="05000000000000000000" pitchFamily="2" charset="2"/>
-              </a:rPr>
-              <a:t>của</a:t>
-            </a:r>
-            <a:r>
-              <a:rPr lang="en-US" sz="1200" dirty="0">
-                <a:latin typeface="Times New Roman" panose="02020603050405020304" pitchFamily="18" charset="0"/>
-                <a:cs typeface="Times New Roman" panose="02020603050405020304" pitchFamily="18" charset="0"/>
-                <a:sym typeface="Wingdings" panose="05000000000000000000" pitchFamily="2" charset="2"/>
-              </a:rPr>
-              <a:t> </a:t>
-            </a:r>
-            <a:r>
-              <a:rPr lang="en-US" sz="1200" dirty="0" err="1">
-                <a:latin typeface="Times New Roman" panose="02020603050405020304" pitchFamily="18" charset="0"/>
-                <a:cs typeface="Times New Roman" panose="02020603050405020304" pitchFamily="18" charset="0"/>
-                <a:sym typeface="Wingdings" panose="05000000000000000000" pitchFamily="2" charset="2"/>
-              </a:rPr>
-              <a:t>người</a:t>
-            </a:r>
-            <a:r>
-              <a:rPr lang="en-US" sz="1200" dirty="0">
-                <a:latin typeface="Times New Roman" panose="02020603050405020304" pitchFamily="18" charset="0"/>
-                <a:cs typeface="Times New Roman" panose="02020603050405020304" pitchFamily="18" charset="0"/>
-                <a:sym typeface="Wingdings" panose="05000000000000000000" pitchFamily="2" charset="2"/>
-              </a:rPr>
-              <a:t> dung </a:t>
-            </a:r>
-            <a:r>
-              <a:rPr lang="en-US" sz="1200" dirty="0" err="1">
-                <a:latin typeface="Times New Roman" panose="02020603050405020304" pitchFamily="18" charset="0"/>
-                <a:cs typeface="Times New Roman" panose="02020603050405020304" pitchFamily="18" charset="0"/>
-                <a:sym typeface="Wingdings" panose="05000000000000000000" pitchFamily="2" charset="2"/>
-              </a:rPr>
-              <a:t>nhất</a:t>
-            </a:r>
-            <a:endParaRPr lang="en-US" sz="1200" dirty="0">
-              <a:latin typeface="Times New Roman" panose="02020603050405020304" pitchFamily="18" charset="0"/>
-              <a:cs typeface="Times New Roman" panose="02020603050405020304" pitchFamily="18" charset="0"/>
-              <a:sym typeface="Wingdings" panose="05000000000000000000" pitchFamily="2" charset="2"/>
-            </a:endParaRPr>
-          </a:p>
-          <a:p>
             <a:endParaRPr lang="en-US" baseline="0" dirty="0"/>
           </a:p>
         </p:txBody>
@@ -3788,7 +3834,7 @@
     </p:spTree>
     <p:extLst>
       <p:ext uri="{BB962C8B-B14F-4D97-AF65-F5344CB8AC3E}">
-        <p14:creationId xmlns:p14="http://schemas.microsoft.com/office/powerpoint/2010/main" val="1036441164"/>
+        <p14:creationId xmlns:p14="http://schemas.microsoft.com/office/powerpoint/2010/main" val="309393564"/>
       </p:ext>
     </p:extLst>
   </p:cSld>
@@ -3842,6 +3888,455 @@
           <a:bodyPr/>
           <a:lstStyle/>
           <a:p>
+            <a:pPr>
+              <a:buFontTx/>
+              <a:buChar char="-"/>
+            </a:pPr>
+            <a:r>
+              <a:rPr lang="en-US" sz="1200" dirty="0" err="1">
+                <a:latin typeface="Times New Roman" panose="02020603050405020304" pitchFamily="18" charset="0"/>
+                <a:cs typeface="Times New Roman" panose="02020603050405020304" pitchFamily="18" charset="0"/>
+                <a:sym typeface="Wingdings" panose="05000000000000000000" pitchFamily="2" charset="2"/>
+              </a:rPr>
+              <a:t>Nội</a:t>
+            </a:r>
+            <a:r>
+              <a:rPr lang="en-US" sz="1200" dirty="0">
+                <a:latin typeface="Times New Roman" panose="02020603050405020304" pitchFamily="18" charset="0"/>
+                <a:cs typeface="Times New Roman" panose="02020603050405020304" pitchFamily="18" charset="0"/>
+                <a:sym typeface="Wingdings" panose="05000000000000000000" pitchFamily="2" charset="2"/>
+              </a:rPr>
+              <a:t> dung </a:t>
+            </a:r>
+            <a:r>
+              <a:rPr lang="en-US" sz="1200" dirty="0" err="1">
+                <a:latin typeface="Times New Roman" panose="02020603050405020304" pitchFamily="18" charset="0"/>
+                <a:cs typeface="Times New Roman" panose="02020603050405020304" pitchFamily="18" charset="0"/>
+                <a:sym typeface="Wingdings" panose="05000000000000000000" pitchFamily="2" charset="2"/>
+              </a:rPr>
+              <a:t>của</a:t>
+            </a:r>
+            <a:r>
+              <a:rPr lang="en-US" sz="1200" dirty="0">
+                <a:latin typeface="Times New Roman" panose="02020603050405020304" pitchFamily="18" charset="0"/>
+                <a:cs typeface="Times New Roman" panose="02020603050405020304" pitchFamily="18" charset="0"/>
+                <a:sym typeface="Wingdings" panose="05000000000000000000" pitchFamily="2" charset="2"/>
+              </a:rPr>
+              <a:t> </a:t>
+            </a:r>
+            <a:r>
+              <a:rPr lang="en-US" sz="1200" dirty="0" err="1">
+                <a:latin typeface="Times New Roman" panose="02020603050405020304" pitchFamily="18" charset="0"/>
+                <a:cs typeface="Times New Roman" panose="02020603050405020304" pitchFamily="18" charset="0"/>
+                <a:sym typeface="Wingdings" panose="05000000000000000000" pitchFamily="2" charset="2"/>
+              </a:rPr>
+              <a:t>các</a:t>
+            </a:r>
+            <a:r>
+              <a:rPr lang="en-US" sz="1200" dirty="0">
+                <a:latin typeface="Times New Roman" panose="02020603050405020304" pitchFamily="18" charset="0"/>
+                <a:cs typeface="Times New Roman" panose="02020603050405020304" pitchFamily="18" charset="0"/>
+                <a:sym typeface="Wingdings" panose="05000000000000000000" pitchFamily="2" charset="2"/>
+              </a:rPr>
+              <a:t> </a:t>
+            </a:r>
+            <a:r>
+              <a:rPr lang="en-US" sz="1200" dirty="0" err="1">
+                <a:latin typeface="Times New Roman" panose="02020603050405020304" pitchFamily="18" charset="0"/>
+                <a:cs typeface="Times New Roman" panose="02020603050405020304" pitchFamily="18" charset="0"/>
+                <a:sym typeface="Wingdings" panose="05000000000000000000" pitchFamily="2" charset="2"/>
+              </a:rPr>
+              <a:t>đăng</a:t>
+            </a:r>
+            <a:r>
+              <a:rPr lang="en-US" sz="1200" dirty="0">
+                <a:latin typeface="Times New Roman" panose="02020603050405020304" pitchFamily="18" charset="0"/>
+                <a:cs typeface="Times New Roman" panose="02020603050405020304" pitchFamily="18" charset="0"/>
+                <a:sym typeface="Wingdings" panose="05000000000000000000" pitchFamily="2" charset="2"/>
+              </a:rPr>
+              <a:t> </a:t>
+            </a:r>
+            <a:r>
+              <a:rPr lang="en-US" sz="1200" dirty="0" err="1">
+                <a:latin typeface="Times New Roman" panose="02020603050405020304" pitchFamily="18" charset="0"/>
+                <a:cs typeface="Times New Roman" panose="02020603050405020304" pitchFamily="18" charset="0"/>
+                <a:sym typeface="Wingdings" panose="05000000000000000000" pitchFamily="2" charset="2"/>
+              </a:rPr>
+              <a:t>tuyển</a:t>
+            </a:r>
+            <a:endParaRPr lang="en-US" sz="1200" dirty="0">
+              <a:latin typeface="Times New Roman" panose="02020603050405020304" pitchFamily="18" charset="0"/>
+              <a:cs typeface="Times New Roman" panose="02020603050405020304" pitchFamily="18" charset="0"/>
+              <a:sym typeface="Wingdings" panose="05000000000000000000" pitchFamily="2" charset="2"/>
+            </a:endParaRPr>
+          </a:p>
+          <a:p>
+            <a:pPr>
+              <a:buFontTx/>
+              <a:buChar char="-"/>
+            </a:pPr>
+            <a:r>
+              <a:rPr lang="en-US" sz="1200" dirty="0" err="1">
+                <a:latin typeface="Times New Roman" panose="02020603050405020304" pitchFamily="18" charset="0"/>
+                <a:cs typeface="Times New Roman" panose="02020603050405020304" pitchFamily="18" charset="0"/>
+                <a:sym typeface="Wingdings" panose="05000000000000000000" pitchFamily="2" charset="2"/>
+              </a:rPr>
+              <a:t>Hồ</a:t>
+            </a:r>
+            <a:r>
+              <a:rPr lang="en-US" sz="1200" dirty="0">
+                <a:latin typeface="Times New Roman" panose="02020603050405020304" pitchFamily="18" charset="0"/>
+                <a:cs typeface="Times New Roman" panose="02020603050405020304" pitchFamily="18" charset="0"/>
+                <a:sym typeface="Wingdings" panose="05000000000000000000" pitchFamily="2" charset="2"/>
+              </a:rPr>
+              <a:t> </a:t>
+            </a:r>
+            <a:r>
+              <a:rPr lang="en-US" sz="1200" dirty="0" err="1">
+                <a:latin typeface="Times New Roman" panose="02020603050405020304" pitchFamily="18" charset="0"/>
+                <a:cs typeface="Times New Roman" panose="02020603050405020304" pitchFamily="18" charset="0"/>
+                <a:sym typeface="Wingdings" panose="05000000000000000000" pitchFamily="2" charset="2"/>
+              </a:rPr>
+              <a:t>sơ</a:t>
+            </a:r>
+            <a:r>
+              <a:rPr lang="en-US" sz="1200" dirty="0">
+                <a:latin typeface="Times New Roman" panose="02020603050405020304" pitchFamily="18" charset="0"/>
+                <a:cs typeface="Times New Roman" panose="02020603050405020304" pitchFamily="18" charset="0"/>
+                <a:sym typeface="Wingdings" panose="05000000000000000000" pitchFamily="2" charset="2"/>
+              </a:rPr>
+              <a:t> </a:t>
+            </a:r>
+            <a:r>
+              <a:rPr lang="en-US" sz="1200" dirty="0" err="1">
+                <a:latin typeface="Times New Roman" panose="02020603050405020304" pitchFamily="18" charset="0"/>
+                <a:cs typeface="Times New Roman" panose="02020603050405020304" pitchFamily="18" charset="0"/>
+                <a:sym typeface="Wingdings" panose="05000000000000000000" pitchFamily="2" charset="2"/>
+              </a:rPr>
+              <a:t>người</a:t>
+            </a:r>
+            <a:r>
+              <a:rPr lang="en-US" sz="1200" dirty="0">
+                <a:latin typeface="Times New Roman" panose="02020603050405020304" pitchFamily="18" charset="0"/>
+                <a:cs typeface="Times New Roman" panose="02020603050405020304" pitchFamily="18" charset="0"/>
+                <a:sym typeface="Wingdings" panose="05000000000000000000" pitchFamily="2" charset="2"/>
+              </a:rPr>
+              <a:t> </a:t>
+            </a:r>
+            <a:r>
+              <a:rPr lang="en-US" sz="1200" dirty="0" err="1">
+                <a:latin typeface="Times New Roman" panose="02020603050405020304" pitchFamily="18" charset="0"/>
+                <a:cs typeface="Times New Roman" panose="02020603050405020304" pitchFamily="18" charset="0"/>
+                <a:sym typeface="Wingdings" panose="05000000000000000000" pitchFamily="2" charset="2"/>
+              </a:rPr>
+              <a:t>dùng</a:t>
+            </a:r>
+            <a:r>
+              <a:rPr lang="en-US" sz="1200" dirty="0">
+                <a:latin typeface="Times New Roman" panose="02020603050405020304" pitchFamily="18" charset="0"/>
+                <a:cs typeface="Times New Roman" panose="02020603050405020304" pitchFamily="18" charset="0"/>
+                <a:sym typeface="Wingdings" panose="05000000000000000000" pitchFamily="2" charset="2"/>
+              </a:rPr>
+              <a:t> </a:t>
+            </a:r>
+            <a:r>
+              <a:rPr lang="en-US" sz="1200" dirty="0" err="1">
+                <a:latin typeface="Times New Roman" panose="02020603050405020304" pitchFamily="18" charset="0"/>
+                <a:cs typeface="Times New Roman" panose="02020603050405020304" pitchFamily="18" charset="0"/>
+                <a:sym typeface="Wingdings" panose="05000000000000000000" pitchFamily="2" charset="2"/>
+              </a:rPr>
+              <a:t>và</a:t>
+            </a:r>
+            <a:r>
+              <a:rPr lang="en-US" sz="1200" dirty="0">
+                <a:latin typeface="Times New Roman" panose="02020603050405020304" pitchFamily="18" charset="0"/>
+                <a:cs typeface="Times New Roman" panose="02020603050405020304" pitchFamily="18" charset="0"/>
+                <a:sym typeface="Wingdings" panose="05000000000000000000" pitchFamily="2" charset="2"/>
+              </a:rPr>
+              <a:t> </a:t>
+            </a:r>
+            <a:r>
+              <a:rPr lang="en-US" sz="1200" dirty="0" err="1">
+                <a:latin typeface="Times New Roman" panose="02020603050405020304" pitchFamily="18" charset="0"/>
+                <a:cs typeface="Times New Roman" panose="02020603050405020304" pitchFamily="18" charset="0"/>
+                <a:sym typeface="Wingdings" panose="05000000000000000000" pitchFamily="2" charset="2"/>
+              </a:rPr>
+              <a:t>các</a:t>
+            </a:r>
+            <a:r>
+              <a:rPr lang="en-US" sz="1200" dirty="0">
+                <a:latin typeface="Times New Roman" panose="02020603050405020304" pitchFamily="18" charset="0"/>
+                <a:cs typeface="Times New Roman" panose="02020603050405020304" pitchFamily="18" charset="0"/>
+                <a:sym typeface="Wingdings" panose="05000000000000000000" pitchFamily="2" charset="2"/>
+              </a:rPr>
+              <a:t> </a:t>
+            </a:r>
+            <a:r>
+              <a:rPr lang="en-US" sz="1200" dirty="0" err="1">
+                <a:latin typeface="Times New Roman" panose="02020603050405020304" pitchFamily="18" charset="0"/>
+                <a:cs typeface="Times New Roman" panose="02020603050405020304" pitchFamily="18" charset="0"/>
+                <a:sym typeface="Wingdings" panose="05000000000000000000" pitchFamily="2" charset="2"/>
+              </a:rPr>
+              <a:t>đăng</a:t>
+            </a:r>
+            <a:r>
+              <a:rPr lang="en-US" sz="1200" dirty="0">
+                <a:latin typeface="Times New Roman" panose="02020603050405020304" pitchFamily="18" charset="0"/>
+                <a:cs typeface="Times New Roman" panose="02020603050405020304" pitchFamily="18" charset="0"/>
+                <a:sym typeface="Wingdings" panose="05000000000000000000" pitchFamily="2" charset="2"/>
+              </a:rPr>
+              <a:t> </a:t>
+            </a:r>
+            <a:r>
+              <a:rPr lang="en-US" sz="1200" dirty="0" err="1">
+                <a:latin typeface="Times New Roman" panose="02020603050405020304" pitchFamily="18" charset="0"/>
+                <a:cs typeface="Times New Roman" panose="02020603050405020304" pitchFamily="18" charset="0"/>
+                <a:sym typeface="Wingdings" panose="05000000000000000000" pitchFamily="2" charset="2"/>
+              </a:rPr>
+              <a:t>tuyển</a:t>
+            </a:r>
+            <a:r>
+              <a:rPr lang="en-US" sz="1200" dirty="0">
+                <a:latin typeface="Times New Roman" panose="02020603050405020304" pitchFamily="18" charset="0"/>
+                <a:cs typeface="Times New Roman" panose="02020603050405020304" pitchFamily="18" charset="0"/>
+                <a:sym typeface="Wingdings" panose="05000000000000000000" pitchFamily="2" charset="2"/>
+              </a:rPr>
+              <a:t> </a:t>
+            </a:r>
+            <a:r>
+              <a:rPr lang="en-US" sz="1200" dirty="0" err="1">
+                <a:latin typeface="Times New Roman" panose="02020603050405020304" pitchFamily="18" charset="0"/>
+                <a:cs typeface="Times New Roman" panose="02020603050405020304" pitchFamily="18" charset="0"/>
+                <a:sym typeface="Wingdings" panose="05000000000000000000" pitchFamily="2" charset="2"/>
+              </a:rPr>
+              <a:t>mà</a:t>
+            </a:r>
+            <a:r>
+              <a:rPr lang="en-US" sz="1200" dirty="0">
+                <a:latin typeface="Times New Roman" panose="02020603050405020304" pitchFamily="18" charset="0"/>
+                <a:cs typeface="Times New Roman" panose="02020603050405020304" pitchFamily="18" charset="0"/>
+                <a:sym typeface="Wingdings" panose="05000000000000000000" pitchFamily="2" charset="2"/>
+              </a:rPr>
+              <a:t> </a:t>
+            </a:r>
+            <a:r>
+              <a:rPr lang="en-US" sz="1200" dirty="0" err="1">
+                <a:latin typeface="Times New Roman" panose="02020603050405020304" pitchFamily="18" charset="0"/>
+                <a:cs typeface="Times New Roman" panose="02020603050405020304" pitchFamily="18" charset="0"/>
+                <a:sym typeface="Wingdings" panose="05000000000000000000" pitchFamily="2" charset="2"/>
+              </a:rPr>
+              <a:t>người</a:t>
+            </a:r>
+            <a:r>
+              <a:rPr lang="en-US" sz="1200" dirty="0">
+                <a:latin typeface="Times New Roman" panose="02020603050405020304" pitchFamily="18" charset="0"/>
+                <a:cs typeface="Times New Roman" panose="02020603050405020304" pitchFamily="18" charset="0"/>
+                <a:sym typeface="Wingdings" panose="05000000000000000000" pitchFamily="2" charset="2"/>
+              </a:rPr>
+              <a:t> dung </a:t>
+            </a:r>
+            <a:r>
+              <a:rPr lang="en-US" sz="1200" dirty="0" err="1">
+                <a:latin typeface="Times New Roman" panose="02020603050405020304" pitchFamily="18" charset="0"/>
+                <a:cs typeface="Times New Roman" panose="02020603050405020304" pitchFamily="18" charset="0"/>
+                <a:sym typeface="Wingdings" panose="05000000000000000000" pitchFamily="2" charset="2"/>
+              </a:rPr>
+              <a:t>thích</a:t>
+            </a:r>
+            <a:endParaRPr lang="en-US" sz="1200" dirty="0">
+              <a:latin typeface="Times New Roman" panose="02020603050405020304" pitchFamily="18" charset="0"/>
+              <a:cs typeface="Times New Roman" panose="02020603050405020304" pitchFamily="18" charset="0"/>
+              <a:sym typeface="Wingdings" panose="05000000000000000000" pitchFamily="2" charset="2"/>
+            </a:endParaRPr>
+          </a:p>
+          <a:p>
+            <a:pPr>
+              <a:buFontTx/>
+              <a:buChar char="-"/>
+            </a:pPr>
+            <a:r>
+              <a:rPr lang="en-US" sz="1200" dirty="0">
+                <a:latin typeface="Times New Roman" panose="02020603050405020304" pitchFamily="18" charset="0"/>
+                <a:cs typeface="Times New Roman" panose="02020603050405020304" pitchFamily="18" charset="0"/>
+                <a:sym typeface="Wingdings" panose="05000000000000000000" pitchFamily="2" charset="2"/>
+              </a:rPr>
+              <a:t> </a:t>
+            </a:r>
+            <a:r>
+              <a:rPr lang="en-US" sz="1200" dirty="0" err="1">
+                <a:latin typeface="Times New Roman" panose="02020603050405020304" pitchFamily="18" charset="0"/>
+                <a:cs typeface="Times New Roman" panose="02020603050405020304" pitchFamily="18" charset="0"/>
+                <a:sym typeface="Wingdings" panose="05000000000000000000" pitchFamily="2" charset="2"/>
+              </a:rPr>
+              <a:t>Những</a:t>
+            </a:r>
+            <a:r>
+              <a:rPr lang="en-US" sz="1200" dirty="0">
+                <a:latin typeface="Times New Roman" panose="02020603050405020304" pitchFamily="18" charset="0"/>
+                <a:cs typeface="Times New Roman" panose="02020603050405020304" pitchFamily="18" charset="0"/>
+                <a:sym typeface="Wingdings" panose="05000000000000000000" pitchFamily="2" charset="2"/>
+              </a:rPr>
+              <a:t> </a:t>
+            </a:r>
+            <a:r>
+              <a:rPr lang="en-US" sz="1200" dirty="0" err="1">
+                <a:latin typeface="Times New Roman" panose="02020603050405020304" pitchFamily="18" charset="0"/>
+                <a:cs typeface="Times New Roman" panose="02020603050405020304" pitchFamily="18" charset="0"/>
+                <a:sym typeface="Wingdings" panose="05000000000000000000" pitchFamily="2" charset="2"/>
+              </a:rPr>
+              <a:t>đăng</a:t>
+            </a:r>
+            <a:r>
+              <a:rPr lang="en-US" sz="1200" dirty="0">
+                <a:latin typeface="Times New Roman" panose="02020603050405020304" pitchFamily="18" charset="0"/>
+                <a:cs typeface="Times New Roman" panose="02020603050405020304" pitchFamily="18" charset="0"/>
+                <a:sym typeface="Wingdings" panose="05000000000000000000" pitchFamily="2" charset="2"/>
+              </a:rPr>
+              <a:t> </a:t>
+            </a:r>
+            <a:r>
+              <a:rPr lang="en-US" sz="1200" dirty="0" err="1">
+                <a:latin typeface="Times New Roman" panose="02020603050405020304" pitchFamily="18" charset="0"/>
+                <a:cs typeface="Times New Roman" panose="02020603050405020304" pitchFamily="18" charset="0"/>
+                <a:sym typeface="Wingdings" panose="05000000000000000000" pitchFamily="2" charset="2"/>
+              </a:rPr>
+              <a:t>tuyển</a:t>
+            </a:r>
+            <a:r>
+              <a:rPr lang="en-US" sz="1200" dirty="0">
+                <a:latin typeface="Times New Roman" panose="02020603050405020304" pitchFamily="18" charset="0"/>
+                <a:cs typeface="Times New Roman" panose="02020603050405020304" pitchFamily="18" charset="0"/>
+                <a:sym typeface="Wingdings" panose="05000000000000000000" pitchFamily="2" charset="2"/>
+              </a:rPr>
+              <a:t> </a:t>
+            </a:r>
+            <a:r>
+              <a:rPr lang="en-US" sz="1200" dirty="0" err="1">
+                <a:latin typeface="Times New Roman" panose="02020603050405020304" pitchFamily="18" charset="0"/>
+                <a:cs typeface="Times New Roman" panose="02020603050405020304" pitchFamily="18" charset="0"/>
+                <a:sym typeface="Wingdings" panose="05000000000000000000" pitchFamily="2" charset="2"/>
+              </a:rPr>
+              <a:t>tương</a:t>
+            </a:r>
+            <a:r>
+              <a:rPr lang="en-US" sz="1200" dirty="0">
+                <a:latin typeface="Times New Roman" panose="02020603050405020304" pitchFamily="18" charset="0"/>
+                <a:cs typeface="Times New Roman" panose="02020603050405020304" pitchFamily="18" charset="0"/>
+                <a:sym typeface="Wingdings" panose="05000000000000000000" pitchFamily="2" charset="2"/>
+              </a:rPr>
+              <a:t> </a:t>
+            </a:r>
+            <a:r>
+              <a:rPr lang="en-US" sz="1200" dirty="0" err="1">
+                <a:latin typeface="Times New Roman" panose="02020603050405020304" pitchFamily="18" charset="0"/>
+                <a:cs typeface="Times New Roman" panose="02020603050405020304" pitchFamily="18" charset="0"/>
+                <a:sym typeface="Wingdings" panose="05000000000000000000" pitchFamily="2" charset="2"/>
+              </a:rPr>
+              <a:t>tự</a:t>
+            </a:r>
+            <a:r>
+              <a:rPr lang="en-US" sz="1200" dirty="0">
+                <a:latin typeface="Times New Roman" panose="02020603050405020304" pitchFamily="18" charset="0"/>
+                <a:cs typeface="Times New Roman" panose="02020603050405020304" pitchFamily="18" charset="0"/>
+                <a:sym typeface="Wingdings" panose="05000000000000000000" pitchFamily="2" charset="2"/>
+              </a:rPr>
+              <a:t> </a:t>
+            </a:r>
+            <a:r>
+              <a:rPr lang="en-US" sz="1200" dirty="0" err="1">
+                <a:latin typeface="Times New Roman" panose="02020603050405020304" pitchFamily="18" charset="0"/>
+                <a:cs typeface="Times New Roman" panose="02020603050405020304" pitchFamily="18" charset="0"/>
+                <a:sym typeface="Wingdings" panose="05000000000000000000" pitchFamily="2" charset="2"/>
+              </a:rPr>
+              <a:t>với</a:t>
+            </a:r>
+            <a:r>
+              <a:rPr lang="en-US" sz="1200" dirty="0">
+                <a:latin typeface="Times New Roman" panose="02020603050405020304" pitchFamily="18" charset="0"/>
+                <a:cs typeface="Times New Roman" panose="02020603050405020304" pitchFamily="18" charset="0"/>
+                <a:sym typeface="Wingdings" panose="05000000000000000000" pitchFamily="2" charset="2"/>
+              </a:rPr>
+              <a:t> </a:t>
+            </a:r>
+            <a:r>
+              <a:rPr lang="en-US" sz="1200" dirty="0" err="1">
+                <a:latin typeface="Times New Roman" panose="02020603050405020304" pitchFamily="18" charset="0"/>
+                <a:cs typeface="Times New Roman" panose="02020603050405020304" pitchFamily="18" charset="0"/>
+                <a:sym typeface="Wingdings" panose="05000000000000000000" pitchFamily="2" charset="2"/>
+              </a:rPr>
+              <a:t>sở</a:t>
+            </a:r>
+            <a:r>
+              <a:rPr lang="en-US" sz="1200" dirty="0">
+                <a:latin typeface="Times New Roman" panose="02020603050405020304" pitchFamily="18" charset="0"/>
+                <a:cs typeface="Times New Roman" panose="02020603050405020304" pitchFamily="18" charset="0"/>
+                <a:sym typeface="Wingdings" panose="05000000000000000000" pitchFamily="2" charset="2"/>
+              </a:rPr>
+              <a:t> </a:t>
+            </a:r>
+            <a:r>
+              <a:rPr lang="en-US" sz="1200" dirty="0" err="1">
+                <a:latin typeface="Times New Roman" panose="02020603050405020304" pitchFamily="18" charset="0"/>
+                <a:cs typeface="Times New Roman" panose="02020603050405020304" pitchFamily="18" charset="0"/>
+                <a:sym typeface="Wingdings" panose="05000000000000000000" pitchFamily="2" charset="2"/>
+              </a:rPr>
+              <a:t>thích</a:t>
+            </a:r>
+            <a:r>
+              <a:rPr lang="en-US" sz="1200" dirty="0">
+                <a:latin typeface="Times New Roman" panose="02020603050405020304" pitchFamily="18" charset="0"/>
+                <a:cs typeface="Times New Roman" panose="02020603050405020304" pitchFamily="18" charset="0"/>
+                <a:sym typeface="Wingdings" panose="05000000000000000000" pitchFamily="2" charset="2"/>
+              </a:rPr>
+              <a:t> </a:t>
+            </a:r>
+            <a:r>
+              <a:rPr lang="en-US" sz="1200" dirty="0" err="1">
+                <a:latin typeface="Times New Roman" panose="02020603050405020304" pitchFamily="18" charset="0"/>
+                <a:cs typeface="Times New Roman" panose="02020603050405020304" pitchFamily="18" charset="0"/>
+                <a:sym typeface="Wingdings" panose="05000000000000000000" pitchFamily="2" charset="2"/>
+              </a:rPr>
+              <a:t>của</a:t>
+            </a:r>
+            <a:r>
+              <a:rPr lang="en-US" sz="1200" dirty="0">
+                <a:latin typeface="Times New Roman" panose="02020603050405020304" pitchFamily="18" charset="0"/>
+                <a:cs typeface="Times New Roman" panose="02020603050405020304" pitchFamily="18" charset="0"/>
+                <a:sym typeface="Wingdings" panose="05000000000000000000" pitchFamily="2" charset="2"/>
+              </a:rPr>
+              <a:t> </a:t>
+            </a:r>
+            <a:r>
+              <a:rPr lang="en-US" sz="1200" dirty="0" err="1">
+                <a:latin typeface="Times New Roman" panose="02020603050405020304" pitchFamily="18" charset="0"/>
+                <a:cs typeface="Times New Roman" panose="02020603050405020304" pitchFamily="18" charset="0"/>
+                <a:sym typeface="Wingdings" panose="05000000000000000000" pitchFamily="2" charset="2"/>
+              </a:rPr>
+              <a:t>người</a:t>
+            </a:r>
+            <a:r>
+              <a:rPr lang="en-US" sz="1200" dirty="0">
+                <a:latin typeface="Times New Roman" panose="02020603050405020304" pitchFamily="18" charset="0"/>
+                <a:cs typeface="Times New Roman" panose="02020603050405020304" pitchFamily="18" charset="0"/>
+                <a:sym typeface="Wingdings" panose="05000000000000000000" pitchFamily="2" charset="2"/>
+              </a:rPr>
+              <a:t> dung </a:t>
+            </a:r>
+            <a:r>
+              <a:rPr lang="en-US" sz="1200" dirty="0" err="1">
+                <a:latin typeface="Times New Roman" panose="02020603050405020304" pitchFamily="18" charset="0"/>
+                <a:cs typeface="Times New Roman" panose="02020603050405020304" pitchFamily="18" charset="0"/>
+                <a:sym typeface="Wingdings" panose="05000000000000000000" pitchFamily="2" charset="2"/>
+              </a:rPr>
+              <a:t>nhất</a:t>
+            </a:r>
+            <a:endParaRPr lang="en-US" sz="1200" dirty="0">
+              <a:latin typeface="Times New Roman" panose="02020603050405020304" pitchFamily="18" charset="0"/>
+              <a:cs typeface="Times New Roman" panose="02020603050405020304" pitchFamily="18" charset="0"/>
+              <a:sym typeface="Wingdings" panose="05000000000000000000" pitchFamily="2" charset="2"/>
+            </a:endParaRPr>
+          </a:p>
+          <a:p>
             <a:endParaRPr lang="en-US" baseline="0" dirty="0"/>
           </a:p>
         </p:txBody>
@@ -3872,7 +4367,7 @@
     </p:spTree>
     <p:extLst>
       <p:ext uri="{BB962C8B-B14F-4D97-AF65-F5344CB8AC3E}">
-        <p14:creationId xmlns:p14="http://schemas.microsoft.com/office/powerpoint/2010/main" val="238310644"/>
+        <p14:creationId xmlns:p14="http://schemas.microsoft.com/office/powerpoint/2010/main" val="1036441164"/>
       </p:ext>
     </p:extLst>
   </p:cSld>
@@ -3956,7 +4451,7 @@
     </p:spTree>
     <p:extLst>
       <p:ext uri="{BB962C8B-B14F-4D97-AF65-F5344CB8AC3E}">
-        <p14:creationId xmlns:p14="http://schemas.microsoft.com/office/powerpoint/2010/main" val="1864651599"/>
+        <p14:creationId xmlns:p14="http://schemas.microsoft.com/office/powerpoint/2010/main" val="238310644"/>
       </p:ext>
     </p:extLst>
   </p:cSld>
@@ -4711,7 +5206,7 @@
           <a:p>
             <a:fld id="{48A87A34-81AB-432B-8DAE-1953F412C126}" type="datetimeFigureOut">
               <a:rPr lang="en-US" smtClean="0"/>
-              <a:t>11/25/2016</a:t>
+              <a:t>11/26/2016</a:t>
             </a:fld>
             <a:endParaRPr lang="en-US" dirty="0"/>
           </a:p>
@@ -4963,7 +5458,7 @@
             <a:fld id="{48A87A34-81AB-432B-8DAE-1953F412C126}" type="datetimeFigureOut">
               <a:rPr lang="en-US" smtClean="0"/>
               <a:pPr/>
-              <a:t>11/25/2016</a:t>
+              <a:t>11/26/2016</a:t>
             </a:fld>
             <a:endParaRPr lang="en-US" dirty="0"/>
           </a:p>
@@ -5279,7 +5774,7 @@
             <a:fld id="{48A87A34-81AB-432B-8DAE-1953F412C126}" type="datetimeFigureOut">
               <a:rPr lang="en-US" smtClean="0"/>
               <a:pPr/>
-              <a:t>11/25/2016</a:t>
+              <a:t>11/26/2016</a:t>
             </a:fld>
             <a:endParaRPr lang="en-US" dirty="0"/>
           </a:p>
@@ -5614,7 +6109,7 @@
             <a:fld id="{48A87A34-81AB-432B-8DAE-1953F412C126}" type="datetimeFigureOut">
               <a:rPr lang="en-US" smtClean="0"/>
               <a:pPr/>
-              <a:t>11/25/2016</a:t>
+              <a:t>11/26/2016</a:t>
             </a:fld>
             <a:endParaRPr lang="en-US" dirty="0"/>
           </a:p>
@@ -5930,7 +6425,7 @@
             <a:fld id="{48A87A34-81AB-432B-8DAE-1953F412C126}" type="datetimeFigureOut">
               <a:rPr lang="en-US" smtClean="0"/>
               <a:pPr/>
-              <a:t>11/25/2016</a:t>
+              <a:t>11/26/2016</a:t>
             </a:fld>
             <a:endParaRPr lang="en-US" dirty="0"/>
           </a:p>
@@ -6325,7 +6820,7 @@
             <a:fld id="{48A87A34-81AB-432B-8DAE-1953F412C126}" type="datetimeFigureOut">
               <a:rPr lang="en-US" smtClean="0"/>
               <a:pPr/>
-              <a:t>11/25/2016</a:t>
+              <a:t>11/26/2016</a:t>
             </a:fld>
             <a:endParaRPr lang="en-US" dirty="0"/>
           </a:p>
@@ -6496,7 +6991,7 @@
           <a:p>
             <a:fld id="{48A87A34-81AB-432B-8DAE-1953F412C126}" type="datetimeFigureOut">
               <a:rPr lang="en-US" smtClean="0"/>
-              <a:t>11/25/2016</a:t>
+              <a:t>11/26/2016</a:t>
             </a:fld>
             <a:endParaRPr lang="en-US" dirty="0"/>
           </a:p>
@@ -6676,7 +7171,7 @@
           <a:p>
             <a:fld id="{48A87A34-81AB-432B-8DAE-1953F412C126}" type="datetimeFigureOut">
               <a:rPr lang="en-US" smtClean="0"/>
-              <a:t>11/25/2016</a:t>
+              <a:t>11/26/2016</a:t>
             </a:fld>
             <a:endParaRPr lang="en-US" dirty="0"/>
           </a:p>
@@ -6846,7 +7341,7 @@
           <a:p>
             <a:fld id="{48A87A34-81AB-432B-8DAE-1953F412C126}" type="datetimeFigureOut">
               <a:rPr lang="en-US" smtClean="0"/>
-              <a:t>11/25/2016</a:t>
+              <a:t>11/26/2016</a:t>
             </a:fld>
             <a:endParaRPr lang="en-US" dirty="0"/>
           </a:p>
@@ -7093,7 +7588,7 @@
           <a:p>
             <a:fld id="{48A87A34-81AB-432B-8DAE-1953F412C126}" type="datetimeFigureOut">
               <a:rPr lang="en-US" smtClean="0"/>
-              <a:t>11/25/2016</a:t>
+              <a:t>11/26/2016</a:t>
             </a:fld>
             <a:endParaRPr lang="en-US" dirty="0"/>
           </a:p>
@@ -7325,7 +7820,7 @@
           <a:p>
             <a:fld id="{48A87A34-81AB-432B-8DAE-1953F412C126}" type="datetimeFigureOut">
               <a:rPr lang="en-US" smtClean="0"/>
-              <a:t>11/25/2016</a:t>
+              <a:t>11/26/2016</a:t>
             </a:fld>
             <a:endParaRPr lang="en-US" dirty="0"/>
           </a:p>
@@ -7699,7 +8194,7 @@
           <a:p>
             <a:fld id="{48A87A34-81AB-432B-8DAE-1953F412C126}" type="datetimeFigureOut">
               <a:rPr lang="en-US" smtClean="0"/>
-              <a:t>11/25/2016</a:t>
+              <a:t>11/26/2016</a:t>
             </a:fld>
             <a:endParaRPr lang="en-US" dirty="0"/>
           </a:p>
@@ -7822,7 +8317,7 @@
           <a:p>
             <a:fld id="{48A87A34-81AB-432B-8DAE-1953F412C126}" type="datetimeFigureOut">
               <a:rPr lang="en-US" smtClean="0"/>
-              <a:t>11/25/2016</a:t>
+              <a:t>11/26/2016</a:t>
             </a:fld>
             <a:endParaRPr lang="en-US" dirty="0"/>
           </a:p>
@@ -7917,7 +8412,7 @@
           <a:p>
             <a:fld id="{48A87A34-81AB-432B-8DAE-1953F412C126}" type="datetimeFigureOut">
               <a:rPr lang="en-US" smtClean="0"/>
-              <a:t>11/25/2016</a:t>
+              <a:t>11/26/2016</a:t>
             </a:fld>
             <a:endParaRPr lang="en-US" dirty="0"/>
           </a:p>
@@ -8172,7 +8667,7 @@
           <a:p>
             <a:fld id="{48A87A34-81AB-432B-8DAE-1953F412C126}" type="datetimeFigureOut">
               <a:rPr lang="en-US" smtClean="0"/>
-              <a:t>11/25/2016</a:t>
+              <a:t>11/26/2016</a:t>
             </a:fld>
             <a:endParaRPr lang="en-US" dirty="0"/>
           </a:p>
@@ -8477,7 +8972,7 @@
           <a:p>
             <a:fld id="{48A87A34-81AB-432B-8DAE-1953F412C126}" type="datetimeFigureOut">
               <a:rPr lang="en-US" smtClean="0"/>
-              <a:t>11/25/2016</a:t>
+              <a:t>11/26/2016</a:t>
             </a:fld>
             <a:endParaRPr lang="en-US" dirty="0"/>
           </a:p>
@@ -9180,7 +9675,7 @@
             <a:fld id="{48A87A34-81AB-432B-8DAE-1953F412C126}" type="datetimeFigureOut">
               <a:rPr lang="en-US" smtClean="0"/>
               <a:pPr/>
-              <a:t>11/25/2016</a:t>
+              <a:t>11/26/2016</a:t>
             </a:fld>
             <a:endParaRPr lang="en-US" dirty="0"/>
           </a:p>
@@ -10158,6 +10653,848 @@
 </file>
 
 <file path=ppt/slides/slide10.xml><?xml version="1.0" encoding="utf-8"?>
+<p:sld xmlns:a="http://schemas.openxmlformats.org/drawingml/2006/main" xmlns:r="http://schemas.openxmlformats.org/officeDocument/2006/relationships" xmlns:p="http://schemas.openxmlformats.org/presentationml/2006/main">
+  <p:cSld>
+    <p:spTree>
+      <p:nvGrpSpPr>
+        <p:cNvPr id="1" name=""/>
+        <p:cNvGrpSpPr/>
+        <p:nvPr/>
+      </p:nvGrpSpPr>
+      <p:grpSpPr>
+        <a:xfrm>
+          <a:off x="0" y="0"/>
+          <a:ext cx="0" cy="0"/>
+          <a:chOff x="0" y="0"/>
+          <a:chExt cx="0" cy="0"/>
+        </a:xfrm>
+      </p:grpSpPr>
+      <p:sp>
+        <p:nvSpPr>
+          <p:cNvPr id="2" name="Title 1"/>
+          <p:cNvSpPr>
+            <a:spLocks noGrp="1"/>
+          </p:cNvSpPr>
+          <p:nvPr>
+            <p:ph type="title"/>
+          </p:nvPr>
+        </p:nvSpPr>
+        <p:spPr>
+          <a:xfrm>
+            <a:off x="677333" y="609600"/>
+            <a:ext cx="8940195" cy="1055914"/>
+          </a:xfrm>
+        </p:spPr>
+        <p:txBody>
+          <a:bodyPr>
+            <a:normAutofit/>
+          </a:bodyPr>
+          <a:lstStyle/>
+          <a:p>
+            <a:pPr algn="ctr"/>
+            <a:r>
+              <a:rPr lang="en-US" sz="4000" dirty="0" err="1">
+                <a:latin typeface="Times New Roman" panose="02020603050405020304" pitchFamily="18" charset="0"/>
+                <a:cs typeface="Times New Roman" panose="02020603050405020304" pitchFamily="18" charset="0"/>
+              </a:rPr>
+              <a:t>Các</a:t>
+            </a:r>
+            <a:r>
+              <a:rPr lang="en-US" sz="4000" dirty="0">
+                <a:latin typeface="Times New Roman" panose="02020603050405020304" pitchFamily="18" charset="0"/>
+                <a:cs typeface="Times New Roman" panose="02020603050405020304" pitchFamily="18" charset="0"/>
+              </a:rPr>
+              <a:t> </a:t>
+            </a:r>
+            <a:r>
+              <a:rPr lang="en-US" sz="4000" dirty="0" err="1">
+                <a:latin typeface="Times New Roman" panose="02020603050405020304" pitchFamily="18" charset="0"/>
+                <a:cs typeface="Times New Roman" panose="02020603050405020304" pitchFamily="18" charset="0"/>
+              </a:rPr>
+              <a:t>phương</a:t>
+            </a:r>
+            <a:r>
+              <a:rPr lang="en-US" sz="4000" dirty="0">
+                <a:latin typeface="Times New Roman" panose="02020603050405020304" pitchFamily="18" charset="0"/>
+                <a:cs typeface="Times New Roman" panose="02020603050405020304" pitchFamily="18" charset="0"/>
+              </a:rPr>
+              <a:t> </a:t>
+            </a:r>
+            <a:r>
+              <a:rPr lang="en-US" sz="4000" dirty="0" err="1">
+                <a:latin typeface="Times New Roman" panose="02020603050405020304" pitchFamily="18" charset="0"/>
+                <a:cs typeface="Times New Roman" panose="02020603050405020304" pitchFamily="18" charset="0"/>
+              </a:rPr>
+              <a:t>pháp</a:t>
+            </a:r>
+            <a:r>
+              <a:rPr lang="en-US" sz="4000" dirty="0">
+                <a:latin typeface="Times New Roman" panose="02020603050405020304" pitchFamily="18" charset="0"/>
+                <a:cs typeface="Times New Roman" panose="02020603050405020304" pitchFamily="18" charset="0"/>
+              </a:rPr>
+              <a:t> </a:t>
+            </a:r>
+            <a:r>
+              <a:rPr lang="en-US" sz="4000" dirty="0" err="1">
+                <a:latin typeface="Times New Roman" panose="02020603050405020304" pitchFamily="18" charset="0"/>
+                <a:cs typeface="Times New Roman" panose="02020603050405020304" pitchFamily="18" charset="0"/>
+              </a:rPr>
+              <a:t>khuyến</a:t>
+            </a:r>
+            <a:r>
+              <a:rPr lang="en-US" sz="4000" dirty="0">
+                <a:latin typeface="Times New Roman" panose="02020603050405020304" pitchFamily="18" charset="0"/>
+                <a:cs typeface="Times New Roman" panose="02020603050405020304" pitchFamily="18" charset="0"/>
+              </a:rPr>
+              <a:t> </a:t>
+            </a:r>
+            <a:r>
+              <a:rPr lang="en-US" sz="4000" dirty="0" err="1">
+                <a:latin typeface="Times New Roman" panose="02020603050405020304" pitchFamily="18" charset="0"/>
+                <a:cs typeface="Times New Roman" panose="02020603050405020304" pitchFamily="18" charset="0"/>
+              </a:rPr>
+              <a:t>nghị</a:t>
+            </a:r>
+            <a:r>
+              <a:rPr lang="en-US" sz="4000" dirty="0">
+                <a:latin typeface="Times New Roman" panose="02020603050405020304" pitchFamily="18" charset="0"/>
+                <a:cs typeface="Times New Roman" panose="02020603050405020304" pitchFamily="18" charset="0"/>
+              </a:rPr>
+              <a:t> &amp; </a:t>
+            </a:r>
+            <a:r>
+              <a:rPr lang="en-US" sz="4000" dirty="0" err="1">
+                <a:latin typeface="Times New Roman" panose="02020603050405020304" pitchFamily="18" charset="0"/>
+                <a:cs typeface="Times New Roman" panose="02020603050405020304" pitchFamily="18" charset="0"/>
+              </a:rPr>
+              <a:t>độ</a:t>
+            </a:r>
+            <a:r>
+              <a:rPr lang="en-US" sz="4000" dirty="0">
+                <a:latin typeface="Times New Roman" panose="02020603050405020304" pitchFamily="18" charset="0"/>
+                <a:cs typeface="Times New Roman" panose="02020603050405020304" pitchFamily="18" charset="0"/>
+              </a:rPr>
+              <a:t> </a:t>
+            </a:r>
+            <a:r>
+              <a:rPr lang="en-US" sz="4000" dirty="0" err="1">
+                <a:latin typeface="Times New Roman" panose="02020603050405020304" pitchFamily="18" charset="0"/>
+                <a:cs typeface="Times New Roman" panose="02020603050405020304" pitchFamily="18" charset="0"/>
+              </a:rPr>
+              <a:t>đo</a:t>
+            </a:r>
+            <a:endParaRPr lang="en-US" sz="4000" dirty="0">
+              <a:latin typeface="Times New Roman" panose="02020603050405020304" pitchFamily="18" charset="0"/>
+              <a:cs typeface="Times New Roman" panose="02020603050405020304" pitchFamily="18" charset="0"/>
+            </a:endParaRPr>
+          </a:p>
+        </p:txBody>
+      </p:sp>
+      <p:sp>
+        <p:nvSpPr>
+          <p:cNvPr id="3" name="Content Placeholder 2"/>
+          <p:cNvSpPr>
+            <a:spLocks noGrp="1"/>
+          </p:cNvSpPr>
+          <p:nvPr>
+            <p:ph idx="1"/>
+          </p:nvPr>
+        </p:nvSpPr>
+        <p:spPr/>
+        <p:txBody>
+          <a:bodyPr>
+            <a:normAutofit/>
+          </a:bodyPr>
+          <a:lstStyle/>
+          <a:p>
+            <a:pPr>
+              <a:buFontTx/>
+              <a:buChar char="-"/>
+            </a:pPr>
+            <a:r>
+              <a:rPr lang="en-US" sz="2600" dirty="0" err="1">
+                <a:latin typeface="Times New Roman" panose="02020603050405020304" pitchFamily="18" charset="0"/>
+                <a:cs typeface="Times New Roman" panose="02020603050405020304" pitchFamily="18" charset="0"/>
+                <a:sym typeface="Wingdings" panose="05000000000000000000" pitchFamily="2" charset="2"/>
+              </a:rPr>
+              <a:t>Có</a:t>
+            </a:r>
+            <a:r>
+              <a:rPr lang="en-US" sz="2600" dirty="0">
+                <a:latin typeface="Times New Roman" panose="02020603050405020304" pitchFamily="18" charset="0"/>
+                <a:cs typeface="Times New Roman" panose="02020603050405020304" pitchFamily="18" charset="0"/>
+                <a:sym typeface="Wingdings" panose="05000000000000000000" pitchFamily="2" charset="2"/>
+              </a:rPr>
+              <a:t> </a:t>
+            </a:r>
+            <a:r>
+              <a:rPr lang="en-US" sz="2600" dirty="0" err="1">
+                <a:latin typeface="Times New Roman" panose="02020603050405020304" pitchFamily="18" charset="0"/>
+                <a:cs typeface="Times New Roman" panose="02020603050405020304" pitchFamily="18" charset="0"/>
+                <a:sym typeface="Wingdings" panose="05000000000000000000" pitchFamily="2" charset="2"/>
+              </a:rPr>
+              <a:t>nhiều</a:t>
+            </a:r>
+            <a:r>
+              <a:rPr lang="en-US" sz="2600" dirty="0">
+                <a:latin typeface="Times New Roman" panose="02020603050405020304" pitchFamily="18" charset="0"/>
+                <a:cs typeface="Times New Roman" panose="02020603050405020304" pitchFamily="18" charset="0"/>
+                <a:sym typeface="Wingdings" panose="05000000000000000000" pitchFamily="2" charset="2"/>
+              </a:rPr>
+              <a:t> </a:t>
+            </a:r>
+            <a:r>
+              <a:rPr lang="en-US" sz="2600" dirty="0" err="1">
+                <a:latin typeface="Times New Roman" panose="02020603050405020304" pitchFamily="18" charset="0"/>
+                <a:cs typeface="Times New Roman" panose="02020603050405020304" pitchFamily="18" charset="0"/>
+                <a:sym typeface="Wingdings" panose="05000000000000000000" pitchFamily="2" charset="2"/>
+              </a:rPr>
+              <a:t>phương</a:t>
+            </a:r>
+            <a:r>
+              <a:rPr lang="en-US" sz="2600" dirty="0">
+                <a:latin typeface="Times New Roman" panose="02020603050405020304" pitchFamily="18" charset="0"/>
+                <a:cs typeface="Times New Roman" panose="02020603050405020304" pitchFamily="18" charset="0"/>
+                <a:sym typeface="Wingdings" panose="05000000000000000000" pitchFamily="2" charset="2"/>
+              </a:rPr>
+              <a:t> </a:t>
+            </a:r>
+            <a:r>
+              <a:rPr lang="en-US" sz="2600" dirty="0" err="1">
+                <a:latin typeface="Times New Roman" panose="02020603050405020304" pitchFamily="18" charset="0"/>
+                <a:cs typeface="Times New Roman" panose="02020603050405020304" pitchFamily="18" charset="0"/>
+                <a:sym typeface="Wingdings" panose="05000000000000000000" pitchFamily="2" charset="2"/>
+              </a:rPr>
+              <a:t>pháp</a:t>
+            </a:r>
+            <a:r>
+              <a:rPr lang="en-US" sz="2600" dirty="0">
+                <a:latin typeface="Times New Roman" panose="02020603050405020304" pitchFamily="18" charset="0"/>
+                <a:cs typeface="Times New Roman" panose="02020603050405020304" pitchFamily="18" charset="0"/>
+                <a:sym typeface="Wingdings" panose="05000000000000000000" pitchFamily="2" charset="2"/>
+              </a:rPr>
+              <a:t> </a:t>
+            </a:r>
+            <a:r>
+              <a:rPr lang="en-US" sz="2600" dirty="0" err="1">
+                <a:latin typeface="Times New Roman" panose="02020603050405020304" pitchFamily="18" charset="0"/>
+                <a:cs typeface="Times New Roman" panose="02020603050405020304" pitchFamily="18" charset="0"/>
+                <a:sym typeface="Wingdings" panose="05000000000000000000" pitchFamily="2" charset="2"/>
+              </a:rPr>
+              <a:t>khuyến</a:t>
+            </a:r>
+            <a:r>
+              <a:rPr lang="en-US" sz="2600" dirty="0">
+                <a:latin typeface="Times New Roman" panose="02020603050405020304" pitchFamily="18" charset="0"/>
+                <a:cs typeface="Times New Roman" panose="02020603050405020304" pitchFamily="18" charset="0"/>
+                <a:sym typeface="Wingdings" panose="05000000000000000000" pitchFamily="2" charset="2"/>
+              </a:rPr>
+              <a:t> </a:t>
+            </a:r>
+            <a:r>
+              <a:rPr lang="en-US" sz="2600" dirty="0" err="1">
+                <a:latin typeface="Times New Roman" panose="02020603050405020304" pitchFamily="18" charset="0"/>
+                <a:cs typeface="Times New Roman" panose="02020603050405020304" pitchFamily="18" charset="0"/>
+                <a:sym typeface="Wingdings" panose="05000000000000000000" pitchFamily="2" charset="2"/>
+              </a:rPr>
+              <a:t>nghị</a:t>
+            </a:r>
+            <a:r>
+              <a:rPr lang="en-US" sz="2600" dirty="0">
+                <a:latin typeface="Times New Roman" panose="02020603050405020304" pitchFamily="18" charset="0"/>
+                <a:cs typeface="Times New Roman" panose="02020603050405020304" pitchFamily="18" charset="0"/>
+                <a:sym typeface="Wingdings" panose="05000000000000000000" pitchFamily="2" charset="2"/>
+              </a:rPr>
+              <a:t> </a:t>
+            </a:r>
+            <a:r>
+              <a:rPr lang="en-US" sz="2600" dirty="0" err="1">
+                <a:latin typeface="Times New Roman" panose="02020603050405020304" pitchFamily="18" charset="0"/>
+                <a:cs typeface="Times New Roman" panose="02020603050405020304" pitchFamily="18" charset="0"/>
+                <a:sym typeface="Wingdings" panose="05000000000000000000" pitchFamily="2" charset="2"/>
+              </a:rPr>
+              <a:t>khác</a:t>
+            </a:r>
+            <a:r>
+              <a:rPr lang="en-US" sz="2600" dirty="0">
+                <a:latin typeface="Times New Roman" panose="02020603050405020304" pitchFamily="18" charset="0"/>
+                <a:cs typeface="Times New Roman" panose="02020603050405020304" pitchFamily="18" charset="0"/>
+                <a:sym typeface="Wingdings" panose="05000000000000000000" pitchFamily="2" charset="2"/>
+              </a:rPr>
+              <a:t> </a:t>
+            </a:r>
+            <a:r>
+              <a:rPr lang="en-US" sz="2600" dirty="0" err="1">
+                <a:latin typeface="Times New Roman" panose="02020603050405020304" pitchFamily="18" charset="0"/>
+                <a:cs typeface="Times New Roman" panose="02020603050405020304" pitchFamily="18" charset="0"/>
+                <a:sym typeface="Wingdings" panose="05000000000000000000" pitchFamily="2" charset="2"/>
+              </a:rPr>
+              <a:t>nhau</a:t>
+            </a:r>
+            <a:r>
+              <a:rPr lang="en-US" sz="2600" dirty="0">
+                <a:latin typeface="Times New Roman" panose="02020603050405020304" pitchFamily="18" charset="0"/>
+                <a:cs typeface="Times New Roman" panose="02020603050405020304" pitchFamily="18" charset="0"/>
+                <a:sym typeface="Wingdings" panose="05000000000000000000" pitchFamily="2" charset="2"/>
+              </a:rPr>
+              <a:t>. </a:t>
+            </a:r>
+            <a:r>
+              <a:rPr lang="en-US" sz="2600" dirty="0" err="1">
+                <a:latin typeface="Times New Roman" panose="02020603050405020304" pitchFamily="18" charset="0"/>
+                <a:cs typeface="Times New Roman" panose="02020603050405020304" pitchFamily="18" charset="0"/>
+                <a:sym typeface="Wingdings" panose="05000000000000000000" pitchFamily="2" charset="2"/>
+              </a:rPr>
+              <a:t>Nhìn</a:t>
+            </a:r>
+            <a:r>
+              <a:rPr lang="en-US" sz="2600" dirty="0">
+                <a:latin typeface="Times New Roman" panose="02020603050405020304" pitchFamily="18" charset="0"/>
+                <a:cs typeface="Times New Roman" panose="02020603050405020304" pitchFamily="18" charset="0"/>
+                <a:sym typeface="Wingdings" panose="05000000000000000000" pitchFamily="2" charset="2"/>
+              </a:rPr>
+              <a:t> </a:t>
+            </a:r>
+            <a:r>
+              <a:rPr lang="en-US" sz="2600" dirty="0" err="1">
+                <a:latin typeface="Times New Roman" panose="02020603050405020304" pitchFamily="18" charset="0"/>
+                <a:cs typeface="Times New Roman" panose="02020603050405020304" pitchFamily="18" charset="0"/>
+                <a:sym typeface="Wingdings" panose="05000000000000000000" pitchFamily="2" charset="2"/>
+              </a:rPr>
+              <a:t>chung</a:t>
+            </a:r>
+            <a:r>
+              <a:rPr lang="en-US" sz="2600" dirty="0">
+                <a:latin typeface="Times New Roman" panose="02020603050405020304" pitchFamily="18" charset="0"/>
+                <a:cs typeface="Times New Roman" panose="02020603050405020304" pitchFamily="18" charset="0"/>
+                <a:sym typeface="Wingdings" panose="05000000000000000000" pitchFamily="2" charset="2"/>
+              </a:rPr>
+              <a:t> </a:t>
+            </a:r>
+            <a:r>
+              <a:rPr lang="en-US" sz="2600" dirty="0" err="1">
+                <a:latin typeface="Times New Roman" panose="02020603050405020304" pitchFamily="18" charset="0"/>
+                <a:cs typeface="Times New Roman" panose="02020603050405020304" pitchFamily="18" charset="0"/>
+                <a:sym typeface="Wingdings" panose="05000000000000000000" pitchFamily="2" charset="2"/>
+              </a:rPr>
+              <a:t>các</a:t>
+            </a:r>
+            <a:r>
+              <a:rPr lang="en-US" sz="2600" dirty="0">
+                <a:latin typeface="Times New Roman" panose="02020603050405020304" pitchFamily="18" charset="0"/>
+                <a:cs typeface="Times New Roman" panose="02020603050405020304" pitchFamily="18" charset="0"/>
+                <a:sym typeface="Wingdings" panose="05000000000000000000" pitchFamily="2" charset="2"/>
+              </a:rPr>
+              <a:t> </a:t>
+            </a:r>
+            <a:r>
+              <a:rPr lang="en-US" sz="2600" dirty="0" err="1">
+                <a:latin typeface="Times New Roman" panose="02020603050405020304" pitchFamily="18" charset="0"/>
+                <a:cs typeface="Times New Roman" panose="02020603050405020304" pitchFamily="18" charset="0"/>
+                <a:sym typeface="Wingdings" panose="05000000000000000000" pitchFamily="2" charset="2"/>
+              </a:rPr>
+              <a:t>phương</a:t>
+            </a:r>
+            <a:r>
+              <a:rPr lang="en-US" sz="2600" dirty="0">
+                <a:latin typeface="Times New Roman" panose="02020603050405020304" pitchFamily="18" charset="0"/>
+                <a:cs typeface="Times New Roman" panose="02020603050405020304" pitchFamily="18" charset="0"/>
+                <a:sym typeface="Wingdings" panose="05000000000000000000" pitchFamily="2" charset="2"/>
+              </a:rPr>
+              <a:t> </a:t>
+            </a:r>
+            <a:r>
+              <a:rPr lang="en-US" sz="2600" dirty="0" err="1">
+                <a:latin typeface="Times New Roman" panose="02020603050405020304" pitchFamily="18" charset="0"/>
+                <a:cs typeface="Times New Roman" panose="02020603050405020304" pitchFamily="18" charset="0"/>
+                <a:sym typeface="Wingdings" panose="05000000000000000000" pitchFamily="2" charset="2"/>
+              </a:rPr>
+              <a:t>pháp</a:t>
+            </a:r>
+            <a:r>
+              <a:rPr lang="en-US" sz="2600" dirty="0">
+                <a:latin typeface="Times New Roman" panose="02020603050405020304" pitchFamily="18" charset="0"/>
+                <a:cs typeface="Times New Roman" panose="02020603050405020304" pitchFamily="18" charset="0"/>
+                <a:sym typeface="Wingdings" panose="05000000000000000000" pitchFamily="2" charset="2"/>
+              </a:rPr>
+              <a:t> </a:t>
+            </a:r>
+            <a:r>
+              <a:rPr lang="en-US" sz="2600" dirty="0" err="1">
+                <a:latin typeface="Times New Roman" panose="02020603050405020304" pitchFamily="18" charset="0"/>
+                <a:cs typeface="Times New Roman" panose="02020603050405020304" pitchFamily="18" charset="0"/>
+                <a:sym typeface="Wingdings" panose="05000000000000000000" pitchFamily="2" charset="2"/>
+              </a:rPr>
+              <a:t>được</a:t>
+            </a:r>
+            <a:r>
+              <a:rPr lang="en-US" sz="2600" dirty="0">
+                <a:latin typeface="Times New Roman" panose="02020603050405020304" pitchFamily="18" charset="0"/>
+                <a:cs typeface="Times New Roman" panose="02020603050405020304" pitchFamily="18" charset="0"/>
+                <a:sym typeface="Wingdings" panose="05000000000000000000" pitchFamily="2" charset="2"/>
+              </a:rPr>
+              <a:t> chia </a:t>
+            </a:r>
+            <a:r>
+              <a:rPr lang="en-US" sz="2600" dirty="0" err="1">
+                <a:latin typeface="Times New Roman" panose="02020603050405020304" pitchFamily="18" charset="0"/>
+                <a:cs typeface="Times New Roman" panose="02020603050405020304" pitchFamily="18" charset="0"/>
+                <a:sym typeface="Wingdings" panose="05000000000000000000" pitchFamily="2" charset="2"/>
+              </a:rPr>
+              <a:t>thành</a:t>
+            </a:r>
+            <a:r>
+              <a:rPr lang="en-US" sz="2600" dirty="0">
+                <a:latin typeface="Times New Roman" panose="02020603050405020304" pitchFamily="18" charset="0"/>
+                <a:cs typeface="Times New Roman" panose="02020603050405020304" pitchFamily="18" charset="0"/>
+                <a:sym typeface="Wingdings" panose="05000000000000000000" pitchFamily="2" charset="2"/>
+              </a:rPr>
+              <a:t> </a:t>
+            </a:r>
+            <a:r>
+              <a:rPr lang="en-US" sz="2600" dirty="0" err="1">
+                <a:latin typeface="Times New Roman" panose="02020603050405020304" pitchFamily="18" charset="0"/>
+                <a:cs typeface="Times New Roman" panose="02020603050405020304" pitchFamily="18" charset="0"/>
+                <a:sym typeface="Wingdings" panose="05000000000000000000" pitchFamily="2" charset="2"/>
+              </a:rPr>
+              <a:t>ba</a:t>
+            </a:r>
+            <a:r>
+              <a:rPr lang="en-US" sz="2600" dirty="0">
+                <a:latin typeface="Times New Roman" panose="02020603050405020304" pitchFamily="18" charset="0"/>
+                <a:cs typeface="Times New Roman" panose="02020603050405020304" pitchFamily="18" charset="0"/>
+                <a:sym typeface="Wingdings" panose="05000000000000000000" pitchFamily="2" charset="2"/>
+              </a:rPr>
+              <a:t> </a:t>
+            </a:r>
+            <a:r>
+              <a:rPr lang="en-US" sz="2600" dirty="0" err="1">
+                <a:latin typeface="Times New Roman" panose="02020603050405020304" pitchFamily="18" charset="0"/>
+                <a:cs typeface="Times New Roman" panose="02020603050405020304" pitchFamily="18" charset="0"/>
+                <a:sym typeface="Wingdings" panose="05000000000000000000" pitchFamily="2" charset="2"/>
+              </a:rPr>
+              <a:t>loại</a:t>
+            </a:r>
+            <a:r>
+              <a:rPr lang="en-US" sz="2600" dirty="0">
+                <a:latin typeface="Times New Roman" panose="02020603050405020304" pitchFamily="18" charset="0"/>
+                <a:cs typeface="Times New Roman" panose="02020603050405020304" pitchFamily="18" charset="0"/>
+                <a:sym typeface="Wingdings" panose="05000000000000000000" pitchFamily="2" charset="2"/>
+              </a:rPr>
+              <a:t> </a:t>
+            </a:r>
+            <a:r>
+              <a:rPr lang="en-US" sz="2600" dirty="0" err="1">
+                <a:latin typeface="Times New Roman" panose="02020603050405020304" pitchFamily="18" charset="0"/>
+                <a:cs typeface="Times New Roman" panose="02020603050405020304" pitchFamily="18" charset="0"/>
+                <a:sym typeface="Wingdings" panose="05000000000000000000" pitchFamily="2" charset="2"/>
+              </a:rPr>
+              <a:t>như</a:t>
+            </a:r>
+            <a:r>
+              <a:rPr lang="en-US" sz="2600" dirty="0">
+                <a:latin typeface="Times New Roman" panose="02020603050405020304" pitchFamily="18" charset="0"/>
+                <a:cs typeface="Times New Roman" panose="02020603050405020304" pitchFamily="18" charset="0"/>
+                <a:sym typeface="Wingdings" panose="05000000000000000000" pitchFamily="2" charset="2"/>
+              </a:rPr>
+              <a:t> </a:t>
+            </a:r>
+            <a:r>
+              <a:rPr lang="en-US" sz="2600" dirty="0" err="1">
+                <a:latin typeface="Times New Roman" panose="02020603050405020304" pitchFamily="18" charset="0"/>
+                <a:cs typeface="Times New Roman" panose="02020603050405020304" pitchFamily="18" charset="0"/>
+                <a:sym typeface="Wingdings" panose="05000000000000000000" pitchFamily="2" charset="2"/>
+              </a:rPr>
+              <a:t>sau</a:t>
+            </a:r>
+            <a:r>
+              <a:rPr lang="en-US" sz="2600" dirty="0">
+                <a:latin typeface="Times New Roman" panose="02020603050405020304" pitchFamily="18" charset="0"/>
+                <a:cs typeface="Times New Roman" panose="02020603050405020304" pitchFamily="18" charset="0"/>
+                <a:sym typeface="Wingdings" panose="05000000000000000000" pitchFamily="2" charset="2"/>
+              </a:rPr>
+              <a:t>:</a:t>
+            </a:r>
+          </a:p>
+          <a:p>
+            <a:pPr>
+              <a:buFontTx/>
+              <a:buChar char="-"/>
+            </a:pPr>
+            <a:r>
+              <a:rPr lang="en-US" sz="2600" dirty="0">
+                <a:latin typeface="Times New Roman" panose="02020603050405020304" pitchFamily="18" charset="0"/>
+                <a:cs typeface="Times New Roman" panose="02020603050405020304" pitchFamily="18" charset="0"/>
+                <a:sym typeface="Wingdings" panose="05000000000000000000" pitchFamily="2" charset="2"/>
+              </a:rPr>
+              <a:t> </a:t>
+            </a:r>
+            <a:r>
+              <a:rPr lang="en-US" sz="2600" dirty="0" err="1">
+                <a:latin typeface="Times New Roman" panose="02020603050405020304" pitchFamily="18" charset="0"/>
+                <a:cs typeface="Times New Roman" panose="02020603050405020304" pitchFamily="18" charset="0"/>
+                <a:sym typeface="Wingdings" panose="05000000000000000000" pitchFamily="2" charset="2"/>
+              </a:rPr>
+              <a:t>Phương</a:t>
+            </a:r>
+            <a:r>
+              <a:rPr lang="en-US" sz="2600" dirty="0">
+                <a:latin typeface="Times New Roman" panose="02020603050405020304" pitchFamily="18" charset="0"/>
+                <a:cs typeface="Times New Roman" panose="02020603050405020304" pitchFamily="18" charset="0"/>
+                <a:sym typeface="Wingdings" panose="05000000000000000000" pitchFamily="2" charset="2"/>
+              </a:rPr>
+              <a:t> </a:t>
+            </a:r>
+            <a:r>
+              <a:rPr lang="en-US" sz="2600" dirty="0" err="1">
+                <a:latin typeface="Times New Roman" panose="02020603050405020304" pitchFamily="18" charset="0"/>
+                <a:cs typeface="Times New Roman" panose="02020603050405020304" pitchFamily="18" charset="0"/>
+                <a:sym typeface="Wingdings" panose="05000000000000000000" pitchFamily="2" charset="2"/>
+              </a:rPr>
+              <a:t>pháp</a:t>
+            </a:r>
+            <a:r>
+              <a:rPr lang="en-US" sz="2600" dirty="0">
+                <a:latin typeface="Times New Roman" panose="02020603050405020304" pitchFamily="18" charset="0"/>
+                <a:cs typeface="Times New Roman" panose="02020603050405020304" pitchFamily="18" charset="0"/>
+                <a:sym typeface="Wingdings" panose="05000000000000000000" pitchFamily="2" charset="2"/>
+              </a:rPr>
+              <a:t> </a:t>
+            </a:r>
+            <a:r>
+              <a:rPr lang="en-US" sz="2600" dirty="0" err="1">
+                <a:latin typeface="Times New Roman" panose="02020603050405020304" pitchFamily="18" charset="0"/>
+                <a:cs typeface="Times New Roman" panose="02020603050405020304" pitchFamily="18" charset="0"/>
+                <a:sym typeface="Wingdings" panose="05000000000000000000" pitchFamily="2" charset="2"/>
+              </a:rPr>
+              <a:t>tiếp</a:t>
+            </a:r>
+            <a:r>
+              <a:rPr lang="en-US" sz="2600" dirty="0">
+                <a:latin typeface="Times New Roman" panose="02020603050405020304" pitchFamily="18" charset="0"/>
+                <a:cs typeface="Times New Roman" panose="02020603050405020304" pitchFamily="18" charset="0"/>
+                <a:sym typeface="Wingdings" panose="05000000000000000000" pitchFamily="2" charset="2"/>
+              </a:rPr>
+              <a:t> </a:t>
+            </a:r>
+            <a:r>
+              <a:rPr lang="en-US" sz="2600" dirty="0" err="1">
+                <a:latin typeface="Times New Roman" panose="02020603050405020304" pitchFamily="18" charset="0"/>
+                <a:cs typeface="Times New Roman" panose="02020603050405020304" pitchFamily="18" charset="0"/>
+                <a:sym typeface="Wingdings" panose="05000000000000000000" pitchFamily="2" charset="2"/>
+              </a:rPr>
+              <a:t>cận</a:t>
+            </a:r>
+            <a:r>
+              <a:rPr lang="en-US" sz="2600" dirty="0">
+                <a:latin typeface="Times New Roman" panose="02020603050405020304" pitchFamily="18" charset="0"/>
+                <a:cs typeface="Times New Roman" panose="02020603050405020304" pitchFamily="18" charset="0"/>
+                <a:sym typeface="Wingdings" panose="05000000000000000000" pitchFamily="2" charset="2"/>
+              </a:rPr>
+              <a:t> </a:t>
+            </a:r>
+            <a:r>
+              <a:rPr lang="en-US" sz="2600" dirty="0" err="1">
+                <a:latin typeface="Times New Roman" panose="02020603050405020304" pitchFamily="18" charset="0"/>
+                <a:cs typeface="Times New Roman" panose="02020603050405020304" pitchFamily="18" charset="0"/>
+                <a:sym typeface="Wingdings" panose="05000000000000000000" pitchFamily="2" charset="2"/>
+              </a:rPr>
+              <a:t>nội</a:t>
+            </a:r>
+            <a:r>
+              <a:rPr lang="en-US" sz="2600" dirty="0">
+                <a:latin typeface="Times New Roman" panose="02020603050405020304" pitchFamily="18" charset="0"/>
+                <a:cs typeface="Times New Roman" panose="02020603050405020304" pitchFamily="18" charset="0"/>
+                <a:sym typeface="Wingdings" panose="05000000000000000000" pitchFamily="2" charset="2"/>
+              </a:rPr>
+              <a:t> dung (Content-based)</a:t>
+            </a:r>
+          </a:p>
+          <a:p>
+            <a:pPr>
+              <a:buFontTx/>
+              <a:buChar char="-"/>
+            </a:pPr>
+            <a:r>
+              <a:rPr lang="en-US" sz="2600" dirty="0">
+                <a:latin typeface="Times New Roman" panose="02020603050405020304" pitchFamily="18" charset="0"/>
+                <a:cs typeface="Times New Roman" panose="02020603050405020304" pitchFamily="18" charset="0"/>
+                <a:sym typeface="Wingdings" panose="05000000000000000000" pitchFamily="2" charset="2"/>
+              </a:rPr>
+              <a:t> </a:t>
+            </a:r>
+            <a:r>
+              <a:rPr lang="en-US" sz="2600" dirty="0" err="1">
+                <a:latin typeface="Times New Roman" panose="02020603050405020304" pitchFamily="18" charset="0"/>
+                <a:cs typeface="Times New Roman" panose="02020603050405020304" pitchFamily="18" charset="0"/>
+                <a:sym typeface="Wingdings" panose="05000000000000000000" pitchFamily="2" charset="2"/>
+              </a:rPr>
+              <a:t>Phương</a:t>
+            </a:r>
+            <a:r>
+              <a:rPr lang="en-US" sz="2600" dirty="0">
+                <a:latin typeface="Times New Roman" panose="02020603050405020304" pitchFamily="18" charset="0"/>
+                <a:cs typeface="Times New Roman" panose="02020603050405020304" pitchFamily="18" charset="0"/>
+                <a:sym typeface="Wingdings" panose="05000000000000000000" pitchFamily="2" charset="2"/>
+              </a:rPr>
+              <a:t> </a:t>
+            </a:r>
+            <a:r>
+              <a:rPr lang="en-US" sz="2600" dirty="0" err="1">
+                <a:latin typeface="Times New Roman" panose="02020603050405020304" pitchFamily="18" charset="0"/>
+                <a:cs typeface="Times New Roman" panose="02020603050405020304" pitchFamily="18" charset="0"/>
+                <a:sym typeface="Wingdings" panose="05000000000000000000" pitchFamily="2" charset="2"/>
+              </a:rPr>
+              <a:t>pháp</a:t>
+            </a:r>
+            <a:r>
+              <a:rPr lang="en-US" sz="2600" dirty="0">
+                <a:latin typeface="Times New Roman" panose="02020603050405020304" pitchFamily="18" charset="0"/>
+                <a:cs typeface="Times New Roman" panose="02020603050405020304" pitchFamily="18" charset="0"/>
+                <a:sym typeface="Wingdings" panose="05000000000000000000" pitchFamily="2" charset="2"/>
+              </a:rPr>
+              <a:t> </a:t>
+            </a:r>
+            <a:r>
+              <a:rPr lang="en-US" sz="2600" dirty="0" err="1">
+                <a:latin typeface="Times New Roman" panose="02020603050405020304" pitchFamily="18" charset="0"/>
+                <a:cs typeface="Times New Roman" panose="02020603050405020304" pitchFamily="18" charset="0"/>
+                <a:sym typeface="Wingdings" panose="05000000000000000000" pitchFamily="2" charset="2"/>
+              </a:rPr>
+              <a:t>lọc</a:t>
+            </a:r>
+            <a:r>
+              <a:rPr lang="en-US" sz="2600" dirty="0">
+                <a:latin typeface="Times New Roman" panose="02020603050405020304" pitchFamily="18" charset="0"/>
+                <a:cs typeface="Times New Roman" panose="02020603050405020304" pitchFamily="18" charset="0"/>
+                <a:sym typeface="Wingdings" panose="05000000000000000000" pitchFamily="2" charset="2"/>
+              </a:rPr>
+              <a:t> </a:t>
+            </a:r>
+            <a:r>
+              <a:rPr lang="en-US" sz="2600" dirty="0" err="1">
+                <a:latin typeface="Times New Roman" panose="02020603050405020304" pitchFamily="18" charset="0"/>
+                <a:cs typeface="Times New Roman" panose="02020603050405020304" pitchFamily="18" charset="0"/>
+                <a:sym typeface="Wingdings" panose="05000000000000000000" pitchFamily="2" charset="2"/>
+              </a:rPr>
+              <a:t>cộng</a:t>
+            </a:r>
+            <a:r>
+              <a:rPr lang="en-US" sz="2600" dirty="0">
+                <a:latin typeface="Times New Roman" panose="02020603050405020304" pitchFamily="18" charset="0"/>
+                <a:cs typeface="Times New Roman" panose="02020603050405020304" pitchFamily="18" charset="0"/>
+                <a:sym typeface="Wingdings" panose="05000000000000000000" pitchFamily="2" charset="2"/>
+              </a:rPr>
+              <a:t> </a:t>
+            </a:r>
+            <a:r>
+              <a:rPr lang="en-US" sz="2600" dirty="0" err="1">
+                <a:latin typeface="Times New Roman" panose="02020603050405020304" pitchFamily="18" charset="0"/>
+                <a:cs typeface="Times New Roman" panose="02020603050405020304" pitchFamily="18" charset="0"/>
+                <a:sym typeface="Wingdings" panose="05000000000000000000" pitchFamily="2" charset="2"/>
+              </a:rPr>
+              <a:t>tác</a:t>
+            </a:r>
+            <a:r>
+              <a:rPr lang="en-US" sz="2600" dirty="0">
+                <a:latin typeface="Times New Roman" panose="02020603050405020304" pitchFamily="18" charset="0"/>
+                <a:cs typeface="Times New Roman" panose="02020603050405020304" pitchFamily="18" charset="0"/>
+                <a:sym typeface="Wingdings" panose="05000000000000000000" pitchFamily="2" charset="2"/>
+              </a:rPr>
+              <a:t> (C</a:t>
+            </a:r>
+            <a:r>
+              <a:rPr lang="en-US" sz="2600" dirty="0">
+                <a:latin typeface="Times New Roman" panose="02020603050405020304" pitchFamily="18" charset="0"/>
+                <a:cs typeface="Times New Roman" panose="02020603050405020304" pitchFamily="18" charset="0"/>
+                <a:sym typeface="Wingdings" panose="05000000000000000000" pitchFamily="2" charset="2"/>
+              </a:rPr>
+              <a:t>ollaborative filtering</a:t>
+            </a:r>
+            <a:r>
+              <a:rPr lang="en-US" sz="2600" dirty="0">
+                <a:latin typeface="Times New Roman" panose="02020603050405020304" pitchFamily="18" charset="0"/>
+                <a:cs typeface="Times New Roman" panose="02020603050405020304" pitchFamily="18" charset="0"/>
+                <a:sym typeface="Wingdings" panose="05000000000000000000" pitchFamily="2" charset="2"/>
+              </a:rPr>
+              <a:t>)</a:t>
+            </a:r>
+          </a:p>
+          <a:p>
+            <a:pPr>
+              <a:buFontTx/>
+              <a:buChar char="-"/>
+            </a:pPr>
+            <a:r>
+              <a:rPr lang="en-US" sz="2600" dirty="0">
+                <a:latin typeface="Times New Roman" panose="02020603050405020304" pitchFamily="18" charset="0"/>
+                <a:cs typeface="Times New Roman" panose="02020603050405020304" pitchFamily="18" charset="0"/>
+                <a:sym typeface="Wingdings" panose="05000000000000000000" pitchFamily="2" charset="2"/>
+              </a:rPr>
+              <a:t> </a:t>
+            </a:r>
+            <a:r>
+              <a:rPr lang="en-US" sz="2600" dirty="0" err="1">
+                <a:latin typeface="Times New Roman" panose="02020603050405020304" pitchFamily="18" charset="0"/>
+                <a:cs typeface="Times New Roman" panose="02020603050405020304" pitchFamily="18" charset="0"/>
+                <a:sym typeface="Wingdings" panose="05000000000000000000" pitchFamily="2" charset="2"/>
+              </a:rPr>
+              <a:t>Phương</a:t>
+            </a:r>
+            <a:r>
+              <a:rPr lang="en-US" sz="2600" dirty="0">
+                <a:latin typeface="Times New Roman" panose="02020603050405020304" pitchFamily="18" charset="0"/>
+                <a:cs typeface="Times New Roman" panose="02020603050405020304" pitchFamily="18" charset="0"/>
+                <a:sym typeface="Wingdings" panose="05000000000000000000" pitchFamily="2" charset="2"/>
+              </a:rPr>
+              <a:t> </a:t>
+            </a:r>
+            <a:r>
+              <a:rPr lang="en-US" sz="2600" dirty="0" err="1">
+                <a:latin typeface="Times New Roman" panose="02020603050405020304" pitchFamily="18" charset="0"/>
+                <a:cs typeface="Times New Roman" panose="02020603050405020304" pitchFamily="18" charset="0"/>
+                <a:sym typeface="Wingdings" panose="05000000000000000000" pitchFamily="2" charset="2"/>
+              </a:rPr>
+              <a:t>pháp</a:t>
+            </a:r>
+            <a:r>
+              <a:rPr lang="en-US" sz="2600" dirty="0">
+                <a:latin typeface="Times New Roman" panose="02020603050405020304" pitchFamily="18" charset="0"/>
+                <a:cs typeface="Times New Roman" panose="02020603050405020304" pitchFamily="18" charset="0"/>
+                <a:sym typeface="Wingdings" panose="05000000000000000000" pitchFamily="2" charset="2"/>
+              </a:rPr>
+              <a:t> </a:t>
+            </a:r>
+            <a:r>
+              <a:rPr lang="en-US" sz="2600" dirty="0" err="1">
+                <a:latin typeface="Times New Roman" panose="02020603050405020304" pitchFamily="18" charset="0"/>
+                <a:cs typeface="Times New Roman" panose="02020603050405020304" pitchFamily="18" charset="0"/>
+                <a:sym typeface="Wingdings" panose="05000000000000000000" pitchFamily="2" charset="2"/>
+              </a:rPr>
+              <a:t>lai</a:t>
+            </a:r>
+            <a:r>
+              <a:rPr lang="en-US" sz="2600" dirty="0">
+                <a:latin typeface="Times New Roman" panose="02020603050405020304" pitchFamily="18" charset="0"/>
+                <a:cs typeface="Times New Roman" panose="02020603050405020304" pitchFamily="18" charset="0"/>
+                <a:sym typeface="Wingdings" panose="05000000000000000000" pitchFamily="2" charset="2"/>
+              </a:rPr>
+              <a:t> (Hybrid).</a:t>
+            </a:r>
+          </a:p>
+          <a:p>
+            <a:pPr>
+              <a:buFontTx/>
+              <a:buChar char="-"/>
+            </a:pPr>
+            <a:r>
+              <a:rPr lang="en-US" sz="2600" dirty="0" err="1">
+                <a:latin typeface="Times New Roman" panose="02020603050405020304" pitchFamily="18" charset="0"/>
+                <a:cs typeface="Times New Roman" panose="02020603050405020304" pitchFamily="18" charset="0"/>
+                <a:sym typeface="Wingdings" panose="05000000000000000000" pitchFamily="2" charset="2"/>
+              </a:rPr>
+              <a:t>Một</a:t>
+            </a:r>
+            <a:r>
+              <a:rPr lang="en-US" sz="2600" dirty="0">
+                <a:latin typeface="Times New Roman" panose="02020603050405020304" pitchFamily="18" charset="0"/>
+                <a:cs typeface="Times New Roman" panose="02020603050405020304" pitchFamily="18" charset="0"/>
+                <a:sym typeface="Wingdings" panose="05000000000000000000" pitchFamily="2" charset="2"/>
+              </a:rPr>
+              <a:t> </a:t>
+            </a:r>
+            <a:r>
+              <a:rPr lang="en-US" sz="2600" dirty="0" err="1">
+                <a:latin typeface="Times New Roman" panose="02020603050405020304" pitchFamily="18" charset="0"/>
+                <a:cs typeface="Times New Roman" panose="02020603050405020304" pitchFamily="18" charset="0"/>
+                <a:sym typeface="Wingdings" panose="05000000000000000000" pitchFamily="2" charset="2"/>
+              </a:rPr>
+              <a:t>số</a:t>
+            </a:r>
+            <a:r>
+              <a:rPr lang="en-US" sz="2600" dirty="0">
+                <a:latin typeface="Times New Roman" panose="02020603050405020304" pitchFamily="18" charset="0"/>
+                <a:cs typeface="Times New Roman" panose="02020603050405020304" pitchFamily="18" charset="0"/>
+                <a:sym typeface="Wingdings" panose="05000000000000000000" pitchFamily="2" charset="2"/>
+              </a:rPr>
+              <a:t> </a:t>
+            </a:r>
+            <a:r>
+              <a:rPr lang="en-US" sz="2600" dirty="0" err="1">
+                <a:latin typeface="Times New Roman" panose="02020603050405020304" pitchFamily="18" charset="0"/>
+                <a:cs typeface="Times New Roman" panose="02020603050405020304" pitchFamily="18" charset="0"/>
+                <a:sym typeface="Wingdings" panose="05000000000000000000" pitchFamily="2" charset="2"/>
+              </a:rPr>
+              <a:t>độ</a:t>
+            </a:r>
+            <a:r>
+              <a:rPr lang="en-US" sz="2600" dirty="0">
+                <a:latin typeface="Times New Roman" panose="02020603050405020304" pitchFamily="18" charset="0"/>
+                <a:cs typeface="Times New Roman" panose="02020603050405020304" pitchFamily="18" charset="0"/>
+                <a:sym typeface="Wingdings" panose="05000000000000000000" pitchFamily="2" charset="2"/>
+              </a:rPr>
+              <a:t> </a:t>
+            </a:r>
+            <a:r>
+              <a:rPr lang="en-US" sz="2600" dirty="0" err="1">
+                <a:latin typeface="Times New Roman" panose="02020603050405020304" pitchFamily="18" charset="0"/>
+                <a:cs typeface="Times New Roman" panose="02020603050405020304" pitchFamily="18" charset="0"/>
+                <a:sym typeface="Wingdings" panose="05000000000000000000" pitchFamily="2" charset="2"/>
+              </a:rPr>
+              <a:t>đo</a:t>
+            </a:r>
+            <a:r>
+              <a:rPr lang="en-US" sz="2600" dirty="0">
+                <a:latin typeface="Times New Roman" panose="02020603050405020304" pitchFamily="18" charset="0"/>
+                <a:cs typeface="Times New Roman" panose="02020603050405020304" pitchFamily="18" charset="0"/>
+                <a:sym typeface="Wingdings" panose="05000000000000000000" pitchFamily="2" charset="2"/>
+              </a:rPr>
+              <a:t> </a:t>
+            </a:r>
+            <a:r>
+              <a:rPr lang="en-US" sz="2600" dirty="0" err="1">
+                <a:latin typeface="Times New Roman" panose="02020603050405020304" pitchFamily="18" charset="0"/>
+                <a:cs typeface="Times New Roman" panose="02020603050405020304" pitchFamily="18" charset="0"/>
+                <a:sym typeface="Wingdings" panose="05000000000000000000" pitchFamily="2" charset="2"/>
+              </a:rPr>
+              <a:t>chuẩn</a:t>
+            </a:r>
+            <a:r>
+              <a:rPr lang="en-US" sz="2600" dirty="0">
+                <a:latin typeface="Times New Roman" panose="02020603050405020304" pitchFamily="18" charset="0"/>
+                <a:cs typeface="Times New Roman" panose="02020603050405020304" pitchFamily="18" charset="0"/>
+                <a:sym typeface="Wingdings" panose="05000000000000000000" pitchFamily="2" charset="2"/>
+              </a:rPr>
+              <a:t>: Precision &amp; recall, MAE, RMSE, NDCG, F-measure</a:t>
+            </a:r>
+          </a:p>
+          <a:p>
+            <a:pPr>
+              <a:buFontTx/>
+              <a:buChar char="-"/>
+            </a:pPr>
+            <a:endParaRPr lang="en-US" sz="2600" dirty="0">
+              <a:latin typeface="Times New Roman" panose="02020603050405020304" pitchFamily="18" charset="0"/>
+              <a:cs typeface="Times New Roman" panose="02020603050405020304" pitchFamily="18" charset="0"/>
+              <a:sym typeface="Wingdings" panose="05000000000000000000" pitchFamily="2" charset="2"/>
+            </a:endParaRPr>
+          </a:p>
+        </p:txBody>
+      </p:sp>
+    </p:spTree>
+    <p:extLst>
+      <p:ext uri="{BB962C8B-B14F-4D97-AF65-F5344CB8AC3E}">
+        <p14:creationId xmlns:p14="http://schemas.microsoft.com/office/powerpoint/2010/main" val="1946191302"/>
+      </p:ext>
+    </p:extLst>
+  </p:cSld>
+  <p:clrMapOvr>
+    <a:masterClrMapping/>
+  </p:clrMapOvr>
+</p:sld>
+</file>
+
+<file path=ppt/slides/slide11.xml><?xml version="1.0" encoding="utf-8"?>
 <p:sld xmlns:a="http://schemas.openxmlformats.org/drawingml/2006/main" xmlns:r="http://schemas.openxmlformats.org/officeDocument/2006/relationships" xmlns:p="http://schemas.openxmlformats.org/presentationml/2006/main">
   <p:cSld>
     <p:spTree>
@@ -10885,7 +12222,7 @@
 </p:sld>
 </file>
 
-<file path=ppt/slides/slide11.xml><?xml version="1.0" encoding="utf-8"?>
+<file path=ppt/slides/slide12.xml><?xml version="1.0" encoding="utf-8"?>
 <p:sld xmlns:a="http://schemas.openxmlformats.org/drawingml/2006/main" xmlns:r="http://schemas.openxmlformats.org/officeDocument/2006/relationships" xmlns:p="http://schemas.openxmlformats.org/presentationml/2006/main">
   <p:cSld>
     <p:spTree>
@@ -11490,7 +12827,7 @@
 </p:sld>
 </file>
 
-<file path=ppt/slides/slide12.xml><?xml version="1.0" encoding="utf-8"?>
+<file path=ppt/slides/slide13.xml><?xml version="1.0" encoding="utf-8"?>
 <p:sld xmlns:a="http://schemas.openxmlformats.org/drawingml/2006/main" xmlns:r="http://schemas.openxmlformats.org/officeDocument/2006/relationships" xmlns:p="http://schemas.openxmlformats.org/presentationml/2006/main">
   <p:cSld>
     <p:spTree>
@@ -11572,6 +12909,327 @@
           </a:p>
         </p:txBody>
       </p:sp>
+      <p:sp>
+        <p:nvSpPr>
+          <p:cNvPr id="3" name="TextBox 2"/>
+          <p:cNvSpPr txBox="1"/>
+          <p:nvPr/>
+        </p:nvSpPr>
+        <p:spPr>
+          <a:xfrm>
+            <a:off x="1518557" y="1796144"/>
+            <a:ext cx="8752114" cy="461665"/>
+          </a:xfrm>
+          <a:prstGeom prst="rect">
+            <a:avLst/>
+          </a:prstGeom>
+          <a:noFill/>
+        </p:spPr>
+        <p:txBody>
+          <a:bodyPr wrap="square" rtlCol="0">
+            <a:spAutoFit/>
+          </a:bodyPr>
+          <a:lstStyle/>
+          <a:p>
+            <a:r>
+              <a:rPr lang="en-US" sz="2400" dirty="0" err="1"/>
+              <a:t>Là</a:t>
+            </a:r>
+            <a:r>
+              <a:rPr lang="en-US" sz="2400" dirty="0"/>
+              <a:t> </a:t>
+            </a:r>
+            <a:r>
+              <a:rPr lang="en-US" sz="2400" dirty="0" err="1"/>
+              <a:t>sự</a:t>
+            </a:r>
+            <a:r>
+              <a:rPr lang="en-US" sz="2400" dirty="0"/>
+              <a:t> </a:t>
+            </a:r>
+            <a:r>
+              <a:rPr lang="en-US" sz="2400" dirty="0" err="1"/>
+              <a:t>kết</a:t>
+            </a:r>
+            <a:r>
+              <a:rPr lang="en-US" sz="2400" dirty="0"/>
+              <a:t> </a:t>
+            </a:r>
+            <a:r>
+              <a:rPr lang="en-US" sz="2400" dirty="0" err="1"/>
+              <a:t>hợp</a:t>
+            </a:r>
+            <a:r>
+              <a:rPr lang="en-US" sz="2400" dirty="0"/>
+              <a:t> </a:t>
+            </a:r>
+            <a:r>
+              <a:rPr lang="en-US" sz="2400" dirty="0" err="1"/>
+              <a:t>của</a:t>
+            </a:r>
+            <a:r>
+              <a:rPr lang="en-US" sz="2400" dirty="0"/>
+              <a:t> </a:t>
+            </a:r>
+            <a:r>
+              <a:rPr lang="en-US" sz="2400" dirty="0" err="1"/>
+              <a:t>các</a:t>
+            </a:r>
+            <a:r>
+              <a:rPr lang="en-US" sz="2400" dirty="0"/>
+              <a:t> </a:t>
+            </a:r>
+            <a:r>
+              <a:rPr lang="en-US" sz="2400" dirty="0" err="1"/>
+              <a:t>phương</a:t>
+            </a:r>
+            <a:r>
+              <a:rPr lang="en-US" sz="2400" dirty="0"/>
+              <a:t> </a:t>
+            </a:r>
+            <a:r>
+              <a:rPr lang="en-US" sz="2400" dirty="0" err="1"/>
+              <a:t>pháp</a:t>
+            </a:r>
+            <a:r>
+              <a:rPr lang="en-US" sz="2400" dirty="0"/>
+              <a:t> </a:t>
+            </a:r>
+            <a:r>
+              <a:rPr lang="en-US" sz="2400" dirty="0" err="1"/>
+              <a:t>khuyến</a:t>
+            </a:r>
+            <a:r>
+              <a:rPr lang="en-US" sz="2400" dirty="0"/>
+              <a:t> </a:t>
+            </a:r>
+            <a:r>
+              <a:rPr lang="en-US" sz="2400" dirty="0" err="1"/>
+              <a:t>nghị</a:t>
+            </a:r>
+            <a:r>
+              <a:rPr lang="en-US" sz="2400" dirty="0"/>
+              <a:t> </a:t>
+            </a:r>
+            <a:r>
+              <a:rPr lang="en-US" sz="2400" dirty="0" err="1"/>
+              <a:t>khác</a:t>
+            </a:r>
+            <a:r>
+              <a:rPr lang="en-US" sz="2400" dirty="0"/>
+              <a:t> </a:t>
+            </a:r>
+            <a:r>
+              <a:rPr lang="en-US" sz="2400" dirty="0" err="1"/>
+              <a:t>nhau</a:t>
+            </a:r>
+            <a:endParaRPr lang="en-US" sz="2400" dirty="0"/>
+          </a:p>
+        </p:txBody>
+      </p:sp>
+      <p:sp>
+        <p:nvSpPr>
+          <p:cNvPr id="4" name="Oval 3"/>
+          <p:cNvSpPr/>
+          <p:nvPr/>
+        </p:nvSpPr>
+        <p:spPr>
+          <a:xfrm>
+            <a:off x="1608363" y="3592286"/>
+            <a:ext cx="1812472" cy="1730828"/>
+          </a:xfrm>
+          <a:prstGeom prst="ellipse">
+            <a:avLst/>
+          </a:prstGeom>
+        </p:spPr>
+        <p:style>
+          <a:lnRef idx="2">
+            <a:schemeClr val="accent1"/>
+          </a:lnRef>
+          <a:fillRef idx="1">
+            <a:schemeClr val="lt1"/>
+          </a:fillRef>
+          <a:effectRef idx="0">
+            <a:schemeClr val="accent1"/>
+          </a:effectRef>
+          <a:fontRef idx="minor">
+            <a:schemeClr val="dk1"/>
+          </a:fontRef>
+        </p:style>
+        <p:txBody>
+          <a:bodyPr rtlCol="0" anchor="ctr"/>
+          <a:lstStyle/>
+          <a:p>
+            <a:pPr algn="ctr"/>
+            <a:r>
+              <a:rPr lang="en-US" sz="2000" b="1" dirty="0"/>
+              <a:t>Lai </a:t>
+            </a:r>
+            <a:r>
+              <a:rPr lang="en-US" sz="2000" b="1" dirty="0" err="1"/>
+              <a:t>có</a:t>
+            </a:r>
+            <a:r>
+              <a:rPr lang="en-US" sz="2000" b="1" dirty="0"/>
+              <a:t> </a:t>
+            </a:r>
+            <a:r>
+              <a:rPr lang="en-US" sz="2000" b="1" dirty="0" err="1"/>
+              <a:t>trọng</a:t>
+            </a:r>
+            <a:r>
+              <a:rPr lang="en-US" sz="2000" b="1" dirty="0"/>
+              <a:t> </a:t>
+            </a:r>
+            <a:r>
+              <a:rPr lang="en-US" sz="2000" b="1" dirty="0" err="1"/>
+              <a:t>số</a:t>
+            </a:r>
+            <a:endParaRPr lang="en-US" sz="2000" b="1" dirty="0"/>
+          </a:p>
+        </p:txBody>
+      </p:sp>
+      <p:sp>
+        <p:nvSpPr>
+          <p:cNvPr id="5" name="Oval 4"/>
+          <p:cNvSpPr/>
+          <p:nvPr/>
+        </p:nvSpPr>
+        <p:spPr>
+          <a:xfrm>
+            <a:off x="4241194" y="2477478"/>
+            <a:ext cx="1812472" cy="1730828"/>
+          </a:xfrm>
+          <a:prstGeom prst="ellipse">
+            <a:avLst/>
+          </a:prstGeom>
+        </p:spPr>
+        <p:style>
+          <a:lnRef idx="2">
+            <a:schemeClr val="accent1"/>
+          </a:lnRef>
+          <a:fillRef idx="1">
+            <a:schemeClr val="lt1"/>
+          </a:fillRef>
+          <a:effectRef idx="0">
+            <a:schemeClr val="accent1"/>
+          </a:effectRef>
+          <a:fontRef idx="minor">
+            <a:schemeClr val="dk1"/>
+          </a:fontRef>
+        </p:style>
+        <p:txBody>
+          <a:bodyPr rtlCol="0" anchor="ctr"/>
+          <a:lstStyle/>
+          <a:p>
+            <a:pPr algn="ctr"/>
+            <a:r>
+              <a:rPr lang="en-US" sz="2000" b="1" dirty="0"/>
+              <a:t>Lai </a:t>
+            </a:r>
+            <a:r>
+              <a:rPr lang="en-US" sz="2000" b="1" dirty="0" err="1"/>
+              <a:t>trộn</a:t>
+            </a:r>
+            <a:endParaRPr lang="en-US" sz="2000" b="1" dirty="0"/>
+          </a:p>
+        </p:txBody>
+      </p:sp>
+      <p:sp>
+        <p:nvSpPr>
+          <p:cNvPr id="6" name="Oval 5"/>
+          <p:cNvSpPr/>
+          <p:nvPr/>
+        </p:nvSpPr>
+        <p:spPr>
+          <a:xfrm>
+            <a:off x="7049706" y="3592286"/>
+            <a:ext cx="1812472" cy="1730828"/>
+          </a:xfrm>
+          <a:prstGeom prst="ellipse">
+            <a:avLst/>
+          </a:prstGeom>
+        </p:spPr>
+        <p:style>
+          <a:lnRef idx="2">
+            <a:schemeClr val="accent1"/>
+          </a:lnRef>
+          <a:fillRef idx="1">
+            <a:schemeClr val="lt1"/>
+          </a:fillRef>
+          <a:effectRef idx="0">
+            <a:schemeClr val="accent1"/>
+          </a:effectRef>
+          <a:fontRef idx="minor">
+            <a:schemeClr val="dk1"/>
+          </a:fontRef>
+        </p:style>
+        <p:txBody>
+          <a:bodyPr rtlCol="0" anchor="ctr"/>
+          <a:lstStyle/>
+          <a:p>
+            <a:pPr algn="ctr"/>
+            <a:r>
+              <a:rPr lang="en-US" sz="2000" b="1" dirty="0"/>
+              <a:t>Lai </a:t>
+            </a:r>
+            <a:r>
+              <a:rPr lang="en-US" sz="2000" b="1" dirty="0" err="1"/>
+              <a:t>chuyển</a:t>
+            </a:r>
+            <a:r>
+              <a:rPr lang="en-US" sz="2000" b="1" dirty="0"/>
+              <a:t> </a:t>
+            </a:r>
+            <a:r>
+              <a:rPr lang="en-US" sz="2000" b="1" dirty="0" err="1"/>
+              <a:t>đổi</a:t>
+            </a:r>
+            <a:endParaRPr lang="en-US" sz="2000" b="1" dirty="0"/>
+          </a:p>
+        </p:txBody>
+      </p:sp>
+      <p:sp>
+        <p:nvSpPr>
+          <p:cNvPr id="7" name="Oval 6"/>
+          <p:cNvSpPr/>
+          <p:nvPr/>
+        </p:nvSpPr>
+        <p:spPr>
+          <a:xfrm>
+            <a:off x="4416875" y="4718959"/>
+            <a:ext cx="1812472" cy="1730828"/>
+          </a:xfrm>
+          <a:prstGeom prst="ellipse">
+            <a:avLst/>
+          </a:prstGeom>
+        </p:spPr>
+        <p:style>
+          <a:lnRef idx="2">
+            <a:schemeClr val="accent1"/>
+          </a:lnRef>
+          <a:fillRef idx="1">
+            <a:schemeClr val="lt1"/>
+          </a:fillRef>
+          <a:effectRef idx="0">
+            <a:schemeClr val="accent1"/>
+          </a:effectRef>
+          <a:fontRef idx="minor">
+            <a:schemeClr val="dk1"/>
+          </a:fontRef>
+        </p:style>
+        <p:txBody>
+          <a:bodyPr rtlCol="0" anchor="ctr"/>
+          <a:lstStyle/>
+          <a:p>
+            <a:pPr algn="ctr"/>
+            <a:r>
+              <a:rPr lang="en-US" sz="2000" b="1" dirty="0"/>
+              <a:t>...</a:t>
+            </a:r>
+          </a:p>
+        </p:txBody>
+      </p:sp>
     </p:spTree>
     <p:extLst>
       <p:ext uri="{BB962C8B-B14F-4D97-AF65-F5344CB8AC3E}">
@@ -11582,10 +13240,365 @@
   <p:clrMapOvr>
     <a:masterClrMapping/>
   </p:clrMapOvr>
+  <p:timing>
+    <p:tnLst>
+      <p:par>
+        <p:cTn id="1" dur="indefinite" restart="never" nodeType="tmRoot">
+          <p:childTnLst>
+            <p:seq concurrent="1" nextAc="seek">
+              <p:cTn id="2" dur="indefinite" nodeType="mainSeq">
+                <p:childTnLst>
+                  <p:par>
+                    <p:cTn id="3" fill="hold">
+                      <p:stCondLst>
+                        <p:cond delay="indefinite"/>
+                      </p:stCondLst>
+                      <p:childTnLst>
+                        <p:par>
+                          <p:cTn id="4" fill="hold">
+                            <p:stCondLst>
+                              <p:cond delay="0"/>
+                            </p:stCondLst>
+                            <p:childTnLst>
+                              <p:par>
+                                <p:cTn id="5" presetID="1" presetClass="entr" presetSubtype="0" fill="hold" grpId="0" nodeType="clickEffect">
+                                  <p:stCondLst>
+                                    <p:cond delay="0"/>
+                                  </p:stCondLst>
+                                  <p:childTnLst>
+                                    <p:set>
+                                      <p:cBhvr>
+                                        <p:cTn id="6" dur="1" fill="hold">
+                                          <p:stCondLst>
+                                            <p:cond delay="0"/>
+                                          </p:stCondLst>
+                                        </p:cTn>
+                                        <p:tgtEl>
+                                          <p:spTgt spid="4"/>
+                                        </p:tgtEl>
+                                        <p:attrNameLst>
+                                          <p:attrName>style.visibility</p:attrName>
+                                        </p:attrNameLst>
+                                      </p:cBhvr>
+                                      <p:to>
+                                        <p:strVal val="visible"/>
+                                      </p:to>
+                                    </p:set>
+                                  </p:childTnLst>
+                                </p:cTn>
+                              </p:par>
+                            </p:childTnLst>
+                          </p:cTn>
+                        </p:par>
+                      </p:childTnLst>
+                    </p:cTn>
+                  </p:par>
+                  <p:par>
+                    <p:cTn id="7" fill="hold">
+                      <p:stCondLst>
+                        <p:cond delay="indefinite"/>
+                      </p:stCondLst>
+                      <p:childTnLst>
+                        <p:par>
+                          <p:cTn id="8" fill="hold">
+                            <p:stCondLst>
+                              <p:cond delay="0"/>
+                            </p:stCondLst>
+                            <p:childTnLst>
+                              <p:par>
+                                <p:cTn id="9" presetID="22" presetClass="entr" presetSubtype="4" fill="hold" grpId="0" nodeType="clickEffect">
+                                  <p:stCondLst>
+                                    <p:cond delay="0"/>
+                                  </p:stCondLst>
+                                  <p:childTnLst>
+                                    <p:set>
+                                      <p:cBhvr>
+                                        <p:cTn id="10" dur="1" fill="hold">
+                                          <p:stCondLst>
+                                            <p:cond delay="0"/>
+                                          </p:stCondLst>
+                                        </p:cTn>
+                                        <p:tgtEl>
+                                          <p:spTgt spid="5"/>
+                                        </p:tgtEl>
+                                        <p:attrNameLst>
+                                          <p:attrName>style.visibility</p:attrName>
+                                        </p:attrNameLst>
+                                      </p:cBhvr>
+                                      <p:to>
+                                        <p:strVal val="visible"/>
+                                      </p:to>
+                                    </p:set>
+                                    <p:animEffect transition="in" filter="wipe(down)">
+                                      <p:cBhvr>
+                                        <p:cTn id="11" dur="500"/>
+                                        <p:tgtEl>
+                                          <p:spTgt spid="5"/>
+                                        </p:tgtEl>
+                                      </p:cBhvr>
+                                    </p:animEffect>
+                                  </p:childTnLst>
+                                </p:cTn>
+                              </p:par>
+                            </p:childTnLst>
+                          </p:cTn>
+                        </p:par>
+                      </p:childTnLst>
+                    </p:cTn>
+                  </p:par>
+                  <p:par>
+                    <p:cTn id="12" fill="hold">
+                      <p:stCondLst>
+                        <p:cond delay="indefinite"/>
+                      </p:stCondLst>
+                      <p:childTnLst>
+                        <p:par>
+                          <p:cTn id="13" fill="hold">
+                            <p:stCondLst>
+                              <p:cond delay="0"/>
+                            </p:stCondLst>
+                            <p:childTnLst>
+                              <p:par>
+                                <p:cTn id="14" presetID="53" presetClass="entr" presetSubtype="16" fill="hold" grpId="0" nodeType="clickEffect">
+                                  <p:stCondLst>
+                                    <p:cond delay="0"/>
+                                  </p:stCondLst>
+                                  <p:childTnLst>
+                                    <p:set>
+                                      <p:cBhvr>
+                                        <p:cTn id="15" dur="1" fill="hold">
+                                          <p:stCondLst>
+                                            <p:cond delay="0"/>
+                                          </p:stCondLst>
+                                        </p:cTn>
+                                        <p:tgtEl>
+                                          <p:spTgt spid="6"/>
+                                        </p:tgtEl>
+                                        <p:attrNameLst>
+                                          <p:attrName>style.visibility</p:attrName>
+                                        </p:attrNameLst>
+                                      </p:cBhvr>
+                                      <p:to>
+                                        <p:strVal val="visible"/>
+                                      </p:to>
+                                    </p:set>
+                                    <p:anim calcmode="lin" valueType="num">
+                                      <p:cBhvr>
+                                        <p:cTn id="16" dur="500" fill="hold"/>
+                                        <p:tgtEl>
+                                          <p:spTgt spid="6"/>
+                                        </p:tgtEl>
+                                        <p:attrNameLst>
+                                          <p:attrName>ppt_w</p:attrName>
+                                        </p:attrNameLst>
+                                      </p:cBhvr>
+                                      <p:tavLst>
+                                        <p:tav tm="0">
+                                          <p:val>
+                                            <p:fltVal val="0"/>
+                                          </p:val>
+                                        </p:tav>
+                                        <p:tav tm="100000">
+                                          <p:val>
+                                            <p:strVal val="#ppt_w"/>
+                                          </p:val>
+                                        </p:tav>
+                                      </p:tavLst>
+                                    </p:anim>
+                                    <p:anim calcmode="lin" valueType="num">
+                                      <p:cBhvr>
+                                        <p:cTn id="17" dur="500" fill="hold"/>
+                                        <p:tgtEl>
+                                          <p:spTgt spid="6"/>
+                                        </p:tgtEl>
+                                        <p:attrNameLst>
+                                          <p:attrName>ppt_h</p:attrName>
+                                        </p:attrNameLst>
+                                      </p:cBhvr>
+                                      <p:tavLst>
+                                        <p:tav tm="0">
+                                          <p:val>
+                                            <p:fltVal val="0"/>
+                                          </p:val>
+                                        </p:tav>
+                                        <p:tav tm="100000">
+                                          <p:val>
+                                            <p:strVal val="#ppt_h"/>
+                                          </p:val>
+                                        </p:tav>
+                                      </p:tavLst>
+                                    </p:anim>
+                                    <p:animEffect transition="in" filter="fade">
+                                      <p:cBhvr>
+                                        <p:cTn id="18" dur="500"/>
+                                        <p:tgtEl>
+                                          <p:spTgt spid="6"/>
+                                        </p:tgtEl>
+                                      </p:cBhvr>
+                                    </p:animEffect>
+                                  </p:childTnLst>
+                                </p:cTn>
+                              </p:par>
+                            </p:childTnLst>
+                          </p:cTn>
+                        </p:par>
+                      </p:childTnLst>
+                    </p:cTn>
+                  </p:par>
+                  <p:par>
+                    <p:cTn id="19" fill="hold">
+                      <p:stCondLst>
+                        <p:cond delay="indefinite"/>
+                      </p:stCondLst>
+                      <p:childTnLst>
+                        <p:par>
+                          <p:cTn id="20" fill="hold">
+                            <p:stCondLst>
+                              <p:cond delay="0"/>
+                            </p:stCondLst>
+                            <p:childTnLst>
+                              <p:par>
+                                <p:cTn id="21" presetID="14" presetClass="entr" presetSubtype="10" fill="hold" grpId="0" nodeType="clickEffect">
+                                  <p:stCondLst>
+                                    <p:cond delay="0"/>
+                                  </p:stCondLst>
+                                  <p:childTnLst>
+                                    <p:set>
+                                      <p:cBhvr>
+                                        <p:cTn id="22" dur="1" fill="hold">
+                                          <p:stCondLst>
+                                            <p:cond delay="0"/>
+                                          </p:stCondLst>
+                                        </p:cTn>
+                                        <p:tgtEl>
+                                          <p:spTgt spid="7"/>
+                                        </p:tgtEl>
+                                        <p:attrNameLst>
+                                          <p:attrName>style.visibility</p:attrName>
+                                        </p:attrNameLst>
+                                      </p:cBhvr>
+                                      <p:to>
+                                        <p:strVal val="visible"/>
+                                      </p:to>
+                                    </p:set>
+                                    <p:animEffect transition="in" filter="randombar(horizontal)">
+                                      <p:cBhvr>
+                                        <p:cTn id="23" dur="500"/>
+                                        <p:tgtEl>
+                                          <p:spTgt spid="7"/>
+                                        </p:tgtEl>
+                                      </p:cBhvr>
+                                    </p:animEffect>
+                                  </p:childTnLst>
+                                </p:cTn>
+                              </p:par>
+                            </p:childTnLst>
+                          </p:cTn>
+                        </p:par>
+                      </p:childTnLst>
+                    </p:cTn>
+                  </p:par>
+                  <p:par>
+                    <p:cTn id="24" fill="hold">
+                      <p:stCondLst>
+                        <p:cond delay="indefinite"/>
+                      </p:stCondLst>
+                      <p:childTnLst>
+                        <p:par>
+                          <p:cTn id="25" fill="hold">
+                            <p:stCondLst>
+                              <p:cond delay="0"/>
+                            </p:stCondLst>
+                            <p:childTnLst>
+                              <p:par>
+                                <p:cTn id="26" presetID="1" presetClass="emph" presetSubtype="2" fill="hold" nodeType="clickEffect">
+                                  <p:stCondLst>
+                                    <p:cond delay="0"/>
+                                  </p:stCondLst>
+                                  <p:childTnLst>
+                                    <p:animClr clrSpc="rgb" dir="cw">
+                                      <p:cBhvr>
+                                        <p:cTn id="27" dur="2000" fill="hold"/>
+                                        <p:tgtEl>
+                                          <p:spTgt spid="4"/>
+                                        </p:tgtEl>
+                                        <p:attrNameLst>
+                                          <p:attrName>fillcolor</p:attrName>
+                                        </p:attrNameLst>
+                                      </p:cBhvr>
+                                      <p:to>
+                                        <a:srgbClr val="2E946B"/>
+                                      </p:to>
+                                    </p:animClr>
+                                    <p:set>
+                                      <p:cBhvr>
+                                        <p:cTn id="28" dur="2000" fill="hold"/>
+                                        <p:tgtEl>
+                                          <p:spTgt spid="4"/>
+                                        </p:tgtEl>
+                                        <p:attrNameLst>
+                                          <p:attrName>fill.type</p:attrName>
+                                        </p:attrNameLst>
+                                      </p:cBhvr>
+                                      <p:to>
+                                        <p:strVal val="solid"/>
+                                      </p:to>
+                                    </p:set>
+                                    <p:set>
+                                      <p:cBhvr>
+                                        <p:cTn id="29" dur="2000" fill="hold"/>
+                                        <p:tgtEl>
+                                          <p:spTgt spid="4"/>
+                                        </p:tgtEl>
+                                        <p:attrNameLst>
+                                          <p:attrName>fill.on</p:attrName>
+                                        </p:attrNameLst>
+                                      </p:cBhvr>
+                                      <p:to>
+                                        <p:strVal val="true"/>
+                                      </p:to>
+                                    </p:set>
+                                  </p:childTnLst>
+                                </p:cTn>
+                              </p:par>
+                            </p:childTnLst>
+                          </p:cTn>
+                        </p:par>
+                      </p:childTnLst>
+                    </p:cTn>
+                  </p:par>
+                </p:childTnLst>
+              </p:cTn>
+              <p:prevCondLst>
+                <p:cond evt="onPrev" delay="0">
+                  <p:tgtEl>
+                    <p:sldTgt/>
+                  </p:tgtEl>
+                </p:cond>
+              </p:prevCondLst>
+              <p:nextCondLst>
+                <p:cond evt="onNext" delay="0">
+                  <p:tgtEl>
+                    <p:sldTgt/>
+                  </p:tgtEl>
+                </p:cond>
+              </p:nextCondLst>
+            </p:seq>
+          </p:childTnLst>
+        </p:cTn>
+      </p:par>
+    </p:tnLst>
+    <p:bldLst>
+      <p:bldP spid="4" grpId="0" animBg="1"/>
+      <p:bldP spid="5" grpId="0" animBg="1"/>
+      <p:bldP spid="6" grpId="0" animBg="1"/>
+      <p:bldP spid="7" grpId="0" animBg="1"/>
+    </p:bldLst>
+  </p:timing>
 </p:sld>
 </file>
 
-<file path=ppt/slides/slide13.xml><?xml version="1.0" encoding="utf-8"?>
+<file path=ppt/slides/slide14.xml><?xml version="1.0" encoding="utf-8"?>
 <p:sld xmlns:a="http://schemas.openxmlformats.org/drawingml/2006/main" xmlns:r="http://schemas.openxmlformats.org/officeDocument/2006/relationships" xmlns:p="http://schemas.openxmlformats.org/presentationml/2006/main">
   <p:cSld>
     <p:spTree>
@@ -12785,7 +14798,7 @@
 </p:sld>
 </file>
 
-<file path=ppt/slides/slide14.xml><?xml version="1.0" encoding="utf-8"?>
+<file path=ppt/slides/slide15.xml><?xml version="1.0" encoding="utf-8"?>
 <p:sld xmlns:a="http://schemas.openxmlformats.org/drawingml/2006/main" xmlns:r="http://schemas.openxmlformats.org/officeDocument/2006/relationships" xmlns:p="http://schemas.openxmlformats.org/presentationml/2006/main">
   <p:cSld>
     <p:spTree>
@@ -13655,7 +15668,7 @@
                         <a:defRPr/>
                       </a:pPr>
                       <a:r>
-                        <a:rPr kumimoji="0" lang="en-US" sz="2400" b="1" i="0" u="sng" strike="noStrike" kern="0" cap="none" spc="0" normalizeH="0" baseline="0" noProof="0" dirty="0" err="1">
+                        <a:rPr kumimoji="0" lang="en-US" sz="2400" b="1" i="0" strike="noStrike" kern="0" cap="none" spc="0" normalizeH="0" baseline="0" noProof="0" dirty="0" err="1">
                           <a:ln>
                             <a:noFill/>
                           </a:ln>
@@ -13671,7 +15684,7 @@
                         </a:rPr>
                         <a:t>RecAlgEvaluationSystem</a:t>
                       </a:r>
-                      <a:endParaRPr kumimoji="0" lang="en-US" sz="2000" b="0" i="0" u="sng" strike="noStrike" kern="0" cap="none" spc="0" normalizeH="0" baseline="0" noProof="0" dirty="0">
+                      <a:endParaRPr kumimoji="0" lang="en-US" sz="2000" b="0" i="0" strike="noStrike" kern="0" cap="none" spc="0" normalizeH="0" baseline="0" noProof="0" dirty="0">
                         <a:ln>
                           <a:noFill/>
                         </a:ln>
@@ -14382,7 +16395,7 @@
 </p:sld>
 </file>
 
-<file path=ppt/slides/slide15.xml><?xml version="1.0" encoding="utf-8"?>
+<file path=ppt/slides/slide16.xml><?xml version="1.0" encoding="utf-8"?>
 <p:sld xmlns:a="http://schemas.openxmlformats.org/drawingml/2006/main" xmlns:r="http://schemas.openxmlformats.org/officeDocument/2006/relationships" xmlns:p="http://schemas.openxmlformats.org/presentationml/2006/main">
   <p:cSld>
     <p:spTree>
@@ -15041,7 +17054,7 @@
 </p:sld>
 </file>
 
-<file path=ppt/slides/slide16.xml><?xml version="1.0" encoding="utf-8"?>
+<file path=ppt/slides/slide17.xml><?xml version="1.0" encoding="utf-8"?>
 <p:sld xmlns:a="http://schemas.openxmlformats.org/drawingml/2006/main" xmlns:r="http://schemas.openxmlformats.org/officeDocument/2006/relationships" xmlns:p="http://schemas.openxmlformats.org/presentationml/2006/main">
   <p:cSld>
     <p:spTree>
@@ -15181,7 +17194,7 @@
         </p:nvGraphicFramePr>
         <p:xfrm>
           <a:off x="550938" y="1424465"/>
-          <a:ext cx="9388927" cy="4754696"/>
+          <a:ext cx="9388927" cy="4809496"/>
         </p:xfrm>
         <a:graphic>
           <a:graphicData uri="http://schemas.openxmlformats.org/drawingml/2006/table">
@@ -16420,7 +18433,7 @@
 </p:sld>
 </file>
 
-<file path=ppt/slides/slide17.xml><?xml version="1.0" encoding="utf-8"?>
+<file path=ppt/slides/slide18.xml><?xml version="1.0" encoding="utf-8"?>
 <p:sld xmlns:a="http://schemas.openxmlformats.org/drawingml/2006/main" xmlns:r="http://schemas.openxmlformats.org/officeDocument/2006/relationships" xmlns:p="http://schemas.openxmlformats.org/presentationml/2006/main">
   <p:cSld>
     <p:spTree>
@@ -16733,69 +18746,6 @@
     <p:extLst>
       <p:ext uri="{BB962C8B-B14F-4D97-AF65-F5344CB8AC3E}">
         <p14:creationId xmlns:p14="http://schemas.microsoft.com/office/powerpoint/2010/main" val="1807699856"/>
-      </p:ext>
-    </p:extLst>
-  </p:cSld>
-  <p:clrMapOvr>
-    <a:masterClrMapping/>
-  </p:clrMapOvr>
-</p:sld>
-</file>
-
-<file path=ppt/slides/slide18.xml><?xml version="1.0" encoding="utf-8"?>
-<p:sld xmlns:a="http://schemas.openxmlformats.org/drawingml/2006/main" xmlns:r="http://schemas.openxmlformats.org/officeDocument/2006/relationships" xmlns:p="http://schemas.openxmlformats.org/presentationml/2006/main">
-  <p:cSld>
-    <p:spTree>
-      <p:nvGrpSpPr>
-        <p:cNvPr id="1" name=""/>
-        <p:cNvGrpSpPr/>
-        <p:nvPr/>
-      </p:nvGrpSpPr>
-      <p:grpSpPr>
-        <a:xfrm>
-          <a:off x="0" y="0"/>
-          <a:ext cx="0" cy="0"/>
-          <a:chOff x="0" y="0"/>
-          <a:chExt cx="0" cy="0"/>
-        </a:xfrm>
-      </p:grpSpPr>
-      <p:sp>
-        <p:nvSpPr>
-          <p:cNvPr id="2" name="Title 1"/>
-          <p:cNvSpPr>
-            <a:spLocks noGrp="1"/>
-          </p:cNvSpPr>
-          <p:nvPr>
-            <p:ph type="title"/>
-          </p:nvPr>
-        </p:nvSpPr>
-        <p:spPr>
-          <a:xfrm>
-            <a:off x="775305" y="527957"/>
-            <a:ext cx="8940195" cy="1055914"/>
-          </a:xfrm>
-        </p:spPr>
-        <p:txBody>
-          <a:bodyPr>
-            <a:normAutofit/>
-          </a:bodyPr>
-          <a:lstStyle/>
-          <a:p>
-            <a:pPr algn="ctr"/>
-            <a:r>
-              <a:rPr lang="en-US" sz="4000" dirty="0">
-                <a:latin typeface="Times New Roman" panose="02020603050405020304" pitchFamily="18" charset="0"/>
-                <a:cs typeface="Times New Roman" panose="02020603050405020304" pitchFamily="18" charset="0"/>
-              </a:rPr>
-              <a:t>Demo</a:t>
-            </a:r>
-          </a:p>
-        </p:txBody>
-      </p:sp>
-    </p:spTree>
-    <p:extLst>
-      <p:ext uri="{BB962C8B-B14F-4D97-AF65-F5344CB8AC3E}">
-        <p14:creationId xmlns:p14="http://schemas.microsoft.com/office/powerpoint/2010/main" val="2154294979"/>
       </p:ext>
     </p:extLst>
   </p:cSld>
@@ -16846,51 +18796,19 @@
           <a:p>
             <a:pPr algn="ctr"/>
             <a:r>
-              <a:rPr lang="en-US" sz="4000" dirty="0" err="1">
-                <a:latin typeface="Times New Roman" panose="02020603050405020304" pitchFamily="18" charset="0"/>
-                <a:cs typeface="Times New Roman" panose="02020603050405020304" pitchFamily="18" charset="0"/>
-              </a:rPr>
-              <a:t>Lời</a:t>
-            </a:r>
-            <a:r>
               <a:rPr lang="en-US" sz="4000" dirty="0">
                 <a:latin typeface="Times New Roman" panose="02020603050405020304" pitchFamily="18" charset="0"/>
                 <a:cs typeface="Times New Roman" panose="02020603050405020304" pitchFamily="18" charset="0"/>
               </a:rPr>
-              <a:t> </a:t>
-            </a:r>
-            <a:r>
-              <a:rPr lang="en-US" sz="4000" dirty="0" err="1">
-                <a:latin typeface="Times New Roman" panose="02020603050405020304" pitchFamily="18" charset="0"/>
-                <a:cs typeface="Times New Roman" panose="02020603050405020304" pitchFamily="18" charset="0"/>
-              </a:rPr>
-              <a:t>cảm</a:t>
-            </a:r>
-            <a:r>
-              <a:rPr lang="en-US" sz="4000" dirty="0">
-                <a:latin typeface="Times New Roman" panose="02020603050405020304" pitchFamily="18" charset="0"/>
-                <a:cs typeface="Times New Roman" panose="02020603050405020304" pitchFamily="18" charset="0"/>
-              </a:rPr>
-              <a:t> </a:t>
-            </a:r>
-            <a:r>
-              <a:rPr lang="en-US" sz="4000" dirty="0" err="1">
-                <a:latin typeface="Times New Roman" panose="02020603050405020304" pitchFamily="18" charset="0"/>
-                <a:cs typeface="Times New Roman" panose="02020603050405020304" pitchFamily="18" charset="0"/>
-              </a:rPr>
-              <a:t>ơn</a:t>
-            </a:r>
-            <a:endParaRPr lang="en-US" sz="4000" dirty="0">
-              <a:latin typeface="Times New Roman" panose="02020603050405020304" pitchFamily="18" charset="0"/>
-              <a:cs typeface="Times New Roman" panose="02020603050405020304" pitchFamily="18" charset="0"/>
-            </a:endParaRPr>
+              <a:t>Demo</a:t>
+            </a:r>
           </a:p>
         </p:txBody>
       </p:sp>
     </p:spTree>
     <p:extLst>
       <p:ext uri="{BB962C8B-B14F-4D97-AF65-F5344CB8AC3E}">
-        <p14:creationId xmlns:p14="http://schemas.microsoft.com/office/powerpoint/2010/main" val="1058589262"/>
+        <p14:creationId xmlns:p14="http://schemas.microsoft.com/office/powerpoint/2010/main" val="2154294979"/>
       </p:ext>
     </p:extLst>
   </p:cSld>
@@ -17033,7 +18951,7 @@
                 <a:latin typeface="Times New Roman" panose="02020603050405020304" pitchFamily="18" charset="0"/>
                 <a:cs typeface="Times New Roman" panose="02020603050405020304" pitchFamily="18" charset="0"/>
               </a:rPr>
-              <a:t>Các</a:t>
+              <a:t>Một</a:t>
             </a:r>
             <a:r>
               <a:rPr lang="en-US" sz="2800" dirty="0">
@@ -17047,6 +18965,20 @@
                 <a:latin typeface="Times New Roman" panose="02020603050405020304" pitchFamily="18" charset="0"/>
                 <a:cs typeface="Times New Roman" panose="02020603050405020304" pitchFamily="18" charset="0"/>
               </a:rPr>
+              <a:t>số</a:t>
+            </a:r>
+            <a:r>
+              <a:rPr lang="en-US" sz="2800" dirty="0">
+                <a:latin typeface="Times New Roman" panose="02020603050405020304" pitchFamily="18" charset="0"/>
+                <a:cs typeface="Times New Roman" panose="02020603050405020304" pitchFamily="18" charset="0"/>
+              </a:rPr>
+              <a:t> </a:t>
+            </a:r>
+            <a:r>
+              <a:rPr lang="en-US" sz="2800" dirty="0" err="1">
+                <a:latin typeface="Times New Roman" panose="02020603050405020304" pitchFamily="18" charset="0"/>
+                <a:cs typeface="Times New Roman" panose="02020603050405020304" pitchFamily="18" charset="0"/>
+              </a:rPr>
               <a:t>phương</a:t>
             </a:r>
             <a:r>
@@ -17097,20 +19029,6 @@
                 <a:cs typeface="Times New Roman" panose="02020603050405020304" pitchFamily="18" charset="0"/>
               </a:rPr>
               <a:t> &amp; </a:t>
-            </a:r>
-            <a:r>
-              <a:rPr lang="en-US" sz="2800" dirty="0" err="1">
-                <a:latin typeface="Times New Roman" panose="02020603050405020304" pitchFamily="18" charset="0"/>
-                <a:cs typeface="Times New Roman" panose="02020603050405020304" pitchFamily="18" charset="0"/>
-              </a:rPr>
-              <a:t>các</a:t>
-            </a:r>
-            <a:r>
-              <a:rPr lang="en-US" sz="2800" dirty="0">
-                <a:latin typeface="Times New Roman" panose="02020603050405020304" pitchFamily="18" charset="0"/>
-                <a:cs typeface="Times New Roman" panose="02020603050405020304" pitchFamily="18" charset="0"/>
-              </a:rPr>
-              <a:t> </a:t>
             </a:r>
             <a:r>
               <a:rPr lang="en-US" sz="2800" dirty="0" err="1">
@@ -17271,6 +19189,101 @@
     <p:extLst>
       <p:ext uri="{BB962C8B-B14F-4D97-AF65-F5344CB8AC3E}">
         <p14:creationId xmlns:p14="http://schemas.microsoft.com/office/powerpoint/2010/main" val="2397621973"/>
+      </p:ext>
+    </p:extLst>
+  </p:cSld>
+  <p:clrMapOvr>
+    <a:masterClrMapping/>
+  </p:clrMapOvr>
+</p:sld>
+</file>
+
+<file path=ppt/slides/slide20.xml><?xml version="1.0" encoding="utf-8"?>
+<p:sld xmlns:a="http://schemas.openxmlformats.org/drawingml/2006/main" xmlns:r="http://schemas.openxmlformats.org/officeDocument/2006/relationships" xmlns:p="http://schemas.openxmlformats.org/presentationml/2006/main">
+  <p:cSld>
+    <p:spTree>
+      <p:nvGrpSpPr>
+        <p:cNvPr id="1" name=""/>
+        <p:cNvGrpSpPr/>
+        <p:nvPr/>
+      </p:nvGrpSpPr>
+      <p:grpSpPr>
+        <a:xfrm>
+          <a:off x="0" y="0"/>
+          <a:ext cx="0" cy="0"/>
+          <a:chOff x="0" y="0"/>
+          <a:chExt cx="0" cy="0"/>
+        </a:xfrm>
+      </p:grpSpPr>
+      <p:sp>
+        <p:nvSpPr>
+          <p:cNvPr id="2" name="Title 1"/>
+          <p:cNvSpPr>
+            <a:spLocks noGrp="1"/>
+          </p:cNvSpPr>
+          <p:nvPr>
+            <p:ph type="title"/>
+          </p:nvPr>
+        </p:nvSpPr>
+        <p:spPr>
+          <a:xfrm>
+            <a:off x="775305" y="527957"/>
+            <a:ext cx="8940195" cy="1055914"/>
+          </a:xfrm>
+        </p:spPr>
+        <p:txBody>
+          <a:bodyPr>
+            <a:normAutofit/>
+          </a:bodyPr>
+          <a:lstStyle/>
+          <a:p>
+            <a:pPr algn="ctr"/>
+            <a:r>
+              <a:rPr lang="en-US" sz="4000" dirty="0" err="1">
+                <a:latin typeface="Times New Roman" panose="02020603050405020304" pitchFamily="18" charset="0"/>
+                <a:cs typeface="Times New Roman" panose="02020603050405020304" pitchFamily="18" charset="0"/>
+              </a:rPr>
+              <a:t>Lời</a:t>
+            </a:r>
+            <a:r>
+              <a:rPr lang="en-US" sz="4000" dirty="0">
+                <a:latin typeface="Times New Roman" panose="02020603050405020304" pitchFamily="18" charset="0"/>
+                <a:cs typeface="Times New Roman" panose="02020603050405020304" pitchFamily="18" charset="0"/>
+              </a:rPr>
+              <a:t> </a:t>
+            </a:r>
+            <a:r>
+              <a:rPr lang="en-US" sz="4000" dirty="0" err="1">
+                <a:latin typeface="Times New Roman" panose="02020603050405020304" pitchFamily="18" charset="0"/>
+                <a:cs typeface="Times New Roman" panose="02020603050405020304" pitchFamily="18" charset="0"/>
+              </a:rPr>
+              <a:t>cảm</a:t>
+            </a:r>
+            <a:r>
+              <a:rPr lang="en-US" sz="4000" dirty="0">
+                <a:latin typeface="Times New Roman" panose="02020603050405020304" pitchFamily="18" charset="0"/>
+                <a:cs typeface="Times New Roman" panose="02020603050405020304" pitchFamily="18" charset="0"/>
+              </a:rPr>
+              <a:t> </a:t>
+            </a:r>
+            <a:r>
+              <a:rPr lang="en-US" sz="4000" dirty="0" err="1">
+                <a:latin typeface="Times New Roman" panose="02020603050405020304" pitchFamily="18" charset="0"/>
+                <a:cs typeface="Times New Roman" panose="02020603050405020304" pitchFamily="18" charset="0"/>
+              </a:rPr>
+              <a:t>ơn</a:t>
+            </a:r>
+            <a:endParaRPr lang="en-US" sz="4000" dirty="0">
+              <a:latin typeface="Times New Roman" panose="02020603050405020304" pitchFamily="18" charset="0"/>
+              <a:cs typeface="Times New Roman" panose="02020603050405020304" pitchFamily="18" charset="0"/>
+            </a:endParaRPr>
+          </a:p>
+        </p:txBody>
+      </p:sp>
+    </p:spTree>
+    <p:extLst>
+      <p:ext uri="{BB962C8B-B14F-4D97-AF65-F5344CB8AC3E}">
+        <p14:creationId xmlns:p14="http://schemas.microsoft.com/office/powerpoint/2010/main" val="1058589262"/>
       </p:ext>
     </p:extLst>
   </p:cSld>
@@ -18168,7 +20181,7 @@
             <a:pPr algn="ctr"/>
             <a:r>
               <a:rPr lang="en-US" sz="2000" b="1" dirty="0"/>
-              <a:t>Hey boy, I have a machine can help you. Just give your preferences to this machine and it give you what you like.</a:t>
+              <a:t>Hey boy, I have a machine can help you. Just give your preferences to this machine and it gives you what you like.</a:t>
             </a:r>
           </a:p>
         </p:txBody>
@@ -19376,7 +21389,7 @@
       </p:grpSpPr>
       <p:sp>
         <p:nvSpPr>
-          <p:cNvPr id="2" name="Title 1"/>
+          <p:cNvPr id="13" name="Title 1"/>
           <p:cNvSpPr>
             <a:spLocks noGrp="1"/>
           </p:cNvSpPr>
@@ -19384,112 +21397,10 @@
             <p:ph type="title"/>
           </p:nvPr>
         </p:nvSpPr>
-        <p:spPr/>
-        <p:txBody>
-          <a:bodyPr>
-            <a:normAutofit/>
-          </a:bodyPr>
-          <a:lstStyle/>
-          <a:p>
-            <a:pPr algn="ctr"/>
-            <a:r>
-              <a:rPr lang="en-US" sz="4000" dirty="0" err="1">
-                <a:latin typeface="Times New Roman" panose="02020603050405020304" pitchFamily="18" charset="0"/>
-                <a:cs typeface="Times New Roman" panose="02020603050405020304" pitchFamily="18" charset="0"/>
-              </a:rPr>
-              <a:t>Lợi</a:t>
-            </a:r>
-            <a:r>
-              <a:rPr lang="en-US" sz="4000" dirty="0">
-                <a:latin typeface="Times New Roman" panose="02020603050405020304" pitchFamily="18" charset="0"/>
-                <a:cs typeface="Times New Roman" panose="02020603050405020304" pitchFamily="18" charset="0"/>
-              </a:rPr>
-              <a:t> </a:t>
-            </a:r>
-            <a:r>
-              <a:rPr lang="en-US" sz="4000" dirty="0" err="1">
-                <a:latin typeface="Times New Roman" panose="02020603050405020304" pitchFamily="18" charset="0"/>
-                <a:cs typeface="Times New Roman" panose="02020603050405020304" pitchFamily="18" charset="0"/>
-              </a:rPr>
-              <a:t>ích</a:t>
-            </a:r>
-            <a:r>
-              <a:rPr lang="en-US" sz="4000" dirty="0">
-                <a:latin typeface="Times New Roman" panose="02020603050405020304" pitchFamily="18" charset="0"/>
-                <a:cs typeface="Times New Roman" panose="02020603050405020304" pitchFamily="18" charset="0"/>
-              </a:rPr>
-              <a:t> </a:t>
-            </a:r>
-            <a:r>
-              <a:rPr lang="en-US" sz="4000" dirty="0" err="1">
-                <a:latin typeface="Times New Roman" panose="02020603050405020304" pitchFamily="18" charset="0"/>
-                <a:cs typeface="Times New Roman" panose="02020603050405020304" pitchFamily="18" charset="0"/>
-              </a:rPr>
-              <a:t>của</a:t>
-            </a:r>
-            <a:r>
-              <a:rPr lang="en-US" sz="4000" dirty="0">
-                <a:latin typeface="Times New Roman" panose="02020603050405020304" pitchFamily="18" charset="0"/>
-                <a:cs typeface="Times New Roman" panose="02020603050405020304" pitchFamily="18" charset="0"/>
-              </a:rPr>
-              <a:t> </a:t>
-            </a:r>
-            <a:r>
-              <a:rPr lang="en-US" sz="4000" dirty="0" err="1">
-                <a:latin typeface="Times New Roman" panose="02020603050405020304" pitchFamily="18" charset="0"/>
-                <a:cs typeface="Times New Roman" panose="02020603050405020304" pitchFamily="18" charset="0"/>
-              </a:rPr>
-              <a:t>hệ</a:t>
-            </a:r>
-            <a:r>
-              <a:rPr lang="en-US" sz="4000" dirty="0">
-                <a:latin typeface="Times New Roman" panose="02020603050405020304" pitchFamily="18" charset="0"/>
-                <a:cs typeface="Times New Roman" panose="02020603050405020304" pitchFamily="18" charset="0"/>
-              </a:rPr>
-              <a:t> </a:t>
-            </a:r>
-            <a:r>
-              <a:rPr lang="en-US" sz="4000" dirty="0" err="1">
-                <a:latin typeface="Times New Roman" panose="02020603050405020304" pitchFamily="18" charset="0"/>
-                <a:cs typeface="Times New Roman" panose="02020603050405020304" pitchFamily="18" charset="0"/>
-              </a:rPr>
-              <a:t>khuyến</a:t>
-            </a:r>
-            <a:r>
-              <a:rPr lang="en-US" sz="4000" dirty="0">
-                <a:latin typeface="Times New Roman" panose="02020603050405020304" pitchFamily="18" charset="0"/>
-                <a:cs typeface="Times New Roman" panose="02020603050405020304" pitchFamily="18" charset="0"/>
-              </a:rPr>
-              <a:t> </a:t>
-            </a:r>
-            <a:r>
-              <a:rPr lang="en-US" sz="4000" dirty="0" err="1">
-                <a:latin typeface="Times New Roman" panose="02020603050405020304" pitchFamily="18" charset="0"/>
-                <a:cs typeface="Times New Roman" panose="02020603050405020304" pitchFamily="18" charset="0"/>
-              </a:rPr>
-              <a:t>nghị</a:t>
-            </a:r>
-            <a:endParaRPr lang="en-US" sz="4000" dirty="0">
-              <a:latin typeface="Times New Roman" panose="02020603050405020304" pitchFamily="18" charset="0"/>
-              <a:cs typeface="Times New Roman" panose="02020603050405020304" pitchFamily="18" charset="0"/>
-            </a:endParaRPr>
-          </a:p>
-        </p:txBody>
-      </p:sp>
-      <p:sp>
-        <p:nvSpPr>
-          <p:cNvPr id="3" name="Content Placeholder 2"/>
-          <p:cNvSpPr>
-            <a:spLocks noGrp="1"/>
-          </p:cNvSpPr>
-          <p:nvPr>
-            <p:ph idx="1"/>
-          </p:nvPr>
-        </p:nvSpPr>
         <p:spPr>
           <a:xfrm>
-            <a:off x="677334" y="2160589"/>
-            <a:ext cx="8596668" cy="3084511"/>
+            <a:off x="677334" y="609600"/>
+            <a:ext cx="8596668" cy="1320800"/>
           </a:xfrm>
         </p:spPr>
         <p:txBody>
@@ -19498,321 +21409,375 @@
           </a:bodyPr>
           <a:lstStyle/>
           <a:p>
-            <a:pPr>
-              <a:buFontTx/>
-              <a:buChar char="-"/>
-            </a:pPr>
-            <a:r>
-              <a:rPr lang="en-US" sz="2800" dirty="0">
-                <a:latin typeface="Times New Roman" panose="02020603050405020304" pitchFamily="18" charset="0"/>
-                <a:cs typeface="Times New Roman" panose="02020603050405020304" pitchFamily="18" charset="0"/>
-                <a:sym typeface="Wingdings" panose="05000000000000000000" pitchFamily="2" charset="2"/>
-              </a:rPr>
-              <a:t> </a:t>
-            </a:r>
-            <a:r>
-              <a:rPr lang="en-US" sz="2800" dirty="0" err="1">
-                <a:latin typeface="Times New Roman" panose="02020603050405020304" pitchFamily="18" charset="0"/>
-                <a:cs typeface="Times New Roman" panose="02020603050405020304" pitchFamily="18" charset="0"/>
-                <a:sym typeface="Wingdings" panose="05000000000000000000" pitchFamily="2" charset="2"/>
-              </a:rPr>
-              <a:t>Tránh</a:t>
-            </a:r>
-            <a:r>
-              <a:rPr lang="en-US" sz="2800" dirty="0">
-                <a:latin typeface="Times New Roman" panose="02020603050405020304" pitchFamily="18" charset="0"/>
-                <a:cs typeface="Times New Roman" panose="02020603050405020304" pitchFamily="18" charset="0"/>
-                <a:sym typeface="Wingdings" panose="05000000000000000000" pitchFamily="2" charset="2"/>
-              </a:rPr>
-              <a:t> </a:t>
-            </a:r>
-            <a:r>
-              <a:rPr lang="en-US" sz="2800" dirty="0" err="1">
-                <a:latin typeface="Times New Roman" panose="02020603050405020304" pitchFamily="18" charset="0"/>
-                <a:cs typeface="Times New Roman" panose="02020603050405020304" pitchFamily="18" charset="0"/>
-                <a:sym typeface="Wingdings" panose="05000000000000000000" pitchFamily="2" charset="2"/>
+            <a:pPr algn="ctr"/>
+            <a:r>
+              <a:rPr lang="en-US" sz="4000" dirty="0" err="1">
+                <a:latin typeface="Times New Roman" panose="02020603050405020304" pitchFamily="18" charset="0"/>
+                <a:cs typeface="Times New Roman" panose="02020603050405020304" pitchFamily="18" charset="0"/>
+              </a:rPr>
+              <a:t>Khuyến</a:t>
+            </a:r>
+            <a:r>
+              <a:rPr lang="en-US" sz="4000" dirty="0">
+                <a:latin typeface="Times New Roman" panose="02020603050405020304" pitchFamily="18" charset="0"/>
+                <a:cs typeface="Times New Roman" panose="02020603050405020304" pitchFamily="18" charset="0"/>
+              </a:rPr>
+              <a:t> </a:t>
+            </a:r>
+            <a:r>
+              <a:rPr lang="en-US" sz="4000" dirty="0" err="1">
+                <a:latin typeface="Times New Roman" panose="02020603050405020304" pitchFamily="18" charset="0"/>
+                <a:cs typeface="Times New Roman" panose="02020603050405020304" pitchFamily="18" charset="0"/>
+              </a:rPr>
+              <a:t>nghị</a:t>
+            </a:r>
+            <a:r>
+              <a:rPr lang="en-US" sz="4000" dirty="0">
+                <a:latin typeface="Times New Roman" panose="02020603050405020304" pitchFamily="18" charset="0"/>
+                <a:cs typeface="Times New Roman" panose="02020603050405020304" pitchFamily="18" charset="0"/>
+              </a:rPr>
+              <a:t> </a:t>
+            </a:r>
+            <a:r>
+              <a:rPr lang="en-US" sz="4000" dirty="0" err="1">
+                <a:latin typeface="Times New Roman" panose="02020603050405020304" pitchFamily="18" charset="0"/>
+                <a:cs typeface="Times New Roman" panose="02020603050405020304" pitchFamily="18" charset="0"/>
               </a:rPr>
               <a:t>việc</a:t>
             </a:r>
             <a:r>
-              <a:rPr lang="en-US" sz="2800" dirty="0">
-                <a:latin typeface="Times New Roman" panose="02020603050405020304" pitchFamily="18" charset="0"/>
-                <a:cs typeface="Times New Roman" panose="02020603050405020304" pitchFamily="18" charset="0"/>
-                <a:sym typeface="Wingdings" panose="05000000000000000000" pitchFamily="2" charset="2"/>
-              </a:rPr>
-              <a:t> </a:t>
-            </a:r>
-            <a:r>
-              <a:rPr lang="en-US" sz="2800" dirty="0" err="1">
-                <a:latin typeface="Times New Roman" panose="02020603050405020304" pitchFamily="18" charset="0"/>
-                <a:cs typeface="Times New Roman" panose="02020603050405020304" pitchFamily="18" charset="0"/>
-                <a:sym typeface="Wingdings" panose="05000000000000000000" pitchFamily="2" charset="2"/>
-              </a:rPr>
-              <a:t>quá</a:t>
-            </a:r>
-            <a:r>
-              <a:rPr lang="en-US" sz="2800" dirty="0">
-                <a:latin typeface="Times New Roman" panose="02020603050405020304" pitchFamily="18" charset="0"/>
-                <a:cs typeface="Times New Roman" panose="02020603050405020304" pitchFamily="18" charset="0"/>
-                <a:sym typeface="Wingdings" panose="05000000000000000000" pitchFamily="2" charset="2"/>
-              </a:rPr>
-              <a:t> </a:t>
-            </a:r>
-            <a:r>
-              <a:rPr lang="en-US" sz="2800" dirty="0" err="1">
-                <a:latin typeface="Times New Roman" panose="02020603050405020304" pitchFamily="18" charset="0"/>
-                <a:cs typeface="Times New Roman" panose="02020603050405020304" pitchFamily="18" charset="0"/>
-                <a:sym typeface="Wingdings" panose="05000000000000000000" pitchFamily="2" charset="2"/>
-              </a:rPr>
-              <a:t>tải</a:t>
-            </a:r>
-            <a:r>
-              <a:rPr lang="en-US" sz="2800" dirty="0">
-                <a:latin typeface="Times New Roman" panose="02020603050405020304" pitchFamily="18" charset="0"/>
-                <a:cs typeface="Times New Roman" panose="02020603050405020304" pitchFamily="18" charset="0"/>
-                <a:sym typeface="Wingdings" panose="05000000000000000000" pitchFamily="2" charset="2"/>
-              </a:rPr>
-              <a:t> </a:t>
-            </a:r>
-            <a:r>
-              <a:rPr lang="en-US" sz="2800" dirty="0" err="1">
-                <a:latin typeface="Times New Roman" panose="02020603050405020304" pitchFamily="18" charset="0"/>
-                <a:cs typeface="Times New Roman" panose="02020603050405020304" pitchFamily="18" charset="0"/>
-                <a:sym typeface="Wingdings" panose="05000000000000000000" pitchFamily="2" charset="2"/>
-              </a:rPr>
-              <a:t>dữ</a:t>
-            </a:r>
-            <a:r>
-              <a:rPr lang="en-US" sz="2800" dirty="0">
-                <a:latin typeface="Times New Roman" panose="02020603050405020304" pitchFamily="18" charset="0"/>
-                <a:cs typeface="Times New Roman" panose="02020603050405020304" pitchFamily="18" charset="0"/>
-                <a:sym typeface="Wingdings" panose="05000000000000000000" pitchFamily="2" charset="2"/>
-              </a:rPr>
-              <a:t> </a:t>
-            </a:r>
-            <a:r>
-              <a:rPr lang="en-US" sz="2800" dirty="0" err="1">
-                <a:latin typeface="Times New Roman" panose="02020603050405020304" pitchFamily="18" charset="0"/>
-                <a:cs typeface="Times New Roman" panose="02020603050405020304" pitchFamily="18" charset="0"/>
-                <a:sym typeface="Wingdings" panose="05000000000000000000" pitchFamily="2" charset="2"/>
-              </a:rPr>
-              <a:t>liệu</a:t>
-            </a:r>
-            <a:endParaRPr lang="en-US" sz="2800" dirty="0">
-              <a:latin typeface="Times New Roman" panose="02020603050405020304" pitchFamily="18" charset="0"/>
-              <a:cs typeface="Times New Roman" panose="02020603050405020304" pitchFamily="18" charset="0"/>
-              <a:sym typeface="Wingdings" panose="05000000000000000000" pitchFamily="2" charset="2"/>
-            </a:endParaRPr>
-          </a:p>
-          <a:p>
-            <a:pPr>
-              <a:buFontTx/>
-              <a:buChar char="-"/>
-            </a:pPr>
-            <a:r>
-              <a:rPr lang="en-US" sz="2800" dirty="0">
-                <a:latin typeface="Times New Roman" panose="02020603050405020304" pitchFamily="18" charset="0"/>
-                <a:cs typeface="Times New Roman" panose="02020603050405020304" pitchFamily="18" charset="0"/>
-                <a:sym typeface="Wingdings" panose="05000000000000000000" pitchFamily="2" charset="2"/>
-              </a:rPr>
-              <a:t> </a:t>
-            </a:r>
-            <a:r>
-              <a:rPr lang="en-US" sz="2800" dirty="0" err="1">
-                <a:latin typeface="Times New Roman" panose="02020603050405020304" pitchFamily="18" charset="0"/>
-                <a:cs typeface="Times New Roman" panose="02020603050405020304" pitchFamily="18" charset="0"/>
-                <a:sym typeface="Wingdings" panose="05000000000000000000" pitchFamily="2" charset="2"/>
-              </a:rPr>
-              <a:t>Tiết</a:t>
-            </a:r>
-            <a:r>
-              <a:rPr lang="en-US" sz="2800" dirty="0">
-                <a:latin typeface="Times New Roman" panose="02020603050405020304" pitchFamily="18" charset="0"/>
-                <a:cs typeface="Times New Roman" panose="02020603050405020304" pitchFamily="18" charset="0"/>
-                <a:sym typeface="Wingdings" panose="05000000000000000000" pitchFamily="2" charset="2"/>
-              </a:rPr>
-              <a:t> </a:t>
-            </a:r>
-            <a:r>
-              <a:rPr lang="en-US" sz="2800" dirty="0" err="1">
-                <a:latin typeface="Times New Roman" panose="02020603050405020304" pitchFamily="18" charset="0"/>
-                <a:cs typeface="Times New Roman" panose="02020603050405020304" pitchFamily="18" charset="0"/>
-                <a:sym typeface="Wingdings" panose="05000000000000000000" pitchFamily="2" charset="2"/>
-              </a:rPr>
-              <a:t>kiệm</a:t>
-            </a:r>
-            <a:r>
-              <a:rPr lang="en-US" sz="2800" dirty="0">
-                <a:latin typeface="Times New Roman" panose="02020603050405020304" pitchFamily="18" charset="0"/>
-                <a:cs typeface="Times New Roman" panose="02020603050405020304" pitchFamily="18" charset="0"/>
-                <a:sym typeface="Wingdings" panose="05000000000000000000" pitchFamily="2" charset="2"/>
-              </a:rPr>
-              <a:t> </a:t>
-            </a:r>
-            <a:r>
-              <a:rPr lang="en-US" sz="2800" dirty="0" err="1">
-                <a:latin typeface="Times New Roman" panose="02020603050405020304" pitchFamily="18" charset="0"/>
-                <a:cs typeface="Times New Roman" panose="02020603050405020304" pitchFamily="18" charset="0"/>
-                <a:sym typeface="Wingdings" panose="05000000000000000000" pitchFamily="2" charset="2"/>
-              </a:rPr>
-              <a:t>thời</a:t>
-            </a:r>
-            <a:r>
-              <a:rPr lang="en-US" sz="2800" dirty="0">
-                <a:latin typeface="Times New Roman" panose="02020603050405020304" pitchFamily="18" charset="0"/>
-                <a:cs typeface="Times New Roman" panose="02020603050405020304" pitchFamily="18" charset="0"/>
-                <a:sym typeface="Wingdings" panose="05000000000000000000" pitchFamily="2" charset="2"/>
-              </a:rPr>
-              <a:t> </a:t>
-            </a:r>
-            <a:r>
-              <a:rPr lang="en-US" sz="2800" dirty="0" err="1">
-                <a:latin typeface="Times New Roman" panose="02020603050405020304" pitchFamily="18" charset="0"/>
-                <a:cs typeface="Times New Roman" panose="02020603050405020304" pitchFamily="18" charset="0"/>
-                <a:sym typeface="Wingdings" panose="05000000000000000000" pitchFamily="2" charset="2"/>
-              </a:rPr>
-              <a:t>gian</a:t>
-            </a:r>
-            <a:r>
-              <a:rPr lang="en-US" sz="2800" dirty="0">
-                <a:latin typeface="Times New Roman" panose="02020603050405020304" pitchFamily="18" charset="0"/>
-                <a:cs typeface="Times New Roman" panose="02020603050405020304" pitchFamily="18" charset="0"/>
-                <a:sym typeface="Wingdings" panose="05000000000000000000" pitchFamily="2" charset="2"/>
-              </a:rPr>
-              <a:t>, chi </a:t>
-            </a:r>
-            <a:r>
-              <a:rPr lang="en-US" sz="2800" dirty="0" err="1">
-                <a:latin typeface="Times New Roman" panose="02020603050405020304" pitchFamily="18" charset="0"/>
-                <a:cs typeface="Times New Roman" panose="02020603050405020304" pitchFamily="18" charset="0"/>
-                <a:sym typeface="Wingdings" panose="05000000000000000000" pitchFamily="2" charset="2"/>
-              </a:rPr>
-              <a:t>phí</a:t>
-            </a:r>
-            <a:endParaRPr lang="en-US" sz="2800" dirty="0">
-              <a:latin typeface="Times New Roman" panose="02020603050405020304" pitchFamily="18" charset="0"/>
-              <a:cs typeface="Times New Roman" panose="02020603050405020304" pitchFamily="18" charset="0"/>
-              <a:sym typeface="Wingdings" panose="05000000000000000000" pitchFamily="2" charset="2"/>
-            </a:endParaRPr>
-          </a:p>
-          <a:p>
-            <a:pPr>
-              <a:buFontTx/>
-              <a:buChar char="-"/>
-            </a:pPr>
-            <a:r>
-              <a:rPr lang="en-US" sz="2800" dirty="0">
-                <a:latin typeface="Times New Roman" panose="02020603050405020304" pitchFamily="18" charset="0"/>
-                <a:cs typeface="Times New Roman" panose="02020603050405020304" pitchFamily="18" charset="0"/>
-                <a:sym typeface="Wingdings" panose="05000000000000000000" pitchFamily="2" charset="2"/>
-              </a:rPr>
-              <a:t> </a:t>
-            </a:r>
-            <a:r>
-              <a:rPr lang="en-US" sz="2800" dirty="0" err="1">
-                <a:latin typeface="Times New Roman" panose="02020603050405020304" pitchFamily="18" charset="0"/>
-                <a:cs typeface="Times New Roman" panose="02020603050405020304" pitchFamily="18" charset="0"/>
-                <a:sym typeface="Wingdings" panose="05000000000000000000" pitchFamily="2" charset="2"/>
-              </a:rPr>
-              <a:t>Hỗ</a:t>
-            </a:r>
-            <a:r>
-              <a:rPr lang="en-US" sz="2800" dirty="0">
-                <a:latin typeface="Times New Roman" panose="02020603050405020304" pitchFamily="18" charset="0"/>
-                <a:cs typeface="Times New Roman" panose="02020603050405020304" pitchFamily="18" charset="0"/>
-                <a:sym typeface="Wingdings" panose="05000000000000000000" pitchFamily="2" charset="2"/>
-              </a:rPr>
-              <a:t> </a:t>
-            </a:r>
-            <a:r>
-              <a:rPr lang="en-US" sz="2800" dirty="0" err="1">
-                <a:latin typeface="Times New Roman" panose="02020603050405020304" pitchFamily="18" charset="0"/>
-                <a:cs typeface="Times New Roman" panose="02020603050405020304" pitchFamily="18" charset="0"/>
-                <a:sym typeface="Wingdings" panose="05000000000000000000" pitchFamily="2" charset="2"/>
-              </a:rPr>
-              <a:t>trợ</a:t>
-            </a:r>
-            <a:r>
-              <a:rPr lang="en-US" sz="2800" dirty="0">
-                <a:latin typeface="Times New Roman" panose="02020603050405020304" pitchFamily="18" charset="0"/>
-                <a:cs typeface="Times New Roman" panose="02020603050405020304" pitchFamily="18" charset="0"/>
-                <a:sym typeface="Wingdings" panose="05000000000000000000" pitchFamily="2" charset="2"/>
-              </a:rPr>
-              <a:t>, </a:t>
-            </a:r>
-            <a:r>
-              <a:rPr lang="en-US" sz="2800" dirty="0" err="1">
-                <a:latin typeface="Times New Roman" panose="02020603050405020304" pitchFamily="18" charset="0"/>
-                <a:cs typeface="Times New Roman" panose="02020603050405020304" pitchFamily="18" charset="0"/>
-                <a:sym typeface="Wingdings" panose="05000000000000000000" pitchFamily="2" charset="2"/>
-              </a:rPr>
-              <a:t>tư</a:t>
-            </a:r>
-            <a:r>
-              <a:rPr lang="en-US" sz="2800" dirty="0">
-                <a:latin typeface="Times New Roman" panose="02020603050405020304" pitchFamily="18" charset="0"/>
-                <a:cs typeface="Times New Roman" panose="02020603050405020304" pitchFamily="18" charset="0"/>
-                <a:sym typeface="Wingdings" panose="05000000000000000000" pitchFamily="2" charset="2"/>
-              </a:rPr>
-              <a:t> </a:t>
-            </a:r>
-            <a:r>
-              <a:rPr lang="en-US" sz="2800" dirty="0" err="1">
-                <a:latin typeface="Times New Roman" panose="02020603050405020304" pitchFamily="18" charset="0"/>
-                <a:cs typeface="Times New Roman" panose="02020603050405020304" pitchFamily="18" charset="0"/>
-                <a:sym typeface="Wingdings" panose="05000000000000000000" pitchFamily="2" charset="2"/>
-              </a:rPr>
-              <a:t>vấn</a:t>
-            </a:r>
-            <a:r>
-              <a:rPr lang="en-US" sz="2800" dirty="0">
-                <a:latin typeface="Times New Roman" panose="02020603050405020304" pitchFamily="18" charset="0"/>
-                <a:cs typeface="Times New Roman" panose="02020603050405020304" pitchFamily="18" charset="0"/>
-                <a:sym typeface="Wingdings" panose="05000000000000000000" pitchFamily="2" charset="2"/>
-              </a:rPr>
-              <a:t> </a:t>
-            </a:r>
-            <a:r>
-              <a:rPr lang="en-US" sz="2800" dirty="0" err="1">
-                <a:latin typeface="Times New Roman" panose="02020603050405020304" pitchFamily="18" charset="0"/>
-                <a:cs typeface="Times New Roman" panose="02020603050405020304" pitchFamily="18" charset="0"/>
-                <a:sym typeface="Wingdings" panose="05000000000000000000" pitchFamily="2" charset="2"/>
-              </a:rPr>
-              <a:t>bán</a:t>
-            </a:r>
-            <a:r>
-              <a:rPr lang="en-US" sz="2800" dirty="0">
-                <a:latin typeface="Times New Roman" panose="02020603050405020304" pitchFamily="18" charset="0"/>
-                <a:cs typeface="Times New Roman" panose="02020603050405020304" pitchFamily="18" charset="0"/>
-                <a:sym typeface="Wingdings" panose="05000000000000000000" pitchFamily="2" charset="2"/>
-              </a:rPr>
-              <a:t> </a:t>
-            </a:r>
-            <a:r>
-              <a:rPr lang="en-US" sz="2800" dirty="0" err="1">
-                <a:latin typeface="Times New Roman" panose="02020603050405020304" pitchFamily="18" charset="0"/>
-                <a:cs typeface="Times New Roman" panose="02020603050405020304" pitchFamily="18" charset="0"/>
-                <a:sym typeface="Wingdings" panose="05000000000000000000" pitchFamily="2" charset="2"/>
-              </a:rPr>
-              <a:t>hàng</a:t>
-            </a:r>
-            <a:endParaRPr lang="en-US" sz="2800" dirty="0">
-              <a:latin typeface="Times New Roman" panose="02020603050405020304" pitchFamily="18" charset="0"/>
-              <a:cs typeface="Times New Roman" panose="02020603050405020304" pitchFamily="18" charset="0"/>
-            </a:endParaRPr>
+              <a:rPr lang="en-US" sz="4000" dirty="0">
+                <a:latin typeface="Times New Roman" panose="02020603050405020304" pitchFamily="18" charset="0"/>
+                <a:cs typeface="Times New Roman" panose="02020603050405020304" pitchFamily="18" charset="0"/>
+              </a:rPr>
+              <a:t> </a:t>
+            </a:r>
+            <a:r>
+              <a:rPr lang="en-US" sz="4000" dirty="0" err="1">
+                <a:latin typeface="Times New Roman" panose="02020603050405020304" pitchFamily="18" charset="0"/>
+                <a:cs typeface="Times New Roman" panose="02020603050405020304" pitchFamily="18" charset="0"/>
+              </a:rPr>
+              <a:t>làm</a:t>
+            </a:r>
+            <a:r>
+              <a:rPr lang="en-US" sz="4000" dirty="0">
+                <a:latin typeface="Times New Roman" panose="02020603050405020304" pitchFamily="18" charset="0"/>
+                <a:cs typeface="Times New Roman" panose="02020603050405020304" pitchFamily="18" charset="0"/>
+              </a:rPr>
+              <a:t> </a:t>
+            </a:r>
+            <a:r>
+              <a:rPr lang="en-US" sz="4000" dirty="0" err="1">
+                <a:latin typeface="Times New Roman" panose="02020603050405020304" pitchFamily="18" charset="0"/>
+                <a:cs typeface="Times New Roman" panose="02020603050405020304" pitchFamily="18" charset="0"/>
+              </a:rPr>
+              <a:t>là</a:t>
+            </a:r>
+            <a:r>
+              <a:rPr lang="en-US" sz="4000" dirty="0">
+                <a:latin typeface="Times New Roman" panose="02020603050405020304" pitchFamily="18" charset="0"/>
+                <a:cs typeface="Times New Roman" panose="02020603050405020304" pitchFamily="18" charset="0"/>
+              </a:rPr>
+              <a:t> </a:t>
+            </a:r>
+            <a:r>
+              <a:rPr lang="en-US" sz="4000" dirty="0" err="1">
+                <a:latin typeface="Times New Roman" panose="02020603050405020304" pitchFamily="18" charset="0"/>
+                <a:cs typeface="Times New Roman" panose="02020603050405020304" pitchFamily="18" charset="0"/>
+              </a:rPr>
+              <a:t>gì</a:t>
+            </a:r>
+            <a:r>
+              <a:rPr lang="en-US" sz="4000" dirty="0">
+                <a:latin typeface="Times New Roman" panose="02020603050405020304" pitchFamily="18" charset="0"/>
+                <a:cs typeface="Times New Roman" panose="02020603050405020304" pitchFamily="18" charset="0"/>
+              </a:rPr>
+              <a:t>?</a:t>
+            </a:r>
+          </a:p>
+        </p:txBody>
+      </p:sp>
+      <p:sp>
+        <p:nvSpPr>
+          <p:cNvPr id="2" name="TextBox 1"/>
+          <p:cNvSpPr txBox="1"/>
+          <p:nvPr/>
+        </p:nvSpPr>
+        <p:spPr>
+          <a:xfrm>
+            <a:off x="1420585" y="2449285"/>
+            <a:ext cx="8392887" cy="2123658"/>
+          </a:xfrm>
+          <a:prstGeom prst="rect">
+            <a:avLst/>
+          </a:prstGeom>
+          <a:noFill/>
+        </p:spPr>
+        <p:txBody>
+          <a:bodyPr wrap="square" rtlCol="0">
+            <a:spAutoFit/>
+          </a:bodyPr>
+          <a:lstStyle/>
+          <a:p>
+            <a:r>
+              <a:rPr lang="en-US" sz="4400" dirty="0" err="1"/>
+              <a:t>Là</a:t>
+            </a:r>
+            <a:r>
+              <a:rPr lang="en-US" sz="4400" dirty="0"/>
+              <a:t> </a:t>
+            </a:r>
+            <a:r>
+              <a:rPr lang="en-US" sz="4400" dirty="0" err="1"/>
+              <a:t>bài</a:t>
+            </a:r>
+            <a:r>
+              <a:rPr lang="en-US" sz="4400" dirty="0"/>
+              <a:t> </a:t>
+            </a:r>
+            <a:r>
+              <a:rPr lang="en-US" sz="4400" dirty="0" err="1"/>
+              <a:t>toán</a:t>
+            </a:r>
+            <a:r>
+              <a:rPr lang="en-US" sz="4400" dirty="0"/>
+              <a:t> </a:t>
+            </a:r>
+            <a:r>
+              <a:rPr lang="en-US" sz="4400" dirty="0" err="1"/>
+              <a:t>đưa</a:t>
+            </a:r>
+            <a:r>
+              <a:rPr lang="en-US" sz="4400" dirty="0"/>
+              <a:t> </a:t>
+            </a:r>
+            <a:r>
+              <a:rPr lang="en-US" sz="4400" dirty="0" err="1"/>
+              <a:t>những</a:t>
+            </a:r>
+            <a:r>
+              <a:rPr lang="en-US" sz="4400" dirty="0"/>
+              <a:t> </a:t>
+            </a:r>
+            <a:r>
+              <a:rPr lang="en-US" sz="4400" dirty="0" err="1"/>
+              <a:t>công</a:t>
+            </a:r>
+            <a:r>
+              <a:rPr lang="en-US" sz="4400" dirty="0"/>
+              <a:t> </a:t>
+            </a:r>
+            <a:r>
+              <a:rPr lang="en-US" sz="4400" dirty="0" err="1"/>
+              <a:t>việc</a:t>
+            </a:r>
+            <a:r>
+              <a:rPr lang="en-US" sz="4400" dirty="0"/>
+              <a:t> </a:t>
+            </a:r>
+            <a:r>
+              <a:rPr lang="en-US" sz="4400" dirty="0" err="1"/>
+              <a:t>được</a:t>
+            </a:r>
+            <a:r>
+              <a:rPr lang="en-US" sz="4400" dirty="0"/>
+              <a:t> </a:t>
+            </a:r>
+            <a:r>
+              <a:rPr lang="en-US" sz="4400" dirty="0" err="1"/>
+              <a:t>máy</a:t>
+            </a:r>
+            <a:r>
+              <a:rPr lang="en-US" sz="4400" dirty="0"/>
+              <a:t> </a:t>
+            </a:r>
+            <a:r>
+              <a:rPr lang="en-US" sz="4400" dirty="0" err="1"/>
+              <a:t>tính</a:t>
+            </a:r>
+            <a:r>
+              <a:rPr lang="en-US" sz="4400" dirty="0"/>
+              <a:t> </a:t>
+            </a:r>
+            <a:r>
+              <a:rPr lang="en-US" sz="4400" dirty="0" err="1"/>
+              <a:t>dự</a:t>
+            </a:r>
+            <a:r>
+              <a:rPr lang="en-US" sz="4400" dirty="0"/>
+              <a:t> </a:t>
+            </a:r>
+            <a:r>
+              <a:rPr lang="en-US" sz="4400" dirty="0" err="1"/>
+              <a:t>đoán</a:t>
+            </a:r>
+            <a:r>
+              <a:rPr lang="en-US" sz="4400" dirty="0"/>
+              <a:t> </a:t>
+            </a:r>
+            <a:r>
+              <a:rPr lang="en-US" sz="4400" dirty="0" err="1"/>
+              <a:t>là</a:t>
+            </a:r>
+            <a:r>
+              <a:rPr lang="en-US" sz="4400" dirty="0"/>
+              <a:t> </a:t>
+            </a:r>
+            <a:r>
+              <a:rPr lang="en-US" sz="4400" dirty="0" err="1"/>
+              <a:t>phù</a:t>
+            </a:r>
+            <a:r>
+              <a:rPr lang="en-US" sz="4400" dirty="0"/>
+              <a:t> </a:t>
+            </a:r>
+            <a:r>
+              <a:rPr lang="en-US" sz="4400" dirty="0" err="1"/>
+              <a:t>hợp</a:t>
+            </a:r>
+            <a:r>
+              <a:rPr lang="en-US" sz="4400" dirty="0"/>
+              <a:t> </a:t>
+            </a:r>
+            <a:r>
+              <a:rPr lang="en-US" sz="4400" dirty="0" err="1"/>
+              <a:t>đến</a:t>
+            </a:r>
+            <a:r>
+              <a:rPr lang="en-US" sz="4400" dirty="0"/>
+              <a:t> </a:t>
+            </a:r>
+            <a:r>
+              <a:rPr lang="en-US" sz="4400" dirty="0" err="1"/>
+              <a:t>với</a:t>
+            </a:r>
+            <a:r>
+              <a:rPr lang="en-US" sz="4400" dirty="0"/>
+              <a:t> </a:t>
+            </a:r>
+            <a:r>
+              <a:rPr lang="en-US" sz="4400" dirty="0" err="1"/>
+              <a:t>người</a:t>
+            </a:r>
+            <a:r>
+              <a:rPr lang="en-US" sz="4400" dirty="0"/>
+              <a:t> </a:t>
+            </a:r>
+            <a:r>
+              <a:rPr lang="en-US" sz="4400" dirty="0" err="1"/>
+              <a:t>tìm</a:t>
+            </a:r>
+            <a:r>
+              <a:rPr lang="en-US" sz="4400" dirty="0"/>
+              <a:t> </a:t>
+            </a:r>
+            <a:r>
+              <a:rPr lang="en-US" sz="4400" dirty="0" err="1"/>
+              <a:t>việc</a:t>
+            </a:r>
+            <a:r>
+              <a:rPr lang="en-US" sz="4400" dirty="0"/>
+              <a:t>.</a:t>
+            </a:r>
           </a:p>
         </p:txBody>
       </p:sp>
     </p:spTree>
     <p:extLst>
       <p:ext uri="{BB962C8B-B14F-4D97-AF65-F5344CB8AC3E}">
-        <p14:creationId xmlns:p14="http://schemas.microsoft.com/office/powerpoint/2010/main" val="993822097"/>
+        <p14:creationId xmlns:p14="http://schemas.microsoft.com/office/powerpoint/2010/main" val="1892745379"/>
       </p:ext>
     </p:extLst>
   </p:cSld>
   <p:clrMapOvr>
     <a:masterClrMapping/>
   </p:clrMapOvr>
+  <p:timing>
+    <p:tnLst>
+      <p:par>
+        <p:cTn id="1" dur="indefinite" restart="never" nodeType="tmRoot">
+          <p:childTnLst>
+            <p:seq concurrent="1" nextAc="seek">
+              <p:cTn id="2" dur="indefinite" nodeType="mainSeq">
+                <p:childTnLst>
+                  <p:par>
+                    <p:cTn id="3" fill="hold">
+                      <p:stCondLst>
+                        <p:cond delay="indefinite"/>
+                      </p:stCondLst>
+                      <p:childTnLst>
+                        <p:par>
+                          <p:cTn id="4" fill="hold">
+                            <p:stCondLst>
+                              <p:cond delay="0"/>
+                            </p:stCondLst>
+                            <p:childTnLst>
+                              <p:par>
+                                <p:cTn id="5" presetID="10" presetClass="entr" presetSubtype="0" fill="hold" grpId="0" nodeType="clickEffect">
+                                  <p:stCondLst>
+                                    <p:cond delay="0"/>
+                                  </p:stCondLst>
+                                  <p:childTnLst>
+                                    <p:set>
+                                      <p:cBhvr>
+                                        <p:cTn id="6" dur="1" fill="hold">
+                                          <p:stCondLst>
+                                            <p:cond delay="0"/>
+                                          </p:stCondLst>
+                                        </p:cTn>
+                                        <p:tgtEl>
+                                          <p:spTgt spid="2"/>
+                                        </p:tgtEl>
+                                        <p:attrNameLst>
+                                          <p:attrName>style.visibility</p:attrName>
+                                        </p:attrNameLst>
+                                      </p:cBhvr>
+                                      <p:to>
+                                        <p:strVal val="visible"/>
+                                      </p:to>
+                                    </p:set>
+                                    <p:animEffect transition="in" filter="fade">
+                                      <p:cBhvr>
+                                        <p:cTn id="7" dur="500"/>
+                                        <p:tgtEl>
+                                          <p:spTgt spid="2"/>
+                                        </p:tgtEl>
+                                      </p:cBhvr>
+                                    </p:animEffect>
+                                  </p:childTnLst>
+                                </p:cTn>
+                              </p:par>
+                            </p:childTnLst>
+                          </p:cTn>
+                        </p:par>
+                      </p:childTnLst>
+                    </p:cTn>
+                  </p:par>
+                </p:childTnLst>
+              </p:cTn>
+              <p:prevCondLst>
+                <p:cond evt="onPrev" delay="0">
+                  <p:tgtEl>
+                    <p:sldTgt/>
+                  </p:tgtEl>
+                </p:cond>
+              </p:prevCondLst>
+              <p:nextCondLst>
+                <p:cond evt="onNext" delay="0">
+                  <p:tgtEl>
+                    <p:sldTgt/>
+                  </p:tgtEl>
+                </p:cond>
+              </p:nextCondLst>
+            </p:seq>
+          </p:childTnLst>
+        </p:cTn>
+      </p:par>
+    </p:tnLst>
+    <p:bldLst>
+      <p:bldP spid="2" grpId="0"/>
+    </p:bldLst>
+  </p:timing>
 </p:sld>
 </file>
 
@@ -19856,7 +21821,7 @@
                 <a:latin typeface="Times New Roman" panose="02020603050405020304" pitchFamily="18" charset="0"/>
                 <a:cs typeface="Times New Roman" panose="02020603050405020304" pitchFamily="18" charset="0"/>
               </a:rPr>
-              <a:t>Mục</a:t>
+              <a:t>Tại</a:t>
             </a:r>
             <a:r>
               <a:rPr lang="en-US" sz="4000" dirty="0">
@@ -19870,35 +21835,35 @@
                 <a:latin typeface="Times New Roman" panose="02020603050405020304" pitchFamily="18" charset="0"/>
                 <a:cs typeface="Times New Roman" panose="02020603050405020304" pitchFamily="18" charset="0"/>
               </a:rPr>
-              <a:t>đích</a:t>
+              <a:t>sao</a:t>
             </a:r>
             <a:r>
               <a:rPr lang="en-US" sz="4000" dirty="0">
                 <a:latin typeface="Times New Roman" panose="02020603050405020304" pitchFamily="18" charset="0"/>
                 <a:cs typeface="Times New Roman" panose="02020603050405020304" pitchFamily="18" charset="0"/>
               </a:rPr>
-              <a:t>, </a:t>
+              <a:t> </a:t>
             </a:r>
             <a:r>
               <a:rPr lang="en-US" sz="4000" dirty="0" err="1">
                 <a:latin typeface="Times New Roman" panose="02020603050405020304" pitchFamily="18" charset="0"/>
                 <a:cs typeface="Times New Roman" panose="02020603050405020304" pitchFamily="18" charset="0"/>
               </a:rPr>
-              <a:t>phạm</a:t>
+              <a:t>cần</a:t>
             </a:r>
             <a:r>
               <a:rPr lang="en-US" sz="4000" dirty="0">
                 <a:latin typeface="Times New Roman" panose="02020603050405020304" pitchFamily="18" charset="0"/>
                 <a:cs typeface="Times New Roman" panose="02020603050405020304" pitchFamily="18" charset="0"/>
               </a:rPr>
-              <a:t> vi </a:t>
+              <a:t> </a:t>
             </a:r>
             <a:r>
               <a:rPr lang="en-US" sz="4000" dirty="0" err="1">
                 <a:latin typeface="Times New Roman" panose="02020603050405020304" pitchFamily="18" charset="0"/>
                 <a:cs typeface="Times New Roman" panose="02020603050405020304" pitchFamily="18" charset="0"/>
               </a:rPr>
-              <a:t>đề</a:t>
+              <a:t>khuyến</a:t>
             </a:r>
             <a:r>
               <a:rPr lang="en-US" sz="4000" dirty="0">
@@ -19912,12 +21877,43 @@
                 <a:latin typeface="Times New Roman" panose="02020603050405020304" pitchFamily="18" charset="0"/>
                 <a:cs typeface="Times New Roman" panose="02020603050405020304" pitchFamily="18" charset="0"/>
               </a:rPr>
-              <a:t>tài</a:t>
-            </a:r>
-            <a:endParaRPr lang="en-US" sz="4000" dirty="0">
-              <a:latin typeface="Times New Roman" panose="02020603050405020304" pitchFamily="18" charset="0"/>
-              <a:cs typeface="Times New Roman" panose="02020603050405020304" pitchFamily="18" charset="0"/>
-            </a:endParaRPr>
+              <a:t>nghị</a:t>
+            </a:r>
+            <a:r>
+              <a:rPr lang="en-US" sz="4000" dirty="0">
+                <a:latin typeface="Times New Roman" panose="02020603050405020304" pitchFamily="18" charset="0"/>
+                <a:cs typeface="Times New Roman" panose="02020603050405020304" pitchFamily="18" charset="0"/>
+              </a:rPr>
+              <a:t> </a:t>
+            </a:r>
+            <a:r>
+              <a:rPr lang="en-US" sz="4000" dirty="0" err="1">
+                <a:latin typeface="Times New Roman" panose="02020603050405020304" pitchFamily="18" charset="0"/>
+                <a:cs typeface="Times New Roman" panose="02020603050405020304" pitchFamily="18" charset="0"/>
+              </a:rPr>
+              <a:t>việc</a:t>
+            </a:r>
+            <a:r>
+              <a:rPr lang="en-US" sz="4000" dirty="0">
+                <a:latin typeface="Times New Roman" panose="02020603050405020304" pitchFamily="18" charset="0"/>
+                <a:cs typeface="Times New Roman" panose="02020603050405020304" pitchFamily="18" charset="0"/>
+              </a:rPr>
+              <a:t> </a:t>
+            </a:r>
+            <a:r>
+              <a:rPr lang="en-US" sz="4000" dirty="0" err="1">
+                <a:latin typeface="Times New Roman" panose="02020603050405020304" pitchFamily="18" charset="0"/>
+                <a:cs typeface="Times New Roman" panose="02020603050405020304" pitchFamily="18" charset="0"/>
+              </a:rPr>
+              <a:t>làm</a:t>
+            </a:r>
+            <a:r>
+              <a:rPr lang="en-US" sz="4000" dirty="0">
+                <a:latin typeface="Times New Roman" panose="02020603050405020304" pitchFamily="18" charset="0"/>
+                <a:cs typeface="Times New Roman" panose="02020603050405020304" pitchFamily="18" charset="0"/>
+              </a:rPr>
+              <a:t>?</a:t>
+            </a:r>
           </a:p>
         </p:txBody>
       </p:sp>
@@ -19931,56 +21927,23 @@
             <p:ph idx="1"/>
           </p:nvPr>
         </p:nvSpPr>
-        <p:spPr/>
+        <p:spPr>
+          <a:xfrm>
+            <a:off x="1281492" y="2650446"/>
+            <a:ext cx="8596668" cy="3084511"/>
+          </a:xfrm>
+        </p:spPr>
         <p:txBody>
           <a:bodyPr>
             <a:normAutofit/>
           </a:bodyPr>
           <a:lstStyle/>
           <a:p>
-            <a:pPr>
-              <a:buFontTx/>
-              <a:buChar char="-"/>
-            </a:pPr>
-            <a:r>
-              <a:rPr lang="en-US" sz="2800" dirty="0" err="1">
-                <a:latin typeface="Times New Roman" panose="02020603050405020304" pitchFamily="18" charset="0"/>
-                <a:cs typeface="Times New Roman" panose="02020603050405020304" pitchFamily="18" charset="0"/>
-                <a:sym typeface="Wingdings" panose="05000000000000000000" pitchFamily="2" charset="2"/>
-              </a:rPr>
-              <a:t>Mục</a:t>
-            </a:r>
-            <a:r>
-              <a:rPr lang="en-US" sz="2800" dirty="0">
-                <a:latin typeface="Times New Roman" panose="02020603050405020304" pitchFamily="18" charset="0"/>
-                <a:cs typeface="Times New Roman" panose="02020603050405020304" pitchFamily="18" charset="0"/>
-                <a:sym typeface="Wingdings" panose="05000000000000000000" pitchFamily="2" charset="2"/>
-              </a:rPr>
-              <a:t> </a:t>
-            </a:r>
-            <a:r>
-              <a:rPr lang="en-US" sz="2800" dirty="0" err="1">
-                <a:latin typeface="Times New Roman" panose="02020603050405020304" pitchFamily="18" charset="0"/>
-                <a:cs typeface="Times New Roman" panose="02020603050405020304" pitchFamily="18" charset="0"/>
-                <a:sym typeface="Wingdings" panose="05000000000000000000" pitchFamily="2" charset="2"/>
-              </a:rPr>
-              <a:t>đích</a:t>
-            </a:r>
-            <a:r>
-              <a:rPr lang="en-US" sz="2800" dirty="0">
-                <a:latin typeface="Times New Roman" panose="02020603050405020304" pitchFamily="18" charset="0"/>
-                <a:cs typeface="Times New Roman" panose="02020603050405020304" pitchFamily="18" charset="0"/>
-                <a:sym typeface="Wingdings" panose="05000000000000000000" pitchFamily="2" charset="2"/>
-              </a:rPr>
-              <a:t>:</a:t>
-            </a:r>
-          </a:p>
-          <a:p>
-            <a:pPr marL="457200" lvl="1" indent="0">
+            <a:pPr marL="0" indent="0">
               <a:buNone/>
             </a:pPr>
             <a:r>
-              <a:rPr lang="en-US" sz="2600" dirty="0">
+              <a:rPr lang="en-US" sz="2800" dirty="0">
                 <a:latin typeface="Times New Roman" panose="02020603050405020304" pitchFamily="18" charset="0"/>
                 <a:cs typeface="Times New Roman" panose="02020603050405020304" pitchFamily="18" charset="0"/>
                 <a:sym typeface="Wingdings" panose="05000000000000000000" pitchFamily="2" charset="2"/>
@@ -19988,151 +21951,23 @@
               <a:t> </a:t>
             </a:r>
             <a:r>
-              <a:rPr lang="en-US" sz="2600" dirty="0" err="1">
-                <a:latin typeface="Times New Roman" panose="02020603050405020304" pitchFamily="18" charset="0"/>
-                <a:cs typeface="Times New Roman" panose="02020603050405020304" pitchFamily="18" charset="0"/>
-                <a:sym typeface="Wingdings" panose="05000000000000000000" pitchFamily="2" charset="2"/>
-              </a:rPr>
-              <a:t>Phục</a:t>
-            </a:r>
-            <a:r>
-              <a:rPr lang="en-US" sz="2600" dirty="0">
-                <a:latin typeface="Times New Roman" panose="02020603050405020304" pitchFamily="18" charset="0"/>
-                <a:cs typeface="Times New Roman" panose="02020603050405020304" pitchFamily="18" charset="0"/>
-                <a:sym typeface="Wingdings" panose="05000000000000000000" pitchFamily="2" charset="2"/>
-              </a:rPr>
-              <a:t> </a:t>
-            </a:r>
-            <a:r>
-              <a:rPr lang="en-US" sz="2600" dirty="0" err="1">
-                <a:latin typeface="Times New Roman" panose="02020603050405020304" pitchFamily="18" charset="0"/>
-                <a:cs typeface="Times New Roman" panose="02020603050405020304" pitchFamily="18" charset="0"/>
-                <a:sym typeface="Wingdings" panose="05000000000000000000" pitchFamily="2" charset="2"/>
-              </a:rPr>
-              <a:t>vụ</a:t>
-            </a:r>
-            <a:r>
-              <a:rPr lang="en-US" sz="2600" dirty="0">
-                <a:latin typeface="Times New Roman" panose="02020603050405020304" pitchFamily="18" charset="0"/>
-                <a:cs typeface="Times New Roman" panose="02020603050405020304" pitchFamily="18" charset="0"/>
-                <a:sym typeface="Wingdings" panose="05000000000000000000" pitchFamily="2" charset="2"/>
-              </a:rPr>
-              <a:t> </a:t>
-            </a:r>
-            <a:r>
-              <a:rPr lang="en-US" sz="2600" dirty="0" err="1">
-                <a:latin typeface="Times New Roman" panose="02020603050405020304" pitchFamily="18" charset="0"/>
-                <a:cs typeface="Times New Roman" panose="02020603050405020304" pitchFamily="18" charset="0"/>
-                <a:sym typeface="Wingdings" panose="05000000000000000000" pitchFamily="2" charset="2"/>
-              </a:rPr>
-              <a:t>các</a:t>
-            </a:r>
-            <a:r>
-              <a:rPr lang="en-US" sz="2600" dirty="0">
-                <a:latin typeface="Times New Roman" panose="02020603050405020304" pitchFamily="18" charset="0"/>
-                <a:cs typeface="Times New Roman" panose="02020603050405020304" pitchFamily="18" charset="0"/>
-                <a:sym typeface="Wingdings" panose="05000000000000000000" pitchFamily="2" charset="2"/>
-              </a:rPr>
-              <a:t> </a:t>
-            </a:r>
-            <a:r>
-              <a:rPr lang="en-US" sz="2600" dirty="0" err="1">
-                <a:latin typeface="Times New Roman" panose="02020603050405020304" pitchFamily="18" charset="0"/>
-                <a:cs typeface="Times New Roman" panose="02020603050405020304" pitchFamily="18" charset="0"/>
-                <a:sym typeface="Wingdings" panose="05000000000000000000" pitchFamily="2" charset="2"/>
-              </a:rPr>
-              <a:t>nghiên</a:t>
-            </a:r>
-            <a:r>
-              <a:rPr lang="en-US" sz="2600" dirty="0">
-                <a:latin typeface="Times New Roman" panose="02020603050405020304" pitchFamily="18" charset="0"/>
-                <a:cs typeface="Times New Roman" panose="02020603050405020304" pitchFamily="18" charset="0"/>
-                <a:sym typeface="Wingdings" panose="05000000000000000000" pitchFamily="2" charset="2"/>
-              </a:rPr>
-              <a:t> </a:t>
-            </a:r>
-            <a:r>
-              <a:rPr lang="en-US" sz="2600" dirty="0" err="1">
-                <a:latin typeface="Times New Roman" panose="02020603050405020304" pitchFamily="18" charset="0"/>
-                <a:cs typeface="Times New Roman" panose="02020603050405020304" pitchFamily="18" charset="0"/>
-                <a:sym typeface="Wingdings" panose="05000000000000000000" pitchFamily="2" charset="2"/>
-              </a:rPr>
-              <a:t>cứu</a:t>
-            </a:r>
-            <a:r>
-              <a:rPr lang="en-US" sz="2600" dirty="0">
-                <a:latin typeface="Times New Roman" panose="02020603050405020304" pitchFamily="18" charset="0"/>
-                <a:cs typeface="Times New Roman" panose="02020603050405020304" pitchFamily="18" charset="0"/>
-                <a:sym typeface="Wingdings" panose="05000000000000000000" pitchFamily="2" charset="2"/>
-              </a:rPr>
-              <a:t> </a:t>
-            </a:r>
-            <a:r>
-              <a:rPr lang="en-US" sz="2600" dirty="0" err="1">
-                <a:latin typeface="Times New Roman" panose="02020603050405020304" pitchFamily="18" charset="0"/>
-                <a:cs typeface="Times New Roman" panose="02020603050405020304" pitchFamily="18" charset="0"/>
-                <a:sym typeface="Wingdings" panose="05000000000000000000" pitchFamily="2" charset="2"/>
-              </a:rPr>
-              <a:t>về</a:t>
-            </a:r>
-            <a:r>
-              <a:rPr lang="en-US" sz="2600" dirty="0">
-                <a:latin typeface="Times New Roman" panose="02020603050405020304" pitchFamily="18" charset="0"/>
-                <a:cs typeface="Times New Roman" panose="02020603050405020304" pitchFamily="18" charset="0"/>
-                <a:sym typeface="Wingdings" panose="05000000000000000000" pitchFamily="2" charset="2"/>
-              </a:rPr>
-              <a:t> </a:t>
-            </a:r>
-            <a:r>
-              <a:rPr lang="en-US" sz="2600" dirty="0" err="1">
-                <a:latin typeface="Times New Roman" panose="02020603050405020304" pitchFamily="18" charset="0"/>
-                <a:cs typeface="Times New Roman" panose="02020603050405020304" pitchFamily="18" charset="0"/>
-                <a:sym typeface="Wingdings" panose="05000000000000000000" pitchFamily="2" charset="2"/>
-              </a:rPr>
-              <a:t>hệ</a:t>
-            </a:r>
-            <a:r>
-              <a:rPr lang="en-US" sz="2600" dirty="0">
-                <a:latin typeface="Times New Roman" panose="02020603050405020304" pitchFamily="18" charset="0"/>
-                <a:cs typeface="Times New Roman" panose="02020603050405020304" pitchFamily="18" charset="0"/>
-                <a:sym typeface="Wingdings" panose="05000000000000000000" pitchFamily="2" charset="2"/>
-              </a:rPr>
-              <a:t> </a:t>
-            </a:r>
-            <a:r>
-              <a:rPr lang="en-US" sz="2600" dirty="0" err="1">
-                <a:latin typeface="Times New Roman" panose="02020603050405020304" pitchFamily="18" charset="0"/>
-                <a:cs typeface="Times New Roman" panose="02020603050405020304" pitchFamily="18" charset="0"/>
-                <a:sym typeface="Wingdings" panose="05000000000000000000" pitchFamily="2" charset="2"/>
-              </a:rPr>
-              <a:t>khuyến</a:t>
-            </a:r>
-            <a:r>
-              <a:rPr lang="en-US" sz="2600" dirty="0">
-                <a:latin typeface="Times New Roman" panose="02020603050405020304" pitchFamily="18" charset="0"/>
-                <a:cs typeface="Times New Roman" panose="02020603050405020304" pitchFamily="18" charset="0"/>
-                <a:sym typeface="Wingdings" panose="05000000000000000000" pitchFamily="2" charset="2"/>
-              </a:rPr>
-              <a:t> </a:t>
-            </a:r>
-            <a:r>
-              <a:rPr lang="en-US" sz="2600" dirty="0" err="1">
-                <a:latin typeface="Times New Roman" panose="02020603050405020304" pitchFamily="18" charset="0"/>
-                <a:cs typeface="Times New Roman" panose="02020603050405020304" pitchFamily="18" charset="0"/>
-                <a:sym typeface="Wingdings" panose="05000000000000000000" pitchFamily="2" charset="2"/>
-              </a:rPr>
-              <a:t>nghị</a:t>
-            </a:r>
-            <a:r>
-              <a:rPr lang="en-US" sz="2600" dirty="0">
-                <a:latin typeface="Times New Roman" panose="02020603050405020304" pitchFamily="18" charset="0"/>
-                <a:cs typeface="Times New Roman" panose="02020603050405020304" pitchFamily="18" charset="0"/>
-                <a:sym typeface="Wingdings" panose="05000000000000000000" pitchFamily="2" charset="2"/>
-              </a:rPr>
-              <a:t> </a:t>
-            </a:r>
-            <a:r>
-              <a:rPr lang="en-US" sz="2600" dirty="0" err="1">
+              <a:rPr lang="en-US" sz="2800" dirty="0" err="1">
+                <a:latin typeface="Times New Roman" panose="02020603050405020304" pitchFamily="18" charset="0"/>
+                <a:cs typeface="Times New Roman" panose="02020603050405020304" pitchFamily="18" charset="0"/>
+                <a:sym typeface="Wingdings" panose="05000000000000000000" pitchFamily="2" charset="2"/>
+              </a:rPr>
+              <a:t>Tránh</a:t>
+            </a:r>
+            <a:r>
+              <a:rPr lang="en-US" sz="2800" dirty="0">
+                <a:latin typeface="Times New Roman" panose="02020603050405020304" pitchFamily="18" charset="0"/>
+                <a:cs typeface="Times New Roman" panose="02020603050405020304" pitchFamily="18" charset="0"/>
+                <a:sym typeface="Wingdings" panose="05000000000000000000" pitchFamily="2" charset="2"/>
+              </a:rPr>
+              <a:t> </a:t>
+            </a:r>
+            <a:r>
+              <a:rPr lang="en-US" sz="2800" dirty="0" err="1">
                 <a:latin typeface="Times New Roman" panose="02020603050405020304" pitchFamily="18" charset="0"/>
                 <a:cs typeface="Times New Roman" panose="02020603050405020304" pitchFamily="18" charset="0"/>
                 <a:sym typeface="Wingdings" panose="05000000000000000000" pitchFamily="2" charset="2"/>
@@ -20140,118 +21975,81 @@
               <a:t>việc</a:t>
             </a:r>
             <a:r>
-              <a:rPr lang="en-US" sz="2600" dirty="0">
-                <a:latin typeface="Times New Roman" panose="02020603050405020304" pitchFamily="18" charset="0"/>
-                <a:cs typeface="Times New Roman" panose="02020603050405020304" pitchFamily="18" charset="0"/>
-                <a:sym typeface="Wingdings" panose="05000000000000000000" pitchFamily="2" charset="2"/>
-              </a:rPr>
-              <a:t> </a:t>
-            </a:r>
-            <a:r>
-              <a:rPr lang="en-US" sz="2600" dirty="0" err="1">
-                <a:latin typeface="Times New Roman" panose="02020603050405020304" pitchFamily="18" charset="0"/>
-                <a:cs typeface="Times New Roman" panose="02020603050405020304" pitchFamily="18" charset="0"/>
-                <a:sym typeface="Wingdings" panose="05000000000000000000" pitchFamily="2" charset="2"/>
-              </a:rPr>
-              <a:t>làm</a:t>
-            </a:r>
-            <a:endParaRPr lang="en-US" sz="2600" dirty="0">
+              <a:rPr lang="en-US" sz="2800" dirty="0">
+                <a:latin typeface="Times New Roman" panose="02020603050405020304" pitchFamily="18" charset="0"/>
+                <a:cs typeface="Times New Roman" panose="02020603050405020304" pitchFamily="18" charset="0"/>
+                <a:sym typeface="Wingdings" panose="05000000000000000000" pitchFamily="2" charset="2"/>
+              </a:rPr>
+              <a:t> </a:t>
+            </a:r>
+            <a:r>
+              <a:rPr lang="en-US" sz="2800" dirty="0" err="1">
+                <a:latin typeface="Times New Roman" panose="02020603050405020304" pitchFamily="18" charset="0"/>
+                <a:cs typeface="Times New Roman" panose="02020603050405020304" pitchFamily="18" charset="0"/>
+                <a:sym typeface="Wingdings" panose="05000000000000000000" pitchFamily="2" charset="2"/>
+              </a:rPr>
+              <a:t>quá</a:t>
+            </a:r>
+            <a:r>
+              <a:rPr lang="en-US" sz="2800" dirty="0">
+                <a:latin typeface="Times New Roman" panose="02020603050405020304" pitchFamily="18" charset="0"/>
+                <a:cs typeface="Times New Roman" panose="02020603050405020304" pitchFamily="18" charset="0"/>
+                <a:sym typeface="Wingdings" panose="05000000000000000000" pitchFamily="2" charset="2"/>
+              </a:rPr>
+              <a:t> </a:t>
+            </a:r>
+            <a:r>
+              <a:rPr lang="en-US" sz="2800" dirty="0" err="1">
+                <a:latin typeface="Times New Roman" panose="02020603050405020304" pitchFamily="18" charset="0"/>
+                <a:cs typeface="Times New Roman" panose="02020603050405020304" pitchFamily="18" charset="0"/>
+                <a:sym typeface="Wingdings" panose="05000000000000000000" pitchFamily="2" charset="2"/>
+              </a:rPr>
+              <a:t>tải</a:t>
+            </a:r>
+            <a:r>
+              <a:rPr lang="en-US" sz="2800" dirty="0">
+                <a:latin typeface="Times New Roman" panose="02020603050405020304" pitchFamily="18" charset="0"/>
+                <a:cs typeface="Times New Roman" panose="02020603050405020304" pitchFamily="18" charset="0"/>
+                <a:sym typeface="Wingdings" panose="05000000000000000000" pitchFamily="2" charset="2"/>
+              </a:rPr>
+              <a:t> </a:t>
+            </a:r>
+            <a:r>
+              <a:rPr lang="en-US" sz="2800" dirty="0" err="1">
+                <a:latin typeface="Times New Roman" panose="02020603050405020304" pitchFamily="18" charset="0"/>
+                <a:cs typeface="Times New Roman" panose="02020603050405020304" pitchFamily="18" charset="0"/>
+                <a:sym typeface="Wingdings" panose="05000000000000000000" pitchFamily="2" charset="2"/>
+              </a:rPr>
+              <a:t>dữ</a:t>
+            </a:r>
+            <a:r>
+              <a:rPr lang="en-US" sz="2800" dirty="0">
+                <a:latin typeface="Times New Roman" panose="02020603050405020304" pitchFamily="18" charset="0"/>
+                <a:cs typeface="Times New Roman" panose="02020603050405020304" pitchFamily="18" charset="0"/>
+                <a:sym typeface="Wingdings" panose="05000000000000000000" pitchFamily="2" charset="2"/>
+              </a:rPr>
+              <a:t> </a:t>
+            </a:r>
+            <a:r>
+              <a:rPr lang="en-US" sz="2800" dirty="0" err="1">
+                <a:latin typeface="Times New Roman" panose="02020603050405020304" pitchFamily="18" charset="0"/>
+                <a:cs typeface="Times New Roman" panose="02020603050405020304" pitchFamily="18" charset="0"/>
+                <a:sym typeface="Wingdings" panose="05000000000000000000" pitchFamily="2" charset="2"/>
+              </a:rPr>
+              <a:t>liệu</a:t>
+            </a:r>
+            <a:endParaRPr lang="en-US" sz="2800" dirty="0">
               <a:latin typeface="Times New Roman" panose="02020603050405020304" pitchFamily="18" charset="0"/>
               <a:cs typeface="Times New Roman" panose="02020603050405020304" pitchFamily="18" charset="0"/>
               <a:sym typeface="Wingdings" panose="05000000000000000000" pitchFamily="2" charset="2"/>
             </a:endParaRPr>
           </a:p>
           <a:p>
-            <a:pPr marL="457200" lvl="1" indent="0">
+            <a:pPr marL="0" indent="0">
               <a:buNone/>
             </a:pPr>
             <a:r>
-              <a:rPr lang="en-US" sz="2600" dirty="0" err="1">
-                <a:latin typeface="Times New Roman" panose="02020603050405020304" pitchFamily="18" charset="0"/>
-                <a:cs typeface="Times New Roman" panose="02020603050405020304" pitchFamily="18" charset="0"/>
-                <a:sym typeface="Wingdings" panose="05000000000000000000" pitchFamily="2" charset="2"/>
-              </a:rPr>
-              <a:t>Phạm</a:t>
-            </a:r>
-            <a:r>
-              <a:rPr lang="en-US" sz="2600" dirty="0">
-                <a:latin typeface="Times New Roman" panose="02020603050405020304" pitchFamily="18" charset="0"/>
-                <a:cs typeface="Times New Roman" panose="02020603050405020304" pitchFamily="18" charset="0"/>
-                <a:sym typeface="Wingdings" panose="05000000000000000000" pitchFamily="2" charset="2"/>
-              </a:rPr>
-              <a:t> vi &amp; </a:t>
-            </a:r>
-            <a:r>
-              <a:rPr lang="en-US" sz="2600" dirty="0" err="1">
-                <a:latin typeface="Times New Roman" panose="02020603050405020304" pitchFamily="18" charset="0"/>
-                <a:cs typeface="Times New Roman" panose="02020603050405020304" pitchFamily="18" charset="0"/>
-                <a:sym typeface="Wingdings" panose="05000000000000000000" pitchFamily="2" charset="2"/>
-              </a:rPr>
-              <a:t>đối</a:t>
-            </a:r>
-            <a:r>
-              <a:rPr lang="en-US" sz="2600" dirty="0">
-                <a:latin typeface="Times New Roman" panose="02020603050405020304" pitchFamily="18" charset="0"/>
-                <a:cs typeface="Times New Roman" panose="02020603050405020304" pitchFamily="18" charset="0"/>
-                <a:sym typeface="Wingdings" panose="05000000000000000000" pitchFamily="2" charset="2"/>
-              </a:rPr>
-              <a:t> </a:t>
-            </a:r>
-            <a:r>
-              <a:rPr lang="en-US" sz="2600" dirty="0" err="1">
-                <a:latin typeface="Times New Roman" panose="02020603050405020304" pitchFamily="18" charset="0"/>
-                <a:cs typeface="Times New Roman" panose="02020603050405020304" pitchFamily="18" charset="0"/>
-                <a:sym typeface="Wingdings" panose="05000000000000000000" pitchFamily="2" charset="2"/>
-              </a:rPr>
-              <a:t>tượng</a:t>
-            </a:r>
-            <a:r>
-              <a:rPr lang="en-US" sz="2600" dirty="0">
-                <a:latin typeface="Times New Roman" panose="02020603050405020304" pitchFamily="18" charset="0"/>
-                <a:cs typeface="Times New Roman" panose="02020603050405020304" pitchFamily="18" charset="0"/>
-                <a:sym typeface="Wingdings" panose="05000000000000000000" pitchFamily="2" charset="2"/>
-              </a:rPr>
-              <a:t> </a:t>
-            </a:r>
-            <a:r>
-              <a:rPr lang="en-US" sz="2600" dirty="0" err="1">
-                <a:latin typeface="Times New Roman" panose="02020603050405020304" pitchFamily="18" charset="0"/>
-                <a:cs typeface="Times New Roman" panose="02020603050405020304" pitchFamily="18" charset="0"/>
-                <a:sym typeface="Wingdings" panose="05000000000000000000" pitchFamily="2" charset="2"/>
-              </a:rPr>
-              <a:t>nghiên</a:t>
-            </a:r>
-            <a:r>
-              <a:rPr lang="en-US" sz="2600" dirty="0">
-                <a:latin typeface="Times New Roman" panose="02020603050405020304" pitchFamily="18" charset="0"/>
-                <a:cs typeface="Times New Roman" panose="02020603050405020304" pitchFamily="18" charset="0"/>
-                <a:sym typeface="Wingdings" panose="05000000000000000000" pitchFamily="2" charset="2"/>
-              </a:rPr>
-              <a:t> </a:t>
-            </a:r>
-            <a:r>
-              <a:rPr lang="en-US" sz="2600" dirty="0" err="1">
-                <a:latin typeface="Times New Roman" panose="02020603050405020304" pitchFamily="18" charset="0"/>
-                <a:cs typeface="Times New Roman" panose="02020603050405020304" pitchFamily="18" charset="0"/>
-                <a:sym typeface="Wingdings" panose="05000000000000000000" pitchFamily="2" charset="2"/>
-              </a:rPr>
-              <a:t>cứu</a:t>
-            </a:r>
-            <a:r>
-              <a:rPr lang="en-US" sz="2600" dirty="0">
-                <a:latin typeface="Times New Roman" panose="02020603050405020304" pitchFamily="18" charset="0"/>
-                <a:cs typeface="Times New Roman" panose="02020603050405020304" pitchFamily="18" charset="0"/>
-                <a:sym typeface="Wingdings" panose="05000000000000000000" pitchFamily="2" charset="2"/>
-              </a:rPr>
-              <a:t>:</a:t>
-            </a:r>
-          </a:p>
-          <a:p>
-            <a:pPr marL="457200" lvl="1" indent="0">
-              <a:buNone/>
-            </a:pPr>
-            <a:r>
-              <a:rPr lang="en-US" sz="2600" dirty="0">
+              <a:rPr lang="en-US" sz="2800" dirty="0">
                 <a:latin typeface="Times New Roman" panose="02020603050405020304" pitchFamily="18" charset="0"/>
                 <a:cs typeface="Times New Roman" panose="02020603050405020304" pitchFamily="18" charset="0"/>
                 <a:sym typeface="Wingdings" panose="05000000000000000000" pitchFamily="2" charset="2"/>
@@ -20259,169 +22057,89 @@
               <a:t> </a:t>
             </a:r>
             <a:r>
-              <a:rPr lang="en-US" sz="2600" dirty="0" err="1">
-                <a:latin typeface="Times New Roman" panose="02020603050405020304" pitchFamily="18" charset="0"/>
-                <a:cs typeface="Times New Roman" panose="02020603050405020304" pitchFamily="18" charset="0"/>
-                <a:sym typeface="Wingdings" panose="05000000000000000000" pitchFamily="2" charset="2"/>
-              </a:rPr>
-              <a:t>Đối</a:t>
-            </a:r>
-            <a:r>
-              <a:rPr lang="en-US" sz="2600" dirty="0">
-                <a:latin typeface="Times New Roman" panose="02020603050405020304" pitchFamily="18" charset="0"/>
-                <a:cs typeface="Times New Roman" panose="02020603050405020304" pitchFamily="18" charset="0"/>
-                <a:sym typeface="Wingdings" panose="05000000000000000000" pitchFamily="2" charset="2"/>
-              </a:rPr>
-              <a:t> </a:t>
-            </a:r>
-            <a:r>
-              <a:rPr lang="en-US" sz="2600" dirty="0" err="1">
-                <a:latin typeface="Times New Roman" panose="02020603050405020304" pitchFamily="18" charset="0"/>
-                <a:cs typeface="Times New Roman" panose="02020603050405020304" pitchFamily="18" charset="0"/>
-                <a:sym typeface="Wingdings" panose="05000000000000000000" pitchFamily="2" charset="2"/>
-              </a:rPr>
-              <a:t>tượng</a:t>
-            </a:r>
-            <a:r>
-              <a:rPr lang="en-US" sz="2600" dirty="0">
-                <a:latin typeface="Times New Roman" panose="02020603050405020304" pitchFamily="18" charset="0"/>
-                <a:cs typeface="Times New Roman" panose="02020603050405020304" pitchFamily="18" charset="0"/>
-                <a:sym typeface="Wingdings" panose="05000000000000000000" pitchFamily="2" charset="2"/>
-              </a:rPr>
-              <a:t>: </a:t>
-            </a:r>
-            <a:r>
-              <a:rPr lang="en-US" sz="2600" dirty="0" err="1">
-                <a:latin typeface="Times New Roman" panose="02020603050405020304" pitchFamily="18" charset="0"/>
-                <a:cs typeface="Times New Roman" panose="02020603050405020304" pitchFamily="18" charset="0"/>
-                <a:sym typeface="Wingdings" panose="05000000000000000000" pitchFamily="2" charset="2"/>
-              </a:rPr>
-              <a:t>các</a:t>
-            </a:r>
-            <a:r>
-              <a:rPr lang="en-US" sz="2600" dirty="0">
-                <a:latin typeface="Times New Roman" panose="02020603050405020304" pitchFamily="18" charset="0"/>
-                <a:cs typeface="Times New Roman" panose="02020603050405020304" pitchFamily="18" charset="0"/>
-                <a:sym typeface="Wingdings" panose="05000000000000000000" pitchFamily="2" charset="2"/>
-              </a:rPr>
-              <a:t> pp </a:t>
-            </a:r>
-            <a:r>
-              <a:rPr lang="en-US" sz="2600" dirty="0" err="1">
-                <a:latin typeface="Times New Roman" panose="02020603050405020304" pitchFamily="18" charset="0"/>
-                <a:cs typeface="Times New Roman" panose="02020603050405020304" pitchFamily="18" charset="0"/>
-                <a:sym typeface="Wingdings" panose="05000000000000000000" pitchFamily="2" charset="2"/>
-              </a:rPr>
-              <a:t>khuyến</a:t>
-            </a:r>
-            <a:r>
-              <a:rPr lang="en-US" sz="2600" dirty="0">
-                <a:latin typeface="Times New Roman" panose="02020603050405020304" pitchFamily="18" charset="0"/>
-                <a:cs typeface="Times New Roman" panose="02020603050405020304" pitchFamily="18" charset="0"/>
-                <a:sym typeface="Wingdings" panose="05000000000000000000" pitchFamily="2" charset="2"/>
-              </a:rPr>
-              <a:t> </a:t>
-            </a:r>
-            <a:r>
-              <a:rPr lang="en-US" sz="2600" dirty="0" err="1">
-                <a:latin typeface="Times New Roman" panose="02020603050405020304" pitchFamily="18" charset="0"/>
-                <a:cs typeface="Times New Roman" panose="02020603050405020304" pitchFamily="18" charset="0"/>
-                <a:sym typeface="Wingdings" panose="05000000000000000000" pitchFamily="2" charset="2"/>
-              </a:rPr>
-              <a:t>nghị</a:t>
-            </a:r>
-            <a:r>
-              <a:rPr lang="en-US" sz="2600" dirty="0">
-                <a:latin typeface="Times New Roman" panose="02020603050405020304" pitchFamily="18" charset="0"/>
-                <a:cs typeface="Times New Roman" panose="02020603050405020304" pitchFamily="18" charset="0"/>
-                <a:sym typeface="Wingdings" panose="05000000000000000000" pitchFamily="2" charset="2"/>
-              </a:rPr>
-              <a:t> </a:t>
-            </a:r>
-            <a:r>
-              <a:rPr lang="en-US" sz="2600" dirty="0" err="1">
-                <a:latin typeface="Times New Roman" panose="02020603050405020304" pitchFamily="18" charset="0"/>
-                <a:cs typeface="Times New Roman" panose="02020603050405020304" pitchFamily="18" charset="0"/>
-                <a:sym typeface="Wingdings" panose="05000000000000000000" pitchFamily="2" charset="2"/>
-              </a:rPr>
-              <a:t>và</a:t>
-            </a:r>
-            <a:r>
-              <a:rPr lang="en-US" sz="2600" dirty="0">
-                <a:latin typeface="Times New Roman" panose="02020603050405020304" pitchFamily="18" charset="0"/>
-                <a:cs typeface="Times New Roman" panose="02020603050405020304" pitchFamily="18" charset="0"/>
-                <a:sym typeface="Wingdings" panose="05000000000000000000" pitchFamily="2" charset="2"/>
-              </a:rPr>
-              <a:t> </a:t>
-            </a:r>
-            <a:r>
-              <a:rPr lang="en-US" sz="2600" dirty="0" err="1">
-                <a:latin typeface="Times New Roman" panose="02020603050405020304" pitchFamily="18" charset="0"/>
-                <a:cs typeface="Times New Roman" panose="02020603050405020304" pitchFamily="18" charset="0"/>
-                <a:sym typeface="Wingdings" panose="05000000000000000000" pitchFamily="2" charset="2"/>
-              </a:rPr>
-              <a:t>các</a:t>
-            </a:r>
-            <a:r>
-              <a:rPr lang="en-US" sz="2600" dirty="0">
-                <a:latin typeface="Times New Roman" panose="02020603050405020304" pitchFamily="18" charset="0"/>
-                <a:cs typeface="Times New Roman" panose="02020603050405020304" pitchFamily="18" charset="0"/>
-                <a:sym typeface="Wingdings" panose="05000000000000000000" pitchFamily="2" charset="2"/>
-              </a:rPr>
-              <a:t> </a:t>
-            </a:r>
-            <a:r>
-              <a:rPr lang="en-US" sz="2600" dirty="0" err="1">
-                <a:latin typeface="Times New Roman" panose="02020603050405020304" pitchFamily="18" charset="0"/>
-                <a:cs typeface="Times New Roman" panose="02020603050405020304" pitchFamily="18" charset="0"/>
-                <a:sym typeface="Wingdings" panose="05000000000000000000" pitchFamily="2" charset="2"/>
-              </a:rPr>
-              <a:t>độ</a:t>
-            </a:r>
-            <a:r>
-              <a:rPr lang="en-US" sz="2600" dirty="0">
-                <a:latin typeface="Times New Roman" panose="02020603050405020304" pitchFamily="18" charset="0"/>
-                <a:cs typeface="Times New Roman" panose="02020603050405020304" pitchFamily="18" charset="0"/>
-                <a:sym typeface="Wingdings" panose="05000000000000000000" pitchFamily="2" charset="2"/>
-              </a:rPr>
-              <a:t> </a:t>
-            </a:r>
-            <a:r>
-              <a:rPr lang="en-US" sz="2600" dirty="0" err="1">
-                <a:latin typeface="Times New Roman" panose="02020603050405020304" pitchFamily="18" charset="0"/>
-                <a:cs typeface="Times New Roman" panose="02020603050405020304" pitchFamily="18" charset="0"/>
-                <a:sym typeface="Wingdings" panose="05000000000000000000" pitchFamily="2" charset="2"/>
-              </a:rPr>
-              <a:t>đo</a:t>
-            </a:r>
-            <a:r>
-              <a:rPr lang="en-US" sz="2600" dirty="0">
-                <a:latin typeface="Times New Roman" panose="02020603050405020304" pitchFamily="18" charset="0"/>
-                <a:cs typeface="Times New Roman" panose="02020603050405020304" pitchFamily="18" charset="0"/>
-                <a:sym typeface="Wingdings" panose="05000000000000000000" pitchFamily="2" charset="2"/>
-              </a:rPr>
-              <a:t> </a:t>
-            </a:r>
-            <a:r>
-              <a:rPr lang="en-US" sz="2600" dirty="0" err="1">
-                <a:latin typeface="Times New Roman" panose="02020603050405020304" pitchFamily="18" charset="0"/>
-                <a:cs typeface="Times New Roman" panose="02020603050405020304" pitchFamily="18" charset="0"/>
-                <a:sym typeface="Wingdings" panose="05000000000000000000" pitchFamily="2" charset="2"/>
-              </a:rPr>
-              <a:t>chuẩn</a:t>
-            </a:r>
-            <a:endParaRPr lang="en-US" sz="2600" dirty="0">
+              <a:rPr lang="en-US" sz="2800" dirty="0" err="1">
+                <a:latin typeface="Times New Roman" panose="02020603050405020304" pitchFamily="18" charset="0"/>
+                <a:cs typeface="Times New Roman" panose="02020603050405020304" pitchFamily="18" charset="0"/>
+                <a:sym typeface="Wingdings" panose="05000000000000000000" pitchFamily="2" charset="2"/>
+              </a:rPr>
+              <a:t>Tiết</a:t>
+            </a:r>
+            <a:r>
+              <a:rPr lang="en-US" sz="2800" dirty="0">
+                <a:latin typeface="Times New Roman" panose="02020603050405020304" pitchFamily="18" charset="0"/>
+                <a:cs typeface="Times New Roman" panose="02020603050405020304" pitchFamily="18" charset="0"/>
+                <a:sym typeface="Wingdings" panose="05000000000000000000" pitchFamily="2" charset="2"/>
+              </a:rPr>
+              <a:t> </a:t>
+            </a:r>
+            <a:r>
+              <a:rPr lang="en-US" sz="2800" dirty="0" err="1">
+                <a:latin typeface="Times New Roman" panose="02020603050405020304" pitchFamily="18" charset="0"/>
+                <a:cs typeface="Times New Roman" panose="02020603050405020304" pitchFamily="18" charset="0"/>
+                <a:sym typeface="Wingdings" panose="05000000000000000000" pitchFamily="2" charset="2"/>
+              </a:rPr>
+              <a:t>kiệm</a:t>
+            </a:r>
+            <a:r>
+              <a:rPr lang="en-US" sz="2800" dirty="0">
+                <a:latin typeface="Times New Roman" panose="02020603050405020304" pitchFamily="18" charset="0"/>
+                <a:cs typeface="Times New Roman" panose="02020603050405020304" pitchFamily="18" charset="0"/>
+                <a:sym typeface="Wingdings" panose="05000000000000000000" pitchFamily="2" charset="2"/>
+              </a:rPr>
+              <a:t> </a:t>
+            </a:r>
+            <a:r>
+              <a:rPr lang="en-US" sz="2800" dirty="0" err="1">
+                <a:latin typeface="Times New Roman" panose="02020603050405020304" pitchFamily="18" charset="0"/>
+                <a:cs typeface="Times New Roman" panose="02020603050405020304" pitchFamily="18" charset="0"/>
+                <a:sym typeface="Wingdings" panose="05000000000000000000" pitchFamily="2" charset="2"/>
+              </a:rPr>
+              <a:t>thời</a:t>
+            </a:r>
+            <a:r>
+              <a:rPr lang="en-US" sz="2800" dirty="0">
+                <a:latin typeface="Times New Roman" panose="02020603050405020304" pitchFamily="18" charset="0"/>
+                <a:cs typeface="Times New Roman" panose="02020603050405020304" pitchFamily="18" charset="0"/>
+                <a:sym typeface="Wingdings" panose="05000000000000000000" pitchFamily="2" charset="2"/>
+              </a:rPr>
+              <a:t> </a:t>
+            </a:r>
+            <a:r>
+              <a:rPr lang="en-US" sz="2800" dirty="0" err="1">
+                <a:latin typeface="Times New Roman" panose="02020603050405020304" pitchFamily="18" charset="0"/>
+                <a:cs typeface="Times New Roman" panose="02020603050405020304" pitchFamily="18" charset="0"/>
+                <a:sym typeface="Wingdings" panose="05000000000000000000" pitchFamily="2" charset="2"/>
+              </a:rPr>
+              <a:t>gian</a:t>
+            </a:r>
+            <a:r>
+              <a:rPr lang="en-US" sz="2800" dirty="0">
+                <a:latin typeface="Times New Roman" panose="02020603050405020304" pitchFamily="18" charset="0"/>
+                <a:cs typeface="Times New Roman" panose="02020603050405020304" pitchFamily="18" charset="0"/>
+                <a:sym typeface="Wingdings" panose="05000000000000000000" pitchFamily="2" charset="2"/>
+              </a:rPr>
+              <a:t>, chi </a:t>
+            </a:r>
+            <a:r>
+              <a:rPr lang="en-US" sz="2800" dirty="0" err="1">
+                <a:latin typeface="Times New Roman" panose="02020603050405020304" pitchFamily="18" charset="0"/>
+                <a:cs typeface="Times New Roman" panose="02020603050405020304" pitchFamily="18" charset="0"/>
+                <a:sym typeface="Wingdings" panose="05000000000000000000" pitchFamily="2" charset="2"/>
+              </a:rPr>
+              <a:t>phí</a:t>
+            </a:r>
+            <a:endParaRPr lang="en-US" sz="2800" dirty="0">
               <a:latin typeface="Times New Roman" panose="02020603050405020304" pitchFamily="18" charset="0"/>
               <a:cs typeface="Times New Roman" panose="02020603050405020304" pitchFamily="18" charset="0"/>
               <a:sym typeface="Wingdings" panose="05000000000000000000" pitchFamily="2" charset="2"/>
             </a:endParaRPr>
           </a:p>
           <a:p>
-            <a:pPr marL="457200" lvl="1" indent="0">
+            <a:pPr marL="0" indent="0">
               <a:buNone/>
             </a:pPr>
             <a:r>
-              <a:rPr lang="en-US" sz="2600" dirty="0">
+              <a:rPr lang="en-US" sz="2800" dirty="0">
                 <a:latin typeface="Times New Roman" panose="02020603050405020304" pitchFamily="18" charset="0"/>
                 <a:cs typeface="Times New Roman" panose="02020603050405020304" pitchFamily="18" charset="0"/>
                 <a:sym typeface="Wingdings" panose="05000000000000000000" pitchFamily="2" charset="2"/>
@@ -20429,46 +22147,142 @@
               <a:t> </a:t>
             </a:r>
             <a:r>
-              <a:rPr lang="en-US" sz="2600" dirty="0" err="1">
-                <a:latin typeface="Times New Roman" panose="02020603050405020304" pitchFamily="18" charset="0"/>
-                <a:cs typeface="Times New Roman" panose="02020603050405020304" pitchFamily="18" charset="0"/>
-                <a:sym typeface="Wingdings" panose="05000000000000000000" pitchFamily="2" charset="2"/>
-              </a:rPr>
-              <a:t>Phạm</a:t>
-            </a:r>
-            <a:r>
-              <a:rPr lang="en-US" sz="2600" dirty="0">
-                <a:latin typeface="Times New Roman" panose="02020603050405020304" pitchFamily="18" charset="0"/>
-                <a:cs typeface="Times New Roman" panose="02020603050405020304" pitchFamily="18" charset="0"/>
-                <a:sym typeface="Wingdings" panose="05000000000000000000" pitchFamily="2" charset="2"/>
-              </a:rPr>
-              <a:t> vi: </a:t>
-            </a:r>
-            <a:r>
-              <a:rPr lang="en-US" sz="2600" dirty="0" err="1">
-                <a:latin typeface="Times New Roman" panose="02020603050405020304" pitchFamily="18" charset="0"/>
-                <a:cs typeface="Times New Roman" panose="02020603050405020304" pitchFamily="18" charset="0"/>
-                <a:sym typeface="Wingdings" panose="05000000000000000000" pitchFamily="2" charset="2"/>
-              </a:rPr>
-              <a:t>Chưa</a:t>
-            </a:r>
-            <a:r>
-              <a:rPr lang="en-US" sz="2600" dirty="0">
-                <a:latin typeface="Times New Roman" panose="02020603050405020304" pitchFamily="18" charset="0"/>
-                <a:cs typeface="Times New Roman" panose="02020603050405020304" pitchFamily="18" charset="0"/>
-                <a:sym typeface="Wingdings" panose="05000000000000000000" pitchFamily="2" charset="2"/>
-              </a:rPr>
-              <a:t> </a:t>
-            </a:r>
-            <a:r>
-              <a:rPr lang="en-US" sz="2600" dirty="0" err="1">
-                <a:latin typeface="Times New Roman" panose="02020603050405020304" pitchFamily="18" charset="0"/>
-                <a:cs typeface="Times New Roman" panose="02020603050405020304" pitchFamily="18" charset="0"/>
-                <a:sym typeface="Wingdings" panose="05000000000000000000" pitchFamily="2" charset="2"/>
-              </a:rPr>
-              <a:t>biết</a:t>
-            </a:r>
-            <a:endParaRPr lang="en-US" sz="2600" dirty="0">
+              <a:rPr lang="en-US" sz="2800" dirty="0" err="1">
+                <a:latin typeface="Times New Roman" panose="02020603050405020304" pitchFamily="18" charset="0"/>
+                <a:cs typeface="Times New Roman" panose="02020603050405020304" pitchFamily="18" charset="0"/>
+                <a:sym typeface="Wingdings" panose="05000000000000000000" pitchFamily="2" charset="2"/>
+              </a:rPr>
+              <a:t>Mang</a:t>
+            </a:r>
+            <a:r>
+              <a:rPr lang="en-US" sz="2800" dirty="0">
+                <a:latin typeface="Times New Roman" panose="02020603050405020304" pitchFamily="18" charset="0"/>
+                <a:cs typeface="Times New Roman" panose="02020603050405020304" pitchFamily="18" charset="0"/>
+                <a:sym typeface="Wingdings" panose="05000000000000000000" pitchFamily="2" charset="2"/>
+              </a:rPr>
+              <a:t> </a:t>
+            </a:r>
+            <a:r>
+              <a:rPr lang="en-US" sz="2800" dirty="0" err="1">
+                <a:latin typeface="Times New Roman" panose="02020603050405020304" pitchFamily="18" charset="0"/>
+                <a:cs typeface="Times New Roman" panose="02020603050405020304" pitchFamily="18" charset="0"/>
+                <a:sym typeface="Wingdings" panose="05000000000000000000" pitchFamily="2" charset="2"/>
+              </a:rPr>
+              <a:t>đến</a:t>
+            </a:r>
+            <a:r>
+              <a:rPr lang="en-US" sz="2800" dirty="0">
+                <a:latin typeface="Times New Roman" panose="02020603050405020304" pitchFamily="18" charset="0"/>
+                <a:cs typeface="Times New Roman" panose="02020603050405020304" pitchFamily="18" charset="0"/>
+                <a:sym typeface="Wingdings" panose="05000000000000000000" pitchFamily="2" charset="2"/>
+              </a:rPr>
+              <a:t> </a:t>
+            </a:r>
+            <a:r>
+              <a:rPr lang="en-US" sz="2800" dirty="0" err="1">
+                <a:latin typeface="Times New Roman" panose="02020603050405020304" pitchFamily="18" charset="0"/>
+                <a:cs typeface="Times New Roman" panose="02020603050405020304" pitchFamily="18" charset="0"/>
+                <a:sym typeface="Wingdings" panose="05000000000000000000" pitchFamily="2" charset="2"/>
+              </a:rPr>
+              <a:t>công</a:t>
+            </a:r>
+            <a:r>
+              <a:rPr lang="en-US" sz="2800" dirty="0">
+                <a:latin typeface="Times New Roman" panose="02020603050405020304" pitchFamily="18" charset="0"/>
+                <a:cs typeface="Times New Roman" panose="02020603050405020304" pitchFamily="18" charset="0"/>
+                <a:sym typeface="Wingdings" panose="05000000000000000000" pitchFamily="2" charset="2"/>
+              </a:rPr>
+              <a:t> </a:t>
+            </a:r>
+            <a:r>
+              <a:rPr lang="en-US" sz="2800" dirty="0" err="1">
+                <a:latin typeface="Times New Roman" panose="02020603050405020304" pitchFamily="18" charset="0"/>
+                <a:cs typeface="Times New Roman" panose="02020603050405020304" pitchFamily="18" charset="0"/>
+                <a:sym typeface="Wingdings" panose="05000000000000000000" pitchFamily="2" charset="2"/>
+              </a:rPr>
+              <a:t>việc</a:t>
+            </a:r>
+            <a:r>
+              <a:rPr lang="en-US" sz="2800" dirty="0">
+                <a:latin typeface="Times New Roman" panose="02020603050405020304" pitchFamily="18" charset="0"/>
+                <a:cs typeface="Times New Roman" panose="02020603050405020304" pitchFamily="18" charset="0"/>
+                <a:sym typeface="Wingdings" panose="05000000000000000000" pitchFamily="2" charset="2"/>
+              </a:rPr>
+              <a:t> </a:t>
+            </a:r>
+            <a:r>
+              <a:rPr lang="en-US" sz="2800" dirty="0" err="1">
+                <a:latin typeface="Times New Roman" panose="02020603050405020304" pitchFamily="18" charset="0"/>
+                <a:cs typeface="Times New Roman" panose="02020603050405020304" pitchFamily="18" charset="0"/>
+                <a:sym typeface="Wingdings" panose="05000000000000000000" pitchFamily="2" charset="2"/>
+              </a:rPr>
+              <a:t>đến</a:t>
+            </a:r>
+            <a:r>
+              <a:rPr lang="en-US" sz="2800" dirty="0">
+                <a:latin typeface="Times New Roman" panose="02020603050405020304" pitchFamily="18" charset="0"/>
+                <a:cs typeface="Times New Roman" panose="02020603050405020304" pitchFamily="18" charset="0"/>
+                <a:sym typeface="Wingdings" panose="05000000000000000000" pitchFamily="2" charset="2"/>
+              </a:rPr>
+              <a:t> </a:t>
+            </a:r>
+            <a:r>
+              <a:rPr lang="en-US" sz="2800" dirty="0" err="1">
+                <a:latin typeface="Times New Roman" panose="02020603050405020304" pitchFamily="18" charset="0"/>
+                <a:cs typeface="Times New Roman" panose="02020603050405020304" pitchFamily="18" charset="0"/>
+                <a:sym typeface="Wingdings" panose="05000000000000000000" pitchFamily="2" charset="2"/>
+              </a:rPr>
+              <a:t>đúng</a:t>
+            </a:r>
+            <a:r>
+              <a:rPr lang="en-US" sz="2800" dirty="0">
+                <a:latin typeface="Times New Roman" panose="02020603050405020304" pitchFamily="18" charset="0"/>
+                <a:cs typeface="Times New Roman" panose="02020603050405020304" pitchFamily="18" charset="0"/>
+                <a:sym typeface="Wingdings" panose="05000000000000000000" pitchFamily="2" charset="2"/>
+              </a:rPr>
+              <a:t> </a:t>
+            </a:r>
+            <a:r>
+              <a:rPr lang="en-US" sz="2800" dirty="0" err="1">
+                <a:latin typeface="Times New Roman" panose="02020603050405020304" pitchFamily="18" charset="0"/>
+                <a:cs typeface="Times New Roman" panose="02020603050405020304" pitchFamily="18" charset="0"/>
+                <a:sym typeface="Wingdings" panose="05000000000000000000" pitchFamily="2" charset="2"/>
+              </a:rPr>
+              <a:t>người</a:t>
+            </a:r>
+            <a:r>
+              <a:rPr lang="en-US" sz="2800" dirty="0">
+                <a:latin typeface="Times New Roman" panose="02020603050405020304" pitchFamily="18" charset="0"/>
+                <a:cs typeface="Times New Roman" panose="02020603050405020304" pitchFamily="18" charset="0"/>
+                <a:sym typeface="Wingdings" panose="05000000000000000000" pitchFamily="2" charset="2"/>
+              </a:rPr>
+              <a:t>, </a:t>
+            </a:r>
+            <a:r>
+              <a:rPr lang="en-US" sz="2800" dirty="0" err="1">
+                <a:latin typeface="Times New Roman" panose="02020603050405020304" pitchFamily="18" charset="0"/>
+                <a:cs typeface="Times New Roman" panose="02020603050405020304" pitchFamily="18" charset="0"/>
+                <a:sym typeface="Wingdings" panose="05000000000000000000" pitchFamily="2" charset="2"/>
+              </a:rPr>
+              <a:t>đúng</a:t>
+            </a:r>
+            <a:r>
+              <a:rPr lang="en-US" sz="2800" dirty="0">
+                <a:latin typeface="Times New Roman" panose="02020603050405020304" pitchFamily="18" charset="0"/>
+                <a:cs typeface="Times New Roman" panose="02020603050405020304" pitchFamily="18" charset="0"/>
+                <a:sym typeface="Wingdings" panose="05000000000000000000" pitchFamily="2" charset="2"/>
+              </a:rPr>
+              <a:t> </a:t>
+            </a:r>
+            <a:r>
+              <a:rPr lang="en-US" sz="2800" dirty="0" err="1">
+                <a:latin typeface="Times New Roman" panose="02020603050405020304" pitchFamily="18" charset="0"/>
+                <a:cs typeface="Times New Roman" panose="02020603050405020304" pitchFamily="18" charset="0"/>
+                <a:sym typeface="Wingdings" panose="05000000000000000000" pitchFamily="2" charset="2"/>
+              </a:rPr>
+              <a:t>việc</a:t>
+            </a:r>
+            <a:endParaRPr lang="en-US" sz="2800" dirty="0">
               <a:latin typeface="Times New Roman" panose="02020603050405020304" pitchFamily="18" charset="0"/>
               <a:cs typeface="Times New Roman" panose="02020603050405020304" pitchFamily="18" charset="0"/>
               <a:sym typeface="Wingdings" panose="05000000000000000000" pitchFamily="2" charset="2"/>
@@ -20479,7 +22293,7 @@
     </p:spTree>
     <p:extLst>
       <p:ext uri="{BB962C8B-B14F-4D97-AF65-F5344CB8AC3E}">
-        <p14:creationId xmlns:p14="http://schemas.microsoft.com/office/powerpoint/2010/main" val="2467895689"/>
+        <p14:creationId xmlns:p14="http://schemas.microsoft.com/office/powerpoint/2010/main" val="993822097"/>
       </p:ext>
     </p:extLst>
   </p:cSld>
@@ -20516,12 +22330,7 @@
             <p:ph type="title"/>
           </p:nvPr>
         </p:nvSpPr>
-        <p:spPr>
-          <a:xfrm>
-            <a:off x="677333" y="609600"/>
-            <a:ext cx="8940195" cy="1055914"/>
-          </a:xfrm>
-        </p:spPr>
+        <p:spPr/>
         <p:txBody>
           <a:bodyPr>
             <a:normAutofit/>
@@ -20534,7 +22343,7 @@
                 <a:latin typeface="Times New Roman" panose="02020603050405020304" pitchFamily="18" charset="0"/>
                 <a:cs typeface="Times New Roman" panose="02020603050405020304" pitchFamily="18" charset="0"/>
               </a:rPr>
-              <a:t>Các</a:t>
+              <a:t>Mục</a:t>
             </a:r>
             <a:r>
               <a:rPr lang="en-US" sz="4000" dirty="0">
@@ -20548,35 +22357,35 @@
                 <a:latin typeface="Times New Roman" panose="02020603050405020304" pitchFamily="18" charset="0"/>
                 <a:cs typeface="Times New Roman" panose="02020603050405020304" pitchFamily="18" charset="0"/>
               </a:rPr>
-              <a:t>phương</a:t>
+              <a:t>đích</a:t>
             </a:r>
             <a:r>
               <a:rPr lang="en-US" sz="4000" dirty="0">
                 <a:latin typeface="Times New Roman" panose="02020603050405020304" pitchFamily="18" charset="0"/>
                 <a:cs typeface="Times New Roman" panose="02020603050405020304" pitchFamily="18" charset="0"/>
               </a:rPr>
-              <a:t> </a:t>
+              <a:t>, </a:t>
             </a:r>
             <a:r>
               <a:rPr lang="en-US" sz="4000" dirty="0" err="1">
                 <a:latin typeface="Times New Roman" panose="02020603050405020304" pitchFamily="18" charset="0"/>
                 <a:cs typeface="Times New Roman" panose="02020603050405020304" pitchFamily="18" charset="0"/>
               </a:rPr>
-              <a:t>pháp</a:t>
+              <a:t>phạm</a:t>
             </a:r>
             <a:r>
               <a:rPr lang="en-US" sz="4000" dirty="0">
                 <a:latin typeface="Times New Roman" panose="02020603050405020304" pitchFamily="18" charset="0"/>
                 <a:cs typeface="Times New Roman" panose="02020603050405020304" pitchFamily="18" charset="0"/>
               </a:rPr>
-              <a:t> </a:t>
+              <a:t> vi </a:t>
             </a:r>
             <a:r>
               <a:rPr lang="en-US" sz="4000" dirty="0" err="1">
                 <a:latin typeface="Times New Roman" panose="02020603050405020304" pitchFamily="18" charset="0"/>
                 <a:cs typeface="Times New Roman" panose="02020603050405020304" pitchFamily="18" charset="0"/>
               </a:rPr>
-              <a:t>khuyến</a:t>
+              <a:t>đề</a:t>
             </a:r>
             <a:r>
               <a:rPr lang="en-US" sz="4000" dirty="0">
@@ -20590,35 +22399,7 @@
                 <a:latin typeface="Times New Roman" panose="02020603050405020304" pitchFamily="18" charset="0"/>
                 <a:cs typeface="Times New Roman" panose="02020603050405020304" pitchFamily="18" charset="0"/>
               </a:rPr>
-              <a:t>nghị</a:t>
-            </a:r>
-            <a:r>
-              <a:rPr lang="en-US" sz="4000" dirty="0">
-                <a:latin typeface="Times New Roman" panose="02020603050405020304" pitchFamily="18" charset="0"/>
-                <a:cs typeface="Times New Roman" panose="02020603050405020304" pitchFamily="18" charset="0"/>
-              </a:rPr>
-              <a:t> &amp; </a:t>
-            </a:r>
-            <a:r>
-              <a:rPr lang="en-US" sz="4000" dirty="0" err="1">
-                <a:latin typeface="Times New Roman" panose="02020603050405020304" pitchFamily="18" charset="0"/>
-                <a:cs typeface="Times New Roman" panose="02020603050405020304" pitchFamily="18" charset="0"/>
-              </a:rPr>
-              <a:t>độ</a:t>
-            </a:r>
-            <a:r>
-              <a:rPr lang="en-US" sz="4000" dirty="0">
-                <a:latin typeface="Times New Roman" panose="02020603050405020304" pitchFamily="18" charset="0"/>
-                <a:cs typeface="Times New Roman" panose="02020603050405020304" pitchFamily="18" charset="0"/>
-              </a:rPr>
-              <a:t> </a:t>
-            </a:r>
-            <a:r>
-              <a:rPr lang="en-US" sz="4000" dirty="0" err="1">
-                <a:latin typeface="Times New Roman" panose="02020603050405020304" pitchFamily="18" charset="0"/>
-                <a:cs typeface="Times New Roman" panose="02020603050405020304" pitchFamily="18" charset="0"/>
-              </a:rPr>
-              <a:t>đo</a:t>
+              <a:t>tài</a:t>
             </a:r>
             <a:endParaRPr lang="en-US" sz="4000" dirty="0">
               <a:latin typeface="Times New Roman" panose="02020603050405020304" pitchFamily="18" charset="0"/>
@@ -20637,7 +22418,12 @@
             <p:ph idx="1"/>
           </p:nvPr>
         </p:nvSpPr>
-        <p:spPr/>
+        <p:spPr>
+          <a:xfrm>
+            <a:off x="677333" y="2160590"/>
+            <a:ext cx="10328123" cy="4142240"/>
+          </a:xfrm>
+        </p:spPr>
         <p:txBody>
           <a:bodyPr>
             <a:normAutofit/>
@@ -20649,12 +22435,57 @@
               <a:buChar char="-"/>
             </a:pPr>
             <a:r>
+              <a:rPr lang="en-US" sz="2800" dirty="0" err="1">
+                <a:latin typeface="Times New Roman" panose="02020603050405020304" pitchFamily="18" charset="0"/>
+                <a:cs typeface="Times New Roman" panose="02020603050405020304" pitchFamily="18" charset="0"/>
+                <a:sym typeface="Wingdings" panose="05000000000000000000" pitchFamily="2" charset="2"/>
+              </a:rPr>
+              <a:t>Mục</a:t>
+            </a:r>
+            <a:r>
+              <a:rPr lang="en-US" sz="2800" dirty="0">
+                <a:latin typeface="Times New Roman" panose="02020603050405020304" pitchFamily="18" charset="0"/>
+                <a:cs typeface="Times New Roman" panose="02020603050405020304" pitchFamily="18" charset="0"/>
+                <a:sym typeface="Wingdings" panose="05000000000000000000" pitchFamily="2" charset="2"/>
+              </a:rPr>
+              <a:t> </a:t>
+            </a:r>
+            <a:r>
+              <a:rPr lang="en-US" sz="2800" dirty="0" err="1">
+                <a:latin typeface="Times New Roman" panose="02020603050405020304" pitchFamily="18" charset="0"/>
+                <a:cs typeface="Times New Roman" panose="02020603050405020304" pitchFamily="18" charset="0"/>
+                <a:sym typeface="Wingdings" panose="05000000000000000000" pitchFamily="2" charset="2"/>
+              </a:rPr>
+              <a:t>đích</a:t>
+            </a:r>
+            <a:r>
+              <a:rPr lang="en-US" sz="2800" dirty="0">
+                <a:latin typeface="Times New Roman" panose="02020603050405020304" pitchFamily="18" charset="0"/>
+                <a:cs typeface="Times New Roman" panose="02020603050405020304" pitchFamily="18" charset="0"/>
+                <a:sym typeface="Wingdings" panose="05000000000000000000" pitchFamily="2" charset="2"/>
+              </a:rPr>
+              <a:t>:</a:t>
+            </a:r>
+          </a:p>
+          <a:p>
+            <a:pPr marL="457200" lvl="1" indent="0">
+              <a:buNone/>
+            </a:pPr>
+            <a:r>
+              <a:rPr lang="en-US" sz="2600" dirty="0">
+                <a:latin typeface="Times New Roman" panose="02020603050405020304" pitchFamily="18" charset="0"/>
+                <a:cs typeface="Times New Roman" panose="02020603050405020304" pitchFamily="18" charset="0"/>
+                <a:sym typeface="Wingdings" panose="05000000000000000000" pitchFamily="2" charset="2"/>
+              </a:rPr>
+              <a:t> </a:t>
+            </a:r>
+            <a:r>
               <a:rPr lang="en-US" sz="2600" dirty="0" err="1">
                 <a:latin typeface="Times New Roman" panose="02020603050405020304" pitchFamily="18" charset="0"/>
                 <a:cs typeface="Times New Roman" panose="02020603050405020304" pitchFamily="18" charset="0"/>
                 <a:sym typeface="Wingdings" panose="05000000000000000000" pitchFamily="2" charset="2"/>
               </a:rPr>
-              <a:t>Có</a:t>
+              <a:t>Phục</a:t>
             </a:r>
             <a:r>
               <a:rPr lang="en-US" sz="2600" dirty="0">
@@ -20670,7 +22501,7 @@
                 <a:cs typeface="Times New Roman" panose="02020603050405020304" pitchFamily="18" charset="0"/>
                 <a:sym typeface="Wingdings" panose="05000000000000000000" pitchFamily="2" charset="2"/>
               </a:rPr>
-              <a:t>nhiều</a:t>
+              <a:t>vụ</a:t>
             </a:r>
             <a:r>
               <a:rPr lang="en-US" sz="2600" dirty="0">
@@ -20686,7 +22517,7 @@
                 <a:cs typeface="Times New Roman" panose="02020603050405020304" pitchFamily="18" charset="0"/>
                 <a:sym typeface="Wingdings" panose="05000000000000000000" pitchFamily="2" charset="2"/>
               </a:rPr>
-              <a:t>phương</a:t>
+              <a:t>các</a:t>
             </a:r>
             <a:r>
               <a:rPr lang="en-US" sz="2600" dirty="0">
@@ -20702,7 +22533,7 @@
                 <a:cs typeface="Times New Roman" panose="02020603050405020304" pitchFamily="18" charset="0"/>
                 <a:sym typeface="Wingdings" panose="05000000000000000000" pitchFamily="2" charset="2"/>
               </a:rPr>
-              <a:t>pháp</a:t>
+              <a:t>nghiên</a:t>
             </a:r>
             <a:r>
               <a:rPr lang="en-US" sz="2600" dirty="0">
@@ -20718,6 +22549,54 @@
                 <a:cs typeface="Times New Roman" panose="02020603050405020304" pitchFamily="18" charset="0"/>
                 <a:sym typeface="Wingdings" panose="05000000000000000000" pitchFamily="2" charset="2"/>
               </a:rPr>
+              <a:t>cứu</a:t>
+            </a:r>
+            <a:r>
+              <a:rPr lang="en-US" sz="2600" dirty="0">
+                <a:latin typeface="Times New Roman" panose="02020603050405020304" pitchFamily="18" charset="0"/>
+                <a:cs typeface="Times New Roman" panose="02020603050405020304" pitchFamily="18" charset="0"/>
+                <a:sym typeface="Wingdings" panose="05000000000000000000" pitchFamily="2" charset="2"/>
+              </a:rPr>
+              <a:t> </a:t>
+            </a:r>
+            <a:r>
+              <a:rPr lang="en-US" sz="2600" dirty="0" err="1">
+                <a:latin typeface="Times New Roman" panose="02020603050405020304" pitchFamily="18" charset="0"/>
+                <a:cs typeface="Times New Roman" panose="02020603050405020304" pitchFamily="18" charset="0"/>
+                <a:sym typeface="Wingdings" panose="05000000000000000000" pitchFamily="2" charset="2"/>
+              </a:rPr>
+              <a:t>về</a:t>
+            </a:r>
+            <a:r>
+              <a:rPr lang="en-US" sz="2600" dirty="0">
+                <a:latin typeface="Times New Roman" panose="02020603050405020304" pitchFamily="18" charset="0"/>
+                <a:cs typeface="Times New Roman" panose="02020603050405020304" pitchFamily="18" charset="0"/>
+                <a:sym typeface="Wingdings" panose="05000000000000000000" pitchFamily="2" charset="2"/>
+              </a:rPr>
+              <a:t> </a:t>
+            </a:r>
+            <a:r>
+              <a:rPr lang="en-US" sz="2600" dirty="0" err="1">
+                <a:latin typeface="Times New Roman" panose="02020603050405020304" pitchFamily="18" charset="0"/>
+                <a:cs typeface="Times New Roman" panose="02020603050405020304" pitchFamily="18" charset="0"/>
+                <a:sym typeface="Wingdings" panose="05000000000000000000" pitchFamily="2" charset="2"/>
+              </a:rPr>
+              <a:t>hệ</a:t>
+            </a:r>
+            <a:r>
+              <a:rPr lang="en-US" sz="2600" dirty="0">
+                <a:latin typeface="Times New Roman" panose="02020603050405020304" pitchFamily="18" charset="0"/>
+                <a:cs typeface="Times New Roman" panose="02020603050405020304" pitchFamily="18" charset="0"/>
+                <a:sym typeface="Wingdings" panose="05000000000000000000" pitchFamily="2" charset="2"/>
+              </a:rPr>
+              <a:t> </a:t>
+            </a:r>
+            <a:r>
+              <a:rPr lang="en-US" sz="2600" dirty="0" err="1">
+                <a:latin typeface="Times New Roman" panose="02020603050405020304" pitchFamily="18" charset="0"/>
+                <a:cs typeface="Times New Roman" panose="02020603050405020304" pitchFamily="18" charset="0"/>
+                <a:sym typeface="Wingdings" panose="05000000000000000000" pitchFamily="2" charset="2"/>
+              </a:rPr>
               <a:t>khuyến</a:t>
             </a:r>
             <a:r>
@@ -20750,7 +22629,7 @@
                 <a:cs typeface="Times New Roman" panose="02020603050405020304" pitchFamily="18" charset="0"/>
                 <a:sym typeface="Wingdings" panose="05000000000000000000" pitchFamily="2" charset="2"/>
               </a:rPr>
-              <a:t>khác</a:t>
+              <a:t>việc</a:t>
             </a:r>
             <a:r>
               <a:rPr lang="en-US" sz="2600" dirty="0">
@@ -20766,151 +22645,7 @@
                 <a:cs typeface="Times New Roman" panose="02020603050405020304" pitchFamily="18" charset="0"/>
                 <a:sym typeface="Wingdings" panose="05000000000000000000" pitchFamily="2" charset="2"/>
               </a:rPr>
-              <a:t>nhau</a:t>
-            </a:r>
-            <a:r>
-              <a:rPr lang="en-US" sz="2600" dirty="0">
-                <a:latin typeface="Times New Roman" panose="02020603050405020304" pitchFamily="18" charset="0"/>
-                <a:cs typeface="Times New Roman" panose="02020603050405020304" pitchFamily="18" charset="0"/>
-                <a:sym typeface="Wingdings" panose="05000000000000000000" pitchFamily="2" charset="2"/>
-              </a:rPr>
-              <a:t>. </a:t>
-            </a:r>
-            <a:r>
-              <a:rPr lang="en-US" sz="2600" dirty="0" err="1">
-                <a:latin typeface="Times New Roman" panose="02020603050405020304" pitchFamily="18" charset="0"/>
-                <a:cs typeface="Times New Roman" panose="02020603050405020304" pitchFamily="18" charset="0"/>
-                <a:sym typeface="Wingdings" panose="05000000000000000000" pitchFamily="2" charset="2"/>
-              </a:rPr>
-              <a:t>Nhìn</a:t>
-            </a:r>
-            <a:r>
-              <a:rPr lang="en-US" sz="2600" dirty="0">
-                <a:latin typeface="Times New Roman" panose="02020603050405020304" pitchFamily="18" charset="0"/>
-                <a:cs typeface="Times New Roman" panose="02020603050405020304" pitchFamily="18" charset="0"/>
-                <a:sym typeface="Wingdings" panose="05000000000000000000" pitchFamily="2" charset="2"/>
-              </a:rPr>
-              <a:t> </a:t>
-            </a:r>
-            <a:r>
-              <a:rPr lang="en-US" sz="2600" dirty="0" err="1">
-                <a:latin typeface="Times New Roman" panose="02020603050405020304" pitchFamily="18" charset="0"/>
-                <a:cs typeface="Times New Roman" panose="02020603050405020304" pitchFamily="18" charset="0"/>
-                <a:sym typeface="Wingdings" panose="05000000000000000000" pitchFamily="2" charset="2"/>
-              </a:rPr>
-              <a:t>chung</a:t>
-            </a:r>
-            <a:r>
-              <a:rPr lang="en-US" sz="2600" dirty="0">
-                <a:latin typeface="Times New Roman" panose="02020603050405020304" pitchFamily="18" charset="0"/>
-                <a:cs typeface="Times New Roman" panose="02020603050405020304" pitchFamily="18" charset="0"/>
-                <a:sym typeface="Wingdings" panose="05000000000000000000" pitchFamily="2" charset="2"/>
-              </a:rPr>
-              <a:t> </a:t>
-            </a:r>
-            <a:r>
-              <a:rPr lang="en-US" sz="2600" dirty="0" err="1">
-                <a:latin typeface="Times New Roman" panose="02020603050405020304" pitchFamily="18" charset="0"/>
-                <a:cs typeface="Times New Roman" panose="02020603050405020304" pitchFamily="18" charset="0"/>
-                <a:sym typeface="Wingdings" panose="05000000000000000000" pitchFamily="2" charset="2"/>
-              </a:rPr>
-              <a:t>các</a:t>
-            </a:r>
-            <a:r>
-              <a:rPr lang="en-US" sz="2600" dirty="0">
-                <a:latin typeface="Times New Roman" panose="02020603050405020304" pitchFamily="18" charset="0"/>
-                <a:cs typeface="Times New Roman" panose="02020603050405020304" pitchFamily="18" charset="0"/>
-                <a:sym typeface="Wingdings" panose="05000000000000000000" pitchFamily="2" charset="2"/>
-              </a:rPr>
-              <a:t> PP </a:t>
-            </a:r>
-            <a:r>
-              <a:rPr lang="en-US" sz="2600" dirty="0" err="1">
-                <a:latin typeface="Times New Roman" panose="02020603050405020304" pitchFamily="18" charset="0"/>
-                <a:cs typeface="Times New Roman" panose="02020603050405020304" pitchFamily="18" charset="0"/>
-                <a:sym typeface="Wingdings" panose="05000000000000000000" pitchFamily="2" charset="2"/>
-              </a:rPr>
-              <a:t>được</a:t>
-            </a:r>
-            <a:r>
-              <a:rPr lang="en-US" sz="2600" dirty="0">
-                <a:latin typeface="Times New Roman" panose="02020603050405020304" pitchFamily="18" charset="0"/>
-                <a:cs typeface="Times New Roman" panose="02020603050405020304" pitchFamily="18" charset="0"/>
-                <a:sym typeface="Wingdings" panose="05000000000000000000" pitchFamily="2" charset="2"/>
-              </a:rPr>
-              <a:t> chia </a:t>
-            </a:r>
-            <a:r>
-              <a:rPr lang="en-US" sz="2600" dirty="0" err="1">
-                <a:latin typeface="Times New Roman" panose="02020603050405020304" pitchFamily="18" charset="0"/>
-                <a:cs typeface="Times New Roman" panose="02020603050405020304" pitchFamily="18" charset="0"/>
-                <a:sym typeface="Wingdings" panose="05000000000000000000" pitchFamily="2" charset="2"/>
-              </a:rPr>
-              <a:t>thành</a:t>
-            </a:r>
-            <a:r>
-              <a:rPr lang="en-US" sz="2600" dirty="0">
-                <a:latin typeface="Times New Roman" panose="02020603050405020304" pitchFamily="18" charset="0"/>
-                <a:cs typeface="Times New Roman" panose="02020603050405020304" pitchFamily="18" charset="0"/>
-                <a:sym typeface="Wingdings" panose="05000000000000000000" pitchFamily="2" charset="2"/>
-              </a:rPr>
-              <a:t> </a:t>
-            </a:r>
-            <a:r>
-              <a:rPr lang="en-US" sz="2600" dirty="0" err="1">
-                <a:latin typeface="Times New Roman" panose="02020603050405020304" pitchFamily="18" charset="0"/>
-                <a:cs typeface="Times New Roman" panose="02020603050405020304" pitchFamily="18" charset="0"/>
-                <a:sym typeface="Wingdings" panose="05000000000000000000" pitchFamily="2" charset="2"/>
-              </a:rPr>
-              <a:t>ba</a:t>
-            </a:r>
-            <a:r>
-              <a:rPr lang="en-US" sz="2600" dirty="0">
-                <a:latin typeface="Times New Roman" panose="02020603050405020304" pitchFamily="18" charset="0"/>
-                <a:cs typeface="Times New Roman" panose="02020603050405020304" pitchFamily="18" charset="0"/>
-                <a:sym typeface="Wingdings" panose="05000000000000000000" pitchFamily="2" charset="2"/>
-              </a:rPr>
-              <a:t> </a:t>
-            </a:r>
-            <a:r>
-              <a:rPr lang="en-US" sz="2600" dirty="0" err="1">
-                <a:latin typeface="Times New Roman" panose="02020603050405020304" pitchFamily="18" charset="0"/>
-                <a:cs typeface="Times New Roman" panose="02020603050405020304" pitchFamily="18" charset="0"/>
-                <a:sym typeface="Wingdings" panose="05000000000000000000" pitchFamily="2" charset="2"/>
-              </a:rPr>
-              <a:t>loại</a:t>
-            </a:r>
-            <a:r>
-              <a:rPr lang="en-US" sz="2600" dirty="0">
-                <a:latin typeface="Times New Roman" panose="02020603050405020304" pitchFamily="18" charset="0"/>
-                <a:cs typeface="Times New Roman" panose="02020603050405020304" pitchFamily="18" charset="0"/>
-                <a:sym typeface="Wingdings" panose="05000000000000000000" pitchFamily="2" charset="2"/>
-              </a:rPr>
-              <a:t> </a:t>
-            </a:r>
-            <a:r>
-              <a:rPr lang="en-US" sz="2600" dirty="0" err="1">
-                <a:latin typeface="Times New Roman" panose="02020603050405020304" pitchFamily="18" charset="0"/>
-                <a:cs typeface="Times New Roman" panose="02020603050405020304" pitchFamily="18" charset="0"/>
-                <a:sym typeface="Wingdings" panose="05000000000000000000" pitchFamily="2" charset="2"/>
-              </a:rPr>
-              <a:t>như</a:t>
-            </a:r>
-            <a:r>
-              <a:rPr lang="en-US" sz="2600" dirty="0">
-                <a:latin typeface="Times New Roman" panose="02020603050405020304" pitchFamily="18" charset="0"/>
-                <a:cs typeface="Times New Roman" panose="02020603050405020304" pitchFamily="18" charset="0"/>
-                <a:sym typeface="Wingdings" panose="05000000000000000000" pitchFamily="2" charset="2"/>
-              </a:rPr>
-              <a:t> </a:t>
-            </a:r>
-            <a:r>
-              <a:rPr lang="en-US" sz="2600" dirty="0" err="1">
-                <a:latin typeface="Times New Roman" panose="02020603050405020304" pitchFamily="18" charset="0"/>
-                <a:cs typeface="Times New Roman" panose="02020603050405020304" pitchFamily="18" charset="0"/>
-                <a:sym typeface="Wingdings" panose="05000000000000000000" pitchFamily="2" charset="2"/>
-              </a:rPr>
-              <a:t>sau</a:t>
+              <a:t>làm</a:t>
             </a:r>
             <a:endParaRPr lang="en-US" sz="2600" dirty="0">
               <a:latin typeface="Times New Roman" panose="02020603050405020304" pitchFamily="18" charset="0"/>
@@ -20919,17 +22654,24 @@
             </a:endParaRPr>
           </a:p>
           <a:p>
-            <a:pPr>
-              <a:buFontTx/>
-              <a:buChar char="-"/>
+            <a:pPr marL="457200" lvl="1" indent="0">
+              <a:buNone/>
             </a:pPr>
             <a:r>
+              <a:rPr lang="en-US" sz="2600" dirty="0" err="1">
+                <a:latin typeface="Times New Roman" panose="02020603050405020304" pitchFamily="18" charset="0"/>
+                <a:cs typeface="Times New Roman" panose="02020603050405020304" pitchFamily="18" charset="0"/>
+                <a:sym typeface="Wingdings" panose="05000000000000000000" pitchFamily="2" charset="2"/>
+              </a:rPr>
+              <a:t>Phạm</a:t>
+            </a:r>
+            <a:r>
               <a:rPr lang="en-US" sz="2600" dirty="0">
                 <a:latin typeface="Times New Roman" panose="02020603050405020304" pitchFamily="18" charset="0"/>
                 <a:cs typeface="Times New Roman" panose="02020603050405020304" pitchFamily="18" charset="0"/>
                 <a:sym typeface="Wingdings" panose="05000000000000000000" pitchFamily="2" charset="2"/>
               </a:rPr>
-              <a:t> PP </a:t>
+              <a:t> vi &amp; </a:t>
             </a:r>
             <a:r>
               <a:rPr lang="en-US" sz="2600" dirty="0" err="1">
@@ -20937,7 +22679,7 @@
                 <a:cs typeface="Times New Roman" panose="02020603050405020304" pitchFamily="18" charset="0"/>
                 <a:sym typeface="Wingdings" panose="05000000000000000000" pitchFamily="2" charset="2"/>
               </a:rPr>
-              <a:t>tiếp</a:t>
+              <a:t>đối</a:t>
             </a:r>
             <a:r>
               <a:rPr lang="en-US" sz="2600" dirty="0">
@@ -20953,7 +22695,7 @@
                 <a:cs typeface="Times New Roman" panose="02020603050405020304" pitchFamily="18" charset="0"/>
                 <a:sym typeface="Wingdings" panose="05000000000000000000" pitchFamily="2" charset="2"/>
               </a:rPr>
-              <a:t>cận</a:t>
+              <a:t>tượng</a:t>
             </a:r>
             <a:r>
               <a:rPr lang="en-US" sz="2600" dirty="0">
@@ -20969,6 +22711,518 @@
                 <a:cs typeface="Times New Roman" panose="02020603050405020304" pitchFamily="18" charset="0"/>
                 <a:sym typeface="Wingdings" panose="05000000000000000000" pitchFamily="2" charset="2"/>
               </a:rPr>
+              <a:t>nghiên</a:t>
+            </a:r>
+            <a:r>
+              <a:rPr lang="en-US" sz="2600" dirty="0">
+                <a:latin typeface="Times New Roman" panose="02020603050405020304" pitchFamily="18" charset="0"/>
+                <a:cs typeface="Times New Roman" panose="02020603050405020304" pitchFamily="18" charset="0"/>
+                <a:sym typeface="Wingdings" panose="05000000000000000000" pitchFamily="2" charset="2"/>
+              </a:rPr>
+              <a:t> </a:t>
+            </a:r>
+            <a:r>
+              <a:rPr lang="en-US" sz="2600" dirty="0" err="1">
+                <a:latin typeface="Times New Roman" panose="02020603050405020304" pitchFamily="18" charset="0"/>
+                <a:cs typeface="Times New Roman" panose="02020603050405020304" pitchFamily="18" charset="0"/>
+                <a:sym typeface="Wingdings" panose="05000000000000000000" pitchFamily="2" charset="2"/>
+              </a:rPr>
+              <a:t>cứu</a:t>
+            </a:r>
+            <a:r>
+              <a:rPr lang="en-US" sz="2600" dirty="0">
+                <a:latin typeface="Times New Roman" panose="02020603050405020304" pitchFamily="18" charset="0"/>
+                <a:cs typeface="Times New Roman" panose="02020603050405020304" pitchFamily="18" charset="0"/>
+                <a:sym typeface="Wingdings" panose="05000000000000000000" pitchFamily="2" charset="2"/>
+              </a:rPr>
+              <a:t>:</a:t>
+            </a:r>
+          </a:p>
+          <a:p>
+            <a:pPr marL="457200" lvl="1" indent="0">
+              <a:buNone/>
+            </a:pPr>
+            <a:r>
+              <a:rPr lang="en-US" sz="2600" dirty="0">
+                <a:latin typeface="Times New Roman" panose="02020603050405020304" pitchFamily="18" charset="0"/>
+                <a:cs typeface="Times New Roman" panose="02020603050405020304" pitchFamily="18" charset="0"/>
+                <a:sym typeface="Wingdings" panose="05000000000000000000" pitchFamily="2" charset="2"/>
+              </a:rPr>
+              <a:t> </a:t>
+            </a:r>
+            <a:r>
+              <a:rPr lang="en-US" sz="2600" dirty="0" err="1">
+                <a:latin typeface="Times New Roman" panose="02020603050405020304" pitchFamily="18" charset="0"/>
+                <a:cs typeface="Times New Roman" panose="02020603050405020304" pitchFamily="18" charset="0"/>
+                <a:sym typeface="Wingdings" panose="05000000000000000000" pitchFamily="2" charset="2"/>
+              </a:rPr>
+              <a:t>Đối</a:t>
+            </a:r>
+            <a:r>
+              <a:rPr lang="en-US" sz="2600" dirty="0">
+                <a:latin typeface="Times New Roman" panose="02020603050405020304" pitchFamily="18" charset="0"/>
+                <a:cs typeface="Times New Roman" panose="02020603050405020304" pitchFamily="18" charset="0"/>
+                <a:sym typeface="Wingdings" panose="05000000000000000000" pitchFamily="2" charset="2"/>
+              </a:rPr>
+              <a:t> </a:t>
+            </a:r>
+            <a:r>
+              <a:rPr lang="en-US" sz="2600" dirty="0" err="1">
+                <a:latin typeface="Times New Roman" panose="02020603050405020304" pitchFamily="18" charset="0"/>
+                <a:cs typeface="Times New Roman" panose="02020603050405020304" pitchFamily="18" charset="0"/>
+                <a:sym typeface="Wingdings" panose="05000000000000000000" pitchFamily="2" charset="2"/>
+              </a:rPr>
+              <a:t>tượng</a:t>
+            </a:r>
+            <a:r>
+              <a:rPr lang="en-US" sz="2600" dirty="0">
+                <a:latin typeface="Times New Roman" panose="02020603050405020304" pitchFamily="18" charset="0"/>
+                <a:cs typeface="Times New Roman" panose="02020603050405020304" pitchFamily="18" charset="0"/>
+                <a:sym typeface="Wingdings" panose="05000000000000000000" pitchFamily="2" charset="2"/>
+              </a:rPr>
+              <a:t>: </a:t>
+            </a:r>
+            <a:r>
+              <a:rPr lang="en-US" sz="2600" dirty="0" err="1">
+                <a:latin typeface="Times New Roman" panose="02020603050405020304" pitchFamily="18" charset="0"/>
+                <a:cs typeface="Times New Roman" panose="02020603050405020304" pitchFamily="18" charset="0"/>
+                <a:sym typeface="Wingdings" panose="05000000000000000000" pitchFamily="2" charset="2"/>
+              </a:rPr>
+              <a:t>Một</a:t>
+            </a:r>
+            <a:r>
+              <a:rPr lang="en-US" sz="2600" dirty="0">
+                <a:latin typeface="Times New Roman" panose="02020603050405020304" pitchFamily="18" charset="0"/>
+                <a:cs typeface="Times New Roman" panose="02020603050405020304" pitchFamily="18" charset="0"/>
+                <a:sym typeface="Wingdings" panose="05000000000000000000" pitchFamily="2" charset="2"/>
+              </a:rPr>
+              <a:t> </a:t>
+            </a:r>
+            <a:r>
+              <a:rPr lang="en-US" sz="2600" dirty="0" err="1">
+                <a:latin typeface="Times New Roman" panose="02020603050405020304" pitchFamily="18" charset="0"/>
+                <a:cs typeface="Times New Roman" panose="02020603050405020304" pitchFamily="18" charset="0"/>
+                <a:sym typeface="Wingdings" panose="05000000000000000000" pitchFamily="2" charset="2"/>
+              </a:rPr>
+              <a:t>số</a:t>
+            </a:r>
+            <a:r>
+              <a:rPr lang="en-US" sz="2600" dirty="0">
+                <a:latin typeface="Times New Roman" panose="02020603050405020304" pitchFamily="18" charset="0"/>
+                <a:cs typeface="Times New Roman" panose="02020603050405020304" pitchFamily="18" charset="0"/>
+                <a:sym typeface="Wingdings" panose="05000000000000000000" pitchFamily="2" charset="2"/>
+              </a:rPr>
+              <a:t> </a:t>
+            </a:r>
+            <a:r>
+              <a:rPr lang="en-US" sz="2600" dirty="0" err="1">
+                <a:latin typeface="Times New Roman" panose="02020603050405020304" pitchFamily="18" charset="0"/>
+                <a:cs typeface="Times New Roman" panose="02020603050405020304" pitchFamily="18" charset="0"/>
+                <a:sym typeface="Wingdings" panose="05000000000000000000" pitchFamily="2" charset="2"/>
+              </a:rPr>
+              <a:t>phương</a:t>
+            </a:r>
+            <a:r>
+              <a:rPr lang="en-US" sz="2600" dirty="0">
+                <a:latin typeface="Times New Roman" panose="02020603050405020304" pitchFamily="18" charset="0"/>
+                <a:cs typeface="Times New Roman" panose="02020603050405020304" pitchFamily="18" charset="0"/>
+                <a:sym typeface="Wingdings" panose="05000000000000000000" pitchFamily="2" charset="2"/>
+              </a:rPr>
+              <a:t> </a:t>
+            </a:r>
+            <a:r>
+              <a:rPr lang="en-US" sz="2600" dirty="0" err="1">
+                <a:latin typeface="Times New Roman" panose="02020603050405020304" pitchFamily="18" charset="0"/>
+                <a:cs typeface="Times New Roman" panose="02020603050405020304" pitchFamily="18" charset="0"/>
+                <a:sym typeface="Wingdings" panose="05000000000000000000" pitchFamily="2" charset="2"/>
+              </a:rPr>
+              <a:t>pháp</a:t>
+            </a:r>
+            <a:r>
+              <a:rPr lang="en-US" sz="2600" dirty="0">
+                <a:latin typeface="Times New Roman" panose="02020603050405020304" pitchFamily="18" charset="0"/>
+                <a:cs typeface="Times New Roman" panose="02020603050405020304" pitchFamily="18" charset="0"/>
+                <a:sym typeface="Wingdings" panose="05000000000000000000" pitchFamily="2" charset="2"/>
+              </a:rPr>
+              <a:t> </a:t>
+            </a:r>
+            <a:r>
+              <a:rPr lang="en-US" sz="2600" dirty="0" err="1">
+                <a:latin typeface="Times New Roman" panose="02020603050405020304" pitchFamily="18" charset="0"/>
+                <a:cs typeface="Times New Roman" panose="02020603050405020304" pitchFamily="18" charset="0"/>
+                <a:sym typeface="Wingdings" panose="05000000000000000000" pitchFamily="2" charset="2"/>
+              </a:rPr>
+              <a:t>khuyến</a:t>
+            </a:r>
+            <a:r>
+              <a:rPr lang="en-US" sz="2600" dirty="0">
+                <a:latin typeface="Times New Roman" panose="02020603050405020304" pitchFamily="18" charset="0"/>
+                <a:cs typeface="Times New Roman" panose="02020603050405020304" pitchFamily="18" charset="0"/>
+                <a:sym typeface="Wingdings" panose="05000000000000000000" pitchFamily="2" charset="2"/>
+              </a:rPr>
+              <a:t> </a:t>
+            </a:r>
+            <a:r>
+              <a:rPr lang="en-US" sz="2600" dirty="0" err="1">
+                <a:latin typeface="Times New Roman" panose="02020603050405020304" pitchFamily="18" charset="0"/>
+                <a:cs typeface="Times New Roman" panose="02020603050405020304" pitchFamily="18" charset="0"/>
+                <a:sym typeface="Wingdings" panose="05000000000000000000" pitchFamily="2" charset="2"/>
+              </a:rPr>
+              <a:t>nghị</a:t>
+            </a:r>
+            <a:r>
+              <a:rPr lang="en-US" sz="2600" dirty="0">
+                <a:latin typeface="Times New Roman" panose="02020603050405020304" pitchFamily="18" charset="0"/>
+                <a:cs typeface="Times New Roman" panose="02020603050405020304" pitchFamily="18" charset="0"/>
+                <a:sym typeface="Wingdings" panose="05000000000000000000" pitchFamily="2" charset="2"/>
+              </a:rPr>
+              <a:t> </a:t>
+            </a:r>
+            <a:r>
+              <a:rPr lang="en-US" sz="2600" dirty="0" err="1">
+                <a:latin typeface="Times New Roman" panose="02020603050405020304" pitchFamily="18" charset="0"/>
+                <a:cs typeface="Times New Roman" panose="02020603050405020304" pitchFamily="18" charset="0"/>
+                <a:sym typeface="Wingdings" panose="05000000000000000000" pitchFamily="2" charset="2"/>
+              </a:rPr>
+              <a:t>và</a:t>
+            </a:r>
+            <a:r>
+              <a:rPr lang="en-US" sz="2600" dirty="0">
+                <a:latin typeface="Times New Roman" panose="02020603050405020304" pitchFamily="18" charset="0"/>
+                <a:cs typeface="Times New Roman" panose="02020603050405020304" pitchFamily="18" charset="0"/>
+                <a:sym typeface="Wingdings" panose="05000000000000000000" pitchFamily="2" charset="2"/>
+              </a:rPr>
+              <a:t> </a:t>
+            </a:r>
+            <a:r>
+              <a:rPr lang="en-US" sz="2600" dirty="0" err="1">
+                <a:latin typeface="Times New Roman" panose="02020603050405020304" pitchFamily="18" charset="0"/>
+                <a:cs typeface="Times New Roman" panose="02020603050405020304" pitchFamily="18" charset="0"/>
+                <a:sym typeface="Wingdings" panose="05000000000000000000" pitchFamily="2" charset="2"/>
+              </a:rPr>
+              <a:t>các</a:t>
+            </a:r>
+            <a:r>
+              <a:rPr lang="en-US" sz="2600" dirty="0">
+                <a:latin typeface="Times New Roman" panose="02020603050405020304" pitchFamily="18" charset="0"/>
+                <a:cs typeface="Times New Roman" panose="02020603050405020304" pitchFamily="18" charset="0"/>
+                <a:sym typeface="Wingdings" panose="05000000000000000000" pitchFamily="2" charset="2"/>
+              </a:rPr>
+              <a:t> </a:t>
+            </a:r>
+            <a:r>
+              <a:rPr lang="en-US" sz="2600" dirty="0" err="1">
+                <a:latin typeface="Times New Roman" panose="02020603050405020304" pitchFamily="18" charset="0"/>
+                <a:cs typeface="Times New Roman" panose="02020603050405020304" pitchFamily="18" charset="0"/>
+                <a:sym typeface="Wingdings" panose="05000000000000000000" pitchFamily="2" charset="2"/>
+              </a:rPr>
+              <a:t>độ</a:t>
+            </a:r>
+            <a:r>
+              <a:rPr lang="en-US" sz="2600" dirty="0">
+                <a:latin typeface="Times New Roman" panose="02020603050405020304" pitchFamily="18" charset="0"/>
+                <a:cs typeface="Times New Roman" panose="02020603050405020304" pitchFamily="18" charset="0"/>
+                <a:sym typeface="Wingdings" panose="05000000000000000000" pitchFamily="2" charset="2"/>
+              </a:rPr>
+              <a:t> </a:t>
+            </a:r>
+            <a:r>
+              <a:rPr lang="en-US" sz="2600" dirty="0" err="1">
+                <a:latin typeface="Times New Roman" panose="02020603050405020304" pitchFamily="18" charset="0"/>
+                <a:cs typeface="Times New Roman" panose="02020603050405020304" pitchFamily="18" charset="0"/>
+                <a:sym typeface="Wingdings" panose="05000000000000000000" pitchFamily="2" charset="2"/>
+              </a:rPr>
+              <a:t>đo</a:t>
+            </a:r>
+            <a:r>
+              <a:rPr lang="en-US" sz="2600" dirty="0">
+                <a:latin typeface="Times New Roman" panose="02020603050405020304" pitchFamily="18" charset="0"/>
+                <a:cs typeface="Times New Roman" panose="02020603050405020304" pitchFamily="18" charset="0"/>
+                <a:sym typeface="Wingdings" panose="05000000000000000000" pitchFamily="2" charset="2"/>
+              </a:rPr>
+              <a:t> </a:t>
+            </a:r>
+            <a:r>
+              <a:rPr lang="en-US" sz="2600" dirty="0" err="1">
+                <a:latin typeface="Times New Roman" panose="02020603050405020304" pitchFamily="18" charset="0"/>
+                <a:cs typeface="Times New Roman" panose="02020603050405020304" pitchFamily="18" charset="0"/>
+                <a:sym typeface="Wingdings" panose="05000000000000000000" pitchFamily="2" charset="2"/>
+              </a:rPr>
+              <a:t>chuẩn</a:t>
+            </a:r>
+            <a:r>
+              <a:rPr lang="en-US" sz="2600" dirty="0">
+                <a:latin typeface="Times New Roman" panose="02020603050405020304" pitchFamily="18" charset="0"/>
+                <a:cs typeface="Times New Roman" panose="02020603050405020304" pitchFamily="18" charset="0"/>
+                <a:sym typeface="Wingdings" panose="05000000000000000000" pitchFamily="2" charset="2"/>
+              </a:rPr>
+              <a:t>.</a:t>
+            </a:r>
+          </a:p>
+          <a:p>
+            <a:pPr marL="457200" lvl="1" indent="0">
+              <a:buNone/>
+            </a:pPr>
+            <a:r>
+              <a:rPr lang="en-US" sz="2600" dirty="0">
+                <a:latin typeface="Times New Roman" panose="02020603050405020304" pitchFamily="18" charset="0"/>
+                <a:cs typeface="Times New Roman" panose="02020603050405020304" pitchFamily="18" charset="0"/>
+                <a:sym typeface="Wingdings" panose="05000000000000000000" pitchFamily="2" charset="2"/>
+              </a:rPr>
+              <a:t> </a:t>
+            </a:r>
+            <a:r>
+              <a:rPr lang="en-US" sz="2600" dirty="0" err="1">
+                <a:latin typeface="Times New Roman" panose="02020603050405020304" pitchFamily="18" charset="0"/>
+                <a:cs typeface="Times New Roman" panose="02020603050405020304" pitchFamily="18" charset="0"/>
+                <a:sym typeface="Wingdings" panose="05000000000000000000" pitchFamily="2" charset="2"/>
+              </a:rPr>
+              <a:t>Phạm</a:t>
+            </a:r>
+            <a:r>
+              <a:rPr lang="en-US" sz="2600" dirty="0">
+                <a:latin typeface="Times New Roman" panose="02020603050405020304" pitchFamily="18" charset="0"/>
+                <a:cs typeface="Times New Roman" panose="02020603050405020304" pitchFamily="18" charset="0"/>
+                <a:sym typeface="Wingdings" panose="05000000000000000000" pitchFamily="2" charset="2"/>
+              </a:rPr>
+              <a:t> vi: </a:t>
+            </a:r>
+            <a:br>
+              <a:rPr lang="en-US" sz="2600" dirty="0">
+                <a:latin typeface="Times New Roman" panose="02020603050405020304" pitchFamily="18" charset="0"/>
+                <a:cs typeface="Times New Roman" panose="02020603050405020304" pitchFamily="18" charset="0"/>
+                <a:sym typeface="Wingdings" panose="05000000000000000000" pitchFamily="2" charset="2"/>
+              </a:rPr>
+            </a:br>
+            <a:r>
+              <a:rPr lang="en-US" sz="2600" dirty="0">
+                <a:latin typeface="Times New Roman" panose="02020603050405020304" pitchFamily="18" charset="0"/>
+                <a:cs typeface="Times New Roman" panose="02020603050405020304" pitchFamily="18" charset="0"/>
+                <a:sym typeface="Wingdings" panose="05000000000000000000" pitchFamily="2" charset="2"/>
+              </a:rPr>
+              <a:t>+ </a:t>
+            </a:r>
+            <a:r>
+              <a:rPr lang="en-US" sz="2600" dirty="0" err="1">
+                <a:latin typeface="Times New Roman" panose="02020603050405020304" pitchFamily="18" charset="0"/>
+                <a:cs typeface="Times New Roman" panose="02020603050405020304" pitchFamily="18" charset="0"/>
+                <a:sym typeface="Wingdings" panose="05000000000000000000" pitchFamily="2" charset="2"/>
+              </a:rPr>
+              <a:t>Lĩnh</a:t>
+            </a:r>
+            <a:r>
+              <a:rPr lang="en-US" sz="2600" dirty="0">
+                <a:latin typeface="Times New Roman" panose="02020603050405020304" pitchFamily="18" charset="0"/>
+                <a:cs typeface="Times New Roman" panose="02020603050405020304" pitchFamily="18" charset="0"/>
+                <a:sym typeface="Wingdings" panose="05000000000000000000" pitchFamily="2" charset="2"/>
+              </a:rPr>
+              <a:t> </a:t>
+            </a:r>
+            <a:r>
+              <a:rPr lang="en-US" sz="2600" dirty="0" err="1">
+                <a:latin typeface="Times New Roman" panose="02020603050405020304" pitchFamily="18" charset="0"/>
+                <a:cs typeface="Times New Roman" panose="02020603050405020304" pitchFamily="18" charset="0"/>
+                <a:sym typeface="Wingdings" panose="05000000000000000000" pitchFamily="2" charset="2"/>
+              </a:rPr>
+              <a:t>vực</a:t>
+            </a:r>
+            <a:r>
+              <a:rPr lang="en-US" sz="2600" dirty="0">
+                <a:latin typeface="Times New Roman" panose="02020603050405020304" pitchFamily="18" charset="0"/>
+                <a:cs typeface="Times New Roman" panose="02020603050405020304" pitchFamily="18" charset="0"/>
+                <a:sym typeface="Wingdings" panose="05000000000000000000" pitchFamily="2" charset="2"/>
+              </a:rPr>
+              <a:t>: </a:t>
+            </a:r>
+            <a:r>
+              <a:rPr lang="en-US" sz="2600" dirty="0" err="1">
+                <a:latin typeface="Times New Roman" panose="02020603050405020304" pitchFamily="18" charset="0"/>
+                <a:cs typeface="Times New Roman" panose="02020603050405020304" pitchFamily="18" charset="0"/>
+                <a:sym typeface="Wingdings" panose="05000000000000000000" pitchFamily="2" charset="2"/>
+              </a:rPr>
+              <a:t>Tìm</a:t>
+            </a:r>
+            <a:r>
+              <a:rPr lang="en-US" sz="2600" dirty="0">
+                <a:latin typeface="Times New Roman" panose="02020603050405020304" pitchFamily="18" charset="0"/>
+                <a:cs typeface="Times New Roman" panose="02020603050405020304" pitchFamily="18" charset="0"/>
+                <a:sym typeface="Wingdings" panose="05000000000000000000" pitchFamily="2" charset="2"/>
+              </a:rPr>
+              <a:t> </a:t>
+            </a:r>
+            <a:r>
+              <a:rPr lang="en-US" sz="2600" dirty="0" err="1">
+                <a:latin typeface="Times New Roman" panose="02020603050405020304" pitchFamily="18" charset="0"/>
+                <a:cs typeface="Times New Roman" panose="02020603050405020304" pitchFamily="18" charset="0"/>
+                <a:sym typeface="Wingdings" panose="05000000000000000000" pitchFamily="2" charset="2"/>
+              </a:rPr>
+              <a:t>kiếm</a:t>
+            </a:r>
+            <a:r>
+              <a:rPr lang="en-US" sz="2600" dirty="0">
+                <a:latin typeface="Times New Roman" panose="02020603050405020304" pitchFamily="18" charset="0"/>
+                <a:cs typeface="Times New Roman" panose="02020603050405020304" pitchFamily="18" charset="0"/>
+                <a:sym typeface="Wingdings" panose="05000000000000000000" pitchFamily="2" charset="2"/>
+              </a:rPr>
+              <a:t> </a:t>
+            </a:r>
+            <a:r>
+              <a:rPr lang="en-US" sz="2600" dirty="0" err="1">
+                <a:latin typeface="Times New Roman" panose="02020603050405020304" pitchFamily="18" charset="0"/>
+                <a:cs typeface="Times New Roman" panose="02020603050405020304" pitchFamily="18" charset="0"/>
+                <a:sym typeface="Wingdings" panose="05000000000000000000" pitchFamily="2" charset="2"/>
+              </a:rPr>
+              <a:t>việc</a:t>
+            </a:r>
+            <a:r>
+              <a:rPr lang="en-US" sz="2600" dirty="0">
+                <a:latin typeface="Times New Roman" panose="02020603050405020304" pitchFamily="18" charset="0"/>
+                <a:cs typeface="Times New Roman" panose="02020603050405020304" pitchFamily="18" charset="0"/>
+                <a:sym typeface="Wingdings" panose="05000000000000000000" pitchFamily="2" charset="2"/>
+              </a:rPr>
+              <a:t> </a:t>
+            </a:r>
+            <a:r>
+              <a:rPr lang="en-US" sz="2600" dirty="0" err="1">
+                <a:latin typeface="Times New Roman" panose="02020603050405020304" pitchFamily="18" charset="0"/>
+                <a:cs typeface="Times New Roman" panose="02020603050405020304" pitchFamily="18" charset="0"/>
+                <a:sym typeface="Wingdings" panose="05000000000000000000" pitchFamily="2" charset="2"/>
+              </a:rPr>
+              <a:t>làm</a:t>
+            </a:r>
+            <a:br>
+              <a:rPr lang="en-US" sz="2600" dirty="0">
+                <a:latin typeface="Times New Roman" panose="02020603050405020304" pitchFamily="18" charset="0"/>
+                <a:cs typeface="Times New Roman" panose="02020603050405020304" pitchFamily="18" charset="0"/>
+                <a:sym typeface="Wingdings" panose="05000000000000000000" pitchFamily="2" charset="2"/>
+              </a:rPr>
+            </a:br>
+            <a:r>
+              <a:rPr lang="en-US" sz="2600" dirty="0">
+                <a:latin typeface="Times New Roman" panose="02020603050405020304" pitchFamily="18" charset="0"/>
+                <a:cs typeface="Times New Roman" panose="02020603050405020304" pitchFamily="18" charset="0"/>
+                <a:sym typeface="Wingdings" panose="05000000000000000000" pitchFamily="2" charset="2"/>
+              </a:rPr>
+              <a:t>+ </a:t>
+            </a:r>
+            <a:r>
+              <a:rPr lang="en-US" sz="2600" dirty="0" err="1">
+                <a:latin typeface="Times New Roman" panose="02020603050405020304" pitchFamily="18" charset="0"/>
+                <a:cs typeface="Times New Roman" panose="02020603050405020304" pitchFamily="18" charset="0"/>
+                <a:sym typeface="Wingdings" panose="05000000000000000000" pitchFamily="2" charset="2"/>
+              </a:rPr>
+              <a:t>Các</a:t>
+            </a:r>
+            <a:r>
+              <a:rPr lang="en-US" sz="2600" dirty="0">
+                <a:latin typeface="Times New Roman" panose="02020603050405020304" pitchFamily="18" charset="0"/>
+                <a:cs typeface="Times New Roman" panose="02020603050405020304" pitchFamily="18" charset="0"/>
+                <a:sym typeface="Wingdings" panose="05000000000000000000" pitchFamily="2" charset="2"/>
+              </a:rPr>
+              <a:t> </a:t>
+            </a:r>
+            <a:r>
+              <a:rPr lang="en-US" sz="2600" dirty="0" err="1">
+                <a:latin typeface="Times New Roman" panose="02020603050405020304" pitchFamily="18" charset="0"/>
+                <a:cs typeface="Times New Roman" panose="02020603050405020304" pitchFamily="18" charset="0"/>
+                <a:sym typeface="Wingdings" panose="05000000000000000000" pitchFamily="2" charset="2"/>
+              </a:rPr>
+              <a:t>phương</a:t>
+            </a:r>
+            <a:r>
+              <a:rPr lang="en-US" sz="2600" dirty="0">
+                <a:latin typeface="Times New Roman" panose="02020603050405020304" pitchFamily="18" charset="0"/>
+                <a:cs typeface="Times New Roman" panose="02020603050405020304" pitchFamily="18" charset="0"/>
+                <a:sym typeface="Wingdings" panose="05000000000000000000" pitchFamily="2" charset="2"/>
+              </a:rPr>
+              <a:t> </a:t>
+            </a:r>
+            <a:r>
+              <a:rPr lang="en-US" sz="2600" dirty="0" err="1">
+                <a:latin typeface="Times New Roman" panose="02020603050405020304" pitchFamily="18" charset="0"/>
+                <a:cs typeface="Times New Roman" panose="02020603050405020304" pitchFamily="18" charset="0"/>
+                <a:sym typeface="Wingdings" panose="05000000000000000000" pitchFamily="2" charset="2"/>
+              </a:rPr>
+              <a:t>pháp</a:t>
+            </a:r>
+            <a:r>
+              <a:rPr lang="en-US" sz="2600" dirty="0">
+                <a:latin typeface="Times New Roman" panose="02020603050405020304" pitchFamily="18" charset="0"/>
+                <a:cs typeface="Times New Roman" panose="02020603050405020304" pitchFamily="18" charset="0"/>
+                <a:sym typeface="Wingdings" panose="05000000000000000000" pitchFamily="2" charset="2"/>
+              </a:rPr>
+              <a:t>: </a:t>
+            </a:r>
+            <a:r>
+              <a:rPr lang="en-US" sz="2600" dirty="0" err="1">
+                <a:latin typeface="Times New Roman" panose="02020603050405020304" pitchFamily="18" charset="0"/>
+                <a:cs typeface="Times New Roman" panose="02020603050405020304" pitchFamily="18" charset="0"/>
+                <a:sym typeface="Wingdings" panose="05000000000000000000" pitchFamily="2" charset="2"/>
+              </a:rPr>
+              <a:t>Lọc</a:t>
+            </a:r>
+            <a:r>
+              <a:rPr lang="en-US" sz="2600" dirty="0">
+                <a:latin typeface="Times New Roman" panose="02020603050405020304" pitchFamily="18" charset="0"/>
+                <a:cs typeface="Times New Roman" panose="02020603050405020304" pitchFamily="18" charset="0"/>
+                <a:sym typeface="Wingdings" panose="05000000000000000000" pitchFamily="2" charset="2"/>
+              </a:rPr>
+              <a:t> </a:t>
+            </a:r>
+            <a:r>
+              <a:rPr lang="en-US" sz="2600" dirty="0" err="1">
+                <a:latin typeface="Times New Roman" panose="02020603050405020304" pitchFamily="18" charset="0"/>
+                <a:cs typeface="Times New Roman" panose="02020603050405020304" pitchFamily="18" charset="0"/>
+                <a:sym typeface="Wingdings" panose="05000000000000000000" pitchFamily="2" charset="2"/>
+              </a:rPr>
+              <a:t>cộng</a:t>
+            </a:r>
+            <a:r>
+              <a:rPr lang="en-US" sz="2600" dirty="0">
+                <a:latin typeface="Times New Roman" panose="02020603050405020304" pitchFamily="18" charset="0"/>
+                <a:cs typeface="Times New Roman" panose="02020603050405020304" pitchFamily="18" charset="0"/>
+                <a:sym typeface="Wingdings" panose="05000000000000000000" pitchFamily="2" charset="2"/>
+              </a:rPr>
+              <a:t> </a:t>
+            </a:r>
+            <a:r>
+              <a:rPr lang="en-US" sz="2600" dirty="0" err="1">
+                <a:latin typeface="Times New Roman" panose="02020603050405020304" pitchFamily="18" charset="0"/>
+                <a:cs typeface="Times New Roman" panose="02020603050405020304" pitchFamily="18" charset="0"/>
+                <a:sym typeface="Wingdings" panose="05000000000000000000" pitchFamily="2" charset="2"/>
+              </a:rPr>
+              <a:t>tác</a:t>
+            </a:r>
+            <a:r>
+              <a:rPr lang="en-US" sz="2600" dirty="0">
+                <a:latin typeface="Times New Roman" panose="02020603050405020304" pitchFamily="18" charset="0"/>
+                <a:cs typeface="Times New Roman" panose="02020603050405020304" pitchFamily="18" charset="0"/>
+                <a:sym typeface="Wingdings" panose="05000000000000000000" pitchFamily="2" charset="2"/>
+              </a:rPr>
+              <a:t>, </a:t>
+            </a:r>
+            <a:r>
+              <a:rPr lang="en-US" sz="2600" dirty="0" err="1">
+                <a:latin typeface="Times New Roman" panose="02020603050405020304" pitchFamily="18" charset="0"/>
+                <a:cs typeface="Times New Roman" panose="02020603050405020304" pitchFamily="18" charset="0"/>
+                <a:sym typeface="Wingdings" panose="05000000000000000000" pitchFamily="2" charset="2"/>
+              </a:rPr>
+              <a:t>Lọc</a:t>
+            </a:r>
+            <a:r>
+              <a:rPr lang="en-US" sz="2600" dirty="0">
+                <a:latin typeface="Times New Roman" panose="02020603050405020304" pitchFamily="18" charset="0"/>
+                <a:cs typeface="Times New Roman" panose="02020603050405020304" pitchFamily="18" charset="0"/>
+                <a:sym typeface="Wingdings" panose="05000000000000000000" pitchFamily="2" charset="2"/>
+              </a:rPr>
+              <a:t> </a:t>
+            </a:r>
+            <a:r>
+              <a:rPr lang="en-US" sz="2600" dirty="0" err="1">
+                <a:latin typeface="Times New Roman" panose="02020603050405020304" pitchFamily="18" charset="0"/>
+                <a:cs typeface="Times New Roman" panose="02020603050405020304" pitchFamily="18" charset="0"/>
+                <a:sym typeface="Wingdings" panose="05000000000000000000" pitchFamily="2" charset="2"/>
+              </a:rPr>
               <a:t>nội</a:t>
             </a:r>
             <a:r>
@@ -20977,21 +23231,23 @@
                 <a:cs typeface="Times New Roman" panose="02020603050405020304" pitchFamily="18" charset="0"/>
                 <a:sym typeface="Wingdings" panose="05000000000000000000" pitchFamily="2" charset="2"/>
               </a:rPr>
-              <a:t> dung</a:t>
-            </a:r>
-          </a:p>
-          <a:p>
-            <a:pPr>
-              <a:buFontTx/>
-              <a:buChar char="-"/>
-            </a:pPr>
+              <a:t> dung, Lai </a:t>
+            </a:r>
+            <a:r>
+              <a:rPr lang="en-US" sz="2600" dirty="0" err="1">
+                <a:latin typeface="Times New Roman" panose="02020603050405020304" pitchFamily="18" charset="0"/>
+                <a:cs typeface="Times New Roman" panose="02020603050405020304" pitchFamily="18" charset="0"/>
+                <a:sym typeface="Wingdings" panose="05000000000000000000" pitchFamily="2" charset="2"/>
+              </a:rPr>
+              <a:t>đơn</a:t>
+            </a:r>
             <a:r>
               <a:rPr lang="en-US" sz="2600" dirty="0">
                 <a:latin typeface="Times New Roman" panose="02020603050405020304" pitchFamily="18" charset="0"/>
                 <a:cs typeface="Times New Roman" panose="02020603050405020304" pitchFamily="18" charset="0"/>
                 <a:sym typeface="Wingdings" panose="05000000000000000000" pitchFamily="2" charset="2"/>
               </a:rPr>
-              <a:t> PP </a:t>
+              <a:t> </a:t>
             </a:r>
             <a:r>
               <a:rPr lang="en-US" sz="2600" dirty="0" err="1">
@@ -20999,15 +23255,22 @@
                 <a:cs typeface="Times New Roman" panose="02020603050405020304" pitchFamily="18" charset="0"/>
                 <a:sym typeface="Wingdings" panose="05000000000000000000" pitchFamily="2" charset="2"/>
               </a:rPr>
-              <a:t>Lọc</a:t>
-            </a:r>
-            <a:r>
+              <a:t>giản</a:t>
+            </a:r>
+            <a:br>
               <a:rPr lang="en-US" sz="2600" dirty="0">
                 <a:latin typeface="Times New Roman" panose="02020603050405020304" pitchFamily="18" charset="0"/>
                 <a:cs typeface="Times New Roman" panose="02020603050405020304" pitchFamily="18" charset="0"/>
                 <a:sym typeface="Wingdings" panose="05000000000000000000" pitchFamily="2" charset="2"/>
               </a:rPr>
-              <a:t> </a:t>
+            </a:br>
+            <a:r>
+              <a:rPr lang="en-US" sz="2600" dirty="0">
+                <a:latin typeface="Times New Roman" panose="02020603050405020304" pitchFamily="18" charset="0"/>
+                <a:cs typeface="Times New Roman" panose="02020603050405020304" pitchFamily="18" charset="0"/>
+                <a:sym typeface="Wingdings" panose="05000000000000000000" pitchFamily="2" charset="2"/>
+              </a:rPr>
+              <a:t>+ </a:t>
             </a:r>
             <a:r>
               <a:rPr lang="en-US" sz="2600" dirty="0" err="1">
@@ -21015,7 +23278,7 @@
                 <a:cs typeface="Times New Roman" panose="02020603050405020304" pitchFamily="18" charset="0"/>
                 <a:sym typeface="Wingdings" panose="05000000000000000000" pitchFamily="2" charset="2"/>
               </a:rPr>
-              <a:t>cộng</a:t>
+              <a:t>Các</a:t>
             </a:r>
             <a:r>
               <a:rPr lang="en-US" sz="2600" dirty="0">
@@ -21031,26 +23294,15 @@
                 <a:cs typeface="Times New Roman" panose="02020603050405020304" pitchFamily="18" charset="0"/>
                 <a:sym typeface="Wingdings" panose="05000000000000000000" pitchFamily="2" charset="2"/>
               </a:rPr>
-              <a:t>tác</a:t>
-            </a:r>
-            <a:endParaRPr lang="en-US" sz="2600" dirty="0">
-              <a:latin typeface="Times New Roman" panose="02020603050405020304" pitchFamily="18" charset="0"/>
-              <a:cs typeface="Times New Roman" panose="02020603050405020304" pitchFamily="18" charset="0"/>
-              <a:sym typeface="Wingdings" panose="05000000000000000000" pitchFamily="2" charset="2"/>
-            </a:endParaRPr>
-          </a:p>
-          <a:p>
-            <a:pPr>
-              <a:buFontTx/>
-              <a:buChar char="-"/>
-            </a:pPr>
+              <a:t>độ</a:t>
+            </a:r>
             <a:r>
               <a:rPr lang="en-US" sz="2600" dirty="0">
                 <a:latin typeface="Times New Roman" panose="02020603050405020304" pitchFamily="18" charset="0"/>
                 <a:cs typeface="Times New Roman" panose="02020603050405020304" pitchFamily="18" charset="0"/>
                 <a:sym typeface="Wingdings" panose="05000000000000000000" pitchFamily="2" charset="2"/>
               </a:rPr>
-              <a:t> PP </a:t>
+              <a:t> </a:t>
             </a:r>
             <a:r>
               <a:rPr lang="en-US" sz="2600" dirty="0" err="1">
@@ -21058,26 +23310,7 @@
                 <a:cs typeface="Times New Roman" panose="02020603050405020304" pitchFamily="18" charset="0"/>
                 <a:sym typeface="Wingdings" panose="05000000000000000000" pitchFamily="2" charset="2"/>
               </a:rPr>
-              <a:t>lai</a:t>
-            </a:r>
-            <a:endParaRPr lang="en-US" sz="2600" dirty="0">
-              <a:latin typeface="Times New Roman" panose="02020603050405020304" pitchFamily="18" charset="0"/>
-              <a:cs typeface="Times New Roman" panose="02020603050405020304" pitchFamily="18" charset="0"/>
-              <a:sym typeface="Wingdings" panose="05000000000000000000" pitchFamily="2" charset="2"/>
-            </a:endParaRPr>
-          </a:p>
-          <a:p>
-            <a:pPr>
-              <a:buFontTx/>
-              <a:buChar char="-"/>
-            </a:pPr>
-            <a:r>
-              <a:rPr lang="en-US" sz="2600" dirty="0" err="1">
-                <a:latin typeface="Times New Roman" panose="02020603050405020304" pitchFamily="18" charset="0"/>
-                <a:cs typeface="Times New Roman" panose="02020603050405020304" pitchFamily="18" charset="0"/>
-                <a:sym typeface="Wingdings" panose="05000000000000000000" pitchFamily="2" charset="2"/>
-              </a:rPr>
-              <a:t>Một</a:t>
+              <a:t>đo</a:t>
             </a:r>
             <a:r>
               <a:rPr lang="en-US" sz="2600" dirty="0">
@@ -21085,77 +23318,12 @@
                 <a:cs typeface="Times New Roman" panose="02020603050405020304" pitchFamily="18" charset="0"/>
                 <a:sym typeface="Wingdings" panose="05000000000000000000" pitchFamily="2" charset="2"/>
               </a:rPr>
-              <a:t> </a:t>
-            </a:r>
-            <a:r>
-              <a:rPr lang="en-US" sz="2600" dirty="0" err="1">
-                <a:latin typeface="Times New Roman" panose="02020603050405020304" pitchFamily="18" charset="0"/>
-                <a:cs typeface="Times New Roman" panose="02020603050405020304" pitchFamily="18" charset="0"/>
-                <a:sym typeface="Wingdings" panose="05000000000000000000" pitchFamily="2" charset="2"/>
-              </a:rPr>
-              <a:t>số</a:t>
-            </a:r>
-            <a:r>
-              <a:rPr lang="en-US" sz="2600" dirty="0">
-                <a:latin typeface="Times New Roman" panose="02020603050405020304" pitchFamily="18" charset="0"/>
-                <a:cs typeface="Times New Roman" panose="02020603050405020304" pitchFamily="18" charset="0"/>
-                <a:sym typeface="Wingdings" panose="05000000000000000000" pitchFamily="2" charset="2"/>
-              </a:rPr>
-              <a:t> </a:t>
-            </a:r>
-            <a:r>
-              <a:rPr lang="en-US" sz="2600" dirty="0" err="1">
-                <a:latin typeface="Times New Roman" panose="02020603050405020304" pitchFamily="18" charset="0"/>
-                <a:cs typeface="Times New Roman" panose="02020603050405020304" pitchFamily="18" charset="0"/>
-                <a:sym typeface="Wingdings" panose="05000000000000000000" pitchFamily="2" charset="2"/>
-              </a:rPr>
-              <a:t>độ</a:t>
-            </a:r>
-            <a:r>
-              <a:rPr lang="en-US" sz="2600" dirty="0">
-                <a:latin typeface="Times New Roman" panose="02020603050405020304" pitchFamily="18" charset="0"/>
-                <a:cs typeface="Times New Roman" panose="02020603050405020304" pitchFamily="18" charset="0"/>
-                <a:sym typeface="Wingdings" panose="05000000000000000000" pitchFamily="2" charset="2"/>
-              </a:rPr>
-              <a:t> </a:t>
-            </a:r>
-            <a:r>
-              <a:rPr lang="en-US" sz="2600" dirty="0" err="1">
-                <a:latin typeface="Times New Roman" panose="02020603050405020304" pitchFamily="18" charset="0"/>
-                <a:cs typeface="Times New Roman" panose="02020603050405020304" pitchFamily="18" charset="0"/>
-                <a:sym typeface="Wingdings" panose="05000000000000000000" pitchFamily="2" charset="2"/>
-              </a:rPr>
-              <a:t>đo</a:t>
-            </a:r>
-            <a:r>
-              <a:rPr lang="en-US" sz="2600" dirty="0">
-                <a:latin typeface="Times New Roman" panose="02020603050405020304" pitchFamily="18" charset="0"/>
-                <a:cs typeface="Times New Roman" panose="02020603050405020304" pitchFamily="18" charset="0"/>
-                <a:sym typeface="Wingdings" panose="05000000000000000000" pitchFamily="2" charset="2"/>
-              </a:rPr>
-              <a:t> </a:t>
-            </a:r>
-            <a:r>
-              <a:rPr lang="en-US" sz="2600" dirty="0" err="1">
-                <a:latin typeface="Times New Roman" panose="02020603050405020304" pitchFamily="18" charset="0"/>
-                <a:cs typeface="Times New Roman" panose="02020603050405020304" pitchFamily="18" charset="0"/>
-                <a:sym typeface="Wingdings" panose="05000000000000000000" pitchFamily="2" charset="2"/>
-              </a:rPr>
-              <a:t>chuẩn</a:t>
-            </a:r>
-            <a:r>
-              <a:rPr lang="en-US" sz="2600" dirty="0">
-                <a:latin typeface="Times New Roman" panose="02020603050405020304" pitchFamily="18" charset="0"/>
-                <a:cs typeface="Times New Roman" panose="02020603050405020304" pitchFamily="18" charset="0"/>
-                <a:sym typeface="Wingdings" panose="05000000000000000000" pitchFamily="2" charset="2"/>
-              </a:rPr>
-              <a:t>: Precision &amp; recall, MAE, RMSE, NDCG, F-measure</a:t>
-            </a:r>
-          </a:p>
-          <a:p>
-            <a:pPr>
-              <a:buFontTx/>
-              <a:buChar char="-"/>
+              <a:t>: Precision &amp; recall, F-measure, NDCG, RMSE, MAP, MRR</a:t>
+            </a:r>
+          </a:p>
+          <a:p>
+            <a:pPr marL="457200" lvl="1" indent="0">
+              <a:buNone/>
             </a:pPr>
             <a:endParaRPr lang="en-US" sz="2600" dirty="0">
               <a:latin typeface="Times New Roman" panose="02020603050405020304" pitchFamily="18" charset="0"/>
@@ -21163,12 +23331,32 @@
               <a:sym typeface="Wingdings" panose="05000000000000000000" pitchFamily="2" charset="2"/>
             </a:endParaRPr>
           </a:p>
+          <a:p>
+            <a:pPr marL="457200" lvl="1" indent="0">
+              <a:buNone/>
+            </a:pPr>
+            <a:endParaRPr lang="en-US" sz="2600" dirty="0">
+              <a:latin typeface="Times New Roman" panose="02020603050405020304" pitchFamily="18" charset="0"/>
+              <a:cs typeface="Times New Roman" panose="02020603050405020304" pitchFamily="18" charset="0"/>
+              <a:sym typeface="Wingdings" panose="05000000000000000000" pitchFamily="2" charset="2"/>
+            </a:endParaRPr>
+          </a:p>
+          <a:p>
+            <a:pPr marL="457200" lvl="1" indent="0">
+              <a:buNone/>
+            </a:pPr>
+            <a:endParaRPr lang="en-US" sz="2600" dirty="0">
+              <a:latin typeface="Times New Roman" panose="02020603050405020304" pitchFamily="18" charset="0"/>
+              <a:cs typeface="Times New Roman" panose="02020603050405020304" pitchFamily="18" charset="0"/>
+              <a:sym typeface="Wingdings" panose="05000000000000000000" pitchFamily="2" charset="2"/>
+            </a:endParaRPr>
+          </a:p>
         </p:txBody>
       </p:sp>
     </p:spTree>
     <p:extLst>
       <p:ext uri="{BB962C8B-B14F-4D97-AF65-F5344CB8AC3E}">
-        <p14:creationId xmlns:p14="http://schemas.microsoft.com/office/powerpoint/2010/main" val="1946191302"/>
+        <p14:creationId xmlns:p14="http://schemas.microsoft.com/office/powerpoint/2010/main" val="2852633473"/>
       </p:ext>
     </p:extLst>
   </p:cSld>

--- a/Documents/Báo cáo/Bao cao KLTN.pptx
+++ b/Documents/Báo cáo/Bao cao KLTN.pptx
@@ -5,7 +5,7 @@
     <p:sldMasterId id="2147483733" r:id="rId1"/>
   </p:sldMasterIdLst>
   <p:notesMasterIdLst>
-    <p:notesMasterId r:id="rId22"/>
+    <p:notesMasterId r:id="rId23"/>
   </p:notesMasterIdLst>
   <p:sldIdLst>
     <p:sldId id="256" r:id="rId2"/>
@@ -25,9 +25,10 @@
     <p:sldId id="267" r:id="rId16"/>
     <p:sldId id="268" r:id="rId17"/>
     <p:sldId id="269" r:id="rId18"/>
-    <p:sldId id="270" r:id="rId19"/>
-    <p:sldId id="271" r:id="rId20"/>
-    <p:sldId id="272" r:id="rId21"/>
+    <p:sldId id="278" r:id="rId19"/>
+    <p:sldId id="270" r:id="rId20"/>
+    <p:sldId id="271" r:id="rId21"/>
+    <p:sldId id="272" r:id="rId22"/>
   </p:sldIdLst>
   <p:sldSz cx="12192000" cy="6858000"/>
   <p:notesSz cx="6858000" cy="9144000"/>
@@ -1932,7 +1933,7 @@
     </p:spTree>
     <p:extLst>
       <p:ext uri="{BB962C8B-B14F-4D97-AF65-F5344CB8AC3E}">
-        <p14:creationId xmlns:p14="http://schemas.microsoft.com/office/powerpoint/2010/main" val="1227716121"/>
+        <p14:creationId xmlns:p14="http://schemas.microsoft.com/office/powerpoint/2010/main" val="507937474"/>
       </p:ext>
     </p:extLst>
   </p:cSld>
@@ -2016,7 +2017,7 @@
     </p:spTree>
     <p:extLst>
       <p:ext uri="{BB962C8B-B14F-4D97-AF65-F5344CB8AC3E}">
-        <p14:creationId xmlns:p14="http://schemas.microsoft.com/office/powerpoint/2010/main" val="3187795464"/>
+        <p14:creationId xmlns:p14="http://schemas.microsoft.com/office/powerpoint/2010/main" val="1227716121"/>
       </p:ext>
     </p:extLst>
   </p:cSld>
@@ -2092,6 +2093,90 @@
             <a:fld id="{32C44278-3EA4-4776-B648-FB7C724AA307}" type="slidenum">
               <a:rPr lang="en-US" smtClean="0"/>
               <a:t>20</a:t>
+            </a:fld>
+            <a:endParaRPr lang="en-US"/>
+          </a:p>
+        </p:txBody>
+      </p:sp>
+    </p:spTree>
+    <p:extLst>
+      <p:ext uri="{BB962C8B-B14F-4D97-AF65-F5344CB8AC3E}">
+        <p14:creationId xmlns:p14="http://schemas.microsoft.com/office/powerpoint/2010/main" val="3187795464"/>
+      </p:ext>
+    </p:extLst>
+  </p:cSld>
+  <p:clrMapOvr>
+    <a:masterClrMapping/>
+  </p:clrMapOvr>
+</p:notes>
+</file>
+
+<file path=ppt/notesSlides/notesSlide18.xml><?xml version="1.0" encoding="utf-8"?>
+<p:notes xmlns:a="http://schemas.openxmlformats.org/drawingml/2006/main" xmlns:r="http://schemas.openxmlformats.org/officeDocument/2006/relationships" xmlns:p="http://schemas.openxmlformats.org/presentationml/2006/main">
+  <p:cSld>
+    <p:spTree>
+      <p:nvGrpSpPr>
+        <p:cNvPr id="1" name=""/>
+        <p:cNvGrpSpPr/>
+        <p:nvPr/>
+      </p:nvGrpSpPr>
+      <p:grpSpPr>
+        <a:xfrm>
+          <a:off x="0" y="0"/>
+          <a:ext cx="0" cy="0"/>
+          <a:chOff x="0" y="0"/>
+          <a:chExt cx="0" cy="0"/>
+        </a:xfrm>
+      </p:grpSpPr>
+      <p:sp>
+        <p:nvSpPr>
+          <p:cNvPr id="2" name="Slide Image Placeholder 1"/>
+          <p:cNvSpPr>
+            <a:spLocks noGrp="1" noRot="1" noChangeAspect="1"/>
+          </p:cNvSpPr>
+          <p:nvPr>
+            <p:ph type="sldImg"/>
+          </p:nvPr>
+        </p:nvSpPr>
+        <p:spPr/>
+      </p:sp>
+      <p:sp>
+        <p:nvSpPr>
+          <p:cNvPr id="3" name="Notes Placeholder 2"/>
+          <p:cNvSpPr>
+            <a:spLocks noGrp="1"/>
+          </p:cNvSpPr>
+          <p:nvPr>
+            <p:ph type="body" idx="1"/>
+          </p:nvPr>
+        </p:nvSpPr>
+        <p:spPr/>
+        <p:txBody>
+          <a:bodyPr/>
+          <a:lstStyle/>
+          <a:p>
+            <a:endParaRPr lang="en-US" baseline="0" dirty="0"/>
+          </a:p>
+        </p:txBody>
+      </p:sp>
+      <p:sp>
+        <p:nvSpPr>
+          <p:cNvPr id="4" name="Slide Number Placeholder 3"/>
+          <p:cNvSpPr>
+            <a:spLocks noGrp="1"/>
+          </p:cNvSpPr>
+          <p:nvPr>
+            <p:ph type="sldNum" sz="quarter" idx="10"/>
+          </p:nvPr>
+        </p:nvSpPr>
+        <p:spPr/>
+        <p:txBody>
+          <a:bodyPr/>
+          <a:lstStyle/>
+          <a:p>
+            <a:fld id="{32C44278-3EA4-4776-B648-FB7C724AA307}" type="slidenum">
+              <a:rPr lang="en-US" smtClean="0"/>
+              <a:t>21</a:t>
             </a:fld>
             <a:endParaRPr lang="en-US"/>
           </a:p>
@@ -10212,37 +10297,53 @@
         </p:nvSpPr>
         <p:spPr>
           <a:xfrm>
-            <a:off x="543339" y="424070"/>
-            <a:ext cx="10667999" cy="2728085"/>
+            <a:off x="534967" y="424543"/>
+            <a:ext cx="9253804" cy="2400300"/>
           </a:xfrm>
         </p:spPr>
         <p:txBody>
           <a:bodyPr>
-            <a:normAutofit fontScale="90000"/>
+            <a:normAutofit/>
           </a:bodyPr>
           <a:lstStyle/>
           <a:p>
             <a:pPr algn="ctr"/>
             <a:r>
-              <a:rPr lang="en-US" b="1" dirty="0">
-                <a:solidFill>
-                  <a:schemeClr val="tx1">
-                    <a:lumMod val="95000"/>
-                    <a:lumOff val="5000"/>
-                  </a:schemeClr>
-                </a:solidFill>
-                <a:latin typeface="Times New Roman" panose="02020603050405020304" pitchFamily="18" charset="0"/>
-              </a:rPr>
-              <a:t>XÂY DỰNG FRAMEWORK ĐÁNH GIÁ MỘT SỐ THUẬT TOÁN KHUYẾN NGHỊ VIỆC LÀM</a:t>
-            </a:r>
-            <a:endParaRPr lang="vi-VN" b="1" dirty="0">
-              <a:solidFill>
-                <a:schemeClr val="tx1">
-                  <a:lumMod val="95000"/>
-                  <a:lumOff val="5000"/>
-                </a:schemeClr>
-              </a:solidFill>
+              <a:rPr lang="en-US" sz="4000" dirty="0">
+                <a:latin typeface="Times New Roman" panose="02020603050405020304" pitchFamily="18" charset="0"/>
+                <a:cs typeface="Times New Roman" panose="02020603050405020304" pitchFamily="18" charset="0"/>
+              </a:rPr>
+              <a:t>XÂY DỰNG FRAMEWORK </a:t>
+            </a:r>
+            <a:br>
+              <a:rPr lang="en-US" sz="4000" dirty="0">
+                <a:latin typeface="Times New Roman" panose="02020603050405020304" pitchFamily="18" charset="0"/>
+                <a:cs typeface="Times New Roman" panose="02020603050405020304" pitchFamily="18" charset="0"/>
+              </a:rPr>
+            </a:br>
+            <a:r>
+              <a:rPr lang="en-US" sz="4000" dirty="0">
+                <a:latin typeface="Times New Roman" panose="02020603050405020304" pitchFamily="18" charset="0"/>
+                <a:cs typeface="Times New Roman" panose="02020603050405020304" pitchFamily="18" charset="0"/>
+              </a:rPr>
+              <a:t>ĐÁNH GIÁ MỘT SỐ THUẬT TOÁN </a:t>
+            </a:r>
+            <a:br>
+              <a:rPr lang="en-US" sz="4000" dirty="0">
+                <a:latin typeface="Times New Roman" panose="02020603050405020304" pitchFamily="18" charset="0"/>
+                <a:cs typeface="Times New Roman" panose="02020603050405020304" pitchFamily="18" charset="0"/>
+              </a:rPr>
+            </a:br>
+            <a:r>
+              <a:rPr lang="en-US" sz="4000" dirty="0">
+                <a:latin typeface="Times New Roman" panose="02020603050405020304" pitchFamily="18" charset="0"/>
+                <a:cs typeface="Times New Roman" panose="02020603050405020304" pitchFamily="18" charset="0"/>
+              </a:rPr>
+              <a:t>KHUYẾN NGHỊ VIỆC LÀM</a:t>
+            </a:r>
+            <a:endParaRPr lang="vi-VN" sz="4000" dirty="0">
               <a:latin typeface="Times New Roman" panose="02020603050405020304" pitchFamily="18" charset="0"/>
+              <a:cs typeface="Times New Roman" panose="02020603050405020304" pitchFamily="18" charset="0"/>
             </a:endParaRPr>
           </a:p>
         </p:txBody>
@@ -10259,19 +10360,19 @@
         </p:nvSpPr>
         <p:spPr>
           <a:xfrm>
-            <a:off x="1876424" y="3816626"/>
+            <a:off x="766082" y="3816626"/>
             <a:ext cx="8791575" cy="2209801"/>
           </a:xfrm>
         </p:spPr>
         <p:txBody>
           <a:bodyPr>
-            <a:normAutofit/>
+            <a:noAutofit/>
           </a:bodyPr>
           <a:lstStyle/>
           <a:p>
             <a:pPr algn="r"/>
             <a:r>
-              <a:rPr lang="en-US" sz="2000" b="1" dirty="0" err="1">
+              <a:rPr lang="en-US" sz="2400" b="1" dirty="0" err="1">
                 <a:solidFill>
                   <a:schemeClr val="tx1">
                     <a:lumMod val="95000"/>
@@ -10283,7 +10384,7 @@
               <a:t>Giảng</a:t>
             </a:r>
             <a:r>
-              <a:rPr lang="en-US" sz="2000" b="1" dirty="0">
+              <a:rPr lang="en-US" sz="2400" b="1" dirty="0">
                 <a:solidFill>
                   <a:schemeClr val="tx1">
                     <a:lumMod val="95000"/>
@@ -10295,7 +10396,7 @@
               <a:t> </a:t>
             </a:r>
             <a:r>
-              <a:rPr lang="en-US" sz="2000" b="1" dirty="0" err="1">
+              <a:rPr lang="en-US" sz="2400" b="1" dirty="0" err="1">
                 <a:solidFill>
                   <a:schemeClr val="tx1">
                     <a:lumMod val="95000"/>
@@ -10307,7 +10408,7 @@
               <a:t>viên</a:t>
             </a:r>
             <a:r>
-              <a:rPr lang="en-US" sz="2000" b="1" dirty="0">
+              <a:rPr lang="en-US" sz="2400" b="1" dirty="0">
                 <a:solidFill>
                   <a:schemeClr val="tx1">
                     <a:lumMod val="95000"/>
@@ -10319,7 +10420,7 @@
               <a:t> </a:t>
             </a:r>
             <a:r>
-              <a:rPr lang="en-US" sz="2000" b="1" dirty="0" err="1">
+              <a:rPr lang="en-US" sz="2400" b="1" dirty="0" err="1">
                 <a:solidFill>
                   <a:schemeClr val="tx1">
                     <a:lumMod val="95000"/>
@@ -10331,7 +10432,7 @@
               <a:t>hướng</a:t>
             </a:r>
             <a:r>
-              <a:rPr lang="en-US" sz="2000" b="1" dirty="0">
+              <a:rPr lang="en-US" sz="2400" b="1" dirty="0">
                 <a:solidFill>
                   <a:schemeClr val="tx1">
                     <a:lumMod val="95000"/>
@@ -10346,7 +10447,7 @@
           <a:p>
             <a:pPr algn="r"/>
             <a:r>
-              <a:rPr lang="en-US" sz="2000" b="1" dirty="0">
+              <a:rPr lang="en-US" sz="2400" b="1" dirty="0">
                 <a:solidFill>
                   <a:schemeClr val="tx1">
                     <a:lumMod val="95000"/>
@@ -10358,7 +10459,7 @@
               <a:t>TS. </a:t>
             </a:r>
             <a:r>
-              <a:rPr lang="en-US" sz="2000" b="1" dirty="0" err="1">
+              <a:rPr lang="en-US" sz="2400" b="1" dirty="0" err="1">
                 <a:solidFill>
                   <a:schemeClr val="tx1">
                     <a:lumMod val="95000"/>
@@ -10370,7 +10471,7 @@
               <a:t>Huỳnh</a:t>
             </a:r>
             <a:r>
-              <a:rPr lang="en-US" sz="2000" b="1" dirty="0">
+              <a:rPr lang="en-US" sz="2400" b="1" dirty="0">
                 <a:solidFill>
                   <a:schemeClr val="tx1">
                     <a:lumMod val="95000"/>
@@ -10382,7 +10483,7 @@
               <a:t> </a:t>
             </a:r>
             <a:r>
-              <a:rPr lang="en-US" sz="2000" b="1" dirty="0" err="1">
+              <a:rPr lang="en-US" sz="2400" b="1" dirty="0" err="1">
                 <a:solidFill>
                   <a:schemeClr val="tx1">
                     <a:lumMod val="95000"/>
@@ -10394,7 +10495,7 @@
               <a:t>ngọc</a:t>
             </a:r>
             <a:r>
-              <a:rPr lang="en-US" sz="2000" b="1" dirty="0">
+              <a:rPr lang="en-US" sz="2400" b="1" dirty="0">
                 <a:solidFill>
                   <a:schemeClr val="tx1">
                     <a:lumMod val="95000"/>
@@ -10406,7 +10507,7 @@
               <a:t> </a:t>
             </a:r>
             <a:r>
-              <a:rPr lang="en-US" sz="2000" b="1" dirty="0" err="1">
+              <a:rPr lang="en-US" sz="2400" b="1" dirty="0" err="1">
                 <a:solidFill>
                   <a:schemeClr val="tx1">
                     <a:lumMod val="95000"/>
@@ -10417,7 +10518,7 @@
               </a:rPr>
               <a:t>tín</a:t>
             </a:r>
-            <a:endParaRPr lang="en-US" sz="2000" b="1" dirty="0">
+            <a:endParaRPr lang="en-US" sz="2400" b="1" dirty="0">
               <a:solidFill>
                 <a:schemeClr val="tx1">
                   <a:lumMod val="95000"/>
@@ -10430,7 +10531,7 @@
           <a:p>
             <a:pPr algn="r"/>
             <a:r>
-              <a:rPr lang="en-US" sz="2000" b="1" dirty="0" err="1">
+              <a:rPr lang="en-US" sz="2400" b="1" dirty="0" err="1">
                 <a:solidFill>
                   <a:schemeClr val="tx1">
                     <a:lumMod val="95000"/>
@@ -10442,7 +10543,7 @@
               <a:t>Sinh</a:t>
             </a:r>
             <a:r>
-              <a:rPr lang="en-US" sz="2000" b="1" dirty="0">
+              <a:rPr lang="en-US" sz="2400" b="1" dirty="0">
                 <a:solidFill>
                   <a:schemeClr val="tx1">
                     <a:lumMod val="95000"/>
@@ -10454,7 +10555,7 @@
               <a:t> </a:t>
             </a:r>
             <a:r>
-              <a:rPr lang="en-US" sz="2000" b="1" dirty="0" err="1">
+              <a:rPr lang="en-US" sz="2400" b="1" dirty="0" err="1">
                 <a:solidFill>
                   <a:schemeClr val="tx1">
                     <a:lumMod val="95000"/>
@@ -10466,7 +10567,7 @@
               <a:t>viên</a:t>
             </a:r>
             <a:r>
-              <a:rPr lang="en-US" sz="2000" b="1" dirty="0">
+              <a:rPr lang="en-US" sz="2400" b="1" dirty="0">
                 <a:solidFill>
                   <a:schemeClr val="tx1">
                     <a:lumMod val="95000"/>
@@ -10478,7 +10579,7 @@
               <a:t> </a:t>
             </a:r>
             <a:r>
-              <a:rPr lang="en-US" sz="2000" b="1" dirty="0" err="1">
+              <a:rPr lang="en-US" sz="2400" b="1" dirty="0" err="1">
                 <a:solidFill>
                   <a:schemeClr val="tx1">
                     <a:lumMod val="95000"/>
@@ -10490,7 +10591,7 @@
               <a:t>thực</a:t>
             </a:r>
             <a:r>
-              <a:rPr lang="en-US" sz="2000" b="1" dirty="0">
+              <a:rPr lang="en-US" sz="2400" b="1" dirty="0">
                 <a:solidFill>
                   <a:schemeClr val="tx1">
                     <a:lumMod val="95000"/>
@@ -10502,7 +10603,7 @@
               <a:t> </a:t>
             </a:r>
             <a:r>
-              <a:rPr lang="en-US" sz="2000" b="1" dirty="0" err="1">
+              <a:rPr lang="en-US" sz="2400" b="1" dirty="0" err="1">
                 <a:solidFill>
                   <a:schemeClr val="tx1">
                     <a:lumMod val="95000"/>
@@ -10514,7 +10615,7 @@
               <a:t>hiện</a:t>
             </a:r>
             <a:r>
-              <a:rPr lang="en-US" sz="2000" b="1" dirty="0">
+              <a:rPr lang="en-US" sz="2400" b="1" dirty="0">
                 <a:solidFill>
                   <a:schemeClr val="tx1">
                     <a:lumMod val="95000"/>
@@ -10527,9 +10628,8 @@
             </a:r>
           </a:p>
           <a:p>
-            <a:pPr algn="r"/>
-            <a:r>
-              <a:rPr lang="en-US" sz="2000" b="1" dirty="0" err="1">
+            <a:r>
+              <a:rPr lang="en-US" sz="2400" b="1" dirty="0" err="1">
                 <a:solidFill>
                   <a:schemeClr val="tx1">
                     <a:lumMod val="95000"/>
@@ -10541,7 +10641,7 @@
               <a:t>Trần</a:t>
             </a:r>
             <a:r>
-              <a:rPr lang="en-US" sz="2000" b="1" dirty="0">
+              <a:rPr lang="en-US" sz="2400" b="1" dirty="0">
                 <a:solidFill>
                   <a:schemeClr val="tx1">
                     <a:lumMod val="95000"/>
@@ -10553,7 +10653,7 @@
               <a:t> Minh </a:t>
             </a:r>
             <a:r>
-              <a:rPr lang="en-US" sz="2000" b="1" dirty="0" err="1">
+              <a:rPr lang="en-US" sz="2400" b="1" dirty="0" err="1">
                 <a:solidFill>
                   <a:schemeClr val="tx1">
                     <a:lumMod val="95000"/>
@@ -10565,7 +10665,7 @@
               <a:t>Luận</a:t>
             </a:r>
             <a:r>
-              <a:rPr lang="en-US" sz="2000" b="1" dirty="0">
+              <a:rPr lang="en-US" sz="2400" b="1" dirty="0">
                 <a:solidFill>
                   <a:schemeClr val="tx1">
                     <a:lumMod val="95000"/>
@@ -10574,13 +10674,10 @@
                 </a:solidFill>
                 <a:latin typeface="Times New Roman" panose="02020603050405020304" pitchFamily="18" charset="0"/>
               </a:rPr>
-              <a:t> – 12520492</a:t>
-            </a:r>
-          </a:p>
-          <a:p>
-            <a:pPr algn="r"/>
-            <a:r>
-              <a:rPr lang="en-US" sz="2000" b="1" dirty="0" err="1">
+              <a:t> – </a:t>
+            </a:r>
+            <a:r>
+              <a:rPr lang="en-US" sz="2400" b="1" dirty="0">
                 <a:solidFill>
                   <a:schemeClr val="tx1">
                     <a:lumMod val="95000"/>
@@ -10589,10 +10686,21 @@
                 </a:solidFill>
                 <a:latin typeface="Times New Roman" panose="02020603050405020304" pitchFamily="18" charset="0"/>
               </a:rPr>
-              <a:t>Nguyễn</a:t>
-            </a:r>
-            <a:r>
-              <a:rPr lang="en-US" sz="2000" b="1" dirty="0">
+              <a:t>12520248</a:t>
+            </a:r>
+            <a:endParaRPr lang="en-US" sz="2400" b="1" dirty="0">
+              <a:solidFill>
+                <a:schemeClr val="tx1">
+                  <a:lumMod val="95000"/>
+                  <a:lumOff val="5000"/>
+                </a:schemeClr>
+              </a:solidFill>
+              <a:latin typeface="Times New Roman" panose="02020603050405020304" pitchFamily="18" charset="0"/>
+            </a:endParaRPr>
+          </a:p>
+          <a:p>
+            <a:r>
+              <a:rPr lang="en-US" sz="2400" b="1" dirty="0">
                 <a:solidFill>
                   <a:schemeClr val="tx1">
                     <a:lumMod val="95000"/>
@@ -10601,10 +10709,10 @@
                 </a:solidFill>
                 <a:latin typeface="Times New Roman" panose="02020603050405020304" pitchFamily="18" charset="0"/>
               </a:rPr>
-              <a:t> Thanh Anh </a:t>
-            </a:r>
-            <a:r>
-              <a:rPr lang="en-US" sz="2000" b="1" dirty="0" err="1">
+              <a:t>Nguyễn Thanh Anh </a:t>
+            </a:r>
+            <a:r>
+              <a:rPr lang="en-US" sz="2400" b="1" dirty="0" err="1">
                 <a:solidFill>
                   <a:schemeClr val="tx1">
                     <a:lumMod val="95000"/>
@@ -10616,7 +10724,7 @@
               <a:t>Tuyên</a:t>
             </a:r>
             <a:r>
-              <a:rPr lang="en-US" sz="2000" b="1" dirty="0">
+              <a:rPr lang="en-US" sz="2400" b="1" dirty="0">
                 <a:solidFill>
                   <a:schemeClr val="tx1">
                     <a:lumMod val="95000"/>
@@ -10625,9 +10733,21 @@
                 </a:solidFill>
                 <a:latin typeface="Times New Roman" panose="02020603050405020304" pitchFamily="18" charset="0"/>
               </a:rPr>
-              <a:t> - 12520248</a:t>
-            </a:r>
-            <a:endParaRPr lang="vi-VN" sz="2000" b="1" dirty="0">
+              <a:t> - </a:t>
+            </a:r>
+            <a:r>
+              <a:rPr lang="en-US" sz="2400" b="1" dirty="0">
+                <a:solidFill>
+                  <a:schemeClr val="tx1">
+                    <a:lumMod val="95000"/>
+                    <a:lumOff val="5000"/>
+                  </a:schemeClr>
+                </a:solidFill>
+                <a:latin typeface="Times New Roman" panose="02020603050405020304" pitchFamily="18" charset="0"/>
+              </a:rPr>
+              <a:t>12520492</a:t>
+            </a:r>
+            <a:endParaRPr lang="vi-VN" sz="2400" b="1" dirty="0">
               <a:solidFill>
                 <a:schemeClr val="tx1">
                   <a:lumMod val="95000"/>
@@ -11301,23 +11421,7 @@
                 <a:cs typeface="Times New Roman" panose="02020603050405020304" pitchFamily="18" charset="0"/>
                 <a:sym typeface="Wingdings" panose="05000000000000000000" pitchFamily="2" charset="2"/>
               </a:rPr>
-              <a:t> (C</a:t>
-            </a:r>
-            <a:r>
-              <a:rPr lang="en-US" sz="2600" dirty="0">
-                <a:latin typeface="Times New Roman" panose="02020603050405020304" pitchFamily="18" charset="0"/>
-                <a:cs typeface="Times New Roman" panose="02020603050405020304" pitchFamily="18" charset="0"/>
-                <a:sym typeface="Wingdings" panose="05000000000000000000" pitchFamily="2" charset="2"/>
-              </a:rPr>
-              <a:t>ollaborative filtering</a:t>
-            </a:r>
-            <a:r>
-              <a:rPr lang="en-US" sz="2600" dirty="0">
-                <a:latin typeface="Times New Roman" panose="02020603050405020304" pitchFamily="18" charset="0"/>
-                <a:cs typeface="Times New Roman" panose="02020603050405020304" pitchFamily="18" charset="0"/>
-                <a:sym typeface="Wingdings" panose="05000000000000000000" pitchFamily="2" charset="2"/>
-              </a:rPr>
-              <a:t>)</a:t>
+              <a:t> (Collaborative filtering)</a:t>
             </a:r>
           </a:p>
           <a:p>
@@ -12917,8 +13021,8 @@
         </p:nvSpPr>
         <p:spPr>
           <a:xfrm>
-            <a:off x="1518557" y="1796144"/>
-            <a:ext cx="8752114" cy="461665"/>
+            <a:off x="1094015" y="1844070"/>
+            <a:ext cx="8752114" cy="523220"/>
           </a:xfrm>
           <a:prstGeom prst="rect">
             <a:avLst/>
@@ -12932,98 +13036,170 @@
           <a:lstStyle/>
           <a:p>
             <a:r>
-              <a:rPr lang="en-US" sz="2400" dirty="0" err="1"/>
+              <a:rPr lang="en-US" sz="2800" dirty="0" err="1">
+                <a:latin typeface="Times New Roman" panose="02020603050405020304" pitchFamily="18" charset="0"/>
+                <a:cs typeface="Times New Roman" panose="02020603050405020304" pitchFamily="18" charset="0"/>
+              </a:rPr>
               <a:t>Là</a:t>
             </a:r>
             <a:r>
-              <a:rPr lang="en-US" sz="2400" dirty="0"/>
-              <a:t> </a:t>
-            </a:r>
-            <a:r>
-              <a:rPr lang="en-US" sz="2400" dirty="0" err="1"/>
+              <a:rPr lang="en-US" sz="2800" dirty="0">
+                <a:latin typeface="Times New Roman" panose="02020603050405020304" pitchFamily="18" charset="0"/>
+                <a:cs typeface="Times New Roman" panose="02020603050405020304" pitchFamily="18" charset="0"/>
+              </a:rPr>
+              <a:t> </a:t>
+            </a:r>
+            <a:r>
+              <a:rPr lang="en-US" sz="2800" dirty="0" err="1">
+                <a:latin typeface="Times New Roman" panose="02020603050405020304" pitchFamily="18" charset="0"/>
+                <a:cs typeface="Times New Roman" panose="02020603050405020304" pitchFamily="18" charset="0"/>
+              </a:rPr>
               <a:t>sự</a:t>
             </a:r>
             <a:r>
-              <a:rPr lang="en-US" sz="2400" dirty="0"/>
-              <a:t> </a:t>
-            </a:r>
-            <a:r>
-              <a:rPr lang="en-US" sz="2400" dirty="0" err="1"/>
+              <a:rPr lang="en-US" sz="2800" dirty="0">
+                <a:latin typeface="Times New Roman" panose="02020603050405020304" pitchFamily="18" charset="0"/>
+                <a:cs typeface="Times New Roman" panose="02020603050405020304" pitchFamily="18" charset="0"/>
+              </a:rPr>
+              <a:t> </a:t>
+            </a:r>
+            <a:r>
+              <a:rPr lang="en-US" sz="2800" dirty="0" err="1">
+                <a:latin typeface="Times New Roman" panose="02020603050405020304" pitchFamily="18" charset="0"/>
+                <a:cs typeface="Times New Roman" panose="02020603050405020304" pitchFamily="18" charset="0"/>
+              </a:rPr>
               <a:t>kết</a:t>
             </a:r>
             <a:r>
-              <a:rPr lang="en-US" sz="2400" dirty="0"/>
-              <a:t> </a:t>
-            </a:r>
-            <a:r>
-              <a:rPr lang="en-US" sz="2400" dirty="0" err="1"/>
+              <a:rPr lang="en-US" sz="2800" dirty="0">
+                <a:latin typeface="Times New Roman" panose="02020603050405020304" pitchFamily="18" charset="0"/>
+                <a:cs typeface="Times New Roman" panose="02020603050405020304" pitchFamily="18" charset="0"/>
+              </a:rPr>
+              <a:t> </a:t>
+            </a:r>
+            <a:r>
+              <a:rPr lang="en-US" sz="2800" dirty="0" err="1">
+                <a:latin typeface="Times New Roman" panose="02020603050405020304" pitchFamily="18" charset="0"/>
+                <a:cs typeface="Times New Roman" panose="02020603050405020304" pitchFamily="18" charset="0"/>
+              </a:rPr>
               <a:t>hợp</a:t>
             </a:r>
             <a:r>
-              <a:rPr lang="en-US" sz="2400" dirty="0"/>
-              <a:t> </a:t>
-            </a:r>
-            <a:r>
-              <a:rPr lang="en-US" sz="2400" dirty="0" err="1"/>
+              <a:rPr lang="en-US" sz="2800" dirty="0">
+                <a:latin typeface="Times New Roman" panose="02020603050405020304" pitchFamily="18" charset="0"/>
+                <a:cs typeface="Times New Roman" panose="02020603050405020304" pitchFamily="18" charset="0"/>
+              </a:rPr>
+              <a:t> </a:t>
+            </a:r>
+            <a:r>
+              <a:rPr lang="en-US" sz="2800" dirty="0" err="1">
+                <a:latin typeface="Times New Roman" panose="02020603050405020304" pitchFamily="18" charset="0"/>
+                <a:cs typeface="Times New Roman" panose="02020603050405020304" pitchFamily="18" charset="0"/>
+              </a:rPr>
               <a:t>của</a:t>
             </a:r>
             <a:r>
-              <a:rPr lang="en-US" sz="2400" dirty="0"/>
-              <a:t> </a:t>
-            </a:r>
-            <a:r>
-              <a:rPr lang="en-US" sz="2400" dirty="0" err="1"/>
+              <a:rPr lang="en-US" sz="2800" dirty="0">
+                <a:latin typeface="Times New Roman" panose="02020603050405020304" pitchFamily="18" charset="0"/>
+                <a:cs typeface="Times New Roman" panose="02020603050405020304" pitchFamily="18" charset="0"/>
+              </a:rPr>
+              <a:t> </a:t>
+            </a:r>
+            <a:r>
+              <a:rPr lang="en-US" sz="2800" dirty="0" err="1">
+                <a:latin typeface="Times New Roman" panose="02020603050405020304" pitchFamily="18" charset="0"/>
+                <a:cs typeface="Times New Roman" panose="02020603050405020304" pitchFamily="18" charset="0"/>
+              </a:rPr>
               <a:t>các</a:t>
             </a:r>
             <a:r>
-              <a:rPr lang="en-US" sz="2400" dirty="0"/>
-              <a:t> </a:t>
-            </a:r>
-            <a:r>
-              <a:rPr lang="en-US" sz="2400" dirty="0" err="1"/>
+              <a:rPr lang="en-US" sz="2800" dirty="0">
+                <a:latin typeface="Times New Roman" panose="02020603050405020304" pitchFamily="18" charset="0"/>
+                <a:cs typeface="Times New Roman" panose="02020603050405020304" pitchFamily="18" charset="0"/>
+              </a:rPr>
+              <a:t> </a:t>
+            </a:r>
+            <a:r>
+              <a:rPr lang="en-US" sz="2800" dirty="0" err="1">
+                <a:latin typeface="Times New Roman" panose="02020603050405020304" pitchFamily="18" charset="0"/>
+                <a:cs typeface="Times New Roman" panose="02020603050405020304" pitchFamily="18" charset="0"/>
+              </a:rPr>
               <a:t>phương</a:t>
             </a:r>
             <a:r>
-              <a:rPr lang="en-US" sz="2400" dirty="0"/>
-              <a:t> </a:t>
-            </a:r>
-            <a:r>
-              <a:rPr lang="en-US" sz="2400" dirty="0" err="1"/>
+              <a:rPr lang="en-US" sz="2800" dirty="0">
+                <a:latin typeface="Times New Roman" panose="02020603050405020304" pitchFamily="18" charset="0"/>
+                <a:cs typeface="Times New Roman" panose="02020603050405020304" pitchFamily="18" charset="0"/>
+              </a:rPr>
+              <a:t> </a:t>
+            </a:r>
+            <a:r>
+              <a:rPr lang="en-US" sz="2800" dirty="0" err="1">
+                <a:latin typeface="Times New Roman" panose="02020603050405020304" pitchFamily="18" charset="0"/>
+                <a:cs typeface="Times New Roman" panose="02020603050405020304" pitchFamily="18" charset="0"/>
+              </a:rPr>
               <a:t>pháp</a:t>
             </a:r>
             <a:r>
-              <a:rPr lang="en-US" sz="2400" dirty="0"/>
-              <a:t> </a:t>
-            </a:r>
-            <a:r>
-              <a:rPr lang="en-US" sz="2400" dirty="0" err="1"/>
+              <a:rPr lang="en-US" sz="2800" dirty="0">
+                <a:latin typeface="Times New Roman" panose="02020603050405020304" pitchFamily="18" charset="0"/>
+                <a:cs typeface="Times New Roman" panose="02020603050405020304" pitchFamily="18" charset="0"/>
+              </a:rPr>
+              <a:t> </a:t>
+            </a:r>
+            <a:r>
+              <a:rPr lang="en-US" sz="2800" dirty="0" err="1">
+                <a:latin typeface="Times New Roman" panose="02020603050405020304" pitchFamily="18" charset="0"/>
+                <a:cs typeface="Times New Roman" panose="02020603050405020304" pitchFamily="18" charset="0"/>
+              </a:rPr>
               <a:t>khuyến</a:t>
             </a:r>
             <a:r>
-              <a:rPr lang="en-US" sz="2400" dirty="0"/>
-              <a:t> </a:t>
-            </a:r>
-            <a:r>
-              <a:rPr lang="en-US" sz="2400" dirty="0" err="1"/>
+              <a:rPr lang="en-US" sz="2800" dirty="0">
+                <a:latin typeface="Times New Roman" panose="02020603050405020304" pitchFamily="18" charset="0"/>
+                <a:cs typeface="Times New Roman" panose="02020603050405020304" pitchFamily="18" charset="0"/>
+              </a:rPr>
+              <a:t> </a:t>
+            </a:r>
+            <a:r>
+              <a:rPr lang="en-US" sz="2800" dirty="0" err="1">
+                <a:latin typeface="Times New Roman" panose="02020603050405020304" pitchFamily="18" charset="0"/>
+                <a:cs typeface="Times New Roman" panose="02020603050405020304" pitchFamily="18" charset="0"/>
+              </a:rPr>
               <a:t>nghị</a:t>
             </a:r>
             <a:r>
-              <a:rPr lang="en-US" sz="2400" dirty="0"/>
-              <a:t> </a:t>
-            </a:r>
-            <a:r>
-              <a:rPr lang="en-US" sz="2400" dirty="0" err="1"/>
+              <a:rPr lang="en-US" sz="2800" dirty="0">
+                <a:latin typeface="Times New Roman" panose="02020603050405020304" pitchFamily="18" charset="0"/>
+                <a:cs typeface="Times New Roman" panose="02020603050405020304" pitchFamily="18" charset="0"/>
+              </a:rPr>
+              <a:t> </a:t>
+            </a:r>
+            <a:r>
+              <a:rPr lang="en-US" sz="2800" dirty="0" err="1">
+                <a:latin typeface="Times New Roman" panose="02020603050405020304" pitchFamily="18" charset="0"/>
+                <a:cs typeface="Times New Roman" panose="02020603050405020304" pitchFamily="18" charset="0"/>
+              </a:rPr>
               <a:t>khác</a:t>
             </a:r>
             <a:r>
-              <a:rPr lang="en-US" sz="2400" dirty="0"/>
-              <a:t> </a:t>
-            </a:r>
-            <a:r>
-              <a:rPr lang="en-US" sz="2400" dirty="0" err="1"/>
+              <a:rPr lang="en-US" sz="2800" dirty="0">
+                <a:latin typeface="Times New Roman" panose="02020603050405020304" pitchFamily="18" charset="0"/>
+                <a:cs typeface="Times New Roman" panose="02020603050405020304" pitchFamily="18" charset="0"/>
+              </a:rPr>
+              <a:t> </a:t>
+            </a:r>
+            <a:r>
+              <a:rPr lang="en-US" sz="2800" dirty="0" err="1">
+                <a:latin typeface="Times New Roman" panose="02020603050405020304" pitchFamily="18" charset="0"/>
+                <a:cs typeface="Times New Roman" panose="02020603050405020304" pitchFamily="18" charset="0"/>
+              </a:rPr>
               <a:t>nhau</a:t>
             </a:r>
-            <a:endParaRPr lang="en-US" sz="2400" dirty="0"/>
+            <a:endParaRPr lang="en-US" sz="2800" dirty="0">
+              <a:latin typeface="Times New Roman" panose="02020603050405020304" pitchFamily="18" charset="0"/>
+              <a:cs typeface="Times New Roman" panose="02020603050405020304" pitchFamily="18" charset="0"/>
+            </a:endParaRPr>
           </a:p>
         </p:txBody>
       </p:sp>
@@ -16514,7 +16690,10 @@
           <a:lstStyle/>
           <a:p>
             <a:r>
-              <a:rPr lang="en-US" sz="2800" dirty="0"/>
+              <a:rPr lang="en-US" sz="2800" dirty="0">
+                <a:latin typeface="Times New Roman" panose="02020603050405020304" pitchFamily="18" charset="0"/>
+                <a:cs typeface="Times New Roman" panose="02020603050405020304" pitchFamily="18" charset="0"/>
+              </a:rPr>
               <a:t>Spring MVC</a:t>
             </a:r>
           </a:p>
@@ -16543,7 +16722,10 @@
           <a:lstStyle/>
           <a:p>
             <a:r>
-              <a:rPr lang="en-US" sz="2800" dirty="0"/>
+              <a:rPr lang="en-US" sz="2800" dirty="0">
+                <a:latin typeface="Times New Roman" panose="02020603050405020304" pitchFamily="18" charset="0"/>
+                <a:cs typeface="Times New Roman" panose="02020603050405020304" pitchFamily="18" charset="0"/>
+              </a:rPr>
               <a:t>Apache mahout</a:t>
             </a:r>
           </a:p>
@@ -16572,7 +16754,10 @@
           <a:lstStyle/>
           <a:p>
             <a:r>
-              <a:rPr lang="en-US" sz="2800" dirty="0"/>
+              <a:rPr lang="en-US" sz="2800" dirty="0">
+                <a:latin typeface="Times New Roman" panose="02020603050405020304" pitchFamily="18" charset="0"/>
+                <a:cs typeface="Times New Roman" panose="02020603050405020304" pitchFamily="18" charset="0"/>
+              </a:rPr>
               <a:t>Apache Lucene</a:t>
             </a:r>
           </a:p>
@@ -17260,7 +17445,7 @@
                   </a:extLst>
                 </a:gridCol>
               </a:tblGrid>
-              <a:tr h="1774000">
+              <a:tr h="1828800">
                 <a:tc>
                   <a:txBody>
                     <a:bodyPr/>
@@ -18473,7 +18658,7 @@
                 <a:latin typeface="Times New Roman" panose="02020603050405020304" pitchFamily="18" charset="0"/>
                 <a:cs typeface="Times New Roman" panose="02020603050405020304" pitchFamily="18" charset="0"/>
               </a:rPr>
-              <a:t>Hướng</a:t>
+              <a:t>Kết</a:t>
             </a:r>
             <a:r>
               <a:rPr lang="en-US" sz="4000" dirty="0">
@@ -18487,7 +18672,7 @@
                 <a:latin typeface="Times New Roman" panose="02020603050405020304" pitchFamily="18" charset="0"/>
                 <a:cs typeface="Times New Roman" panose="02020603050405020304" pitchFamily="18" charset="0"/>
               </a:rPr>
-              <a:t>phát</a:t>
+              <a:t>quả</a:t>
             </a:r>
             <a:r>
               <a:rPr lang="en-US" sz="4000" dirty="0">
@@ -18501,7 +18686,49 @@
                 <a:latin typeface="Times New Roman" panose="02020603050405020304" pitchFamily="18" charset="0"/>
                 <a:cs typeface="Times New Roman" panose="02020603050405020304" pitchFamily="18" charset="0"/>
               </a:rPr>
-              <a:t>triển</a:t>
+              <a:t>thực</a:t>
+            </a:r>
+            <a:r>
+              <a:rPr lang="en-US" sz="4000" dirty="0">
+                <a:latin typeface="Times New Roman" panose="02020603050405020304" pitchFamily="18" charset="0"/>
+                <a:cs typeface="Times New Roman" panose="02020603050405020304" pitchFamily="18" charset="0"/>
+              </a:rPr>
+              <a:t> </a:t>
+            </a:r>
+            <a:r>
+              <a:rPr lang="en-US" sz="4000" dirty="0" err="1">
+                <a:latin typeface="Times New Roman" panose="02020603050405020304" pitchFamily="18" charset="0"/>
+                <a:cs typeface="Times New Roman" panose="02020603050405020304" pitchFamily="18" charset="0"/>
+              </a:rPr>
+              <a:t>nghiệm</a:t>
+            </a:r>
+            <a:r>
+              <a:rPr lang="en-US" sz="4000" dirty="0">
+                <a:latin typeface="Times New Roman" panose="02020603050405020304" pitchFamily="18" charset="0"/>
+                <a:cs typeface="Times New Roman" panose="02020603050405020304" pitchFamily="18" charset="0"/>
+              </a:rPr>
+              <a:t> &amp; </a:t>
+            </a:r>
+            <a:r>
+              <a:rPr lang="en-US" sz="4000" dirty="0" err="1">
+                <a:latin typeface="Times New Roman" panose="02020603050405020304" pitchFamily="18" charset="0"/>
+                <a:cs typeface="Times New Roman" panose="02020603050405020304" pitchFamily="18" charset="0"/>
+              </a:rPr>
+              <a:t>nhận</a:t>
+            </a:r>
+            <a:r>
+              <a:rPr lang="en-US" sz="4000" dirty="0">
+                <a:latin typeface="Times New Roman" panose="02020603050405020304" pitchFamily="18" charset="0"/>
+                <a:cs typeface="Times New Roman" panose="02020603050405020304" pitchFamily="18" charset="0"/>
+              </a:rPr>
+              <a:t> </a:t>
+            </a:r>
+            <a:r>
+              <a:rPr lang="en-US" sz="4000" dirty="0" err="1">
+                <a:latin typeface="Times New Roman" panose="02020603050405020304" pitchFamily="18" charset="0"/>
+                <a:cs typeface="Times New Roman" panose="02020603050405020304" pitchFamily="18" charset="0"/>
+              </a:rPr>
+              <a:t>định</a:t>
             </a:r>
             <a:endParaRPr lang="en-US" sz="4000" dirty="0">
               <a:latin typeface="Times New Roman" panose="02020603050405020304" pitchFamily="18" charset="0"/>
@@ -18512,7 +18739,7 @@
       </p:sp>
       <p:sp>
         <p:nvSpPr>
-          <p:cNvPr id="3" name="Content Placeholder 2"/>
+          <p:cNvPr id="4" name="Content Placeholder 3"/>
           <p:cNvSpPr>
             <a:spLocks noGrp="1"/>
           </p:cNvSpPr>
@@ -18520,10 +18747,15 @@
             <p:ph idx="1"/>
           </p:nvPr>
         </p:nvSpPr>
-        <p:spPr/>
+        <p:spPr>
+          <a:xfrm>
+            <a:off x="677334" y="1661885"/>
+            <a:ext cx="9560680" cy="5065485"/>
+          </a:xfrm>
+        </p:spPr>
         <p:txBody>
           <a:bodyPr>
-            <a:normAutofit/>
+            <a:normAutofit lnSpcReduction="10000"/>
           </a:bodyPr>
           <a:lstStyle/>
           <a:p>
@@ -18532,7 +18764,7 @@
                 <a:latin typeface="Times New Roman" panose="02020603050405020304" pitchFamily="18" charset="0"/>
                 <a:cs typeface="Times New Roman" panose="02020603050405020304" pitchFamily="18" charset="0"/>
               </a:rPr>
-              <a:t>Cài</a:t>
+              <a:t>Kết</a:t>
             </a:r>
             <a:r>
               <a:rPr lang="en-US" sz="2400" dirty="0">
@@ -18546,206 +18778,1331 @@
                 <a:latin typeface="Times New Roman" panose="02020603050405020304" pitchFamily="18" charset="0"/>
                 <a:cs typeface="Times New Roman" panose="02020603050405020304" pitchFamily="18" charset="0"/>
               </a:rPr>
-              <a:t>đặt</a:t>
+              <a:t>quả</a:t>
             </a:r>
             <a:r>
               <a:rPr lang="en-US" sz="2400" dirty="0">
                 <a:latin typeface="Times New Roman" panose="02020603050405020304" pitchFamily="18" charset="0"/>
                 <a:cs typeface="Times New Roman" panose="02020603050405020304" pitchFamily="18" charset="0"/>
               </a:rPr>
-              <a:t> </a:t>
-            </a:r>
-            <a:r>
-              <a:rPr lang="en-US" sz="2400" dirty="0" err="1">
-                <a:latin typeface="Times New Roman" panose="02020603050405020304" pitchFamily="18" charset="0"/>
-                <a:cs typeface="Times New Roman" panose="02020603050405020304" pitchFamily="18" charset="0"/>
-              </a:rPr>
-              <a:t>các</a:t>
-            </a:r>
-            <a:r>
-              <a:rPr lang="en-US" sz="2400" dirty="0">
-                <a:latin typeface="Times New Roman" panose="02020603050405020304" pitchFamily="18" charset="0"/>
-                <a:cs typeface="Times New Roman" panose="02020603050405020304" pitchFamily="18" charset="0"/>
-              </a:rPr>
-              <a:t> </a:t>
-            </a:r>
-            <a:r>
-              <a:rPr lang="en-US" sz="2400" dirty="0" err="1">
-                <a:latin typeface="Times New Roman" panose="02020603050405020304" pitchFamily="18" charset="0"/>
-                <a:cs typeface="Times New Roman" panose="02020603050405020304" pitchFamily="18" charset="0"/>
-              </a:rPr>
-              <a:t>thuật</a:t>
-            </a:r>
-            <a:r>
-              <a:rPr lang="en-US" sz="2400" dirty="0">
-                <a:latin typeface="Times New Roman" panose="02020603050405020304" pitchFamily="18" charset="0"/>
-                <a:cs typeface="Times New Roman" panose="02020603050405020304" pitchFamily="18" charset="0"/>
-              </a:rPr>
-              <a:t> </a:t>
-            </a:r>
-            <a:r>
-              <a:rPr lang="en-US" sz="2400" dirty="0" err="1">
-                <a:latin typeface="Times New Roman" panose="02020603050405020304" pitchFamily="18" charset="0"/>
-                <a:cs typeface="Times New Roman" panose="02020603050405020304" pitchFamily="18" charset="0"/>
-              </a:rPr>
-              <a:t>toán</a:t>
-            </a:r>
-            <a:r>
-              <a:rPr lang="en-US" sz="2400" dirty="0">
-                <a:latin typeface="Times New Roman" panose="02020603050405020304" pitchFamily="18" charset="0"/>
-                <a:cs typeface="Times New Roman" panose="02020603050405020304" pitchFamily="18" charset="0"/>
-              </a:rPr>
-              <a:t> </a:t>
-            </a:r>
-            <a:r>
-              <a:rPr lang="en-US" sz="2400" dirty="0" err="1">
-                <a:latin typeface="Times New Roman" panose="02020603050405020304" pitchFamily="18" charset="0"/>
-                <a:cs typeface="Times New Roman" panose="02020603050405020304" pitchFamily="18" charset="0"/>
-              </a:rPr>
-              <a:t>khuyến</a:t>
-            </a:r>
-            <a:r>
-              <a:rPr lang="en-US" sz="2400" dirty="0">
-                <a:latin typeface="Times New Roman" panose="02020603050405020304" pitchFamily="18" charset="0"/>
-                <a:cs typeface="Times New Roman" panose="02020603050405020304" pitchFamily="18" charset="0"/>
-              </a:rPr>
-              <a:t> </a:t>
-            </a:r>
-            <a:r>
-              <a:rPr lang="en-US" sz="2400" dirty="0" err="1">
-                <a:latin typeface="Times New Roman" panose="02020603050405020304" pitchFamily="18" charset="0"/>
-                <a:cs typeface="Times New Roman" panose="02020603050405020304" pitchFamily="18" charset="0"/>
-              </a:rPr>
-              <a:t>nghị</a:t>
-            </a:r>
-            <a:r>
-              <a:rPr lang="en-US" sz="2400" dirty="0">
-                <a:latin typeface="Times New Roman" panose="02020603050405020304" pitchFamily="18" charset="0"/>
-                <a:cs typeface="Times New Roman" panose="02020603050405020304" pitchFamily="18" charset="0"/>
-              </a:rPr>
-              <a:t> </a:t>
-            </a:r>
-            <a:r>
-              <a:rPr lang="en-US" sz="2400" dirty="0" err="1">
-                <a:latin typeface="Times New Roman" panose="02020603050405020304" pitchFamily="18" charset="0"/>
-                <a:cs typeface="Times New Roman" panose="02020603050405020304" pitchFamily="18" charset="0"/>
-              </a:rPr>
-              <a:t>mới</a:t>
-            </a:r>
-            <a:endParaRPr lang="en-US" sz="2400" dirty="0">
+              <a:t>:</a:t>
+            </a:r>
+          </a:p>
+          <a:p>
+            <a:pPr lvl="1"/>
+            <a:r>
+              <a:rPr lang="en-US" sz="2200" dirty="0" err="1">
+                <a:latin typeface="Times New Roman" panose="02020603050405020304" pitchFamily="18" charset="0"/>
+                <a:cs typeface="Times New Roman" panose="02020603050405020304" pitchFamily="18" charset="0"/>
+              </a:rPr>
+              <a:t>Phương</a:t>
+            </a:r>
+            <a:r>
+              <a:rPr lang="en-US" sz="2200" dirty="0">
+                <a:latin typeface="Times New Roman" panose="02020603050405020304" pitchFamily="18" charset="0"/>
+                <a:cs typeface="Times New Roman" panose="02020603050405020304" pitchFamily="18" charset="0"/>
+              </a:rPr>
+              <a:t> </a:t>
+            </a:r>
+            <a:r>
+              <a:rPr lang="en-US" sz="2200" dirty="0" err="1">
+                <a:latin typeface="Times New Roman" panose="02020603050405020304" pitchFamily="18" charset="0"/>
+                <a:cs typeface="Times New Roman" panose="02020603050405020304" pitchFamily="18" charset="0"/>
+              </a:rPr>
+              <a:t>pháp</a:t>
+            </a:r>
+            <a:r>
+              <a:rPr lang="en-US" sz="2200" dirty="0">
+                <a:latin typeface="Times New Roman" panose="02020603050405020304" pitchFamily="18" charset="0"/>
+                <a:cs typeface="Times New Roman" panose="02020603050405020304" pitchFamily="18" charset="0"/>
+              </a:rPr>
+              <a:t> </a:t>
+            </a:r>
+            <a:r>
+              <a:rPr lang="en-US" sz="2200" dirty="0" err="1">
+                <a:latin typeface="Times New Roman" panose="02020603050405020304" pitchFamily="18" charset="0"/>
+                <a:cs typeface="Times New Roman" panose="02020603050405020304" pitchFamily="18" charset="0"/>
+              </a:rPr>
+              <a:t>đánh</a:t>
+            </a:r>
+            <a:r>
+              <a:rPr lang="en-US" sz="2200" dirty="0">
+                <a:latin typeface="Times New Roman" panose="02020603050405020304" pitchFamily="18" charset="0"/>
+                <a:cs typeface="Times New Roman" panose="02020603050405020304" pitchFamily="18" charset="0"/>
+              </a:rPr>
+              <a:t> </a:t>
+            </a:r>
+            <a:r>
+              <a:rPr lang="en-US" sz="2200" dirty="0" err="1">
+                <a:latin typeface="Times New Roman" panose="02020603050405020304" pitchFamily="18" charset="0"/>
+                <a:cs typeface="Times New Roman" panose="02020603050405020304" pitchFamily="18" charset="0"/>
+              </a:rPr>
+              <a:t>giá</a:t>
+            </a:r>
+            <a:r>
+              <a:rPr lang="en-US" sz="2200" dirty="0">
+                <a:latin typeface="Times New Roman" panose="02020603050405020304" pitchFamily="18" charset="0"/>
+                <a:cs typeface="Times New Roman" panose="02020603050405020304" pitchFamily="18" charset="0"/>
+              </a:rPr>
+              <a:t> offline </a:t>
+            </a:r>
+            <a:r>
+              <a:rPr lang="en-US" sz="2200" dirty="0" err="1">
+                <a:latin typeface="Times New Roman" panose="02020603050405020304" pitchFamily="18" charset="0"/>
+                <a:cs typeface="Times New Roman" panose="02020603050405020304" pitchFamily="18" charset="0"/>
+              </a:rPr>
+              <a:t>có</a:t>
+            </a:r>
+            <a:r>
+              <a:rPr lang="en-US" sz="2200" dirty="0">
+                <a:latin typeface="Times New Roman" panose="02020603050405020304" pitchFamily="18" charset="0"/>
+                <a:cs typeface="Times New Roman" panose="02020603050405020304" pitchFamily="18" charset="0"/>
+              </a:rPr>
+              <a:t> </a:t>
+            </a:r>
+            <a:r>
+              <a:rPr lang="en-US" sz="2200" dirty="0" err="1">
+                <a:latin typeface="Times New Roman" panose="02020603050405020304" pitchFamily="18" charset="0"/>
+                <a:cs typeface="Times New Roman" panose="02020603050405020304" pitchFamily="18" charset="0"/>
+              </a:rPr>
+              <a:t>kết</a:t>
+            </a:r>
+            <a:r>
+              <a:rPr lang="en-US" sz="2200" dirty="0">
+                <a:latin typeface="Times New Roman" panose="02020603050405020304" pitchFamily="18" charset="0"/>
+                <a:cs typeface="Times New Roman" panose="02020603050405020304" pitchFamily="18" charset="0"/>
+              </a:rPr>
+              <a:t> </a:t>
+            </a:r>
+            <a:r>
+              <a:rPr lang="en-US" sz="2200" dirty="0" err="1">
+                <a:latin typeface="Times New Roman" panose="02020603050405020304" pitchFamily="18" charset="0"/>
+                <a:cs typeface="Times New Roman" panose="02020603050405020304" pitchFamily="18" charset="0"/>
+              </a:rPr>
+              <a:t>quả</a:t>
+            </a:r>
+            <a:r>
+              <a:rPr lang="en-US" sz="2200" dirty="0">
+                <a:latin typeface="Times New Roman" panose="02020603050405020304" pitchFamily="18" charset="0"/>
+                <a:cs typeface="Times New Roman" panose="02020603050405020304" pitchFamily="18" charset="0"/>
+              </a:rPr>
+              <a:t> </a:t>
+            </a:r>
+            <a:r>
+              <a:rPr lang="en-US" sz="2200" dirty="0" err="1">
+                <a:latin typeface="Times New Roman" panose="02020603050405020304" pitchFamily="18" charset="0"/>
+                <a:cs typeface="Times New Roman" panose="02020603050405020304" pitchFamily="18" charset="0"/>
+              </a:rPr>
+              <a:t>không</a:t>
+            </a:r>
+            <a:r>
+              <a:rPr lang="en-US" sz="2200" dirty="0">
+                <a:latin typeface="Times New Roman" panose="02020603050405020304" pitchFamily="18" charset="0"/>
+                <a:cs typeface="Times New Roman" panose="02020603050405020304" pitchFamily="18" charset="0"/>
+              </a:rPr>
+              <a:t> </a:t>
+            </a:r>
+            <a:r>
+              <a:rPr lang="en-US" sz="2200" dirty="0" err="1">
+                <a:latin typeface="Times New Roman" panose="02020603050405020304" pitchFamily="18" charset="0"/>
+                <a:cs typeface="Times New Roman" panose="02020603050405020304" pitchFamily="18" charset="0"/>
+              </a:rPr>
+              <a:t>đáng</a:t>
+            </a:r>
+            <a:r>
+              <a:rPr lang="en-US" sz="2200" dirty="0">
+                <a:latin typeface="Times New Roman" panose="02020603050405020304" pitchFamily="18" charset="0"/>
+                <a:cs typeface="Times New Roman" panose="02020603050405020304" pitchFamily="18" charset="0"/>
+              </a:rPr>
+              <a:t> tin </a:t>
+            </a:r>
+            <a:r>
+              <a:rPr lang="en-US" sz="2200" dirty="0" err="1">
+                <a:latin typeface="Times New Roman" panose="02020603050405020304" pitchFamily="18" charset="0"/>
+                <a:cs typeface="Times New Roman" panose="02020603050405020304" pitchFamily="18" charset="0"/>
+              </a:rPr>
+              <a:t>cậy</a:t>
+            </a:r>
+            <a:endParaRPr lang="en-US" sz="2200" dirty="0">
               <a:latin typeface="Times New Roman" panose="02020603050405020304" pitchFamily="18" charset="0"/>
               <a:cs typeface="Times New Roman" panose="02020603050405020304" pitchFamily="18" charset="0"/>
             </a:endParaRPr>
           </a:p>
           <a:p>
-            <a:r>
-              <a:rPr lang="en-US" sz="2400" dirty="0" err="1">
-                <a:latin typeface="Times New Roman" panose="02020603050405020304" pitchFamily="18" charset="0"/>
-                <a:cs typeface="Times New Roman" panose="02020603050405020304" pitchFamily="18" charset="0"/>
-              </a:rPr>
-              <a:t>Xây</a:t>
-            </a:r>
-            <a:r>
-              <a:rPr lang="en-US" sz="2400" dirty="0">
-                <a:latin typeface="Times New Roman" panose="02020603050405020304" pitchFamily="18" charset="0"/>
-                <a:cs typeface="Times New Roman" panose="02020603050405020304" pitchFamily="18" charset="0"/>
-              </a:rPr>
-              <a:t> </a:t>
-            </a:r>
-            <a:r>
-              <a:rPr lang="en-US" sz="2400" dirty="0" err="1">
-                <a:latin typeface="Times New Roman" panose="02020603050405020304" pitchFamily="18" charset="0"/>
-                <a:cs typeface="Times New Roman" panose="02020603050405020304" pitchFamily="18" charset="0"/>
-              </a:rPr>
-              <a:t>dựng</a:t>
-            </a:r>
-            <a:r>
-              <a:rPr lang="en-US" sz="2400" dirty="0">
-                <a:latin typeface="Times New Roman" panose="02020603050405020304" pitchFamily="18" charset="0"/>
-                <a:cs typeface="Times New Roman" panose="02020603050405020304" pitchFamily="18" charset="0"/>
-              </a:rPr>
-              <a:t> dataset </a:t>
-            </a:r>
-            <a:r>
-              <a:rPr lang="en-US" sz="2400" dirty="0" err="1">
-                <a:latin typeface="Times New Roman" panose="02020603050405020304" pitchFamily="18" charset="0"/>
-                <a:cs typeface="Times New Roman" panose="02020603050405020304" pitchFamily="18" charset="0"/>
-              </a:rPr>
-              <a:t>thực</a:t>
-            </a:r>
-            <a:r>
-              <a:rPr lang="en-US" sz="2400" dirty="0">
-                <a:latin typeface="Times New Roman" panose="02020603050405020304" pitchFamily="18" charset="0"/>
-                <a:cs typeface="Times New Roman" panose="02020603050405020304" pitchFamily="18" charset="0"/>
-              </a:rPr>
-              <a:t> </a:t>
-            </a:r>
-            <a:r>
-              <a:rPr lang="en-US" sz="2400" dirty="0" err="1">
-                <a:latin typeface="Times New Roman" panose="02020603050405020304" pitchFamily="18" charset="0"/>
-                <a:cs typeface="Times New Roman" panose="02020603050405020304" pitchFamily="18" charset="0"/>
-              </a:rPr>
-              <a:t>nghiệm</a:t>
-            </a:r>
-            <a:r>
-              <a:rPr lang="en-US" sz="2400" dirty="0">
-                <a:latin typeface="Times New Roman" panose="02020603050405020304" pitchFamily="18" charset="0"/>
-                <a:cs typeface="Times New Roman" panose="02020603050405020304" pitchFamily="18" charset="0"/>
-              </a:rPr>
-              <a:t> </a:t>
-            </a:r>
-            <a:r>
-              <a:rPr lang="en-US" sz="2400" dirty="0" err="1">
-                <a:latin typeface="Times New Roman" panose="02020603050405020304" pitchFamily="18" charset="0"/>
-                <a:cs typeface="Times New Roman" panose="02020603050405020304" pitchFamily="18" charset="0"/>
-              </a:rPr>
-              <a:t>hoàn</a:t>
-            </a:r>
-            <a:r>
-              <a:rPr lang="en-US" sz="2400" dirty="0">
-                <a:latin typeface="Times New Roman" panose="02020603050405020304" pitchFamily="18" charset="0"/>
-                <a:cs typeface="Times New Roman" panose="02020603050405020304" pitchFamily="18" charset="0"/>
-              </a:rPr>
-              <a:t> </a:t>
-            </a:r>
-            <a:r>
-              <a:rPr lang="en-US" sz="2400" dirty="0" err="1">
-                <a:latin typeface="Times New Roman" panose="02020603050405020304" pitchFamily="18" charset="0"/>
-                <a:cs typeface="Times New Roman" panose="02020603050405020304" pitchFamily="18" charset="0"/>
-              </a:rPr>
-              <a:t>chỉnh</a:t>
-            </a:r>
-            <a:r>
-              <a:rPr lang="en-US" sz="2400" dirty="0">
-                <a:latin typeface="Times New Roman" panose="02020603050405020304" pitchFamily="18" charset="0"/>
-                <a:cs typeface="Times New Roman" panose="02020603050405020304" pitchFamily="18" charset="0"/>
-              </a:rPr>
-              <a:t> </a:t>
-            </a:r>
-            <a:r>
-              <a:rPr lang="en-US" sz="2400" dirty="0" err="1">
-                <a:latin typeface="Times New Roman" panose="02020603050405020304" pitchFamily="18" charset="0"/>
-                <a:cs typeface="Times New Roman" panose="02020603050405020304" pitchFamily="18" charset="0"/>
-              </a:rPr>
-              <a:t>hơn</a:t>
-            </a:r>
-            <a:endParaRPr lang="en-US" sz="2400" dirty="0">
+            <a:pPr lvl="1"/>
+            <a:r>
+              <a:rPr lang="en-US" sz="2200" dirty="0" err="1">
+                <a:latin typeface="Times New Roman" panose="02020603050405020304" pitchFamily="18" charset="0"/>
+                <a:cs typeface="Times New Roman" panose="02020603050405020304" pitchFamily="18" charset="0"/>
+              </a:rPr>
+              <a:t>Phương</a:t>
+            </a:r>
+            <a:r>
+              <a:rPr lang="en-US" sz="2200" dirty="0">
+                <a:latin typeface="Times New Roman" panose="02020603050405020304" pitchFamily="18" charset="0"/>
+                <a:cs typeface="Times New Roman" panose="02020603050405020304" pitchFamily="18" charset="0"/>
+              </a:rPr>
+              <a:t> </a:t>
+            </a:r>
+            <a:r>
+              <a:rPr lang="en-US" sz="2200" dirty="0" err="1">
+                <a:latin typeface="Times New Roman" panose="02020603050405020304" pitchFamily="18" charset="0"/>
+                <a:cs typeface="Times New Roman" panose="02020603050405020304" pitchFamily="18" charset="0"/>
+              </a:rPr>
+              <a:t>pháp</a:t>
+            </a:r>
+            <a:r>
+              <a:rPr lang="en-US" sz="2200" dirty="0">
+                <a:latin typeface="Times New Roman" panose="02020603050405020304" pitchFamily="18" charset="0"/>
+                <a:cs typeface="Times New Roman" panose="02020603050405020304" pitchFamily="18" charset="0"/>
+              </a:rPr>
+              <a:t> </a:t>
+            </a:r>
+            <a:r>
+              <a:rPr lang="en-US" sz="2200" dirty="0" err="1">
+                <a:latin typeface="Times New Roman" panose="02020603050405020304" pitchFamily="18" charset="0"/>
+                <a:cs typeface="Times New Roman" panose="02020603050405020304" pitchFamily="18" charset="0"/>
+              </a:rPr>
+              <a:t>đánh</a:t>
+            </a:r>
+            <a:r>
+              <a:rPr lang="en-US" sz="2200" dirty="0">
+                <a:latin typeface="Times New Roman" panose="02020603050405020304" pitchFamily="18" charset="0"/>
+                <a:cs typeface="Times New Roman" panose="02020603050405020304" pitchFamily="18" charset="0"/>
+              </a:rPr>
+              <a:t> </a:t>
+            </a:r>
+            <a:r>
+              <a:rPr lang="en-US" sz="2200" dirty="0" err="1">
+                <a:latin typeface="Times New Roman" panose="02020603050405020304" pitchFamily="18" charset="0"/>
+                <a:cs typeface="Times New Roman" panose="02020603050405020304" pitchFamily="18" charset="0"/>
+              </a:rPr>
+              <a:t>giá</a:t>
+            </a:r>
+            <a:r>
+              <a:rPr lang="en-US" sz="2200" dirty="0">
+                <a:latin typeface="Times New Roman" panose="02020603050405020304" pitchFamily="18" charset="0"/>
+                <a:cs typeface="Times New Roman" panose="02020603050405020304" pitchFamily="18" charset="0"/>
+              </a:rPr>
+              <a:t> online </a:t>
+            </a:r>
+            <a:r>
+              <a:rPr lang="en-US" sz="2200" dirty="0" err="1">
+                <a:latin typeface="Times New Roman" panose="02020603050405020304" pitchFamily="18" charset="0"/>
+                <a:cs typeface="Times New Roman" panose="02020603050405020304" pitchFamily="18" charset="0"/>
+              </a:rPr>
+              <a:t>có</a:t>
+            </a:r>
+            <a:r>
+              <a:rPr lang="en-US" sz="2200" dirty="0">
+                <a:latin typeface="Times New Roman" panose="02020603050405020304" pitchFamily="18" charset="0"/>
+                <a:cs typeface="Times New Roman" panose="02020603050405020304" pitchFamily="18" charset="0"/>
+              </a:rPr>
+              <a:t> </a:t>
+            </a:r>
+            <a:r>
+              <a:rPr lang="en-US" sz="2200" dirty="0" err="1">
+                <a:latin typeface="Times New Roman" panose="02020603050405020304" pitchFamily="18" charset="0"/>
+                <a:cs typeface="Times New Roman" panose="02020603050405020304" pitchFamily="18" charset="0"/>
+              </a:rPr>
+              <a:t>kết</a:t>
+            </a:r>
+            <a:r>
+              <a:rPr lang="en-US" sz="2200" dirty="0">
+                <a:latin typeface="Times New Roman" panose="02020603050405020304" pitchFamily="18" charset="0"/>
+                <a:cs typeface="Times New Roman" panose="02020603050405020304" pitchFamily="18" charset="0"/>
+              </a:rPr>
+              <a:t> </a:t>
+            </a:r>
+            <a:r>
+              <a:rPr lang="en-US" sz="2200" dirty="0" err="1">
+                <a:latin typeface="Times New Roman" panose="02020603050405020304" pitchFamily="18" charset="0"/>
+                <a:cs typeface="Times New Roman" panose="02020603050405020304" pitchFamily="18" charset="0"/>
+              </a:rPr>
+              <a:t>quả</a:t>
+            </a:r>
+            <a:r>
+              <a:rPr lang="en-US" sz="2200" dirty="0">
+                <a:latin typeface="Times New Roman" panose="02020603050405020304" pitchFamily="18" charset="0"/>
+                <a:cs typeface="Times New Roman" panose="02020603050405020304" pitchFamily="18" charset="0"/>
+              </a:rPr>
+              <a:t> </a:t>
+            </a:r>
+            <a:r>
+              <a:rPr lang="en-US" sz="2200" dirty="0" err="1">
+                <a:latin typeface="Times New Roman" panose="02020603050405020304" pitchFamily="18" charset="0"/>
+                <a:cs typeface="Times New Roman" panose="02020603050405020304" pitchFamily="18" charset="0"/>
+              </a:rPr>
+              <a:t>khá</a:t>
+            </a:r>
+            <a:r>
+              <a:rPr lang="en-US" sz="2200" dirty="0">
+                <a:latin typeface="Times New Roman" panose="02020603050405020304" pitchFamily="18" charset="0"/>
+                <a:cs typeface="Times New Roman" panose="02020603050405020304" pitchFamily="18" charset="0"/>
+              </a:rPr>
+              <a:t> </a:t>
+            </a:r>
+            <a:r>
+              <a:rPr lang="en-US" sz="2200" dirty="0" err="1">
+                <a:latin typeface="Times New Roman" panose="02020603050405020304" pitchFamily="18" charset="0"/>
+                <a:cs typeface="Times New Roman" panose="02020603050405020304" pitchFamily="18" charset="0"/>
+              </a:rPr>
+              <a:t>tốt</a:t>
+            </a:r>
+            <a:endParaRPr lang="en-US" sz="2200" dirty="0">
               <a:latin typeface="Times New Roman" panose="02020603050405020304" pitchFamily="18" charset="0"/>
               <a:cs typeface="Times New Roman" panose="02020603050405020304" pitchFamily="18" charset="0"/>
             </a:endParaRPr>
           </a:p>
           <a:p>
-            <a:endParaRPr lang="vi-VN" sz="2400" dirty="0">
+            <a:pPr lvl="1"/>
+            <a:r>
+              <a:rPr lang="en-US" sz="2200" dirty="0" err="1">
+                <a:latin typeface="Times New Roman" panose="02020603050405020304" pitchFamily="18" charset="0"/>
+                <a:cs typeface="Times New Roman" panose="02020603050405020304" pitchFamily="18" charset="0"/>
+              </a:rPr>
+              <a:t>Tiếp</a:t>
+            </a:r>
+            <a:r>
+              <a:rPr lang="en-US" sz="2200" dirty="0">
+                <a:latin typeface="Times New Roman" panose="02020603050405020304" pitchFamily="18" charset="0"/>
+                <a:cs typeface="Times New Roman" panose="02020603050405020304" pitchFamily="18" charset="0"/>
+              </a:rPr>
+              <a:t> </a:t>
+            </a:r>
+            <a:r>
+              <a:rPr lang="en-US" sz="2200" dirty="0" err="1">
+                <a:latin typeface="Times New Roman" panose="02020603050405020304" pitchFamily="18" charset="0"/>
+                <a:cs typeface="Times New Roman" panose="02020603050405020304" pitchFamily="18" charset="0"/>
+              </a:rPr>
+              <a:t>cận</a:t>
+            </a:r>
+            <a:r>
+              <a:rPr lang="en-US" sz="2200" dirty="0">
+                <a:latin typeface="Times New Roman" panose="02020603050405020304" pitchFamily="18" charset="0"/>
+                <a:cs typeface="Times New Roman" panose="02020603050405020304" pitchFamily="18" charset="0"/>
+              </a:rPr>
+              <a:t> </a:t>
+            </a:r>
+            <a:r>
+              <a:rPr lang="en-US" sz="2200" dirty="0" err="1">
+                <a:latin typeface="Times New Roman" panose="02020603050405020304" pitchFamily="18" charset="0"/>
+                <a:cs typeface="Times New Roman" panose="02020603050405020304" pitchFamily="18" charset="0"/>
+              </a:rPr>
+              <a:t>nội</a:t>
+            </a:r>
+            <a:r>
+              <a:rPr lang="en-US" sz="2200" dirty="0">
+                <a:latin typeface="Times New Roman" panose="02020603050405020304" pitchFamily="18" charset="0"/>
+                <a:cs typeface="Times New Roman" panose="02020603050405020304" pitchFamily="18" charset="0"/>
+              </a:rPr>
+              <a:t> dung </a:t>
+            </a:r>
+            <a:r>
+              <a:rPr lang="en-US" sz="2200" dirty="0" err="1">
+                <a:latin typeface="Times New Roman" panose="02020603050405020304" pitchFamily="18" charset="0"/>
+                <a:cs typeface="Times New Roman" panose="02020603050405020304" pitchFamily="18" charset="0"/>
+              </a:rPr>
+              <a:t>có</a:t>
+            </a:r>
+            <a:r>
+              <a:rPr lang="en-US" sz="2200" dirty="0">
+                <a:latin typeface="Times New Roman" panose="02020603050405020304" pitchFamily="18" charset="0"/>
+                <a:cs typeface="Times New Roman" panose="02020603050405020304" pitchFamily="18" charset="0"/>
+              </a:rPr>
+              <a:t> </a:t>
+            </a:r>
+            <a:r>
+              <a:rPr lang="en-US" sz="2200" dirty="0" err="1">
+                <a:latin typeface="Times New Roman" panose="02020603050405020304" pitchFamily="18" charset="0"/>
+                <a:cs typeface="Times New Roman" panose="02020603050405020304" pitchFamily="18" charset="0"/>
+              </a:rPr>
+              <a:t>kết</a:t>
+            </a:r>
+            <a:r>
+              <a:rPr lang="en-US" sz="2200" dirty="0">
+                <a:latin typeface="Times New Roman" panose="02020603050405020304" pitchFamily="18" charset="0"/>
+                <a:cs typeface="Times New Roman" panose="02020603050405020304" pitchFamily="18" charset="0"/>
+              </a:rPr>
+              <a:t> </a:t>
+            </a:r>
+            <a:r>
+              <a:rPr lang="en-US" sz="2200" dirty="0" err="1">
+                <a:latin typeface="Times New Roman" panose="02020603050405020304" pitchFamily="18" charset="0"/>
+                <a:cs typeface="Times New Roman" panose="02020603050405020304" pitchFamily="18" charset="0"/>
+              </a:rPr>
+              <a:t>quả</a:t>
+            </a:r>
+            <a:r>
+              <a:rPr lang="en-US" sz="2200" dirty="0">
+                <a:latin typeface="Times New Roman" panose="02020603050405020304" pitchFamily="18" charset="0"/>
+                <a:cs typeface="Times New Roman" panose="02020603050405020304" pitchFamily="18" charset="0"/>
+              </a:rPr>
+              <a:t> </a:t>
+            </a:r>
+            <a:r>
+              <a:rPr lang="en-US" sz="2200" dirty="0" err="1">
+                <a:latin typeface="Times New Roman" panose="02020603050405020304" pitchFamily="18" charset="0"/>
+                <a:cs typeface="Times New Roman" panose="02020603050405020304" pitchFamily="18" charset="0"/>
+              </a:rPr>
+              <a:t>tốt</a:t>
+            </a:r>
+            <a:r>
+              <a:rPr lang="en-US" sz="2200" dirty="0">
+                <a:latin typeface="Times New Roman" panose="02020603050405020304" pitchFamily="18" charset="0"/>
+                <a:cs typeface="Times New Roman" panose="02020603050405020304" pitchFamily="18" charset="0"/>
+              </a:rPr>
+              <a:t> </a:t>
+            </a:r>
+            <a:r>
+              <a:rPr lang="en-US" sz="2200" dirty="0" err="1">
+                <a:latin typeface="Times New Roman" panose="02020603050405020304" pitchFamily="18" charset="0"/>
+                <a:cs typeface="Times New Roman" panose="02020603050405020304" pitchFamily="18" charset="0"/>
+              </a:rPr>
+              <a:t>nhất</a:t>
+            </a:r>
+            <a:r>
+              <a:rPr lang="en-US" sz="2200" dirty="0">
+                <a:latin typeface="Times New Roman" panose="02020603050405020304" pitchFamily="18" charset="0"/>
+                <a:cs typeface="Times New Roman" panose="02020603050405020304" pitchFamily="18" charset="0"/>
+              </a:rPr>
+              <a:t> </a:t>
+            </a:r>
+            <a:r>
+              <a:rPr lang="en-US" sz="2200" dirty="0" err="1">
+                <a:latin typeface="Times New Roman" panose="02020603050405020304" pitchFamily="18" charset="0"/>
+                <a:cs typeface="Times New Roman" panose="02020603050405020304" pitchFamily="18" charset="0"/>
+              </a:rPr>
+              <a:t>và</a:t>
+            </a:r>
+            <a:r>
+              <a:rPr lang="en-US" sz="2200" dirty="0">
+                <a:latin typeface="Times New Roman" panose="02020603050405020304" pitchFamily="18" charset="0"/>
+                <a:cs typeface="Times New Roman" panose="02020603050405020304" pitchFamily="18" charset="0"/>
+              </a:rPr>
+              <a:t> </a:t>
+            </a:r>
+            <a:r>
+              <a:rPr lang="en-US" sz="2200" dirty="0" err="1">
+                <a:latin typeface="Times New Roman" panose="02020603050405020304" pitchFamily="18" charset="0"/>
+                <a:cs typeface="Times New Roman" panose="02020603050405020304" pitchFamily="18" charset="0"/>
+              </a:rPr>
+              <a:t>tiếp</a:t>
+            </a:r>
+            <a:r>
+              <a:rPr lang="en-US" sz="2200" dirty="0">
+                <a:latin typeface="Times New Roman" panose="02020603050405020304" pitchFamily="18" charset="0"/>
+                <a:cs typeface="Times New Roman" panose="02020603050405020304" pitchFamily="18" charset="0"/>
+              </a:rPr>
+              <a:t> </a:t>
+            </a:r>
+            <a:r>
+              <a:rPr lang="en-US" sz="2200" dirty="0" err="1">
+                <a:latin typeface="Times New Roman" panose="02020603050405020304" pitchFamily="18" charset="0"/>
+                <a:cs typeface="Times New Roman" panose="02020603050405020304" pitchFamily="18" charset="0"/>
+              </a:rPr>
+              <a:t>cận</a:t>
+            </a:r>
+            <a:r>
+              <a:rPr lang="en-US" sz="2200" dirty="0">
+                <a:latin typeface="Times New Roman" panose="02020603050405020304" pitchFamily="18" charset="0"/>
+                <a:cs typeface="Times New Roman" panose="02020603050405020304" pitchFamily="18" charset="0"/>
+              </a:rPr>
+              <a:t> </a:t>
+            </a:r>
+            <a:r>
+              <a:rPr lang="en-US" sz="2200" dirty="0" err="1">
+                <a:latin typeface="Times New Roman" panose="02020603050405020304" pitchFamily="18" charset="0"/>
+                <a:cs typeface="Times New Roman" panose="02020603050405020304" pitchFamily="18" charset="0"/>
+              </a:rPr>
+              <a:t>lọc</a:t>
+            </a:r>
+            <a:r>
+              <a:rPr lang="en-US" sz="2200" dirty="0">
+                <a:latin typeface="Times New Roman" panose="02020603050405020304" pitchFamily="18" charset="0"/>
+                <a:cs typeface="Times New Roman" panose="02020603050405020304" pitchFamily="18" charset="0"/>
+              </a:rPr>
+              <a:t> </a:t>
+            </a:r>
+            <a:r>
+              <a:rPr lang="en-US" sz="2200" dirty="0" err="1">
+                <a:latin typeface="Times New Roman" panose="02020603050405020304" pitchFamily="18" charset="0"/>
+                <a:cs typeface="Times New Roman" panose="02020603050405020304" pitchFamily="18" charset="0"/>
+              </a:rPr>
+              <a:t>cộng</a:t>
+            </a:r>
+            <a:r>
+              <a:rPr lang="en-US" sz="2200" dirty="0">
+                <a:latin typeface="Times New Roman" panose="02020603050405020304" pitchFamily="18" charset="0"/>
+                <a:cs typeface="Times New Roman" panose="02020603050405020304" pitchFamily="18" charset="0"/>
+              </a:rPr>
+              <a:t> </a:t>
+            </a:r>
+            <a:r>
+              <a:rPr lang="en-US" sz="2200" dirty="0" err="1">
+                <a:latin typeface="Times New Roman" panose="02020603050405020304" pitchFamily="18" charset="0"/>
+                <a:cs typeface="Times New Roman" panose="02020603050405020304" pitchFamily="18" charset="0"/>
+              </a:rPr>
+              <a:t>tác</a:t>
+            </a:r>
+            <a:r>
+              <a:rPr lang="en-US" sz="2200" dirty="0">
+                <a:latin typeface="Times New Roman" panose="02020603050405020304" pitchFamily="18" charset="0"/>
+                <a:cs typeface="Times New Roman" panose="02020603050405020304" pitchFamily="18" charset="0"/>
+              </a:rPr>
+              <a:t> </a:t>
+            </a:r>
+            <a:r>
+              <a:rPr lang="en-US" sz="2200" dirty="0" err="1">
+                <a:latin typeface="Times New Roman" panose="02020603050405020304" pitchFamily="18" charset="0"/>
+                <a:cs typeface="Times New Roman" panose="02020603050405020304" pitchFamily="18" charset="0"/>
+              </a:rPr>
+              <a:t>có</a:t>
+            </a:r>
+            <a:r>
+              <a:rPr lang="en-US" sz="2200" dirty="0">
+                <a:latin typeface="Times New Roman" panose="02020603050405020304" pitchFamily="18" charset="0"/>
+                <a:cs typeface="Times New Roman" panose="02020603050405020304" pitchFamily="18" charset="0"/>
+              </a:rPr>
+              <a:t> </a:t>
+            </a:r>
+            <a:r>
+              <a:rPr lang="en-US" sz="2200" dirty="0" err="1">
+                <a:latin typeface="Times New Roman" panose="02020603050405020304" pitchFamily="18" charset="0"/>
+                <a:cs typeface="Times New Roman" panose="02020603050405020304" pitchFamily="18" charset="0"/>
+              </a:rPr>
+              <a:t>kết</a:t>
+            </a:r>
+            <a:r>
+              <a:rPr lang="en-US" sz="2200" dirty="0">
+                <a:latin typeface="Times New Roman" panose="02020603050405020304" pitchFamily="18" charset="0"/>
+                <a:cs typeface="Times New Roman" panose="02020603050405020304" pitchFamily="18" charset="0"/>
+              </a:rPr>
+              <a:t> </a:t>
+            </a:r>
+            <a:r>
+              <a:rPr lang="en-US" sz="2200" dirty="0" err="1">
+                <a:latin typeface="Times New Roman" panose="02020603050405020304" pitchFamily="18" charset="0"/>
+                <a:cs typeface="Times New Roman" panose="02020603050405020304" pitchFamily="18" charset="0"/>
+              </a:rPr>
+              <a:t>quả</a:t>
+            </a:r>
+            <a:r>
+              <a:rPr lang="en-US" sz="2200" dirty="0">
+                <a:latin typeface="Times New Roman" panose="02020603050405020304" pitchFamily="18" charset="0"/>
+                <a:cs typeface="Times New Roman" panose="02020603050405020304" pitchFamily="18" charset="0"/>
+              </a:rPr>
+              <a:t> </a:t>
+            </a:r>
+            <a:r>
+              <a:rPr lang="en-US" sz="2200" dirty="0" err="1">
+                <a:latin typeface="Times New Roman" panose="02020603050405020304" pitchFamily="18" charset="0"/>
+                <a:cs typeface="Times New Roman" panose="02020603050405020304" pitchFamily="18" charset="0"/>
+              </a:rPr>
+              <a:t>kém</a:t>
+            </a:r>
+            <a:r>
+              <a:rPr lang="en-US" sz="2200" dirty="0">
+                <a:latin typeface="Times New Roman" panose="02020603050405020304" pitchFamily="18" charset="0"/>
+                <a:cs typeface="Times New Roman" panose="02020603050405020304" pitchFamily="18" charset="0"/>
+              </a:rPr>
+              <a:t> </a:t>
+            </a:r>
+            <a:r>
+              <a:rPr lang="en-US" sz="2200" dirty="0" err="1">
+                <a:latin typeface="Times New Roman" panose="02020603050405020304" pitchFamily="18" charset="0"/>
+                <a:cs typeface="Times New Roman" panose="02020603050405020304" pitchFamily="18" charset="0"/>
+              </a:rPr>
+              <a:t>nhất</a:t>
+            </a:r>
+            <a:r>
+              <a:rPr lang="en-US" sz="2200" dirty="0">
+                <a:latin typeface="Times New Roman" panose="02020603050405020304" pitchFamily="18" charset="0"/>
+                <a:cs typeface="Times New Roman" panose="02020603050405020304" pitchFamily="18" charset="0"/>
+              </a:rPr>
+              <a:t>.</a:t>
+            </a:r>
+          </a:p>
+          <a:p>
+            <a:r>
+              <a:rPr lang="en-US" sz="2400" dirty="0" err="1">
+                <a:latin typeface="Times New Roman" panose="02020603050405020304" pitchFamily="18" charset="0"/>
+                <a:cs typeface="Times New Roman" panose="02020603050405020304" pitchFamily="18" charset="0"/>
+              </a:rPr>
+              <a:t>Nguyên</a:t>
+            </a:r>
+            <a:r>
+              <a:rPr lang="en-US" sz="2400" dirty="0">
+                <a:latin typeface="Times New Roman" panose="02020603050405020304" pitchFamily="18" charset="0"/>
+                <a:cs typeface="Times New Roman" panose="02020603050405020304" pitchFamily="18" charset="0"/>
+              </a:rPr>
+              <a:t> </a:t>
+            </a:r>
+            <a:r>
+              <a:rPr lang="en-US" sz="2400" dirty="0" err="1">
+                <a:latin typeface="Times New Roman" panose="02020603050405020304" pitchFamily="18" charset="0"/>
+                <a:cs typeface="Times New Roman" panose="02020603050405020304" pitchFamily="18" charset="0"/>
+              </a:rPr>
+              <a:t>nhân</a:t>
+            </a:r>
+            <a:r>
+              <a:rPr lang="en-US" sz="2400" dirty="0">
+                <a:latin typeface="Times New Roman" panose="02020603050405020304" pitchFamily="18" charset="0"/>
+                <a:cs typeface="Times New Roman" panose="02020603050405020304" pitchFamily="18" charset="0"/>
+              </a:rPr>
+              <a:t>:</a:t>
+            </a:r>
+          </a:p>
+          <a:p>
+            <a:pPr lvl="1"/>
+            <a:r>
+              <a:rPr lang="en-US" sz="2200" dirty="0">
+                <a:latin typeface="Times New Roman" panose="02020603050405020304" pitchFamily="18" charset="0"/>
+                <a:cs typeface="Times New Roman" panose="02020603050405020304" pitchFamily="18" charset="0"/>
+              </a:rPr>
+              <a:t>Ma </a:t>
+            </a:r>
+            <a:r>
+              <a:rPr lang="en-US" sz="2200" dirty="0" err="1">
+                <a:latin typeface="Times New Roman" panose="02020603050405020304" pitchFamily="18" charset="0"/>
+                <a:cs typeface="Times New Roman" panose="02020603050405020304" pitchFamily="18" charset="0"/>
+              </a:rPr>
+              <a:t>trận</a:t>
+            </a:r>
+            <a:r>
+              <a:rPr lang="en-US" sz="2200" dirty="0">
+                <a:latin typeface="Times New Roman" panose="02020603050405020304" pitchFamily="18" charset="0"/>
+                <a:cs typeface="Times New Roman" panose="02020603050405020304" pitchFamily="18" charset="0"/>
+              </a:rPr>
+              <a:t> </a:t>
+            </a:r>
+            <a:r>
+              <a:rPr lang="en-US" sz="2200" dirty="0" err="1">
+                <a:latin typeface="Times New Roman" panose="02020603050405020304" pitchFamily="18" charset="0"/>
+                <a:cs typeface="Times New Roman" panose="02020603050405020304" pitchFamily="18" charset="0"/>
+              </a:rPr>
+              <a:t>đánh</a:t>
+            </a:r>
+            <a:r>
+              <a:rPr lang="en-US" sz="2200" dirty="0">
+                <a:latin typeface="Times New Roman" panose="02020603050405020304" pitchFamily="18" charset="0"/>
+                <a:cs typeface="Times New Roman" panose="02020603050405020304" pitchFamily="18" charset="0"/>
+              </a:rPr>
+              <a:t> </a:t>
+            </a:r>
+            <a:r>
+              <a:rPr lang="en-US" sz="2200" dirty="0" err="1">
+                <a:latin typeface="Times New Roman" panose="02020603050405020304" pitchFamily="18" charset="0"/>
+                <a:cs typeface="Times New Roman" panose="02020603050405020304" pitchFamily="18" charset="0"/>
+              </a:rPr>
+              <a:t>giá</a:t>
+            </a:r>
+            <a:r>
+              <a:rPr lang="en-US" sz="2200" dirty="0">
+                <a:latin typeface="Times New Roman" panose="02020603050405020304" pitchFamily="18" charset="0"/>
+                <a:cs typeface="Times New Roman" panose="02020603050405020304" pitchFamily="18" charset="0"/>
+              </a:rPr>
+              <a:t> </a:t>
+            </a:r>
+            <a:r>
+              <a:rPr lang="en-US" sz="2200" dirty="0" err="1">
+                <a:latin typeface="Times New Roman" panose="02020603050405020304" pitchFamily="18" charset="0"/>
+                <a:cs typeface="Times New Roman" panose="02020603050405020304" pitchFamily="18" charset="0"/>
+              </a:rPr>
+              <a:t>thưa</a:t>
+            </a:r>
+            <a:endParaRPr lang="en-US" sz="2200" dirty="0">
               <a:latin typeface="Times New Roman" panose="02020603050405020304" pitchFamily="18" charset="0"/>
               <a:cs typeface="Times New Roman" panose="02020603050405020304" pitchFamily="18" charset="0"/>
             </a:endParaRPr>
           </a:p>
+          <a:p>
+            <a:pPr lvl="1"/>
+            <a:r>
+              <a:rPr lang="en-US" sz="2200" dirty="0" err="1">
+                <a:latin typeface="Times New Roman" panose="02020603050405020304" pitchFamily="18" charset="0"/>
+                <a:cs typeface="Times New Roman" panose="02020603050405020304" pitchFamily="18" charset="0"/>
+              </a:rPr>
+              <a:t>Các</a:t>
+            </a:r>
+            <a:r>
+              <a:rPr lang="en-US" sz="2200" dirty="0">
+                <a:latin typeface="Times New Roman" panose="02020603050405020304" pitchFamily="18" charset="0"/>
+                <a:cs typeface="Times New Roman" panose="02020603050405020304" pitchFamily="18" charset="0"/>
+              </a:rPr>
+              <a:t> </a:t>
+            </a:r>
+            <a:r>
+              <a:rPr lang="en-US" sz="2200" dirty="0" err="1">
+                <a:latin typeface="Times New Roman" panose="02020603050405020304" pitchFamily="18" charset="0"/>
+                <a:cs typeface="Times New Roman" panose="02020603050405020304" pitchFamily="18" charset="0"/>
+              </a:rPr>
+              <a:t>thuật</a:t>
+            </a:r>
+            <a:r>
+              <a:rPr lang="en-US" sz="2200" dirty="0">
+                <a:latin typeface="Times New Roman" panose="02020603050405020304" pitchFamily="18" charset="0"/>
+                <a:cs typeface="Times New Roman" panose="02020603050405020304" pitchFamily="18" charset="0"/>
+              </a:rPr>
+              <a:t> </a:t>
+            </a:r>
+            <a:r>
+              <a:rPr lang="en-US" sz="2200" dirty="0" err="1">
+                <a:latin typeface="Times New Roman" panose="02020603050405020304" pitchFamily="18" charset="0"/>
+                <a:cs typeface="Times New Roman" panose="02020603050405020304" pitchFamily="18" charset="0"/>
+              </a:rPr>
+              <a:t>toán</a:t>
+            </a:r>
+            <a:r>
+              <a:rPr lang="en-US" sz="2200" dirty="0">
+                <a:latin typeface="Times New Roman" panose="02020603050405020304" pitchFamily="18" charset="0"/>
+                <a:cs typeface="Times New Roman" panose="02020603050405020304" pitchFamily="18" charset="0"/>
+              </a:rPr>
+              <a:t> </a:t>
+            </a:r>
+            <a:r>
+              <a:rPr lang="en-US" sz="2200" dirty="0" err="1">
+                <a:latin typeface="Times New Roman" panose="02020603050405020304" pitchFamily="18" charset="0"/>
+                <a:cs typeface="Times New Roman" panose="02020603050405020304" pitchFamily="18" charset="0"/>
+              </a:rPr>
+              <a:t>cài</a:t>
+            </a:r>
+            <a:r>
+              <a:rPr lang="en-US" sz="2200" dirty="0">
+                <a:latin typeface="Times New Roman" panose="02020603050405020304" pitchFamily="18" charset="0"/>
+                <a:cs typeface="Times New Roman" panose="02020603050405020304" pitchFamily="18" charset="0"/>
+              </a:rPr>
+              <a:t> </a:t>
+            </a:r>
+            <a:r>
+              <a:rPr lang="en-US" sz="2200" dirty="0" err="1">
+                <a:latin typeface="Times New Roman" panose="02020603050405020304" pitchFamily="18" charset="0"/>
+                <a:cs typeface="Times New Roman" panose="02020603050405020304" pitchFamily="18" charset="0"/>
+              </a:rPr>
+              <a:t>đặt</a:t>
+            </a:r>
+            <a:r>
+              <a:rPr lang="en-US" sz="2200" dirty="0">
+                <a:latin typeface="Times New Roman" panose="02020603050405020304" pitchFamily="18" charset="0"/>
+                <a:cs typeface="Times New Roman" panose="02020603050405020304" pitchFamily="18" charset="0"/>
+              </a:rPr>
+              <a:t> ở </a:t>
+            </a:r>
+            <a:r>
+              <a:rPr lang="en-US" sz="2200" dirty="0" err="1">
+                <a:latin typeface="Times New Roman" panose="02020603050405020304" pitchFamily="18" charset="0"/>
+                <a:cs typeface="Times New Roman" panose="02020603050405020304" pitchFamily="18" charset="0"/>
+              </a:rPr>
+              <a:t>mức</a:t>
+            </a:r>
+            <a:r>
+              <a:rPr lang="en-US" sz="2200" dirty="0">
+                <a:latin typeface="Times New Roman" panose="02020603050405020304" pitchFamily="18" charset="0"/>
+                <a:cs typeface="Times New Roman" panose="02020603050405020304" pitchFamily="18" charset="0"/>
+              </a:rPr>
+              <a:t> </a:t>
+            </a:r>
+            <a:r>
+              <a:rPr lang="en-US" sz="2200" dirty="0" err="1">
+                <a:latin typeface="Times New Roman" panose="02020603050405020304" pitchFamily="18" charset="0"/>
+                <a:cs typeface="Times New Roman" panose="02020603050405020304" pitchFamily="18" charset="0"/>
+              </a:rPr>
+              <a:t>độ</a:t>
+            </a:r>
+            <a:r>
+              <a:rPr lang="en-US" sz="2200" dirty="0">
+                <a:latin typeface="Times New Roman" panose="02020603050405020304" pitchFamily="18" charset="0"/>
+                <a:cs typeface="Times New Roman" panose="02020603050405020304" pitchFamily="18" charset="0"/>
+              </a:rPr>
+              <a:t> </a:t>
+            </a:r>
+            <a:r>
+              <a:rPr lang="en-US" sz="2200" dirty="0" err="1">
+                <a:latin typeface="Times New Roman" panose="02020603050405020304" pitchFamily="18" charset="0"/>
+                <a:cs typeface="Times New Roman" panose="02020603050405020304" pitchFamily="18" charset="0"/>
+              </a:rPr>
+              <a:t>đơn</a:t>
+            </a:r>
+            <a:r>
+              <a:rPr lang="en-US" sz="2200" dirty="0">
+                <a:latin typeface="Times New Roman" panose="02020603050405020304" pitchFamily="18" charset="0"/>
+                <a:cs typeface="Times New Roman" panose="02020603050405020304" pitchFamily="18" charset="0"/>
+              </a:rPr>
+              <a:t> </a:t>
+            </a:r>
+            <a:r>
+              <a:rPr lang="en-US" sz="2200" dirty="0" err="1">
+                <a:latin typeface="Times New Roman" panose="02020603050405020304" pitchFamily="18" charset="0"/>
+                <a:cs typeface="Times New Roman" panose="02020603050405020304" pitchFamily="18" charset="0"/>
+              </a:rPr>
+              <a:t>giản</a:t>
+            </a:r>
+            <a:endParaRPr lang="en-US" sz="2200" dirty="0">
+              <a:latin typeface="Times New Roman" panose="02020603050405020304" pitchFamily="18" charset="0"/>
+              <a:cs typeface="Times New Roman" panose="02020603050405020304" pitchFamily="18" charset="0"/>
+            </a:endParaRPr>
+          </a:p>
+          <a:p>
+            <a:r>
+              <a:rPr lang="en-US" sz="2400" dirty="0" err="1">
+                <a:latin typeface="Times New Roman" panose="02020603050405020304" pitchFamily="18" charset="0"/>
+                <a:cs typeface="Times New Roman" panose="02020603050405020304" pitchFamily="18" charset="0"/>
+              </a:rPr>
+              <a:t>Nhận</a:t>
+            </a:r>
+            <a:r>
+              <a:rPr lang="en-US" sz="2400" dirty="0">
+                <a:latin typeface="Times New Roman" panose="02020603050405020304" pitchFamily="18" charset="0"/>
+                <a:cs typeface="Times New Roman" panose="02020603050405020304" pitchFamily="18" charset="0"/>
+              </a:rPr>
+              <a:t> </a:t>
+            </a:r>
+            <a:r>
+              <a:rPr lang="en-US" sz="2400" dirty="0" err="1">
+                <a:latin typeface="Times New Roman" panose="02020603050405020304" pitchFamily="18" charset="0"/>
+                <a:cs typeface="Times New Roman" panose="02020603050405020304" pitchFamily="18" charset="0"/>
+              </a:rPr>
+              <a:t>định</a:t>
+            </a:r>
+            <a:r>
+              <a:rPr lang="en-US" sz="2400" dirty="0">
+                <a:latin typeface="Times New Roman" panose="02020603050405020304" pitchFamily="18" charset="0"/>
+                <a:cs typeface="Times New Roman" panose="02020603050405020304" pitchFamily="18" charset="0"/>
+              </a:rPr>
+              <a:t>: </a:t>
+            </a:r>
+            <a:r>
+              <a:rPr lang="en-US" sz="2400" dirty="0" err="1">
+                <a:latin typeface="Times New Roman" panose="02020603050405020304" pitchFamily="18" charset="0"/>
+                <a:cs typeface="Times New Roman" panose="02020603050405020304" pitchFamily="18" charset="0"/>
+              </a:rPr>
+              <a:t>để</a:t>
+            </a:r>
+            <a:r>
+              <a:rPr lang="en-US" sz="2400" dirty="0">
+                <a:latin typeface="Times New Roman" panose="02020603050405020304" pitchFamily="18" charset="0"/>
+                <a:cs typeface="Times New Roman" panose="02020603050405020304" pitchFamily="18" charset="0"/>
+              </a:rPr>
+              <a:t> </a:t>
+            </a:r>
+            <a:r>
+              <a:rPr lang="en-US" sz="2400" dirty="0" err="1">
+                <a:latin typeface="Times New Roman" panose="02020603050405020304" pitchFamily="18" charset="0"/>
+                <a:cs typeface="Times New Roman" panose="02020603050405020304" pitchFamily="18" charset="0"/>
+              </a:rPr>
+              <a:t>thực</a:t>
+            </a:r>
+            <a:r>
+              <a:rPr lang="en-US" sz="2400" dirty="0">
+                <a:latin typeface="Times New Roman" panose="02020603050405020304" pitchFamily="18" charset="0"/>
+                <a:cs typeface="Times New Roman" panose="02020603050405020304" pitchFamily="18" charset="0"/>
+              </a:rPr>
+              <a:t> </a:t>
+            </a:r>
+            <a:r>
+              <a:rPr lang="en-US" sz="2400" dirty="0" err="1">
+                <a:latin typeface="Times New Roman" panose="02020603050405020304" pitchFamily="18" charset="0"/>
+                <a:cs typeface="Times New Roman" panose="02020603050405020304" pitchFamily="18" charset="0"/>
+              </a:rPr>
+              <a:t>nghiệm</a:t>
+            </a:r>
+            <a:r>
+              <a:rPr lang="en-US" sz="2400" dirty="0">
+                <a:latin typeface="Times New Roman" panose="02020603050405020304" pitchFamily="18" charset="0"/>
+                <a:cs typeface="Times New Roman" panose="02020603050405020304" pitchFamily="18" charset="0"/>
+              </a:rPr>
+              <a:t> </a:t>
+            </a:r>
+            <a:r>
+              <a:rPr lang="en-US" sz="2400" dirty="0" err="1">
+                <a:latin typeface="Times New Roman" panose="02020603050405020304" pitchFamily="18" charset="0"/>
+                <a:cs typeface="Times New Roman" panose="02020603050405020304" pitchFamily="18" charset="0"/>
+              </a:rPr>
+              <a:t>có</a:t>
+            </a:r>
+            <a:r>
+              <a:rPr lang="en-US" sz="2400" dirty="0">
+                <a:latin typeface="Times New Roman" panose="02020603050405020304" pitchFamily="18" charset="0"/>
+                <a:cs typeface="Times New Roman" panose="02020603050405020304" pitchFamily="18" charset="0"/>
+              </a:rPr>
+              <a:t> </a:t>
+            </a:r>
+            <a:r>
+              <a:rPr lang="en-US" sz="2400" dirty="0" err="1">
+                <a:latin typeface="Times New Roman" panose="02020603050405020304" pitchFamily="18" charset="0"/>
+                <a:cs typeface="Times New Roman" panose="02020603050405020304" pitchFamily="18" charset="0"/>
+              </a:rPr>
+              <a:t>kết</a:t>
+            </a:r>
+            <a:r>
+              <a:rPr lang="en-US" sz="2400" dirty="0">
+                <a:latin typeface="Times New Roman" panose="02020603050405020304" pitchFamily="18" charset="0"/>
+                <a:cs typeface="Times New Roman" panose="02020603050405020304" pitchFamily="18" charset="0"/>
+              </a:rPr>
+              <a:t> </a:t>
+            </a:r>
+            <a:r>
+              <a:rPr lang="en-US" sz="2400" dirty="0" err="1">
+                <a:latin typeface="Times New Roman" panose="02020603050405020304" pitchFamily="18" charset="0"/>
+                <a:cs typeface="Times New Roman" panose="02020603050405020304" pitchFamily="18" charset="0"/>
+              </a:rPr>
+              <a:t>quả</a:t>
+            </a:r>
+            <a:r>
+              <a:rPr lang="en-US" sz="2400" dirty="0">
+                <a:latin typeface="Times New Roman" panose="02020603050405020304" pitchFamily="18" charset="0"/>
+                <a:cs typeface="Times New Roman" panose="02020603050405020304" pitchFamily="18" charset="0"/>
+              </a:rPr>
+              <a:t> </a:t>
+            </a:r>
+            <a:r>
+              <a:rPr lang="en-US" sz="2400" dirty="0" err="1">
+                <a:latin typeface="Times New Roman" panose="02020603050405020304" pitchFamily="18" charset="0"/>
+                <a:cs typeface="Times New Roman" panose="02020603050405020304" pitchFamily="18" charset="0"/>
+              </a:rPr>
+              <a:t>tốt</a:t>
+            </a:r>
+            <a:r>
+              <a:rPr lang="en-US" sz="2400" dirty="0">
+                <a:latin typeface="Times New Roman" panose="02020603050405020304" pitchFamily="18" charset="0"/>
+                <a:cs typeface="Times New Roman" panose="02020603050405020304" pitchFamily="18" charset="0"/>
+              </a:rPr>
+              <a:t> </a:t>
+            </a:r>
+            <a:r>
+              <a:rPr lang="en-US" sz="2400" dirty="0" err="1">
+                <a:latin typeface="Times New Roman" panose="02020603050405020304" pitchFamily="18" charset="0"/>
+                <a:cs typeface="Times New Roman" panose="02020603050405020304" pitchFamily="18" charset="0"/>
+              </a:rPr>
+              <a:t>nhất</a:t>
+            </a:r>
+            <a:r>
+              <a:rPr lang="en-US" sz="2400" dirty="0">
+                <a:latin typeface="Times New Roman" panose="02020603050405020304" pitchFamily="18" charset="0"/>
+                <a:cs typeface="Times New Roman" panose="02020603050405020304" pitchFamily="18" charset="0"/>
+              </a:rPr>
+              <a:t> </a:t>
+            </a:r>
+            <a:r>
+              <a:rPr lang="en-US" sz="2400" dirty="0" err="1">
+                <a:latin typeface="Times New Roman" panose="02020603050405020304" pitchFamily="18" charset="0"/>
+                <a:cs typeface="Times New Roman" panose="02020603050405020304" pitchFamily="18" charset="0"/>
+              </a:rPr>
+              <a:t>cần</a:t>
+            </a:r>
+            <a:r>
+              <a:rPr lang="en-US" sz="2400" dirty="0">
+                <a:latin typeface="Times New Roman" panose="02020603050405020304" pitchFamily="18" charset="0"/>
+                <a:cs typeface="Times New Roman" panose="02020603050405020304" pitchFamily="18" charset="0"/>
+              </a:rPr>
+              <a:t> </a:t>
+            </a:r>
+            <a:r>
+              <a:rPr lang="en-US" sz="2400" dirty="0" err="1">
+                <a:latin typeface="Times New Roman" panose="02020603050405020304" pitchFamily="18" charset="0"/>
+                <a:cs typeface="Times New Roman" panose="02020603050405020304" pitchFamily="18" charset="0"/>
+              </a:rPr>
+              <a:t>phải</a:t>
+            </a:r>
+            <a:r>
+              <a:rPr lang="en-US" sz="2400" dirty="0">
+                <a:latin typeface="Times New Roman" panose="02020603050405020304" pitchFamily="18" charset="0"/>
+                <a:cs typeface="Times New Roman" panose="02020603050405020304" pitchFamily="18" charset="0"/>
+              </a:rPr>
+              <a:t>:</a:t>
+            </a:r>
+          </a:p>
+          <a:p>
+            <a:pPr lvl="1"/>
+            <a:r>
+              <a:rPr lang="en-US" sz="2200" dirty="0" err="1">
+                <a:latin typeface="Times New Roman" panose="02020603050405020304" pitchFamily="18" charset="0"/>
+                <a:cs typeface="Times New Roman" panose="02020603050405020304" pitchFamily="18" charset="0"/>
+              </a:rPr>
+              <a:t>Có</a:t>
+            </a:r>
+            <a:r>
+              <a:rPr lang="en-US" sz="2200" dirty="0">
+                <a:latin typeface="Times New Roman" panose="02020603050405020304" pitchFamily="18" charset="0"/>
+                <a:cs typeface="Times New Roman" panose="02020603050405020304" pitchFamily="18" charset="0"/>
+              </a:rPr>
+              <a:t> </a:t>
+            </a:r>
+            <a:r>
+              <a:rPr lang="en-US" sz="2200" dirty="0" err="1">
+                <a:latin typeface="Times New Roman" panose="02020603050405020304" pitchFamily="18" charset="0"/>
+                <a:cs typeface="Times New Roman" panose="02020603050405020304" pitchFamily="18" charset="0"/>
+              </a:rPr>
+              <a:t>bộ</a:t>
+            </a:r>
+            <a:r>
+              <a:rPr lang="en-US" sz="2200" dirty="0">
+                <a:latin typeface="Times New Roman" panose="02020603050405020304" pitchFamily="18" charset="0"/>
+                <a:cs typeface="Times New Roman" panose="02020603050405020304" pitchFamily="18" charset="0"/>
+              </a:rPr>
+              <a:t> dataset </a:t>
+            </a:r>
+            <a:r>
+              <a:rPr lang="en-US" sz="2200" dirty="0" err="1">
+                <a:latin typeface="Times New Roman" panose="02020603050405020304" pitchFamily="18" charset="0"/>
+                <a:cs typeface="Times New Roman" panose="02020603050405020304" pitchFamily="18" charset="0"/>
+              </a:rPr>
+              <a:t>tốt</a:t>
+            </a:r>
+            <a:endParaRPr lang="en-US" sz="2200" dirty="0">
+              <a:latin typeface="Times New Roman" panose="02020603050405020304" pitchFamily="18" charset="0"/>
+              <a:cs typeface="Times New Roman" panose="02020603050405020304" pitchFamily="18" charset="0"/>
+            </a:endParaRPr>
+          </a:p>
+          <a:p>
+            <a:pPr lvl="1"/>
+            <a:r>
+              <a:rPr lang="en-US" sz="2200" dirty="0" err="1">
+                <a:latin typeface="Times New Roman" panose="02020603050405020304" pitchFamily="18" charset="0"/>
+                <a:cs typeface="Times New Roman" panose="02020603050405020304" pitchFamily="18" charset="0"/>
+              </a:rPr>
+              <a:t>Nghiên</a:t>
+            </a:r>
+            <a:r>
+              <a:rPr lang="en-US" sz="2200" dirty="0">
+                <a:latin typeface="Times New Roman" panose="02020603050405020304" pitchFamily="18" charset="0"/>
+                <a:cs typeface="Times New Roman" panose="02020603050405020304" pitchFamily="18" charset="0"/>
+              </a:rPr>
+              <a:t> </a:t>
+            </a:r>
+            <a:r>
+              <a:rPr lang="en-US" sz="2200" dirty="0" err="1">
+                <a:latin typeface="Times New Roman" panose="02020603050405020304" pitchFamily="18" charset="0"/>
+                <a:cs typeface="Times New Roman" panose="02020603050405020304" pitchFamily="18" charset="0"/>
+              </a:rPr>
+              <a:t>cứu</a:t>
+            </a:r>
+            <a:r>
+              <a:rPr lang="en-US" sz="2200" dirty="0">
+                <a:latin typeface="Times New Roman" panose="02020603050405020304" pitchFamily="18" charset="0"/>
+                <a:cs typeface="Times New Roman" panose="02020603050405020304" pitchFamily="18" charset="0"/>
+              </a:rPr>
+              <a:t> </a:t>
+            </a:r>
+            <a:r>
+              <a:rPr lang="en-US" sz="2200" dirty="0" err="1">
+                <a:latin typeface="Times New Roman" panose="02020603050405020304" pitchFamily="18" charset="0"/>
+                <a:cs typeface="Times New Roman" panose="02020603050405020304" pitchFamily="18" charset="0"/>
+              </a:rPr>
+              <a:t>khắc</a:t>
+            </a:r>
+            <a:r>
+              <a:rPr lang="en-US" sz="2200" dirty="0">
+                <a:latin typeface="Times New Roman" panose="02020603050405020304" pitchFamily="18" charset="0"/>
+                <a:cs typeface="Times New Roman" panose="02020603050405020304" pitchFamily="18" charset="0"/>
+              </a:rPr>
+              <a:t> </a:t>
+            </a:r>
+            <a:r>
+              <a:rPr lang="en-US" sz="2200" dirty="0" err="1">
+                <a:latin typeface="Times New Roman" panose="02020603050405020304" pitchFamily="18" charset="0"/>
+                <a:cs typeface="Times New Roman" panose="02020603050405020304" pitchFamily="18" charset="0"/>
+              </a:rPr>
+              <a:t>phục</a:t>
+            </a:r>
+            <a:r>
+              <a:rPr lang="en-US" sz="2200" dirty="0">
+                <a:latin typeface="Times New Roman" panose="02020603050405020304" pitchFamily="18" charset="0"/>
+                <a:cs typeface="Times New Roman" panose="02020603050405020304" pitchFamily="18" charset="0"/>
+              </a:rPr>
+              <a:t> </a:t>
+            </a:r>
+            <a:r>
+              <a:rPr lang="en-US" sz="2200" dirty="0" err="1">
+                <a:latin typeface="Times New Roman" panose="02020603050405020304" pitchFamily="18" charset="0"/>
+                <a:cs typeface="Times New Roman" panose="02020603050405020304" pitchFamily="18" charset="0"/>
+              </a:rPr>
+              <a:t>vấn</a:t>
+            </a:r>
+            <a:r>
+              <a:rPr lang="en-US" sz="2200" dirty="0">
+                <a:latin typeface="Times New Roman" panose="02020603050405020304" pitchFamily="18" charset="0"/>
+                <a:cs typeface="Times New Roman" panose="02020603050405020304" pitchFamily="18" charset="0"/>
+              </a:rPr>
+              <a:t> </a:t>
+            </a:r>
+            <a:r>
+              <a:rPr lang="en-US" sz="2200" dirty="0" err="1">
+                <a:latin typeface="Times New Roman" panose="02020603050405020304" pitchFamily="18" charset="0"/>
+                <a:cs typeface="Times New Roman" panose="02020603050405020304" pitchFamily="18" charset="0"/>
+              </a:rPr>
+              <a:t>đề</a:t>
+            </a:r>
+            <a:r>
+              <a:rPr lang="en-US" sz="2200" dirty="0">
+                <a:latin typeface="Times New Roman" panose="02020603050405020304" pitchFamily="18" charset="0"/>
+                <a:cs typeface="Times New Roman" panose="02020603050405020304" pitchFamily="18" charset="0"/>
+              </a:rPr>
+              <a:t> ma </a:t>
+            </a:r>
+            <a:r>
+              <a:rPr lang="en-US" sz="2200" dirty="0" err="1">
+                <a:latin typeface="Times New Roman" panose="02020603050405020304" pitchFamily="18" charset="0"/>
+                <a:cs typeface="Times New Roman" panose="02020603050405020304" pitchFamily="18" charset="0"/>
+              </a:rPr>
+              <a:t>trận</a:t>
+            </a:r>
+            <a:r>
+              <a:rPr lang="en-US" sz="2200" dirty="0">
+                <a:latin typeface="Times New Roman" panose="02020603050405020304" pitchFamily="18" charset="0"/>
+                <a:cs typeface="Times New Roman" panose="02020603050405020304" pitchFamily="18" charset="0"/>
+              </a:rPr>
+              <a:t> </a:t>
+            </a:r>
+            <a:r>
+              <a:rPr lang="en-US" sz="2200" dirty="0" err="1">
+                <a:latin typeface="Times New Roman" panose="02020603050405020304" pitchFamily="18" charset="0"/>
+                <a:cs typeface="Times New Roman" panose="02020603050405020304" pitchFamily="18" charset="0"/>
+              </a:rPr>
+              <a:t>thưa</a:t>
+            </a:r>
+            <a:endParaRPr lang="en-US" sz="2200" dirty="0">
+              <a:latin typeface="Times New Roman" panose="02020603050405020304" pitchFamily="18" charset="0"/>
+              <a:cs typeface="Times New Roman" panose="02020603050405020304" pitchFamily="18" charset="0"/>
+            </a:endParaRPr>
+          </a:p>
+          <a:p>
+            <a:pPr lvl="1"/>
+            <a:r>
+              <a:rPr lang="en-US" sz="2200" dirty="0" err="1">
+                <a:latin typeface="Times New Roman" panose="02020603050405020304" pitchFamily="18" charset="0"/>
+                <a:cs typeface="Times New Roman" panose="02020603050405020304" pitchFamily="18" charset="0"/>
+              </a:rPr>
+              <a:t>Cài</a:t>
+            </a:r>
+            <a:r>
+              <a:rPr lang="en-US" sz="2200" dirty="0">
+                <a:latin typeface="Times New Roman" panose="02020603050405020304" pitchFamily="18" charset="0"/>
+                <a:cs typeface="Times New Roman" panose="02020603050405020304" pitchFamily="18" charset="0"/>
+              </a:rPr>
+              <a:t> </a:t>
+            </a:r>
+            <a:r>
+              <a:rPr lang="en-US" sz="2200" dirty="0" err="1">
+                <a:latin typeface="Times New Roman" panose="02020603050405020304" pitchFamily="18" charset="0"/>
+                <a:cs typeface="Times New Roman" panose="02020603050405020304" pitchFamily="18" charset="0"/>
+              </a:rPr>
+              <a:t>đặt</a:t>
+            </a:r>
+            <a:r>
+              <a:rPr lang="en-US" sz="2200" dirty="0">
+                <a:latin typeface="Times New Roman" panose="02020603050405020304" pitchFamily="18" charset="0"/>
+                <a:cs typeface="Times New Roman" panose="02020603050405020304" pitchFamily="18" charset="0"/>
+              </a:rPr>
+              <a:t> </a:t>
+            </a:r>
+            <a:r>
+              <a:rPr lang="en-US" sz="2200" dirty="0" err="1">
+                <a:latin typeface="Times New Roman" panose="02020603050405020304" pitchFamily="18" charset="0"/>
+                <a:cs typeface="Times New Roman" panose="02020603050405020304" pitchFamily="18" charset="0"/>
+              </a:rPr>
+              <a:t>nhiều</a:t>
+            </a:r>
+            <a:r>
+              <a:rPr lang="en-US" sz="2200" dirty="0">
+                <a:latin typeface="Times New Roman" panose="02020603050405020304" pitchFamily="18" charset="0"/>
+                <a:cs typeface="Times New Roman" panose="02020603050405020304" pitchFamily="18" charset="0"/>
+              </a:rPr>
+              <a:t> </a:t>
+            </a:r>
+            <a:r>
+              <a:rPr lang="en-US" sz="2200" dirty="0" err="1">
+                <a:latin typeface="Times New Roman" panose="02020603050405020304" pitchFamily="18" charset="0"/>
+                <a:cs typeface="Times New Roman" panose="02020603050405020304" pitchFamily="18" charset="0"/>
+              </a:rPr>
+              <a:t>thuật</a:t>
+            </a:r>
+            <a:r>
+              <a:rPr lang="en-US" sz="2200" dirty="0">
+                <a:latin typeface="Times New Roman" panose="02020603050405020304" pitchFamily="18" charset="0"/>
+                <a:cs typeface="Times New Roman" panose="02020603050405020304" pitchFamily="18" charset="0"/>
+              </a:rPr>
+              <a:t> </a:t>
+            </a:r>
+            <a:r>
+              <a:rPr lang="en-US" sz="2200" dirty="0" err="1">
+                <a:latin typeface="Times New Roman" panose="02020603050405020304" pitchFamily="18" charset="0"/>
+                <a:cs typeface="Times New Roman" panose="02020603050405020304" pitchFamily="18" charset="0"/>
+              </a:rPr>
+              <a:t>toán</a:t>
+            </a:r>
+            <a:r>
+              <a:rPr lang="en-US" sz="2200" dirty="0">
+                <a:latin typeface="Times New Roman" panose="02020603050405020304" pitchFamily="18" charset="0"/>
+                <a:cs typeface="Times New Roman" panose="02020603050405020304" pitchFamily="18" charset="0"/>
+              </a:rPr>
+              <a:t> </a:t>
+            </a:r>
+            <a:r>
+              <a:rPr lang="en-US" sz="2200" dirty="0" err="1">
+                <a:latin typeface="Times New Roman" panose="02020603050405020304" pitchFamily="18" charset="0"/>
+                <a:cs typeface="Times New Roman" panose="02020603050405020304" pitchFamily="18" charset="0"/>
+              </a:rPr>
+              <a:t>khác</a:t>
+            </a:r>
+            <a:r>
+              <a:rPr lang="en-US" sz="2200" dirty="0">
+                <a:latin typeface="Times New Roman" panose="02020603050405020304" pitchFamily="18" charset="0"/>
+                <a:cs typeface="Times New Roman" panose="02020603050405020304" pitchFamily="18" charset="0"/>
+              </a:rPr>
+              <a:t> </a:t>
+            </a:r>
+            <a:r>
+              <a:rPr lang="en-US" sz="2200" dirty="0" err="1">
+                <a:latin typeface="Times New Roman" panose="02020603050405020304" pitchFamily="18" charset="0"/>
+                <a:cs typeface="Times New Roman" panose="02020603050405020304" pitchFamily="18" charset="0"/>
+              </a:rPr>
+              <a:t>nhau</a:t>
+            </a:r>
+            <a:r>
+              <a:rPr lang="en-US" sz="2200" dirty="0">
+                <a:latin typeface="Times New Roman" panose="02020603050405020304" pitchFamily="18" charset="0"/>
+                <a:cs typeface="Times New Roman" panose="02020603050405020304" pitchFamily="18" charset="0"/>
+              </a:rPr>
+              <a:t> </a:t>
+            </a:r>
+            <a:r>
+              <a:rPr lang="en-US" sz="2200" dirty="0" err="1">
+                <a:latin typeface="Times New Roman" panose="02020603050405020304" pitchFamily="18" charset="0"/>
+                <a:cs typeface="Times New Roman" panose="02020603050405020304" pitchFamily="18" charset="0"/>
+              </a:rPr>
+              <a:t>với</a:t>
+            </a:r>
+            <a:r>
+              <a:rPr lang="en-US" sz="2200" dirty="0">
+                <a:latin typeface="Times New Roman" panose="02020603050405020304" pitchFamily="18" charset="0"/>
+                <a:cs typeface="Times New Roman" panose="02020603050405020304" pitchFamily="18" charset="0"/>
+              </a:rPr>
+              <a:t> </a:t>
+            </a:r>
+            <a:r>
+              <a:rPr lang="en-US" sz="2200" dirty="0" err="1">
+                <a:latin typeface="Times New Roman" panose="02020603050405020304" pitchFamily="18" charset="0"/>
+                <a:cs typeface="Times New Roman" panose="02020603050405020304" pitchFamily="18" charset="0"/>
+              </a:rPr>
+              <a:t>nhiều</a:t>
+            </a:r>
+            <a:r>
+              <a:rPr lang="en-US" sz="2200" dirty="0">
+                <a:latin typeface="Times New Roman" panose="02020603050405020304" pitchFamily="18" charset="0"/>
+                <a:cs typeface="Times New Roman" panose="02020603050405020304" pitchFamily="18" charset="0"/>
+              </a:rPr>
+              <a:t> </a:t>
+            </a:r>
+            <a:r>
+              <a:rPr lang="en-US" sz="2200" dirty="0" err="1">
+                <a:latin typeface="Times New Roman" panose="02020603050405020304" pitchFamily="18" charset="0"/>
+                <a:cs typeface="Times New Roman" panose="02020603050405020304" pitchFamily="18" charset="0"/>
+              </a:rPr>
+              <a:t>xử</a:t>
+            </a:r>
+            <a:r>
+              <a:rPr lang="en-US" sz="2200" dirty="0">
+                <a:latin typeface="Times New Roman" panose="02020603050405020304" pitchFamily="18" charset="0"/>
+                <a:cs typeface="Times New Roman" panose="02020603050405020304" pitchFamily="18" charset="0"/>
+              </a:rPr>
+              <a:t> </a:t>
+            </a:r>
+            <a:r>
+              <a:rPr lang="en-US" sz="2200" dirty="0" err="1">
+                <a:latin typeface="Times New Roman" panose="02020603050405020304" pitchFamily="18" charset="0"/>
+                <a:cs typeface="Times New Roman" panose="02020603050405020304" pitchFamily="18" charset="0"/>
+              </a:rPr>
+              <a:t>lý</a:t>
+            </a:r>
+            <a:r>
+              <a:rPr lang="en-US" sz="2200" dirty="0">
+                <a:latin typeface="Times New Roman" panose="02020603050405020304" pitchFamily="18" charset="0"/>
+                <a:cs typeface="Times New Roman" panose="02020603050405020304" pitchFamily="18" charset="0"/>
+              </a:rPr>
+              <a:t> </a:t>
+            </a:r>
+            <a:r>
+              <a:rPr lang="en-US" sz="2200" dirty="0" err="1">
+                <a:latin typeface="Times New Roman" panose="02020603050405020304" pitchFamily="18" charset="0"/>
+                <a:cs typeface="Times New Roman" panose="02020603050405020304" pitchFamily="18" charset="0"/>
+              </a:rPr>
+              <a:t>nâng</a:t>
+            </a:r>
+            <a:r>
+              <a:rPr lang="en-US" sz="2200" dirty="0">
+                <a:latin typeface="Times New Roman" panose="02020603050405020304" pitchFamily="18" charset="0"/>
+                <a:cs typeface="Times New Roman" panose="02020603050405020304" pitchFamily="18" charset="0"/>
+              </a:rPr>
+              <a:t> </a:t>
+            </a:r>
+            <a:r>
+              <a:rPr lang="en-US" sz="2200" dirty="0" err="1">
+                <a:latin typeface="Times New Roman" panose="02020603050405020304" pitchFamily="18" charset="0"/>
+                <a:cs typeface="Times New Roman" panose="02020603050405020304" pitchFamily="18" charset="0"/>
+              </a:rPr>
+              <a:t>cao</a:t>
+            </a:r>
+            <a:r>
+              <a:rPr lang="en-US" sz="2200" dirty="0">
+                <a:latin typeface="Times New Roman" panose="02020603050405020304" pitchFamily="18" charset="0"/>
+                <a:cs typeface="Times New Roman" panose="02020603050405020304" pitchFamily="18" charset="0"/>
+              </a:rPr>
+              <a:t> </a:t>
+            </a:r>
+            <a:r>
+              <a:rPr lang="en-US" sz="2200" dirty="0" err="1">
+                <a:latin typeface="Times New Roman" panose="02020603050405020304" pitchFamily="18" charset="0"/>
+                <a:cs typeface="Times New Roman" panose="02020603050405020304" pitchFamily="18" charset="0"/>
+              </a:rPr>
+              <a:t>hơn</a:t>
+            </a:r>
+            <a:endParaRPr lang="en-US" sz="2200" dirty="0">
+              <a:latin typeface="Times New Roman" panose="02020603050405020304" pitchFamily="18" charset="0"/>
+              <a:cs typeface="Times New Roman" panose="02020603050405020304" pitchFamily="18" charset="0"/>
+            </a:endParaRPr>
+          </a:p>
         </p:txBody>
       </p:sp>
+      <p:cxnSp>
+        <p:nvCxnSpPr>
+          <p:cNvPr id="6" name="Straight Connector 5"/>
+          <p:cNvCxnSpPr/>
+          <p:nvPr/>
+        </p:nvCxnSpPr>
+        <p:spPr>
+          <a:xfrm>
+            <a:off x="538843" y="1420586"/>
+            <a:ext cx="1387928" cy="1779814"/>
+          </a:xfrm>
+          <a:prstGeom prst="line">
+            <a:avLst/>
+          </a:prstGeom>
+          <a:ln>
+            <a:solidFill>
+              <a:schemeClr val="bg1"/>
+            </a:solidFill>
+          </a:ln>
+        </p:spPr>
+        <p:style>
+          <a:lnRef idx="1">
+            <a:schemeClr val="accent1"/>
+          </a:lnRef>
+          <a:fillRef idx="0">
+            <a:schemeClr val="accent1"/>
+          </a:fillRef>
+          <a:effectRef idx="0">
+            <a:schemeClr val="accent1"/>
+          </a:effectRef>
+          <a:fontRef idx="minor">
+            <a:schemeClr val="tx1"/>
+          </a:fontRef>
+        </p:style>
+      </p:cxnSp>
     </p:spTree>
     <p:extLst>
       <p:ext uri="{BB962C8B-B14F-4D97-AF65-F5344CB8AC3E}">
-        <p14:creationId xmlns:p14="http://schemas.microsoft.com/office/powerpoint/2010/main" val="1807699856"/>
+        <p14:creationId xmlns:p14="http://schemas.microsoft.com/office/powerpoint/2010/main" val="2464167904"/>
       </p:ext>
     </p:extLst>
   </p:cSld>
@@ -18782,12 +20139,7 @@
             <p:ph type="title"/>
           </p:nvPr>
         </p:nvSpPr>
-        <p:spPr>
-          <a:xfrm>
-            <a:off x="775305" y="527957"/>
-            <a:ext cx="8940195" cy="1055914"/>
-          </a:xfrm>
-        </p:spPr>
+        <p:spPr/>
         <p:txBody>
           <a:bodyPr>
             <a:normAutofit/>
@@ -18796,19 +20148,283 @@
           <a:p>
             <a:pPr algn="ctr"/>
             <a:r>
+              <a:rPr lang="en-US" sz="4000" dirty="0" err="1">
+                <a:latin typeface="Times New Roman" panose="02020603050405020304" pitchFamily="18" charset="0"/>
+                <a:cs typeface="Times New Roman" panose="02020603050405020304" pitchFamily="18" charset="0"/>
+              </a:rPr>
+              <a:t>Hướng</a:t>
+            </a:r>
+            <a:r>
               <a:rPr lang="en-US" sz="4000" dirty="0">
                 <a:latin typeface="Times New Roman" panose="02020603050405020304" pitchFamily="18" charset="0"/>
                 <a:cs typeface="Times New Roman" panose="02020603050405020304" pitchFamily="18" charset="0"/>
               </a:rPr>
-              <a:t>Demo</a:t>
-            </a:r>
+              <a:t> </a:t>
+            </a:r>
+            <a:r>
+              <a:rPr lang="en-US" sz="4000" dirty="0" err="1">
+                <a:latin typeface="Times New Roman" panose="02020603050405020304" pitchFamily="18" charset="0"/>
+                <a:cs typeface="Times New Roman" panose="02020603050405020304" pitchFamily="18" charset="0"/>
+              </a:rPr>
+              <a:t>phát</a:t>
+            </a:r>
+            <a:r>
+              <a:rPr lang="en-US" sz="4000" dirty="0">
+                <a:latin typeface="Times New Roman" panose="02020603050405020304" pitchFamily="18" charset="0"/>
+                <a:cs typeface="Times New Roman" panose="02020603050405020304" pitchFamily="18" charset="0"/>
+              </a:rPr>
+              <a:t> </a:t>
+            </a:r>
+            <a:r>
+              <a:rPr lang="en-US" sz="4000" dirty="0" err="1">
+                <a:latin typeface="Times New Roman" panose="02020603050405020304" pitchFamily="18" charset="0"/>
+                <a:cs typeface="Times New Roman" panose="02020603050405020304" pitchFamily="18" charset="0"/>
+              </a:rPr>
+              <a:t>triển</a:t>
+            </a:r>
+            <a:endParaRPr lang="en-US" sz="4000" dirty="0">
+              <a:latin typeface="Times New Roman" panose="02020603050405020304" pitchFamily="18" charset="0"/>
+              <a:cs typeface="Times New Roman" panose="02020603050405020304" pitchFamily="18" charset="0"/>
+            </a:endParaRPr>
+          </a:p>
+        </p:txBody>
+      </p:sp>
+      <p:sp>
+        <p:nvSpPr>
+          <p:cNvPr id="3" name="Content Placeholder 2"/>
+          <p:cNvSpPr>
+            <a:spLocks noGrp="1"/>
+          </p:cNvSpPr>
+          <p:nvPr>
+            <p:ph idx="1"/>
+          </p:nvPr>
+        </p:nvSpPr>
+        <p:spPr/>
+        <p:txBody>
+          <a:bodyPr>
+            <a:normAutofit/>
+          </a:bodyPr>
+          <a:lstStyle/>
+          <a:p>
+            <a:r>
+              <a:rPr lang="en-US" sz="2400" dirty="0" err="1">
+                <a:latin typeface="Times New Roman" panose="02020603050405020304" pitchFamily="18" charset="0"/>
+                <a:cs typeface="Times New Roman" panose="02020603050405020304" pitchFamily="18" charset="0"/>
+              </a:rPr>
+              <a:t>Cài</a:t>
+            </a:r>
+            <a:r>
+              <a:rPr lang="en-US" sz="2400" dirty="0">
+                <a:latin typeface="Times New Roman" panose="02020603050405020304" pitchFamily="18" charset="0"/>
+                <a:cs typeface="Times New Roman" panose="02020603050405020304" pitchFamily="18" charset="0"/>
+              </a:rPr>
+              <a:t> </a:t>
+            </a:r>
+            <a:r>
+              <a:rPr lang="en-US" sz="2400" dirty="0" err="1">
+                <a:latin typeface="Times New Roman" panose="02020603050405020304" pitchFamily="18" charset="0"/>
+                <a:cs typeface="Times New Roman" panose="02020603050405020304" pitchFamily="18" charset="0"/>
+              </a:rPr>
+              <a:t>đặt</a:t>
+            </a:r>
+            <a:r>
+              <a:rPr lang="en-US" sz="2400" dirty="0">
+                <a:latin typeface="Times New Roman" panose="02020603050405020304" pitchFamily="18" charset="0"/>
+                <a:cs typeface="Times New Roman" panose="02020603050405020304" pitchFamily="18" charset="0"/>
+              </a:rPr>
+              <a:t> </a:t>
+            </a:r>
+            <a:r>
+              <a:rPr lang="en-US" sz="2400" dirty="0" err="1">
+                <a:latin typeface="Times New Roman" panose="02020603050405020304" pitchFamily="18" charset="0"/>
+                <a:cs typeface="Times New Roman" panose="02020603050405020304" pitchFamily="18" charset="0"/>
+              </a:rPr>
+              <a:t>các</a:t>
+            </a:r>
+            <a:r>
+              <a:rPr lang="en-US" sz="2400" dirty="0">
+                <a:latin typeface="Times New Roman" panose="02020603050405020304" pitchFamily="18" charset="0"/>
+                <a:cs typeface="Times New Roman" panose="02020603050405020304" pitchFamily="18" charset="0"/>
+              </a:rPr>
+              <a:t> </a:t>
+            </a:r>
+            <a:r>
+              <a:rPr lang="en-US" sz="2400" dirty="0" err="1">
+                <a:latin typeface="Times New Roman" panose="02020603050405020304" pitchFamily="18" charset="0"/>
+                <a:cs typeface="Times New Roman" panose="02020603050405020304" pitchFamily="18" charset="0"/>
+              </a:rPr>
+              <a:t>thuật</a:t>
+            </a:r>
+            <a:r>
+              <a:rPr lang="en-US" sz="2400" dirty="0">
+                <a:latin typeface="Times New Roman" panose="02020603050405020304" pitchFamily="18" charset="0"/>
+                <a:cs typeface="Times New Roman" panose="02020603050405020304" pitchFamily="18" charset="0"/>
+              </a:rPr>
+              <a:t> </a:t>
+            </a:r>
+            <a:r>
+              <a:rPr lang="en-US" sz="2400" dirty="0" err="1">
+                <a:latin typeface="Times New Roman" panose="02020603050405020304" pitchFamily="18" charset="0"/>
+                <a:cs typeface="Times New Roman" panose="02020603050405020304" pitchFamily="18" charset="0"/>
+              </a:rPr>
+              <a:t>toán</a:t>
+            </a:r>
+            <a:r>
+              <a:rPr lang="en-US" sz="2400" dirty="0">
+                <a:latin typeface="Times New Roman" panose="02020603050405020304" pitchFamily="18" charset="0"/>
+                <a:cs typeface="Times New Roman" panose="02020603050405020304" pitchFamily="18" charset="0"/>
+              </a:rPr>
+              <a:t> </a:t>
+            </a:r>
+            <a:r>
+              <a:rPr lang="en-US" sz="2400" dirty="0" err="1">
+                <a:latin typeface="Times New Roman" panose="02020603050405020304" pitchFamily="18" charset="0"/>
+                <a:cs typeface="Times New Roman" panose="02020603050405020304" pitchFamily="18" charset="0"/>
+              </a:rPr>
+              <a:t>khuyến</a:t>
+            </a:r>
+            <a:r>
+              <a:rPr lang="en-US" sz="2400" dirty="0">
+                <a:latin typeface="Times New Roman" panose="02020603050405020304" pitchFamily="18" charset="0"/>
+                <a:cs typeface="Times New Roman" panose="02020603050405020304" pitchFamily="18" charset="0"/>
+              </a:rPr>
+              <a:t> </a:t>
+            </a:r>
+            <a:r>
+              <a:rPr lang="en-US" sz="2400" dirty="0" err="1">
+                <a:latin typeface="Times New Roman" panose="02020603050405020304" pitchFamily="18" charset="0"/>
+                <a:cs typeface="Times New Roman" panose="02020603050405020304" pitchFamily="18" charset="0"/>
+              </a:rPr>
+              <a:t>nghị</a:t>
+            </a:r>
+            <a:r>
+              <a:rPr lang="en-US" sz="2400" dirty="0">
+                <a:latin typeface="Times New Roman" panose="02020603050405020304" pitchFamily="18" charset="0"/>
+                <a:cs typeface="Times New Roman" panose="02020603050405020304" pitchFamily="18" charset="0"/>
+              </a:rPr>
+              <a:t> </a:t>
+            </a:r>
+            <a:r>
+              <a:rPr lang="en-US" sz="2400" dirty="0" err="1">
+                <a:latin typeface="Times New Roman" panose="02020603050405020304" pitchFamily="18" charset="0"/>
+                <a:cs typeface="Times New Roman" panose="02020603050405020304" pitchFamily="18" charset="0"/>
+              </a:rPr>
+              <a:t>mới</a:t>
+            </a:r>
+            <a:endParaRPr lang="en-US" sz="2400" dirty="0">
+              <a:latin typeface="Times New Roman" panose="02020603050405020304" pitchFamily="18" charset="0"/>
+              <a:cs typeface="Times New Roman" panose="02020603050405020304" pitchFamily="18" charset="0"/>
+            </a:endParaRPr>
+          </a:p>
+          <a:p>
+            <a:r>
+              <a:rPr lang="en-US" sz="2400" dirty="0" err="1">
+                <a:latin typeface="Times New Roman" panose="02020603050405020304" pitchFamily="18" charset="0"/>
+                <a:cs typeface="Times New Roman" panose="02020603050405020304" pitchFamily="18" charset="0"/>
+              </a:rPr>
+              <a:t>Xây</a:t>
+            </a:r>
+            <a:r>
+              <a:rPr lang="en-US" sz="2400" dirty="0">
+                <a:latin typeface="Times New Roman" panose="02020603050405020304" pitchFamily="18" charset="0"/>
+                <a:cs typeface="Times New Roman" panose="02020603050405020304" pitchFamily="18" charset="0"/>
+              </a:rPr>
+              <a:t> </a:t>
+            </a:r>
+            <a:r>
+              <a:rPr lang="en-US" sz="2400" dirty="0" err="1">
+                <a:latin typeface="Times New Roman" panose="02020603050405020304" pitchFamily="18" charset="0"/>
+                <a:cs typeface="Times New Roman" panose="02020603050405020304" pitchFamily="18" charset="0"/>
+              </a:rPr>
+              <a:t>dựng</a:t>
+            </a:r>
+            <a:r>
+              <a:rPr lang="en-US" sz="2400" dirty="0">
+                <a:latin typeface="Times New Roman" panose="02020603050405020304" pitchFamily="18" charset="0"/>
+                <a:cs typeface="Times New Roman" panose="02020603050405020304" pitchFamily="18" charset="0"/>
+              </a:rPr>
+              <a:t> dataset </a:t>
+            </a:r>
+            <a:r>
+              <a:rPr lang="en-US" sz="2400" dirty="0" err="1">
+                <a:latin typeface="Times New Roman" panose="02020603050405020304" pitchFamily="18" charset="0"/>
+                <a:cs typeface="Times New Roman" panose="02020603050405020304" pitchFamily="18" charset="0"/>
+              </a:rPr>
+              <a:t>thực</a:t>
+            </a:r>
+            <a:r>
+              <a:rPr lang="en-US" sz="2400" dirty="0">
+                <a:latin typeface="Times New Roman" panose="02020603050405020304" pitchFamily="18" charset="0"/>
+                <a:cs typeface="Times New Roman" panose="02020603050405020304" pitchFamily="18" charset="0"/>
+              </a:rPr>
+              <a:t> </a:t>
+            </a:r>
+            <a:r>
+              <a:rPr lang="en-US" sz="2400" dirty="0" err="1">
+                <a:latin typeface="Times New Roman" panose="02020603050405020304" pitchFamily="18" charset="0"/>
+                <a:cs typeface="Times New Roman" panose="02020603050405020304" pitchFamily="18" charset="0"/>
+              </a:rPr>
+              <a:t>nghiệm</a:t>
+            </a:r>
+            <a:r>
+              <a:rPr lang="en-US" sz="2400" dirty="0">
+                <a:latin typeface="Times New Roman" panose="02020603050405020304" pitchFamily="18" charset="0"/>
+                <a:cs typeface="Times New Roman" panose="02020603050405020304" pitchFamily="18" charset="0"/>
+              </a:rPr>
+              <a:t> </a:t>
+            </a:r>
+            <a:r>
+              <a:rPr lang="en-US" sz="2400" dirty="0" err="1">
+                <a:latin typeface="Times New Roman" panose="02020603050405020304" pitchFamily="18" charset="0"/>
+                <a:cs typeface="Times New Roman" panose="02020603050405020304" pitchFamily="18" charset="0"/>
+              </a:rPr>
+              <a:t>hoàn</a:t>
+            </a:r>
+            <a:r>
+              <a:rPr lang="en-US" sz="2400" dirty="0">
+                <a:latin typeface="Times New Roman" panose="02020603050405020304" pitchFamily="18" charset="0"/>
+                <a:cs typeface="Times New Roman" panose="02020603050405020304" pitchFamily="18" charset="0"/>
+              </a:rPr>
+              <a:t> </a:t>
+            </a:r>
+            <a:r>
+              <a:rPr lang="en-US" sz="2400" dirty="0" err="1">
+                <a:latin typeface="Times New Roman" panose="02020603050405020304" pitchFamily="18" charset="0"/>
+                <a:cs typeface="Times New Roman" panose="02020603050405020304" pitchFamily="18" charset="0"/>
+              </a:rPr>
+              <a:t>chỉnh</a:t>
+            </a:r>
+            <a:r>
+              <a:rPr lang="en-US" sz="2400" dirty="0">
+                <a:latin typeface="Times New Roman" panose="02020603050405020304" pitchFamily="18" charset="0"/>
+                <a:cs typeface="Times New Roman" panose="02020603050405020304" pitchFamily="18" charset="0"/>
+              </a:rPr>
+              <a:t> </a:t>
+            </a:r>
+            <a:r>
+              <a:rPr lang="en-US" sz="2400" dirty="0" err="1">
+                <a:latin typeface="Times New Roman" panose="02020603050405020304" pitchFamily="18" charset="0"/>
+                <a:cs typeface="Times New Roman" panose="02020603050405020304" pitchFamily="18" charset="0"/>
+              </a:rPr>
+              <a:t>hơn</a:t>
+            </a:r>
+            <a:endParaRPr lang="en-US" sz="2400" dirty="0">
+              <a:latin typeface="Times New Roman" panose="02020603050405020304" pitchFamily="18" charset="0"/>
+              <a:cs typeface="Times New Roman" panose="02020603050405020304" pitchFamily="18" charset="0"/>
+            </a:endParaRPr>
+          </a:p>
+          <a:p>
+            <a:endParaRPr lang="vi-VN" sz="2400" dirty="0">
+              <a:latin typeface="Times New Roman" panose="02020603050405020304" pitchFamily="18" charset="0"/>
+              <a:cs typeface="Times New Roman" panose="02020603050405020304" pitchFamily="18" charset="0"/>
+            </a:endParaRPr>
           </a:p>
         </p:txBody>
       </p:sp>
     </p:spTree>
     <p:extLst>
       <p:ext uri="{BB962C8B-B14F-4D97-AF65-F5344CB8AC3E}">
-        <p14:creationId xmlns:p14="http://schemas.microsoft.com/office/powerpoint/2010/main" val="2154294979"/>
+        <p14:creationId xmlns:p14="http://schemas.microsoft.com/office/powerpoint/2010/main" val="1807699856"/>
       </p:ext>
     </p:extLst>
   </p:cSld>
@@ -19239,11 +20855,74 @@
           <a:p>
             <a:pPr algn="ctr"/>
             <a:r>
+              <a:rPr lang="en-US" sz="4000" dirty="0">
+                <a:latin typeface="Times New Roman" panose="02020603050405020304" pitchFamily="18" charset="0"/>
+                <a:cs typeface="Times New Roman" panose="02020603050405020304" pitchFamily="18" charset="0"/>
+              </a:rPr>
+              <a:t>Demo</a:t>
+            </a:r>
+          </a:p>
+        </p:txBody>
+      </p:sp>
+    </p:spTree>
+    <p:extLst>
+      <p:ext uri="{BB962C8B-B14F-4D97-AF65-F5344CB8AC3E}">
+        <p14:creationId xmlns:p14="http://schemas.microsoft.com/office/powerpoint/2010/main" val="2154294979"/>
+      </p:ext>
+    </p:extLst>
+  </p:cSld>
+  <p:clrMapOvr>
+    <a:masterClrMapping/>
+  </p:clrMapOvr>
+</p:sld>
+</file>
+
+<file path=ppt/slides/slide21.xml><?xml version="1.0" encoding="utf-8"?>
+<p:sld xmlns:a="http://schemas.openxmlformats.org/drawingml/2006/main" xmlns:r="http://schemas.openxmlformats.org/officeDocument/2006/relationships" xmlns:p="http://schemas.openxmlformats.org/presentationml/2006/main">
+  <p:cSld>
+    <p:spTree>
+      <p:nvGrpSpPr>
+        <p:cNvPr id="1" name=""/>
+        <p:cNvGrpSpPr/>
+        <p:nvPr/>
+      </p:nvGrpSpPr>
+      <p:grpSpPr>
+        <a:xfrm>
+          <a:off x="0" y="0"/>
+          <a:ext cx="0" cy="0"/>
+          <a:chOff x="0" y="0"/>
+          <a:chExt cx="0" cy="0"/>
+        </a:xfrm>
+      </p:grpSpPr>
+      <p:sp>
+        <p:nvSpPr>
+          <p:cNvPr id="2" name="Title 1"/>
+          <p:cNvSpPr>
+            <a:spLocks noGrp="1"/>
+          </p:cNvSpPr>
+          <p:nvPr>
+            <p:ph type="title"/>
+          </p:nvPr>
+        </p:nvSpPr>
+        <p:spPr>
+          <a:xfrm>
+            <a:off x="1232505" y="1943101"/>
+            <a:ext cx="7682896" cy="1779814"/>
+          </a:xfrm>
+        </p:spPr>
+        <p:txBody>
+          <a:bodyPr>
+            <a:normAutofit/>
+          </a:bodyPr>
+          <a:lstStyle/>
+          <a:p>
+            <a:pPr algn="ctr"/>
+            <a:r>
               <a:rPr lang="en-US" sz="4000" dirty="0" err="1">
                 <a:latin typeface="Times New Roman" panose="02020603050405020304" pitchFamily="18" charset="0"/>
                 <a:cs typeface="Times New Roman" panose="02020603050405020304" pitchFamily="18" charset="0"/>
               </a:rPr>
-              <a:t>Lời</a:t>
+              <a:t>Chân</a:t>
             </a:r>
             <a:r>
               <a:rPr lang="en-US" sz="4000" dirty="0">
@@ -19257,6 +20936,20 @@
                 <a:latin typeface="Times New Roman" panose="02020603050405020304" pitchFamily="18" charset="0"/>
                 <a:cs typeface="Times New Roman" panose="02020603050405020304" pitchFamily="18" charset="0"/>
               </a:rPr>
+              <a:t>thành</a:t>
+            </a:r>
+            <a:r>
+              <a:rPr lang="en-US" sz="4000" dirty="0">
+                <a:latin typeface="Times New Roman" panose="02020603050405020304" pitchFamily="18" charset="0"/>
+                <a:cs typeface="Times New Roman" panose="02020603050405020304" pitchFamily="18" charset="0"/>
+              </a:rPr>
+              <a:t> </a:t>
+            </a:r>
+            <a:r>
+              <a:rPr lang="en-US" sz="4000" dirty="0" err="1">
+                <a:latin typeface="Times New Roman" panose="02020603050405020304" pitchFamily="18" charset="0"/>
+                <a:cs typeface="Times New Roman" panose="02020603050405020304" pitchFamily="18" charset="0"/>
+              </a:rPr>
               <a:t>cảm</a:t>
             </a:r>
             <a:r>
@@ -19273,10 +20966,131 @@
               </a:rPr>
               <a:t>ơn</a:t>
             </a:r>
-            <a:endParaRPr lang="en-US" sz="4000" dirty="0">
-              <a:latin typeface="Times New Roman" panose="02020603050405020304" pitchFamily="18" charset="0"/>
-              <a:cs typeface="Times New Roman" panose="02020603050405020304" pitchFamily="18" charset="0"/>
-            </a:endParaRPr>
+            <a:r>
+              <a:rPr lang="en-US" sz="4000" dirty="0">
+                <a:latin typeface="Times New Roman" panose="02020603050405020304" pitchFamily="18" charset="0"/>
+                <a:cs typeface="Times New Roman" panose="02020603050405020304" pitchFamily="18" charset="0"/>
+              </a:rPr>
+              <a:t> </a:t>
+            </a:r>
+            <a:r>
+              <a:rPr lang="en-US" sz="4000" dirty="0" err="1">
+                <a:latin typeface="Times New Roman" panose="02020603050405020304" pitchFamily="18" charset="0"/>
+                <a:cs typeface="Times New Roman" panose="02020603050405020304" pitchFamily="18" charset="0"/>
+              </a:rPr>
+              <a:t>quý</a:t>
+            </a:r>
+            <a:r>
+              <a:rPr lang="en-US" sz="4000" dirty="0">
+                <a:latin typeface="Times New Roman" panose="02020603050405020304" pitchFamily="18" charset="0"/>
+                <a:cs typeface="Times New Roman" panose="02020603050405020304" pitchFamily="18" charset="0"/>
+              </a:rPr>
+              <a:t> </a:t>
+            </a:r>
+            <a:r>
+              <a:rPr lang="en-US" sz="4000" dirty="0" err="1">
+                <a:latin typeface="Times New Roman" panose="02020603050405020304" pitchFamily="18" charset="0"/>
+                <a:cs typeface="Times New Roman" panose="02020603050405020304" pitchFamily="18" charset="0"/>
+              </a:rPr>
+              <a:t>thầy</a:t>
+            </a:r>
+            <a:r>
+              <a:rPr lang="en-US" sz="4000" dirty="0">
+                <a:latin typeface="Times New Roman" panose="02020603050405020304" pitchFamily="18" charset="0"/>
+                <a:cs typeface="Times New Roman" panose="02020603050405020304" pitchFamily="18" charset="0"/>
+              </a:rPr>
+              <a:t>, </a:t>
+            </a:r>
+            <a:r>
+              <a:rPr lang="en-US" sz="4000" dirty="0" err="1">
+                <a:latin typeface="Times New Roman" panose="02020603050405020304" pitchFamily="18" charset="0"/>
+                <a:cs typeface="Times New Roman" panose="02020603050405020304" pitchFamily="18" charset="0"/>
+              </a:rPr>
+              <a:t>cô</a:t>
+            </a:r>
+            <a:r>
+              <a:rPr lang="en-US" sz="4000" dirty="0">
+                <a:latin typeface="Times New Roman" panose="02020603050405020304" pitchFamily="18" charset="0"/>
+                <a:cs typeface="Times New Roman" panose="02020603050405020304" pitchFamily="18" charset="0"/>
+              </a:rPr>
+              <a:t> </a:t>
+            </a:r>
+            <a:br>
+              <a:rPr lang="en-US" sz="4000" dirty="0">
+                <a:latin typeface="Times New Roman" panose="02020603050405020304" pitchFamily="18" charset="0"/>
+                <a:cs typeface="Times New Roman" panose="02020603050405020304" pitchFamily="18" charset="0"/>
+              </a:rPr>
+            </a:br>
+            <a:r>
+              <a:rPr lang="en-US" sz="4000" dirty="0" err="1">
+                <a:latin typeface="Times New Roman" panose="02020603050405020304" pitchFamily="18" charset="0"/>
+                <a:cs typeface="Times New Roman" panose="02020603050405020304" pitchFamily="18" charset="0"/>
+              </a:rPr>
+              <a:t>và</a:t>
+            </a:r>
+            <a:r>
+              <a:rPr lang="en-US" sz="4000" dirty="0">
+                <a:latin typeface="Times New Roman" panose="02020603050405020304" pitchFamily="18" charset="0"/>
+                <a:cs typeface="Times New Roman" panose="02020603050405020304" pitchFamily="18" charset="0"/>
+              </a:rPr>
+              <a:t> </a:t>
+            </a:r>
+            <a:r>
+              <a:rPr lang="en-US" sz="4000" dirty="0" err="1">
+                <a:latin typeface="Times New Roman" panose="02020603050405020304" pitchFamily="18" charset="0"/>
+                <a:cs typeface="Times New Roman" panose="02020603050405020304" pitchFamily="18" charset="0"/>
+              </a:rPr>
+              <a:t>các</a:t>
+            </a:r>
+            <a:r>
+              <a:rPr lang="en-US" sz="4000" dirty="0">
+                <a:latin typeface="Times New Roman" panose="02020603050405020304" pitchFamily="18" charset="0"/>
+                <a:cs typeface="Times New Roman" panose="02020603050405020304" pitchFamily="18" charset="0"/>
+              </a:rPr>
+              <a:t> bạn </a:t>
+            </a:r>
+            <a:r>
+              <a:rPr lang="en-US" sz="4000" dirty="0" err="1">
+                <a:latin typeface="Times New Roman" panose="02020603050405020304" pitchFamily="18" charset="0"/>
+                <a:cs typeface="Times New Roman" panose="02020603050405020304" pitchFamily="18" charset="0"/>
+              </a:rPr>
+              <a:t>đã</a:t>
+            </a:r>
+            <a:r>
+              <a:rPr lang="en-US" sz="4000" dirty="0">
+                <a:latin typeface="Times New Roman" panose="02020603050405020304" pitchFamily="18" charset="0"/>
+                <a:cs typeface="Times New Roman" panose="02020603050405020304" pitchFamily="18" charset="0"/>
+              </a:rPr>
+              <a:t> </a:t>
+            </a:r>
+            <a:r>
+              <a:rPr lang="en-US" sz="4000" dirty="0" err="1">
+                <a:latin typeface="Times New Roman" panose="02020603050405020304" pitchFamily="18" charset="0"/>
+                <a:cs typeface="Times New Roman" panose="02020603050405020304" pitchFamily="18" charset="0"/>
+              </a:rPr>
+              <a:t>lắng</a:t>
+            </a:r>
+            <a:r>
+              <a:rPr lang="en-US" sz="4000" dirty="0">
+                <a:latin typeface="Times New Roman" panose="02020603050405020304" pitchFamily="18" charset="0"/>
+                <a:cs typeface="Times New Roman" panose="02020603050405020304" pitchFamily="18" charset="0"/>
+              </a:rPr>
+              <a:t> </a:t>
+            </a:r>
+            <a:r>
+              <a:rPr lang="en-US" sz="4000" dirty="0" err="1">
+                <a:latin typeface="Times New Roman" panose="02020603050405020304" pitchFamily="18" charset="0"/>
+                <a:cs typeface="Times New Roman" panose="02020603050405020304" pitchFamily="18" charset="0"/>
+              </a:rPr>
+              <a:t>nghe</a:t>
+            </a:r>
+            <a:r>
+              <a:rPr lang="en-US" sz="4000" dirty="0">
+                <a:latin typeface="Times New Roman" panose="02020603050405020304" pitchFamily="18" charset="0"/>
+                <a:cs typeface="Times New Roman" panose="02020603050405020304" pitchFamily="18" charset="0"/>
+              </a:rPr>
+              <a:t>!</a:t>
+            </a:r>
           </a:p>
         </p:txBody>
       </p:sp>
@@ -19401,7 +21215,7 @@
         <p:spPr>
           <a:xfrm>
             <a:off x="1892300" y="571500"/>
-            <a:ext cx="7366000" cy="646331"/>
+            <a:ext cx="7366000" cy="707886"/>
           </a:xfrm>
           <a:prstGeom prst="rect">
             <a:avLst/>
@@ -19416,56 +21230,88 @@
           <a:p>
             <a:pPr algn="ctr"/>
             <a:r>
-              <a:rPr lang="en-US" sz="3600" dirty="0" err="1">
-                <a:latin typeface="Times New Roman" panose="02020603050405020304" pitchFamily="18" charset="0"/>
+              <a:rPr lang="en-US" sz="4000" dirty="0" err="1">
+                <a:solidFill>
+                  <a:schemeClr val="accent1"/>
+                </a:solidFill>
+                <a:latin typeface="Times New Roman" panose="02020603050405020304" pitchFamily="18" charset="0"/>
+                <a:ea typeface="+mj-ea"/>
                 <a:cs typeface="Times New Roman" panose="02020603050405020304" pitchFamily="18" charset="0"/>
               </a:rPr>
               <a:t>Giới</a:t>
             </a:r>
             <a:r>
-              <a:rPr lang="en-US" sz="3600" dirty="0">
-                <a:latin typeface="Times New Roman" panose="02020603050405020304" pitchFamily="18" charset="0"/>
-                <a:cs typeface="Times New Roman" panose="02020603050405020304" pitchFamily="18" charset="0"/>
-              </a:rPr>
-              <a:t> </a:t>
-            </a:r>
-            <a:r>
-              <a:rPr lang="en-US" sz="3600" dirty="0" err="1">
-                <a:latin typeface="Times New Roman" panose="02020603050405020304" pitchFamily="18" charset="0"/>
+              <a:rPr lang="en-US" sz="4000" dirty="0">
+                <a:solidFill>
+                  <a:schemeClr val="accent1"/>
+                </a:solidFill>
+                <a:latin typeface="Times New Roman" panose="02020603050405020304" pitchFamily="18" charset="0"/>
+                <a:ea typeface="+mj-ea"/>
+                <a:cs typeface="Times New Roman" panose="02020603050405020304" pitchFamily="18" charset="0"/>
+              </a:rPr>
+              <a:t> </a:t>
+            </a:r>
+            <a:r>
+              <a:rPr lang="en-US" sz="4000" dirty="0" err="1">
+                <a:solidFill>
+                  <a:schemeClr val="accent1"/>
+                </a:solidFill>
+                <a:latin typeface="Times New Roman" panose="02020603050405020304" pitchFamily="18" charset="0"/>
+                <a:ea typeface="+mj-ea"/>
                 <a:cs typeface="Times New Roman" panose="02020603050405020304" pitchFamily="18" charset="0"/>
               </a:rPr>
               <a:t>thiệu</a:t>
             </a:r>
             <a:r>
-              <a:rPr lang="en-US" sz="3600" dirty="0">
-                <a:latin typeface="Times New Roman" panose="02020603050405020304" pitchFamily="18" charset="0"/>
-                <a:cs typeface="Times New Roman" panose="02020603050405020304" pitchFamily="18" charset="0"/>
-              </a:rPr>
-              <a:t> </a:t>
-            </a:r>
-            <a:r>
-              <a:rPr lang="en-US" sz="3600" dirty="0" err="1">
-                <a:latin typeface="Times New Roman" panose="02020603050405020304" pitchFamily="18" charset="0"/>
+              <a:rPr lang="en-US" sz="4000" dirty="0">
+                <a:solidFill>
+                  <a:schemeClr val="accent1"/>
+                </a:solidFill>
+                <a:latin typeface="Times New Roman" panose="02020603050405020304" pitchFamily="18" charset="0"/>
+                <a:ea typeface="+mj-ea"/>
+                <a:cs typeface="Times New Roman" panose="02020603050405020304" pitchFamily="18" charset="0"/>
+              </a:rPr>
+              <a:t> </a:t>
+            </a:r>
+            <a:r>
+              <a:rPr lang="en-US" sz="4000" dirty="0" err="1">
+                <a:solidFill>
+                  <a:schemeClr val="accent1"/>
+                </a:solidFill>
+                <a:latin typeface="Times New Roman" panose="02020603050405020304" pitchFamily="18" charset="0"/>
+                <a:ea typeface="+mj-ea"/>
                 <a:cs typeface="Times New Roman" panose="02020603050405020304" pitchFamily="18" charset="0"/>
               </a:rPr>
               <a:t>đề</a:t>
             </a:r>
             <a:r>
-              <a:rPr lang="en-US" sz="3600" dirty="0">
-                <a:latin typeface="Times New Roman" panose="02020603050405020304" pitchFamily="18" charset="0"/>
-                <a:cs typeface="Times New Roman" panose="02020603050405020304" pitchFamily="18" charset="0"/>
-              </a:rPr>
-              <a:t> </a:t>
-            </a:r>
-            <a:r>
-              <a:rPr lang="en-US" sz="3600" dirty="0" err="1">
-                <a:latin typeface="Times New Roman" panose="02020603050405020304" pitchFamily="18" charset="0"/>
+              <a:rPr lang="en-US" sz="4000" dirty="0">
+                <a:solidFill>
+                  <a:schemeClr val="accent1"/>
+                </a:solidFill>
+                <a:latin typeface="Times New Roman" panose="02020603050405020304" pitchFamily="18" charset="0"/>
+                <a:ea typeface="+mj-ea"/>
+                <a:cs typeface="Times New Roman" panose="02020603050405020304" pitchFamily="18" charset="0"/>
+              </a:rPr>
+              <a:t> </a:t>
+            </a:r>
+            <a:r>
+              <a:rPr lang="en-US" sz="4000" dirty="0" err="1">
+                <a:solidFill>
+                  <a:schemeClr val="accent1"/>
+                </a:solidFill>
+                <a:latin typeface="Times New Roman" panose="02020603050405020304" pitchFamily="18" charset="0"/>
+                <a:ea typeface="+mj-ea"/>
                 <a:cs typeface="Times New Roman" panose="02020603050405020304" pitchFamily="18" charset="0"/>
               </a:rPr>
               <a:t>tài</a:t>
             </a:r>
-            <a:endParaRPr lang="en-US" sz="3600" dirty="0">
+            <a:endParaRPr lang="en-US" sz="4000" dirty="0">
+              <a:solidFill>
+                <a:schemeClr val="accent1"/>
+              </a:solidFill>
               <a:latin typeface="Times New Roman" panose="02020603050405020304" pitchFamily="18" charset="0"/>
+              <a:ea typeface="+mj-ea"/>
               <a:cs typeface="Times New Roman" panose="02020603050405020304" pitchFamily="18" charset="0"/>
             </a:endParaRPr>
           </a:p>
@@ -21520,163 +23366,283 @@
           <a:lstStyle/>
           <a:p>
             <a:r>
-              <a:rPr lang="en-US" sz="4400" dirty="0" err="1"/>
+              <a:rPr lang="en-US" sz="4400" dirty="0" err="1">
+                <a:latin typeface="Times New Roman" panose="02020603050405020304" pitchFamily="18" charset="0"/>
+                <a:cs typeface="Times New Roman" panose="02020603050405020304" pitchFamily="18" charset="0"/>
+              </a:rPr>
               <a:t>Là</a:t>
             </a:r>
             <a:r>
-              <a:rPr lang="en-US" sz="4400" dirty="0"/>
-              <a:t> </a:t>
-            </a:r>
-            <a:r>
-              <a:rPr lang="en-US" sz="4400" dirty="0" err="1"/>
+              <a:rPr lang="en-US" sz="4400" dirty="0">
+                <a:latin typeface="Times New Roman" panose="02020603050405020304" pitchFamily="18" charset="0"/>
+                <a:cs typeface="Times New Roman" panose="02020603050405020304" pitchFamily="18" charset="0"/>
+              </a:rPr>
+              <a:t> </a:t>
+            </a:r>
+            <a:r>
+              <a:rPr lang="en-US" sz="4400" dirty="0" err="1">
+                <a:latin typeface="Times New Roman" panose="02020603050405020304" pitchFamily="18" charset="0"/>
+                <a:cs typeface="Times New Roman" panose="02020603050405020304" pitchFamily="18" charset="0"/>
+              </a:rPr>
               <a:t>bài</a:t>
             </a:r>
             <a:r>
-              <a:rPr lang="en-US" sz="4400" dirty="0"/>
-              <a:t> </a:t>
-            </a:r>
-            <a:r>
-              <a:rPr lang="en-US" sz="4400" dirty="0" err="1"/>
+              <a:rPr lang="en-US" sz="4400" dirty="0">
+                <a:latin typeface="Times New Roman" panose="02020603050405020304" pitchFamily="18" charset="0"/>
+                <a:cs typeface="Times New Roman" panose="02020603050405020304" pitchFamily="18" charset="0"/>
+              </a:rPr>
+              <a:t> </a:t>
+            </a:r>
+            <a:r>
+              <a:rPr lang="en-US" sz="4400" dirty="0" err="1">
+                <a:latin typeface="Times New Roman" panose="02020603050405020304" pitchFamily="18" charset="0"/>
+                <a:cs typeface="Times New Roman" panose="02020603050405020304" pitchFamily="18" charset="0"/>
+              </a:rPr>
               <a:t>toán</a:t>
             </a:r>
             <a:r>
-              <a:rPr lang="en-US" sz="4400" dirty="0"/>
-              <a:t> </a:t>
-            </a:r>
-            <a:r>
-              <a:rPr lang="en-US" sz="4400" dirty="0" err="1"/>
+              <a:rPr lang="en-US" sz="4400" dirty="0">
+                <a:latin typeface="Times New Roman" panose="02020603050405020304" pitchFamily="18" charset="0"/>
+                <a:cs typeface="Times New Roman" panose="02020603050405020304" pitchFamily="18" charset="0"/>
+              </a:rPr>
+              <a:t> </a:t>
+            </a:r>
+            <a:r>
+              <a:rPr lang="en-US" sz="4400" dirty="0" err="1">
+                <a:latin typeface="Times New Roman" panose="02020603050405020304" pitchFamily="18" charset="0"/>
+                <a:cs typeface="Times New Roman" panose="02020603050405020304" pitchFamily="18" charset="0"/>
+              </a:rPr>
               <a:t>đưa</a:t>
             </a:r>
             <a:r>
-              <a:rPr lang="en-US" sz="4400" dirty="0"/>
-              <a:t> </a:t>
-            </a:r>
-            <a:r>
-              <a:rPr lang="en-US" sz="4400" dirty="0" err="1"/>
+              <a:rPr lang="en-US" sz="4400" dirty="0">
+                <a:latin typeface="Times New Roman" panose="02020603050405020304" pitchFamily="18" charset="0"/>
+                <a:cs typeface="Times New Roman" panose="02020603050405020304" pitchFamily="18" charset="0"/>
+              </a:rPr>
+              <a:t> </a:t>
+            </a:r>
+            <a:r>
+              <a:rPr lang="en-US" sz="4400" dirty="0" err="1">
+                <a:latin typeface="Times New Roman" panose="02020603050405020304" pitchFamily="18" charset="0"/>
+                <a:cs typeface="Times New Roman" panose="02020603050405020304" pitchFamily="18" charset="0"/>
+              </a:rPr>
               <a:t>những</a:t>
             </a:r>
             <a:r>
-              <a:rPr lang="en-US" sz="4400" dirty="0"/>
-              <a:t> </a:t>
-            </a:r>
-            <a:r>
-              <a:rPr lang="en-US" sz="4400" dirty="0" err="1"/>
+              <a:rPr lang="en-US" sz="4400" dirty="0">
+                <a:latin typeface="Times New Roman" panose="02020603050405020304" pitchFamily="18" charset="0"/>
+                <a:cs typeface="Times New Roman" panose="02020603050405020304" pitchFamily="18" charset="0"/>
+              </a:rPr>
+              <a:t> </a:t>
+            </a:r>
+            <a:r>
+              <a:rPr lang="en-US" sz="4400" dirty="0" err="1">
+                <a:latin typeface="Times New Roman" panose="02020603050405020304" pitchFamily="18" charset="0"/>
+                <a:cs typeface="Times New Roman" panose="02020603050405020304" pitchFamily="18" charset="0"/>
+              </a:rPr>
               <a:t>công</a:t>
             </a:r>
             <a:r>
-              <a:rPr lang="en-US" sz="4400" dirty="0"/>
-              <a:t> </a:t>
-            </a:r>
-            <a:r>
-              <a:rPr lang="en-US" sz="4400" dirty="0" err="1"/>
+              <a:rPr lang="en-US" sz="4400" dirty="0">
+                <a:latin typeface="Times New Roman" panose="02020603050405020304" pitchFamily="18" charset="0"/>
+                <a:cs typeface="Times New Roman" panose="02020603050405020304" pitchFamily="18" charset="0"/>
+              </a:rPr>
+              <a:t> </a:t>
+            </a:r>
+            <a:r>
+              <a:rPr lang="en-US" sz="4400" dirty="0" err="1">
+                <a:latin typeface="Times New Roman" panose="02020603050405020304" pitchFamily="18" charset="0"/>
+                <a:cs typeface="Times New Roman" panose="02020603050405020304" pitchFamily="18" charset="0"/>
+              </a:rPr>
               <a:t>việc</a:t>
             </a:r>
             <a:r>
-              <a:rPr lang="en-US" sz="4400" dirty="0"/>
-              <a:t> </a:t>
-            </a:r>
-            <a:r>
-              <a:rPr lang="en-US" sz="4400" dirty="0" err="1"/>
+              <a:rPr lang="en-US" sz="4400" dirty="0">
+                <a:latin typeface="Times New Roman" panose="02020603050405020304" pitchFamily="18" charset="0"/>
+                <a:cs typeface="Times New Roman" panose="02020603050405020304" pitchFamily="18" charset="0"/>
+              </a:rPr>
+              <a:t> </a:t>
+            </a:r>
+            <a:r>
+              <a:rPr lang="en-US" sz="4400" dirty="0" err="1">
+                <a:latin typeface="Times New Roman" panose="02020603050405020304" pitchFamily="18" charset="0"/>
+                <a:cs typeface="Times New Roman" panose="02020603050405020304" pitchFamily="18" charset="0"/>
+              </a:rPr>
               <a:t>được</a:t>
             </a:r>
             <a:r>
-              <a:rPr lang="en-US" sz="4400" dirty="0"/>
-              <a:t> </a:t>
-            </a:r>
-            <a:r>
-              <a:rPr lang="en-US" sz="4400" dirty="0" err="1"/>
+              <a:rPr lang="en-US" sz="4400" dirty="0">
+                <a:latin typeface="Times New Roman" panose="02020603050405020304" pitchFamily="18" charset="0"/>
+                <a:cs typeface="Times New Roman" panose="02020603050405020304" pitchFamily="18" charset="0"/>
+              </a:rPr>
+              <a:t> </a:t>
+            </a:r>
+            <a:r>
+              <a:rPr lang="en-US" sz="4400" dirty="0" err="1">
+                <a:latin typeface="Times New Roman" panose="02020603050405020304" pitchFamily="18" charset="0"/>
+                <a:cs typeface="Times New Roman" panose="02020603050405020304" pitchFamily="18" charset="0"/>
+              </a:rPr>
               <a:t>máy</a:t>
             </a:r>
             <a:r>
-              <a:rPr lang="en-US" sz="4400" dirty="0"/>
-              <a:t> </a:t>
-            </a:r>
-            <a:r>
-              <a:rPr lang="en-US" sz="4400" dirty="0" err="1"/>
+              <a:rPr lang="en-US" sz="4400" dirty="0">
+                <a:latin typeface="Times New Roman" panose="02020603050405020304" pitchFamily="18" charset="0"/>
+                <a:cs typeface="Times New Roman" panose="02020603050405020304" pitchFamily="18" charset="0"/>
+              </a:rPr>
+              <a:t> </a:t>
+            </a:r>
+            <a:r>
+              <a:rPr lang="en-US" sz="4400" dirty="0" err="1">
+                <a:latin typeface="Times New Roman" panose="02020603050405020304" pitchFamily="18" charset="0"/>
+                <a:cs typeface="Times New Roman" panose="02020603050405020304" pitchFamily="18" charset="0"/>
+              </a:rPr>
               <a:t>tính</a:t>
             </a:r>
             <a:r>
-              <a:rPr lang="en-US" sz="4400" dirty="0"/>
-              <a:t> </a:t>
-            </a:r>
-            <a:r>
-              <a:rPr lang="en-US" sz="4400" dirty="0" err="1"/>
+              <a:rPr lang="en-US" sz="4400" dirty="0">
+                <a:latin typeface="Times New Roman" panose="02020603050405020304" pitchFamily="18" charset="0"/>
+                <a:cs typeface="Times New Roman" panose="02020603050405020304" pitchFamily="18" charset="0"/>
+              </a:rPr>
+              <a:t> </a:t>
+            </a:r>
+            <a:r>
+              <a:rPr lang="en-US" sz="4400" dirty="0" err="1">
+                <a:latin typeface="Times New Roman" panose="02020603050405020304" pitchFamily="18" charset="0"/>
+                <a:cs typeface="Times New Roman" panose="02020603050405020304" pitchFamily="18" charset="0"/>
+              </a:rPr>
               <a:t>dự</a:t>
             </a:r>
             <a:r>
-              <a:rPr lang="en-US" sz="4400" dirty="0"/>
-              <a:t> </a:t>
-            </a:r>
-            <a:r>
-              <a:rPr lang="en-US" sz="4400" dirty="0" err="1"/>
+              <a:rPr lang="en-US" sz="4400" dirty="0">
+                <a:latin typeface="Times New Roman" panose="02020603050405020304" pitchFamily="18" charset="0"/>
+                <a:cs typeface="Times New Roman" panose="02020603050405020304" pitchFamily="18" charset="0"/>
+              </a:rPr>
+              <a:t> </a:t>
+            </a:r>
+            <a:r>
+              <a:rPr lang="en-US" sz="4400" dirty="0" err="1">
+                <a:latin typeface="Times New Roman" panose="02020603050405020304" pitchFamily="18" charset="0"/>
+                <a:cs typeface="Times New Roman" panose="02020603050405020304" pitchFamily="18" charset="0"/>
+              </a:rPr>
               <a:t>đoán</a:t>
             </a:r>
             <a:r>
-              <a:rPr lang="en-US" sz="4400" dirty="0"/>
-              <a:t> </a:t>
-            </a:r>
-            <a:r>
-              <a:rPr lang="en-US" sz="4400" dirty="0" err="1"/>
+              <a:rPr lang="en-US" sz="4400" dirty="0">
+                <a:latin typeface="Times New Roman" panose="02020603050405020304" pitchFamily="18" charset="0"/>
+                <a:cs typeface="Times New Roman" panose="02020603050405020304" pitchFamily="18" charset="0"/>
+              </a:rPr>
+              <a:t> </a:t>
+            </a:r>
+            <a:r>
+              <a:rPr lang="en-US" sz="4400" dirty="0" err="1">
+                <a:latin typeface="Times New Roman" panose="02020603050405020304" pitchFamily="18" charset="0"/>
+                <a:cs typeface="Times New Roman" panose="02020603050405020304" pitchFamily="18" charset="0"/>
+              </a:rPr>
               <a:t>là</a:t>
             </a:r>
             <a:r>
-              <a:rPr lang="en-US" sz="4400" dirty="0"/>
-              <a:t> </a:t>
-            </a:r>
-            <a:r>
-              <a:rPr lang="en-US" sz="4400" dirty="0" err="1"/>
+              <a:rPr lang="en-US" sz="4400" dirty="0">
+                <a:latin typeface="Times New Roman" panose="02020603050405020304" pitchFamily="18" charset="0"/>
+                <a:cs typeface="Times New Roman" panose="02020603050405020304" pitchFamily="18" charset="0"/>
+              </a:rPr>
+              <a:t> </a:t>
+            </a:r>
+            <a:r>
+              <a:rPr lang="en-US" sz="4400" dirty="0" err="1">
+                <a:latin typeface="Times New Roman" panose="02020603050405020304" pitchFamily="18" charset="0"/>
+                <a:cs typeface="Times New Roman" panose="02020603050405020304" pitchFamily="18" charset="0"/>
+              </a:rPr>
               <a:t>phù</a:t>
             </a:r>
             <a:r>
-              <a:rPr lang="en-US" sz="4400" dirty="0"/>
-              <a:t> </a:t>
-            </a:r>
-            <a:r>
-              <a:rPr lang="en-US" sz="4400" dirty="0" err="1"/>
+              <a:rPr lang="en-US" sz="4400" dirty="0">
+                <a:latin typeface="Times New Roman" panose="02020603050405020304" pitchFamily="18" charset="0"/>
+                <a:cs typeface="Times New Roman" panose="02020603050405020304" pitchFamily="18" charset="0"/>
+              </a:rPr>
+              <a:t> </a:t>
+            </a:r>
+            <a:r>
+              <a:rPr lang="en-US" sz="4400" dirty="0" err="1">
+                <a:latin typeface="Times New Roman" panose="02020603050405020304" pitchFamily="18" charset="0"/>
+                <a:cs typeface="Times New Roman" panose="02020603050405020304" pitchFamily="18" charset="0"/>
+              </a:rPr>
               <a:t>hợp</a:t>
             </a:r>
             <a:r>
-              <a:rPr lang="en-US" sz="4400" dirty="0"/>
-              <a:t> </a:t>
-            </a:r>
-            <a:r>
-              <a:rPr lang="en-US" sz="4400" dirty="0" err="1"/>
+              <a:rPr lang="en-US" sz="4400" dirty="0">
+                <a:latin typeface="Times New Roman" panose="02020603050405020304" pitchFamily="18" charset="0"/>
+                <a:cs typeface="Times New Roman" panose="02020603050405020304" pitchFamily="18" charset="0"/>
+              </a:rPr>
+              <a:t> </a:t>
+            </a:r>
+            <a:r>
+              <a:rPr lang="en-US" sz="4400" dirty="0" err="1">
+                <a:latin typeface="Times New Roman" panose="02020603050405020304" pitchFamily="18" charset="0"/>
+                <a:cs typeface="Times New Roman" panose="02020603050405020304" pitchFamily="18" charset="0"/>
+              </a:rPr>
               <a:t>đến</a:t>
             </a:r>
             <a:r>
-              <a:rPr lang="en-US" sz="4400" dirty="0"/>
-              <a:t> </a:t>
-            </a:r>
-            <a:r>
-              <a:rPr lang="en-US" sz="4400" dirty="0" err="1"/>
+              <a:rPr lang="en-US" sz="4400" dirty="0">
+                <a:latin typeface="Times New Roman" panose="02020603050405020304" pitchFamily="18" charset="0"/>
+                <a:cs typeface="Times New Roman" panose="02020603050405020304" pitchFamily="18" charset="0"/>
+              </a:rPr>
+              <a:t> </a:t>
+            </a:r>
+            <a:r>
+              <a:rPr lang="en-US" sz="4400" dirty="0" err="1">
+                <a:latin typeface="Times New Roman" panose="02020603050405020304" pitchFamily="18" charset="0"/>
+                <a:cs typeface="Times New Roman" panose="02020603050405020304" pitchFamily="18" charset="0"/>
+              </a:rPr>
               <a:t>với</a:t>
             </a:r>
             <a:r>
-              <a:rPr lang="en-US" sz="4400" dirty="0"/>
-              <a:t> </a:t>
-            </a:r>
-            <a:r>
-              <a:rPr lang="en-US" sz="4400" dirty="0" err="1"/>
+              <a:rPr lang="en-US" sz="4400" dirty="0">
+                <a:latin typeface="Times New Roman" panose="02020603050405020304" pitchFamily="18" charset="0"/>
+                <a:cs typeface="Times New Roman" panose="02020603050405020304" pitchFamily="18" charset="0"/>
+              </a:rPr>
+              <a:t> </a:t>
+            </a:r>
+            <a:r>
+              <a:rPr lang="en-US" sz="4400" dirty="0" err="1">
+                <a:latin typeface="Times New Roman" panose="02020603050405020304" pitchFamily="18" charset="0"/>
+                <a:cs typeface="Times New Roman" panose="02020603050405020304" pitchFamily="18" charset="0"/>
+              </a:rPr>
               <a:t>người</a:t>
             </a:r>
             <a:r>
-              <a:rPr lang="en-US" sz="4400" dirty="0"/>
-              <a:t> </a:t>
-            </a:r>
-            <a:r>
-              <a:rPr lang="en-US" sz="4400" dirty="0" err="1"/>
+              <a:rPr lang="en-US" sz="4400" dirty="0">
+                <a:latin typeface="Times New Roman" panose="02020603050405020304" pitchFamily="18" charset="0"/>
+                <a:cs typeface="Times New Roman" panose="02020603050405020304" pitchFamily="18" charset="0"/>
+              </a:rPr>
+              <a:t> </a:t>
+            </a:r>
+            <a:r>
+              <a:rPr lang="en-US" sz="4400" dirty="0" err="1">
+                <a:latin typeface="Times New Roman" panose="02020603050405020304" pitchFamily="18" charset="0"/>
+                <a:cs typeface="Times New Roman" panose="02020603050405020304" pitchFamily="18" charset="0"/>
+              </a:rPr>
               <a:t>tìm</a:t>
             </a:r>
             <a:r>
-              <a:rPr lang="en-US" sz="4400" dirty="0"/>
-              <a:t> </a:t>
-            </a:r>
-            <a:r>
-              <a:rPr lang="en-US" sz="4400" dirty="0" err="1"/>
+              <a:rPr lang="en-US" sz="4400" dirty="0">
+                <a:latin typeface="Times New Roman" panose="02020603050405020304" pitchFamily="18" charset="0"/>
+                <a:cs typeface="Times New Roman" panose="02020603050405020304" pitchFamily="18" charset="0"/>
+              </a:rPr>
+              <a:t> </a:t>
+            </a:r>
+            <a:r>
+              <a:rPr lang="en-US" sz="4400" dirty="0" err="1">
+                <a:latin typeface="Times New Roman" panose="02020603050405020304" pitchFamily="18" charset="0"/>
+                <a:cs typeface="Times New Roman" panose="02020603050405020304" pitchFamily="18" charset="0"/>
+              </a:rPr>
               <a:t>việc</a:t>
             </a:r>
             <a:r>
-              <a:rPr lang="en-US" sz="4400" dirty="0"/>
+              <a:rPr lang="en-US" sz="4400" dirty="0">
+                <a:latin typeface="Times New Roman" panose="02020603050405020304" pitchFamily="18" charset="0"/>
+                <a:cs typeface="Times New Roman" panose="02020603050405020304" pitchFamily="18" charset="0"/>
+              </a:rPr>
               <a:t>.</a:t>
             </a:r>
           </a:p>
